--- a/NGS_ppt.pptx
+++ b/NGS_ppt.pptx
@@ -213,7 +213,7 @@
           <a:p>
             <a:fld id="{378ED946-4A02-4588-B79C-14D38AF04319}" type="datetimeFigureOut">
               <a:rPr lang="en-US" smtClean="0"/>
-              <a:t>8/25/2025</a:t>
+              <a:t>8/26/2025</a:t>
             </a:fld>
             <a:endParaRPr lang="en-US"/>
           </a:p>
@@ -4463,7 +4463,7 @@
           <a:p>
             <a:fld id="{557EBD4B-D9A9-427B-BBF5-8D7A0390865B}" type="datetime1">
               <a:rPr lang="en-US" smtClean="0"/>
-              <a:t>8/25/2025</a:t>
+              <a:t>8/26/2025</a:t>
             </a:fld>
             <a:endParaRPr lang="en-US"/>
           </a:p>
@@ -4661,7 +4661,7 @@
           <a:p>
             <a:fld id="{45EB521B-AED8-4640-B94F-B33F48CCB74E}" type="datetime1">
               <a:rPr lang="en-US" smtClean="0"/>
-              <a:t>8/25/2025</a:t>
+              <a:t>8/26/2025</a:t>
             </a:fld>
             <a:endParaRPr lang="en-US"/>
           </a:p>
@@ -4869,7 +4869,7 @@
           <a:p>
             <a:fld id="{0C0F1F2F-CBBF-490D-9D7A-F85BAFB92123}" type="datetime1">
               <a:rPr lang="en-US" smtClean="0"/>
-              <a:t>8/25/2025</a:t>
+              <a:t>8/26/2025</a:t>
             </a:fld>
             <a:endParaRPr lang="en-US"/>
           </a:p>
@@ -5067,7 +5067,7 @@
           <a:p>
             <a:fld id="{BCC52EB4-69B2-4BEE-98EE-662958A0BA1F}" type="datetime1">
               <a:rPr lang="en-US" smtClean="0"/>
-              <a:t>8/25/2025</a:t>
+              <a:t>8/26/2025</a:t>
             </a:fld>
             <a:endParaRPr lang="en-US"/>
           </a:p>
@@ -5342,7 +5342,7 @@
           <a:p>
             <a:fld id="{96BF2895-8E37-48E8-A3DB-F06D4E757F4E}" type="datetime1">
               <a:rPr lang="en-US" smtClean="0"/>
-              <a:t>8/25/2025</a:t>
+              <a:t>8/26/2025</a:t>
             </a:fld>
             <a:endParaRPr lang="en-US"/>
           </a:p>
@@ -5607,7 +5607,7 @@
           <a:p>
             <a:fld id="{EE29AEFC-5FCE-4238-B385-E4FBC0DA0DF7}" type="datetime1">
               <a:rPr lang="en-US" smtClean="0"/>
-              <a:t>8/25/2025</a:t>
+              <a:t>8/26/2025</a:t>
             </a:fld>
             <a:endParaRPr lang="en-US"/>
           </a:p>
@@ -6019,7 +6019,7 @@
           <a:p>
             <a:fld id="{E2AB055C-250F-4C01-8274-9F3F5FC93DFB}" type="datetime1">
               <a:rPr lang="en-US" smtClean="0"/>
-              <a:t>8/25/2025</a:t>
+              <a:t>8/26/2025</a:t>
             </a:fld>
             <a:endParaRPr lang="en-US"/>
           </a:p>
@@ -6160,7 +6160,7 @@
           <a:p>
             <a:fld id="{57C099CA-A5EA-4E74-8ACA-08A4670C1742}" type="datetime1">
               <a:rPr lang="en-US" smtClean="0"/>
-              <a:t>8/25/2025</a:t>
+              <a:t>8/26/2025</a:t>
             </a:fld>
             <a:endParaRPr lang="en-US"/>
           </a:p>
@@ -6273,7 +6273,7 @@
           <a:p>
             <a:fld id="{5EA65F79-2732-47F5-BEA0-588AC98BDF57}" type="datetime1">
               <a:rPr lang="en-US" smtClean="0"/>
-              <a:t>8/25/2025</a:t>
+              <a:t>8/26/2025</a:t>
             </a:fld>
             <a:endParaRPr lang="en-US"/>
           </a:p>
@@ -6584,7 +6584,7 @@
           <a:p>
             <a:fld id="{5599A50F-11BA-4470-88C6-793D3837ED31}" type="datetime1">
               <a:rPr lang="en-US" smtClean="0"/>
-              <a:t>8/25/2025</a:t>
+              <a:t>8/26/2025</a:t>
             </a:fld>
             <a:endParaRPr lang="en-US"/>
           </a:p>
@@ -6872,7 +6872,7 @@
           <a:p>
             <a:fld id="{E0A1C90E-74C3-4639-8B10-4C012E55C06B}" type="datetime1">
               <a:rPr lang="en-US" smtClean="0"/>
-              <a:t>8/25/2025</a:t>
+              <a:t>8/26/2025</a:t>
             </a:fld>
             <a:endParaRPr lang="en-US"/>
           </a:p>
@@ -7113,7 +7113,7 @@
           <a:p>
             <a:fld id="{D4A5705D-09A0-4B67-AF12-77C4C90BE3DD}" type="datetime1">
               <a:rPr lang="en-US" smtClean="0"/>
-              <a:t>8/25/2025</a:t>
+              <a:t>8/26/2025</a:t>
             </a:fld>
             <a:endParaRPr lang="en-US"/>
           </a:p>
@@ -8264,7 +8264,7 @@
                 <a:latin typeface="Times New Roman" panose="02020603050405020304" pitchFamily="18" charset="0"/>
                 <a:cs typeface="Times New Roman" panose="02020603050405020304" pitchFamily="18" charset="0"/>
               </a:rPr>
-              <a:t>25 August 2025</a:t>
+              <a:t>26 August 2025</a:t>
             </a:fld>
             <a:endParaRPr lang="en-US" sz="6200" b="1" dirty="0">
               <a:latin typeface="Times New Roman" panose="02020603050405020304" pitchFamily="18" charset="0"/>
@@ -18819,7 +18819,7 @@
         <p:spPr>
           <a:xfrm>
             <a:off x="1200566" y="643467"/>
-            <a:ext cx="10739309" cy="5893921"/>
+            <a:ext cx="10739309" cy="5432256"/>
           </a:xfrm>
           <a:prstGeom prst="rect">
             <a:avLst/>
@@ -18837,7 +18837,7 @@
                 <a:latin typeface="Times New Roman" panose="02020603050405020304" pitchFamily="18" charset="0"/>
                 <a:cs typeface="Times New Roman" panose="02020603050405020304" pitchFamily="18" charset="0"/>
               </a:rPr>
-              <a:t>Full Report Q&amp;A and Dashboard App</a:t>
+              <a:t>Q&amp;A</a:t>
             </a:r>
           </a:p>
           <a:p>
@@ -18858,14 +18858,14 @@
               <a:buChar char="•"/>
             </a:pPr>
             <a:r>
-              <a:rPr lang="en-US" sz="2000" b="1">
+              <a:rPr lang="en-US" sz="2000" b="1" dirty="0">
                 <a:latin typeface="Times New Roman" panose="02020603050405020304" pitchFamily="18" charset="0"/>
                 <a:cs typeface="Times New Roman" panose="02020603050405020304" pitchFamily="18" charset="0"/>
               </a:rPr>
               <a:t>Download the </a:t>
             </a:r>
             <a:r>
-              <a:rPr lang="en-US" sz="2000" b="1">
+              <a:rPr lang="en-US" sz="2000" b="1" dirty="0">
                 <a:latin typeface="Times New Roman" panose="02020603050405020304" pitchFamily="18" charset="0"/>
                 <a:cs typeface="Times New Roman" panose="02020603050405020304" pitchFamily="18" charset="0"/>
                 <a:hlinkClick r:id="rId4" action="ppaction://hlinkfile"/>
@@ -18873,19 +18873,15 @@
               <a:t>Report</a:t>
             </a:r>
             <a:r>
-              <a:rPr lang="en-US" sz="2000" b="1">
+              <a:rPr lang="en-US" sz="2000" b="1" dirty="0">
                 <a:latin typeface="Times New Roman" panose="02020603050405020304" pitchFamily="18" charset="0"/>
                 <a:cs typeface="Times New Roman" panose="02020603050405020304" pitchFamily="18" charset="0"/>
               </a:rPr>
               <a:t> </a:t>
             </a:r>
-            <a:endParaRPr lang="en-US" sz="2000" b="1" dirty="0">
-              <a:latin typeface="Times New Roman" panose="02020603050405020304" pitchFamily="18" charset="0"/>
-              <a:cs typeface="Times New Roman" panose="02020603050405020304" pitchFamily="18" charset="0"/>
-            </a:endParaRPr>
-          </a:p>
-          <a:p>
-            <a:pPr lvl="1">
+          </a:p>
+          <a:p>
+            <a:pPr>
               <a:lnSpc>
                 <a:spcPct val="150000"/>
               </a:lnSpc>
@@ -18899,7 +18895,7 @@
             </a:r>
           </a:p>
           <a:p>
-            <a:pPr lvl="1">
+            <a:pPr>
               <a:lnSpc>
                 <a:spcPct val="150000"/>
               </a:lnSpc>
@@ -18923,7 +18919,7 @@
             </a:endParaRPr>
           </a:p>
           <a:p>
-            <a:pPr lvl="1">
+            <a:pPr>
               <a:lnSpc>
                 <a:spcPct val="150000"/>
               </a:lnSpc>
@@ -19020,27 +19016,6 @@
               <a:rPr lang="en-US" sz="2000" b="1" dirty="0">
                 <a:latin typeface="Times New Roman" panose="02020603050405020304" pitchFamily="18" charset="0"/>
                 <a:cs typeface="Times New Roman" panose="02020603050405020304" pitchFamily="18" charset="0"/>
-                <a:hlinkClick r:id="rId7"/>
-              </a:rPr>
-              <a:t>Dashboard App</a:t>
-            </a:r>
-            <a:endParaRPr lang="en-US" sz="2000" b="1" dirty="0">
-              <a:latin typeface="Times New Roman" panose="02020603050405020304" pitchFamily="18" charset="0"/>
-              <a:cs typeface="Times New Roman" panose="02020603050405020304" pitchFamily="18" charset="0"/>
-            </a:endParaRPr>
-          </a:p>
-          <a:p>
-            <a:pPr marL="342900" indent="-342900">
-              <a:lnSpc>
-                <a:spcPct val="150000"/>
-              </a:lnSpc>
-              <a:buFont typeface="Arial" panose="020B0604020202020204" pitchFamily="34" charset="0"/>
-              <a:buChar char="•"/>
-            </a:pPr>
-            <a:r>
-              <a:rPr lang="en-US" sz="2000" b="1" dirty="0">
-                <a:latin typeface="Times New Roman" panose="02020603050405020304" pitchFamily="18" charset="0"/>
-                <a:cs typeface="Times New Roman" panose="02020603050405020304" pitchFamily="18" charset="0"/>
               </a:rPr>
               <a:t>Contact</a:t>
             </a:r>
@@ -19066,7 +19041,7 @@
               <a:rPr lang="en-US" dirty="0">
                 <a:latin typeface="Times New Roman" panose="02020603050405020304" pitchFamily="18" charset="0"/>
                 <a:cs typeface="Times New Roman" panose="02020603050405020304" pitchFamily="18" charset="0"/>
-                <a:hlinkClick r:id="rId8"/>
+                <a:hlinkClick r:id="rId7"/>
               </a:rPr>
               <a:t>fuxi.ma@outlook.com</a:t>
             </a:r>
@@ -19142,7 +19117,7 @@
           <p:nvPr/>
         </p:nvPicPr>
         <p:blipFill>
-          <a:blip r:embed="rId9">
+          <a:blip r:embed="rId8">
             <a:extLst>
               <a:ext uri="{28A0092B-C50C-407E-A947-70E740481C1C}">
                 <a14:useLocalDpi xmlns:a14="http://schemas.microsoft.com/office/drawing/2010/main" val="0"/>
@@ -19178,7 +19153,7 @@
           <p:nvPr/>
         </p:nvPicPr>
         <p:blipFill>
-          <a:blip r:embed="rId10">
+          <a:blip r:embed="rId9">
             <a:extLst>
               <a:ext uri="{28A0092B-C50C-407E-A947-70E740481C1C}">
                 <a14:useLocalDpi xmlns:a14="http://schemas.microsoft.com/office/drawing/2010/main" val="0"/>

--- a/NGS_ppt.pptx
+++ b/NGS_ppt.pptx
@@ -18,9 +18,9 @@
     <p:sldId id="318" r:id="rId9"/>
     <p:sldId id="283" r:id="rId10"/>
     <p:sldId id="320" r:id="rId11"/>
-    <p:sldId id="334" r:id="rId12"/>
-    <p:sldId id="321" r:id="rId13"/>
-    <p:sldId id="319" r:id="rId14"/>
+    <p:sldId id="321" r:id="rId12"/>
+    <p:sldId id="319" r:id="rId13"/>
+    <p:sldId id="334" r:id="rId14"/>
     <p:sldId id="335" r:id="rId15"/>
     <p:sldId id="329" r:id="rId16"/>
     <p:sldId id="324" r:id="rId17"/>
@@ -609,176 +609,6 @@
         <p:cNvPr id="1" name="">
           <a:extLst>
             <a:ext uri="{FF2B5EF4-FFF2-40B4-BE49-F238E27FC236}">
-              <a16:creationId xmlns:a16="http://schemas.microsoft.com/office/drawing/2014/main" id="{0CB7409C-6750-B652-4442-F54DFD5AA4DE}"/>
-            </a:ext>
-          </a:extLst>
-        </p:cNvPr>
-        <p:cNvGrpSpPr/>
-        <p:nvPr/>
-      </p:nvGrpSpPr>
-      <p:grpSpPr>
-        <a:xfrm>
-          <a:off x="0" y="0"/>
-          <a:ext cx="0" cy="0"/>
-          <a:chOff x="0" y="0"/>
-          <a:chExt cx="0" cy="0"/>
-        </a:xfrm>
-      </p:grpSpPr>
-      <p:sp>
-        <p:nvSpPr>
-          <p:cNvPr id="2" name="Slide Image Placeholder 1">
-            <a:extLst>
-              <a:ext uri="{FF2B5EF4-FFF2-40B4-BE49-F238E27FC236}">
-                <a16:creationId xmlns:a16="http://schemas.microsoft.com/office/drawing/2014/main" id="{EA50F604-013E-DC01-18B9-69D6A814B5EC}"/>
-              </a:ext>
-            </a:extLst>
-          </p:cNvPr>
-          <p:cNvSpPr>
-            <a:spLocks noGrp="1" noRot="1" noChangeAspect="1"/>
-          </p:cNvSpPr>
-          <p:nvPr>
-            <p:ph type="sldImg"/>
-          </p:nvPr>
-        </p:nvSpPr>
-        <p:spPr/>
-      </p:sp>
-      <p:sp>
-        <p:nvSpPr>
-          <p:cNvPr id="3" name="Notes Placeholder 2">
-            <a:extLst>
-              <a:ext uri="{FF2B5EF4-FFF2-40B4-BE49-F238E27FC236}">
-                <a16:creationId xmlns:a16="http://schemas.microsoft.com/office/drawing/2014/main" id="{F0C4C7DC-3AC0-915C-B7F8-63C9B0B2161E}"/>
-              </a:ext>
-            </a:extLst>
-          </p:cNvPr>
-          <p:cNvSpPr>
-            <a:spLocks noGrp="1"/>
-          </p:cNvSpPr>
-          <p:nvPr>
-            <p:ph type="body" idx="1"/>
-          </p:nvPr>
-        </p:nvSpPr>
-        <p:spPr/>
-        <p:txBody>
-          <a:bodyPr/>
-          <a:lstStyle/>
-          <a:p>
-            <a:r>
-              <a:rPr lang="en-US" sz="1200" b="1" dirty="0">
-                <a:latin typeface="Times New Roman" panose="02020603050405020304" pitchFamily="18" charset="0"/>
-                <a:cs typeface="Times New Roman" panose="02020603050405020304" pitchFamily="18" charset="0"/>
-              </a:rPr>
-              <a:t>This one shows the Employment Income Patterns</a:t>
-            </a:r>
-            <a:br>
-              <a:rPr lang="en-US" sz="1200" b="1" dirty="0">
-                <a:latin typeface="Times New Roman" panose="02020603050405020304" pitchFamily="18" charset="0"/>
-                <a:cs typeface="Times New Roman" panose="02020603050405020304" pitchFamily="18" charset="0"/>
-              </a:rPr>
-            </a:br>
-            <a:endParaRPr lang="en-US" sz="1200" b="1" dirty="0">
-              <a:latin typeface="Times New Roman" panose="02020603050405020304" pitchFamily="18" charset="0"/>
-              <a:cs typeface="Times New Roman" panose="02020603050405020304" pitchFamily="18" charset="0"/>
-            </a:endParaRPr>
-          </a:p>
-          <a:p>
-            <a:pPr marL="0" marR="0" lvl="0" indent="0" algn="l" defTabSz="914400" rtl="0" eaLnBrk="1" fontAlgn="auto" latinLnBrk="0" hangingPunct="1">
-              <a:lnSpc>
-                <a:spcPct val="100000"/>
-              </a:lnSpc>
-              <a:spcBef>
-                <a:spcPts val="0"/>
-              </a:spcBef>
-              <a:spcAft>
-                <a:spcPts val="0"/>
-              </a:spcAft>
-              <a:buClrTx/>
-              <a:buSzTx/>
-              <a:buFontTx/>
-              <a:buNone/>
-              <a:tabLst/>
-              <a:defRPr/>
-            </a:pPr>
-            <a:r>
-              <a:rPr lang="en-US" sz="1200" kern="1200" dirty="0">
-                <a:solidFill>
-                  <a:schemeClr val="tx1"/>
-                </a:solidFill>
-                <a:effectLst/>
-                <a:latin typeface="+mn-lt"/>
-                <a:ea typeface="+mn-ea"/>
-                <a:cs typeface="+mn-cs"/>
-              </a:rPr>
-              <a:t>The average income is around sixty thousand dollars. But the range is huge. </a:t>
-            </a:r>
-            <a:endParaRPr lang="en-US" dirty="0"/>
-          </a:p>
-          <a:p>
-            <a:br>
-              <a:rPr lang="en-US" sz="1200" kern="1200" dirty="0">
-                <a:solidFill>
-                  <a:schemeClr val="tx1"/>
-                </a:solidFill>
-                <a:effectLst/>
-                <a:latin typeface="+mn-lt"/>
-                <a:ea typeface="+mn-ea"/>
-                <a:cs typeface="+mn-cs"/>
-              </a:rPr>
-            </a:br>
-            <a:endParaRPr lang="en-US" dirty="0"/>
-          </a:p>
-        </p:txBody>
-      </p:sp>
-      <p:sp>
-        <p:nvSpPr>
-          <p:cNvPr id="4" name="Slide Number Placeholder 3">
-            <a:extLst>
-              <a:ext uri="{FF2B5EF4-FFF2-40B4-BE49-F238E27FC236}">
-                <a16:creationId xmlns:a16="http://schemas.microsoft.com/office/drawing/2014/main" id="{D449B876-6E3C-796B-C5B1-04E7C0A5C0F5}"/>
-              </a:ext>
-            </a:extLst>
-          </p:cNvPr>
-          <p:cNvSpPr>
-            <a:spLocks noGrp="1"/>
-          </p:cNvSpPr>
-          <p:nvPr>
-            <p:ph type="sldNum" sz="quarter" idx="5"/>
-          </p:nvPr>
-        </p:nvSpPr>
-        <p:spPr/>
-        <p:txBody>
-          <a:bodyPr/>
-          <a:lstStyle/>
-          <a:p>
-            <a:fld id="{DAAF6644-A4CE-4154-B543-AD992E27A400}" type="slidenum">
-              <a:rPr lang="en-US" smtClean="0"/>
-              <a:t>12</a:t>
-            </a:fld>
-            <a:endParaRPr lang="en-US"/>
-          </a:p>
-        </p:txBody>
-      </p:sp>
-    </p:spTree>
-    <p:extLst>
-      <p:ext uri="{BB962C8B-B14F-4D97-AF65-F5344CB8AC3E}">
-        <p14:creationId xmlns:p14="http://schemas.microsoft.com/office/powerpoint/2010/main" val="1388510954"/>
-      </p:ext>
-    </p:extLst>
-  </p:cSld>
-  <p:clrMapOvr>
-    <a:masterClrMapping/>
-  </p:clrMapOvr>
-</p:notes>
-</file>
-
-<file path=ppt/notesSlides/notesSlide11.xml><?xml version="1.0" encoding="utf-8"?>
-<p:notes xmlns:a="http://schemas.openxmlformats.org/drawingml/2006/main" xmlns:r="http://schemas.openxmlformats.org/officeDocument/2006/relationships" xmlns:p="http://schemas.openxmlformats.org/presentationml/2006/main">
-  <p:cSld>
-    <p:spTree>
-      <p:nvGrpSpPr>
-        <p:cNvPr id="1" name="">
-          <a:extLst>
-            <a:ext uri="{FF2B5EF4-FFF2-40B4-BE49-F238E27FC236}">
               <a16:creationId xmlns:a16="http://schemas.microsoft.com/office/drawing/2014/main" id="{7AF24D01-B085-71D2-DF25-421B5C7B36C7}"/>
             </a:ext>
           </a:extLst>
@@ -875,7 +705,7 @@
           <a:p>
             <a:fld id="{DAAF6644-A4CE-4154-B543-AD992E27A400}" type="slidenum">
               <a:rPr lang="en-US" smtClean="0"/>
-              <a:t>13</a:t>
+              <a:t>12</a:t>
             </a:fld>
             <a:endParaRPr lang="en-US"/>
           </a:p>
@@ -885,6 +715,255 @@
     <p:extLst>
       <p:ext uri="{BB962C8B-B14F-4D97-AF65-F5344CB8AC3E}">
         <p14:creationId xmlns:p14="http://schemas.microsoft.com/office/powerpoint/2010/main" val="3527510194"/>
+      </p:ext>
+    </p:extLst>
+  </p:cSld>
+  <p:clrMapOvr>
+    <a:masterClrMapping/>
+  </p:clrMapOvr>
+</p:notes>
+</file>
+
+<file path=ppt/notesSlides/notesSlide11.xml><?xml version="1.0" encoding="utf-8"?>
+<p:notes xmlns:a="http://schemas.openxmlformats.org/drawingml/2006/main" xmlns:r="http://schemas.openxmlformats.org/officeDocument/2006/relationships" xmlns:p="http://schemas.openxmlformats.org/presentationml/2006/main">
+  <p:cSld>
+    <p:spTree>
+      <p:nvGrpSpPr>
+        <p:cNvPr id="1" name="">
+          <a:extLst>
+            <a:ext uri="{FF2B5EF4-FFF2-40B4-BE49-F238E27FC236}">
+              <a16:creationId xmlns:a16="http://schemas.microsoft.com/office/drawing/2014/main" id="{7812DFEC-D146-419E-8317-9F2018E69FD7}"/>
+            </a:ext>
+          </a:extLst>
+        </p:cNvPr>
+        <p:cNvGrpSpPr/>
+        <p:nvPr/>
+      </p:nvGrpSpPr>
+      <p:grpSpPr>
+        <a:xfrm>
+          <a:off x="0" y="0"/>
+          <a:ext cx="0" cy="0"/>
+          <a:chOff x="0" y="0"/>
+          <a:chExt cx="0" cy="0"/>
+        </a:xfrm>
+      </p:grpSpPr>
+      <p:sp>
+        <p:nvSpPr>
+          <p:cNvPr id="2" name="Slide Image Placeholder 1">
+            <a:extLst>
+              <a:ext uri="{FF2B5EF4-FFF2-40B4-BE49-F238E27FC236}">
+                <a16:creationId xmlns:a16="http://schemas.microsoft.com/office/drawing/2014/main" id="{611D0873-CE2D-D6F6-4CE2-C0F5BAD7E323}"/>
+              </a:ext>
+            </a:extLst>
+          </p:cNvPr>
+          <p:cNvSpPr>
+            <a:spLocks noGrp="1" noRot="1" noChangeAspect="1"/>
+          </p:cNvSpPr>
+          <p:nvPr>
+            <p:ph type="sldImg"/>
+          </p:nvPr>
+        </p:nvSpPr>
+        <p:spPr/>
+      </p:sp>
+      <p:sp>
+        <p:nvSpPr>
+          <p:cNvPr id="3" name="Notes Placeholder 2">
+            <a:extLst>
+              <a:ext uri="{FF2B5EF4-FFF2-40B4-BE49-F238E27FC236}">
+                <a16:creationId xmlns:a16="http://schemas.microsoft.com/office/drawing/2014/main" id="{5AFBEB80-AB4D-A721-7F49-0084957E90C0}"/>
+              </a:ext>
+            </a:extLst>
+          </p:cNvPr>
+          <p:cNvSpPr>
+            <a:spLocks noGrp="1"/>
+          </p:cNvSpPr>
+          <p:nvPr>
+            <p:ph type="body" idx="1"/>
+          </p:nvPr>
+        </p:nvSpPr>
+        <p:spPr/>
+        <p:txBody>
+          <a:bodyPr/>
+          <a:lstStyle/>
+          <a:p>
+            <a:pPr marL="0" marR="0" lvl="0" indent="0" algn="l" defTabSz="914400" rtl="0" eaLnBrk="1" fontAlgn="auto" latinLnBrk="0" hangingPunct="1">
+              <a:lnSpc>
+                <a:spcPct val="100000"/>
+              </a:lnSpc>
+              <a:spcBef>
+                <a:spcPts val="0"/>
+              </a:spcBef>
+              <a:spcAft>
+                <a:spcPts val="0"/>
+              </a:spcAft>
+              <a:buClrTx/>
+              <a:buSzTx/>
+              <a:buFontTx/>
+              <a:buNone/>
+              <a:tabLst/>
+              <a:defRPr/>
+            </a:pPr>
+            <a:r>
+              <a:rPr lang="en-US" sz="1200" b="0" dirty="0">
+                <a:latin typeface="Times New Roman" panose="02020603050405020304" pitchFamily="18" charset="0"/>
+                <a:cs typeface="Times New Roman" panose="02020603050405020304" pitchFamily="18" charset="0"/>
+              </a:rPr>
+              <a:t>This one is </a:t>
+            </a:r>
+            <a:r>
+              <a:rPr lang="en-US" sz="1200" b="1" dirty="0">
+                <a:latin typeface="Times New Roman" panose="02020603050405020304" pitchFamily="18" charset="0"/>
+                <a:cs typeface="Times New Roman" panose="02020603050405020304" pitchFamily="18" charset="0"/>
+              </a:rPr>
+              <a:t>Predictor Weights for both Employment Status &amp; Income</a:t>
+            </a:r>
+            <a:endParaRPr lang="en-US" sz="1200" dirty="0">
+              <a:latin typeface="Times New Roman" panose="02020603050405020304" pitchFamily="18" charset="0"/>
+              <a:cs typeface="Times New Roman" panose="02020603050405020304" pitchFamily="18" charset="0"/>
+            </a:endParaRPr>
+          </a:p>
+          <a:p>
+            <a:br>
+              <a:rPr lang="en-US" sz="1200" kern="1200" dirty="0">
+                <a:solidFill>
+                  <a:schemeClr val="tx1"/>
+                </a:solidFill>
+                <a:effectLst/>
+                <a:latin typeface="+mn-lt"/>
+                <a:ea typeface="+mn-ea"/>
+                <a:cs typeface="+mn-cs"/>
+              </a:rPr>
+            </a:br>
+            <a:r>
+              <a:rPr lang="en-US" sz="1200" kern="1200" dirty="0">
+                <a:solidFill>
+                  <a:schemeClr val="tx1"/>
+                </a:solidFill>
+                <a:effectLst/>
+                <a:latin typeface="+mn-lt"/>
+                <a:ea typeface="+mn-ea"/>
+                <a:cs typeface="+mn-cs"/>
+              </a:rPr>
+              <a:t>They indicate that the single most important predictor is </a:t>
+            </a:r>
+            <a:r>
+              <a:rPr lang="en-US" sz="1200" b="1" kern="1200" dirty="0">
+                <a:solidFill>
+                  <a:schemeClr val="tx1"/>
+                </a:solidFill>
+                <a:effectLst/>
+                <a:latin typeface="+mn-lt"/>
+                <a:ea typeface="+mn-ea"/>
+                <a:cs typeface="+mn-cs"/>
+              </a:rPr>
+              <a:t>Program</a:t>
+            </a:r>
+            <a:r>
+              <a:rPr lang="en-US" sz="1200" kern="1200" dirty="0">
+                <a:solidFill>
+                  <a:schemeClr val="tx1"/>
+                </a:solidFill>
+                <a:effectLst/>
+                <a:latin typeface="+mn-lt"/>
+                <a:ea typeface="+mn-ea"/>
+                <a:cs typeface="+mn-cs"/>
+              </a:rPr>
+              <a:t>.</a:t>
+            </a:r>
+            <a:br>
+              <a:rPr lang="en-US" sz="1200" kern="1200" dirty="0">
+                <a:solidFill>
+                  <a:schemeClr val="tx1"/>
+                </a:solidFill>
+                <a:effectLst/>
+                <a:latin typeface="+mn-lt"/>
+                <a:ea typeface="+mn-ea"/>
+                <a:cs typeface="+mn-cs"/>
+              </a:rPr>
+            </a:br>
+            <a:endParaRPr lang="en-US" sz="1200" kern="1200" dirty="0">
+              <a:solidFill>
+                <a:schemeClr val="tx1"/>
+              </a:solidFill>
+              <a:effectLst/>
+              <a:latin typeface="+mn-lt"/>
+              <a:ea typeface="+mn-ea"/>
+              <a:cs typeface="+mn-cs"/>
+            </a:endParaRPr>
+          </a:p>
+          <a:p>
+            <a:r>
+              <a:rPr lang="en-US" sz="1200" kern="1200" dirty="0">
+                <a:solidFill>
+                  <a:schemeClr val="tx1"/>
+                </a:solidFill>
+                <a:effectLst/>
+                <a:latin typeface="+mn-lt"/>
+                <a:ea typeface="+mn-ea"/>
+                <a:cs typeface="+mn-cs"/>
+              </a:rPr>
+              <a:t>Also, Level of Study and Region were key factors as well</a:t>
+            </a:r>
+            <a:endParaRPr lang="en-US" dirty="0"/>
+          </a:p>
+          <a:p>
+            <a:pPr marL="0" marR="0" lvl="0" indent="0" algn="l" defTabSz="914400" rtl="0" eaLnBrk="1" fontAlgn="auto" latinLnBrk="0" hangingPunct="1">
+              <a:lnSpc>
+                <a:spcPct val="100000"/>
+              </a:lnSpc>
+              <a:spcBef>
+                <a:spcPts val="0"/>
+              </a:spcBef>
+              <a:spcAft>
+                <a:spcPts val="0"/>
+              </a:spcAft>
+              <a:buClrTx/>
+              <a:buSzTx/>
+              <a:buFontTx/>
+              <a:buNone/>
+              <a:tabLst/>
+              <a:defRPr/>
+            </a:pPr>
+            <a:endParaRPr lang="en-US" dirty="0"/>
+          </a:p>
+          <a:p>
+            <a:endParaRPr lang="en-US" dirty="0"/>
+          </a:p>
+        </p:txBody>
+      </p:sp>
+      <p:sp>
+        <p:nvSpPr>
+          <p:cNvPr id="4" name="Slide Number Placeholder 3">
+            <a:extLst>
+              <a:ext uri="{FF2B5EF4-FFF2-40B4-BE49-F238E27FC236}">
+                <a16:creationId xmlns:a16="http://schemas.microsoft.com/office/drawing/2014/main" id="{DCFE3062-8EC4-CDF2-4439-EAA5E2EFCFC8}"/>
+              </a:ext>
+            </a:extLst>
+          </p:cNvPr>
+          <p:cNvSpPr>
+            <a:spLocks noGrp="1"/>
+          </p:cNvSpPr>
+          <p:nvPr>
+            <p:ph type="sldNum" sz="quarter" idx="5"/>
+          </p:nvPr>
+        </p:nvSpPr>
+        <p:spPr/>
+        <p:txBody>
+          <a:bodyPr/>
+          <a:lstStyle/>
+          <a:p>
+            <a:fld id="{DAAF6644-A4CE-4154-B543-AD992E27A400}" type="slidenum">
+              <a:rPr lang="en-US" smtClean="0"/>
+              <a:t>13</a:t>
+            </a:fld>
+            <a:endParaRPr lang="en-US"/>
+          </a:p>
+        </p:txBody>
+      </p:sp>
+    </p:spTree>
+    <p:extLst>
+      <p:ext uri="{BB962C8B-B14F-4D97-AF65-F5344CB8AC3E}">
+        <p14:creationId xmlns:p14="http://schemas.microsoft.com/office/powerpoint/2010/main" val="3672634201"/>
       </p:ext>
     </p:extLst>
   </p:cSld>
@@ -4075,7 +4154,7 @@
         <p:cNvPr id="1" name="">
           <a:extLst>
             <a:ext uri="{FF2B5EF4-FFF2-40B4-BE49-F238E27FC236}">
-              <a16:creationId xmlns:a16="http://schemas.microsoft.com/office/drawing/2014/main" id="{7812DFEC-D146-419E-8317-9F2018E69FD7}"/>
+              <a16:creationId xmlns:a16="http://schemas.microsoft.com/office/drawing/2014/main" id="{0CB7409C-6750-B652-4442-F54DFD5AA4DE}"/>
             </a:ext>
           </a:extLst>
         </p:cNvPr>
@@ -4095,7 +4174,7 @@
           <p:cNvPr id="2" name="Slide Image Placeholder 1">
             <a:extLst>
               <a:ext uri="{FF2B5EF4-FFF2-40B4-BE49-F238E27FC236}">
-                <a16:creationId xmlns:a16="http://schemas.microsoft.com/office/drawing/2014/main" id="{611D0873-CE2D-D6F6-4CE2-C0F5BAD7E323}"/>
+                <a16:creationId xmlns:a16="http://schemas.microsoft.com/office/drawing/2014/main" id="{EA50F604-013E-DC01-18B9-69D6A814B5EC}"/>
               </a:ext>
             </a:extLst>
           </p:cNvPr>
@@ -4113,7 +4192,7 @@
           <p:cNvPr id="3" name="Notes Placeholder 2">
             <a:extLst>
               <a:ext uri="{FF2B5EF4-FFF2-40B4-BE49-F238E27FC236}">
-                <a16:creationId xmlns:a16="http://schemas.microsoft.com/office/drawing/2014/main" id="{5AFBEB80-AB4D-A721-7F49-0084957E90C0}"/>
+                <a16:creationId xmlns:a16="http://schemas.microsoft.com/office/drawing/2014/main" id="{F0C4C7DC-3AC0-915C-B7F8-63C9B0B2161E}"/>
               </a:ext>
             </a:extLst>
           </p:cNvPr>
@@ -4128,6 +4207,25 @@
         <p:txBody>
           <a:bodyPr/>
           <a:lstStyle/>
+          <a:p>
+            <a:r>
+              <a:rPr lang="en-US" sz="1200" b="1" dirty="0">
+                <a:latin typeface="Times New Roman" panose="02020603050405020304" pitchFamily="18" charset="0"/>
+                <a:cs typeface="Times New Roman" panose="02020603050405020304" pitchFamily="18" charset="0"/>
+              </a:rPr>
+              <a:t>This one shows the Employment Income Patterns</a:t>
+            </a:r>
+            <a:br>
+              <a:rPr lang="en-US" sz="1200" b="1" dirty="0">
+                <a:latin typeface="Times New Roman" panose="02020603050405020304" pitchFamily="18" charset="0"/>
+                <a:cs typeface="Times New Roman" panose="02020603050405020304" pitchFamily="18" charset="0"/>
+              </a:rPr>
+            </a:br>
+            <a:endParaRPr lang="en-US" sz="1200" b="1" dirty="0">
+              <a:latin typeface="Times New Roman" panose="02020603050405020304" pitchFamily="18" charset="0"/>
+              <a:cs typeface="Times New Roman" panose="02020603050405020304" pitchFamily="18" charset="0"/>
+            </a:endParaRPr>
+          </a:p>
           <a:p>
             <a:pPr marL="0" marR="0" lvl="0" indent="0" algn="l" defTabSz="914400" rtl="0" eaLnBrk="1" fontAlgn="auto" latinLnBrk="0" hangingPunct="1">
               <a:lnSpc>
@@ -4147,23 +4245,18 @@
               <a:defRPr/>
             </a:pPr>
             <a:r>
-              <a:rPr lang="en-US" sz="1200" b="0" dirty="0">
-                <a:latin typeface="Times New Roman" panose="02020603050405020304" pitchFamily="18" charset="0"/>
-                <a:cs typeface="Times New Roman" panose="02020603050405020304" pitchFamily="18" charset="0"/>
-              </a:rPr>
-              <a:t>This one is </a:t>
-            </a:r>
-            <a:r>
-              <a:rPr lang="en-US" sz="1200" b="1" dirty="0">
-                <a:latin typeface="Times New Roman" panose="02020603050405020304" pitchFamily="18" charset="0"/>
-                <a:cs typeface="Times New Roman" panose="02020603050405020304" pitchFamily="18" charset="0"/>
-              </a:rPr>
-              <a:t>Predictor Weights for both Employment Status &amp; Income</a:t>
-            </a:r>
-            <a:endParaRPr lang="en-US" sz="1200" dirty="0">
-              <a:latin typeface="Times New Roman" panose="02020603050405020304" pitchFamily="18" charset="0"/>
-              <a:cs typeface="Times New Roman" panose="02020603050405020304" pitchFamily="18" charset="0"/>
-            </a:endParaRPr>
+              <a:rPr lang="en-US" sz="1200" kern="1200" dirty="0">
+                <a:solidFill>
+                  <a:schemeClr val="tx1"/>
+                </a:solidFill>
+                <a:effectLst/>
+                <a:latin typeface="+mn-lt"/>
+                <a:ea typeface="+mn-ea"/>
+                <a:cs typeface="+mn-cs"/>
+              </a:rPr>
+              <a:t>The average income is around sixty thousand dollars. But the range is huge. </a:t>
+            </a:r>
+            <a:endParaRPr lang="en-US" dirty="0"/>
           </a:p>
           <a:p>
             <a:br>
@@ -4177,99 +4270,6 @@
                 <a:cs typeface="+mn-cs"/>
               </a:rPr>
             </a:br>
-            <a:r>
-              <a:rPr lang="en-US" sz="1200" kern="1200" dirty="0">
-                <a:solidFill>
-                  <a:schemeClr val="tx1"/>
-                </a:solidFill>
-                <a:effectLst/>
-                <a:latin typeface="+mn-lt"/>
-                <a:ea typeface="+mn-ea"/>
-                <a:cs typeface="+mn-cs"/>
-              </a:rPr>
-              <a:t>They indicate that the single most important predictor is </a:t>
-            </a:r>
-            <a:r>
-              <a:rPr lang="en-US" sz="1200" b="1" kern="1200" dirty="0">
-                <a:solidFill>
-                  <a:schemeClr val="tx1"/>
-                </a:solidFill>
-                <a:effectLst/>
-                <a:latin typeface="+mn-lt"/>
-                <a:ea typeface="+mn-ea"/>
-                <a:cs typeface="+mn-cs"/>
-              </a:rPr>
-              <a:t>Program</a:t>
-            </a:r>
-            <a:r>
-              <a:rPr lang="en-US" sz="1200" kern="1200" dirty="0">
-                <a:solidFill>
-                  <a:schemeClr val="tx1"/>
-                </a:solidFill>
-                <a:effectLst/>
-                <a:latin typeface="+mn-lt"/>
-                <a:ea typeface="+mn-ea"/>
-                <a:cs typeface="+mn-cs"/>
-              </a:rPr>
-              <a:t>.</a:t>
-            </a:r>
-            <a:br>
-              <a:rPr lang="en-US" sz="1200" kern="1200" dirty="0">
-                <a:solidFill>
-                  <a:schemeClr val="tx1"/>
-                </a:solidFill>
-                <a:effectLst/>
-                <a:latin typeface="+mn-lt"/>
-                <a:ea typeface="+mn-ea"/>
-                <a:cs typeface="+mn-cs"/>
-              </a:rPr>
-            </a:br>
-            <a:endParaRPr lang="en-US" sz="1200" kern="1200" dirty="0">
-              <a:solidFill>
-                <a:schemeClr val="tx1"/>
-              </a:solidFill>
-              <a:effectLst/>
-              <a:latin typeface="+mn-lt"/>
-              <a:ea typeface="+mn-ea"/>
-              <a:cs typeface="+mn-cs"/>
-            </a:endParaRPr>
-          </a:p>
-          <a:p>
-            <a:r>
-              <a:rPr lang="en-US" sz="1200" kern="1200" dirty="0">
-                <a:solidFill>
-                  <a:schemeClr val="tx1"/>
-                </a:solidFill>
-                <a:effectLst/>
-                <a:latin typeface="+mn-lt"/>
-                <a:ea typeface="+mn-ea"/>
-                <a:cs typeface="+mn-cs"/>
-              </a:rPr>
-              <a:t>Also, Level of Study and Region were key factors as well</a:t>
-            </a:r>
-            <a:endParaRPr lang="en-US" dirty="0"/>
-          </a:p>
-          <a:p>
-            <a:pPr marL="0" marR="0" lvl="0" indent="0" algn="l" defTabSz="914400" rtl="0" eaLnBrk="1" fontAlgn="auto" latinLnBrk="0" hangingPunct="1">
-              <a:lnSpc>
-                <a:spcPct val="100000"/>
-              </a:lnSpc>
-              <a:spcBef>
-                <a:spcPts val="0"/>
-              </a:spcBef>
-              <a:spcAft>
-                <a:spcPts val="0"/>
-              </a:spcAft>
-              <a:buClrTx/>
-              <a:buSzTx/>
-              <a:buFontTx/>
-              <a:buNone/>
-              <a:tabLst/>
-              <a:defRPr/>
-            </a:pPr>
-            <a:endParaRPr lang="en-US" dirty="0"/>
-          </a:p>
-          <a:p>
             <a:endParaRPr lang="en-US" dirty="0"/>
           </a:p>
         </p:txBody>
@@ -4279,7 +4279,7 @@
           <p:cNvPr id="4" name="Slide Number Placeholder 3">
             <a:extLst>
               <a:ext uri="{FF2B5EF4-FFF2-40B4-BE49-F238E27FC236}">
-                <a16:creationId xmlns:a16="http://schemas.microsoft.com/office/drawing/2014/main" id="{DCFE3062-8EC4-CDF2-4439-EAA5E2EFCFC8}"/>
+                <a16:creationId xmlns:a16="http://schemas.microsoft.com/office/drawing/2014/main" id="{D449B876-6E3C-796B-C5B1-04E7C0A5C0F5}"/>
               </a:ext>
             </a:extLst>
           </p:cNvPr>
@@ -4306,7 +4306,7 @@
     </p:spTree>
     <p:extLst>
       <p:ext uri="{BB962C8B-B14F-4D97-AF65-F5344CB8AC3E}">
-        <p14:creationId xmlns:p14="http://schemas.microsoft.com/office/powerpoint/2010/main" val="3672634201"/>
+        <p14:creationId xmlns:p14="http://schemas.microsoft.com/office/powerpoint/2010/main" val="1388510954"/>
       </p:ext>
     </p:extLst>
   </p:cSld>
@@ -9750,6 +9750,2499 @@
         <p:cNvPr id="1" name="">
           <a:extLst>
             <a:ext uri="{FF2B5EF4-FFF2-40B4-BE49-F238E27FC236}">
+              <a16:creationId xmlns:a16="http://schemas.microsoft.com/office/drawing/2014/main" id="{F8F9E5A5-6C79-3907-E8D9-E7DBE3F76BD7}"/>
+            </a:ext>
+          </a:extLst>
+        </p:cNvPr>
+        <p:cNvGrpSpPr/>
+        <p:nvPr/>
+      </p:nvGrpSpPr>
+      <p:grpSpPr>
+        <a:xfrm>
+          <a:off x="0" y="0"/>
+          <a:ext cx="0" cy="0"/>
+          <a:chOff x="0" y="0"/>
+          <a:chExt cx="0" cy="0"/>
+        </a:xfrm>
+      </p:grpSpPr>
+      <p:sp useBgFill="1">
+        <p:nvSpPr>
+          <p:cNvPr id="21" name="Rectangle 20">
+            <a:extLst>
+              <a:ext uri="{FF2B5EF4-FFF2-40B4-BE49-F238E27FC236}">
+                <a16:creationId xmlns:a16="http://schemas.microsoft.com/office/drawing/2014/main" id="{821224E3-288C-7100-9E58-0F29F4A85E42}"/>
+              </a:ext>
+              <a:ext uri="{C183D7F6-B498-43B3-948B-1728B52AA6E4}">
+                <adec:decorative xmlns:adec="http://schemas.microsoft.com/office/drawing/2017/decorative" val="1"/>
+              </a:ext>
+            </a:extLst>
+          </p:cNvPr>
+          <p:cNvSpPr>
+            <a:spLocks noGrp="1" noRot="1" noChangeAspect="1" noMove="1" noResize="1" noEditPoints="1" noAdjustHandles="1" noChangeArrowheads="1" noChangeShapeType="1" noTextEdit="1"/>
+          </p:cNvSpPr>
+          <p:nvPr>
+            <p:extLst>
+              <p:ext uri="{386F3935-93C4-4BCD-93E2-E3B085C9AB24}">
+                <p16:designElem xmlns:p16="http://schemas.microsoft.com/office/powerpoint/2015/main" val="1"/>
+              </p:ext>
+            </p:extLst>
+          </p:nvPr>
+        </p:nvSpPr>
+        <p:spPr>
+          <a:xfrm>
+            <a:off x="0" y="0"/>
+            <a:ext cx="12192000" cy="6858000"/>
+          </a:xfrm>
+          <a:prstGeom prst="rect">
+            <a:avLst/>
+          </a:prstGeom>
+          <a:ln>
+            <a:noFill/>
+          </a:ln>
+        </p:spPr>
+        <p:style>
+          <a:lnRef idx="2">
+            <a:schemeClr val="accent1">
+              <a:shade val="50000"/>
+            </a:schemeClr>
+          </a:lnRef>
+          <a:fillRef idx="1">
+            <a:schemeClr val="accent1"/>
+          </a:fillRef>
+          <a:effectRef idx="0">
+            <a:schemeClr val="accent1"/>
+          </a:effectRef>
+          <a:fontRef idx="minor">
+            <a:schemeClr val="lt1"/>
+          </a:fontRef>
+        </p:style>
+        <p:txBody>
+          <a:bodyPr rtlCol="0" anchor="ctr"/>
+          <a:lstStyle/>
+          <a:p>
+            <a:pPr algn="ctr"/>
+            <a:endParaRPr lang="en-US"/>
+          </a:p>
+        </p:txBody>
+      </p:sp>
+      <p:sp>
+        <p:nvSpPr>
+          <p:cNvPr id="23" name="Freeform: Shape 22">
+            <a:extLst>
+              <a:ext uri="{FF2B5EF4-FFF2-40B4-BE49-F238E27FC236}">
+                <a16:creationId xmlns:a16="http://schemas.microsoft.com/office/drawing/2014/main" id="{0C5C64A4-9EE3-9C7D-E79B-7B72293B235A}"/>
+              </a:ext>
+              <a:ext uri="{C183D7F6-B498-43B3-948B-1728B52AA6E4}">
+                <adec:decorative xmlns:adec="http://schemas.microsoft.com/office/drawing/2017/decorative" val="1"/>
+              </a:ext>
+            </a:extLst>
+          </p:cNvPr>
+          <p:cNvSpPr>
+            <a:spLocks noGrp="1" noRot="1" noChangeAspect="1" noMove="1" noResize="1" noEditPoints="1" noAdjustHandles="1" noChangeArrowheads="1" noChangeShapeType="1" noTextEdit="1"/>
+          </p:cNvSpPr>
+          <p:nvPr>
+            <p:extLst>
+              <p:ext uri="{386F3935-93C4-4BCD-93E2-E3B085C9AB24}">
+                <p16:designElem xmlns:p16="http://schemas.microsoft.com/office/powerpoint/2015/main" val="1"/>
+              </p:ext>
+            </p:extLst>
+          </p:nvPr>
+        </p:nvSpPr>
+        <p:spPr>
+          <a:xfrm flipH="1">
+            <a:off x="10208496" y="0"/>
+            <a:ext cx="1983504" cy="6858000"/>
+          </a:xfrm>
+          <a:custGeom>
+            <a:avLst/>
+            <a:gdLst>
+              <a:gd name="connsiteX0" fmla="*/ 0 w 1983504"/>
+              <a:gd name="connsiteY0" fmla="*/ 0 h 6858000"/>
+              <a:gd name="connsiteX1" fmla="*/ 1376658 w 1983504"/>
+              <a:gd name="connsiteY1" fmla="*/ 0 h 6858000"/>
+              <a:gd name="connsiteX2" fmla="*/ 1690650 w 1983504"/>
+              <a:gd name="connsiteY2" fmla="*/ 110269 h 6858000"/>
+              <a:gd name="connsiteX3" fmla="*/ 1645361 w 1983504"/>
+              <a:gd name="connsiteY3" fmla="*/ 135168 h 6858000"/>
+              <a:gd name="connsiteX4" fmla="*/ 1373640 w 1983504"/>
+              <a:gd name="connsiteY4" fmla="*/ 71141 h 6858000"/>
+              <a:gd name="connsiteX5" fmla="*/ 1319295 w 1983504"/>
+              <a:gd name="connsiteY5" fmla="*/ 88927 h 6858000"/>
+              <a:gd name="connsiteX6" fmla="*/ 1346468 w 1983504"/>
+              <a:gd name="connsiteY6" fmla="*/ 163625 h 6858000"/>
+              <a:gd name="connsiteX7" fmla="*/ 1464213 w 1983504"/>
+              <a:gd name="connsiteY7" fmla="*/ 192082 h 6858000"/>
+              <a:gd name="connsiteX8" fmla="*/ 1648381 w 1983504"/>
+              <a:gd name="connsiteY8" fmla="*/ 373491 h 6858000"/>
+              <a:gd name="connsiteX9" fmla="*/ 1370620 w 1983504"/>
+              <a:gd name="connsiteY9" fmla="*/ 352148 h 6858000"/>
+              <a:gd name="connsiteX10" fmla="*/ 1322314 w 1983504"/>
+              <a:gd name="connsiteY10" fmla="*/ 394834 h 6858000"/>
+              <a:gd name="connsiteX11" fmla="*/ 1304199 w 1983504"/>
+              <a:gd name="connsiteY11" fmla="*/ 451747 h 6858000"/>
+              <a:gd name="connsiteX12" fmla="*/ 1222682 w 1983504"/>
+              <a:gd name="connsiteY12" fmla="*/ 359262 h 6858000"/>
+              <a:gd name="connsiteX13" fmla="*/ 1153242 w 1983504"/>
+              <a:gd name="connsiteY13" fmla="*/ 334364 h 6858000"/>
+              <a:gd name="connsiteX14" fmla="*/ 1132108 w 1983504"/>
+              <a:gd name="connsiteY14" fmla="*/ 416176 h 6858000"/>
+              <a:gd name="connsiteX15" fmla="*/ 1195509 w 1983504"/>
+              <a:gd name="connsiteY15" fmla="*/ 505101 h 6858000"/>
+              <a:gd name="connsiteX16" fmla="*/ 1364582 w 1983504"/>
+              <a:gd name="connsiteY16" fmla="*/ 558458 h 6858000"/>
+              <a:gd name="connsiteX17" fmla="*/ 1183434 w 1983504"/>
+              <a:gd name="connsiteY17" fmla="*/ 558458 h 6858000"/>
+              <a:gd name="connsiteX18" fmla="*/ 975114 w 1983504"/>
+              <a:gd name="connsiteY18" fmla="*/ 522887 h 6858000"/>
+              <a:gd name="connsiteX19" fmla="*/ 754716 w 1983504"/>
+              <a:gd name="connsiteY19" fmla="*/ 533558 h 6858000"/>
+              <a:gd name="connsiteX20" fmla="*/ 546395 w 1983504"/>
+              <a:gd name="connsiteY20" fmla="*/ 462417 h 6858000"/>
+              <a:gd name="connsiteX21" fmla="*/ 335056 w 1983504"/>
+              <a:gd name="connsiteY21" fmla="*/ 465975 h 6858000"/>
+              <a:gd name="connsiteX22" fmla="*/ 1270988 w 1983504"/>
+              <a:gd name="connsiteY22" fmla="*/ 910606 h 6858000"/>
+              <a:gd name="connsiteX23" fmla="*/ 1225701 w 1983504"/>
+              <a:gd name="connsiteY23" fmla="*/ 921277 h 6858000"/>
+              <a:gd name="connsiteX24" fmla="*/ 1165318 w 1983504"/>
+              <a:gd name="connsiteY24" fmla="*/ 949734 h 6858000"/>
+              <a:gd name="connsiteX25" fmla="*/ 1210606 w 1983504"/>
+              <a:gd name="connsiteY25" fmla="*/ 1006647 h 6858000"/>
+              <a:gd name="connsiteX26" fmla="*/ 1455156 w 1983504"/>
+              <a:gd name="connsiteY26" fmla="*/ 1113358 h 6858000"/>
+              <a:gd name="connsiteX27" fmla="*/ 1515538 w 1983504"/>
+              <a:gd name="connsiteY27" fmla="*/ 1220069 h 6858000"/>
+              <a:gd name="connsiteX28" fmla="*/ 1440060 w 1983504"/>
+              <a:gd name="connsiteY28" fmla="*/ 1209399 h 6858000"/>
+              <a:gd name="connsiteX29" fmla="*/ 1373640 w 1983504"/>
+              <a:gd name="connsiteY29" fmla="*/ 1230741 h 6858000"/>
+              <a:gd name="connsiteX30" fmla="*/ 1400810 w 1983504"/>
+              <a:gd name="connsiteY30" fmla="*/ 1365909 h 6858000"/>
+              <a:gd name="connsiteX31" fmla="*/ 1748012 w 1983504"/>
+              <a:gd name="connsiteY31" fmla="*/ 1540204 h 6858000"/>
+              <a:gd name="connsiteX32" fmla="*/ 1778203 w 1983504"/>
+              <a:gd name="connsiteY32" fmla="*/ 1597117 h 6858000"/>
+              <a:gd name="connsiteX33" fmla="*/ 1735936 w 1983504"/>
+              <a:gd name="connsiteY33" fmla="*/ 1636245 h 6858000"/>
+              <a:gd name="connsiteX34" fmla="*/ 1624228 w 1983504"/>
+              <a:gd name="connsiteY34" fmla="*/ 1657587 h 6858000"/>
+              <a:gd name="connsiteX35" fmla="*/ 1781223 w 1983504"/>
+              <a:gd name="connsiteY35" fmla="*/ 1849668 h 6858000"/>
+              <a:gd name="connsiteX36" fmla="*/ 1838587 w 1983504"/>
+              <a:gd name="connsiteY36" fmla="*/ 1903025 h 6858000"/>
+              <a:gd name="connsiteX37" fmla="*/ 1938218 w 1983504"/>
+              <a:gd name="connsiteY37" fmla="*/ 1984836 h 6858000"/>
+              <a:gd name="connsiteX38" fmla="*/ 1938218 w 1983504"/>
+              <a:gd name="connsiteY38" fmla="*/ 2013292 h 6858000"/>
+              <a:gd name="connsiteX39" fmla="*/ 1805376 w 1983504"/>
+              <a:gd name="connsiteY39" fmla="*/ 2102219 h 6858000"/>
+              <a:gd name="connsiteX40" fmla="*/ 1563844 w 1983504"/>
+              <a:gd name="connsiteY40" fmla="*/ 2077320 h 6858000"/>
+              <a:gd name="connsiteX41" fmla="*/ 1920104 w 1983504"/>
+              <a:gd name="connsiteY41" fmla="*/ 2208931 h 6858000"/>
+              <a:gd name="connsiteX42" fmla="*/ 766792 w 1983504"/>
+              <a:gd name="connsiteY42" fmla="*/ 1892353 h 6858000"/>
+              <a:gd name="connsiteX43" fmla="*/ 839252 w 1983504"/>
+              <a:gd name="connsiteY43" fmla="*/ 1974165 h 6858000"/>
+              <a:gd name="connsiteX44" fmla="*/ 1243816 w 1983504"/>
+              <a:gd name="connsiteY44" fmla="*/ 2191146 h 6858000"/>
+              <a:gd name="connsiteX45" fmla="*/ 1358543 w 1983504"/>
+              <a:gd name="connsiteY45" fmla="*/ 2326314 h 6858000"/>
+              <a:gd name="connsiteX46" fmla="*/ 1479310 w 1983504"/>
+              <a:gd name="connsiteY46" fmla="*/ 2401012 h 6858000"/>
+              <a:gd name="connsiteX47" fmla="*/ 1648381 w 1983504"/>
+              <a:gd name="connsiteY47" fmla="*/ 2401012 h 6858000"/>
+              <a:gd name="connsiteX48" fmla="*/ 1769146 w 1983504"/>
+              <a:gd name="connsiteY48" fmla="*/ 2518395 h 6858000"/>
+              <a:gd name="connsiteX49" fmla="*/ 1645361 w 1983504"/>
+              <a:gd name="connsiteY49" fmla="*/ 2543294 h 6858000"/>
+              <a:gd name="connsiteX50" fmla="*/ 1500444 w 1983504"/>
+              <a:gd name="connsiteY50" fmla="*/ 2525509 h 6858000"/>
+              <a:gd name="connsiteX51" fmla="*/ 1337410 w 1983504"/>
+              <a:gd name="connsiteY51" fmla="*/ 2564636 h 6858000"/>
+              <a:gd name="connsiteX52" fmla="*/ 1186452 w 1983504"/>
+              <a:gd name="connsiteY52" fmla="*/ 2532623 h 6858000"/>
+              <a:gd name="connsiteX53" fmla="*/ 1005304 w 1983504"/>
+              <a:gd name="connsiteY53" fmla="*/ 2553965 h 6858000"/>
+              <a:gd name="connsiteX54" fmla="*/ 947940 w 1983504"/>
+              <a:gd name="connsiteY54" fmla="*/ 2692689 h 6858000"/>
+              <a:gd name="connsiteX55" fmla="*/ 929826 w 1983504"/>
+              <a:gd name="connsiteY55" fmla="*/ 2703362 h 6858000"/>
+              <a:gd name="connsiteX56" fmla="*/ 594701 w 1983504"/>
+              <a:gd name="connsiteY56" fmla="*/ 2923898 h 6858000"/>
+              <a:gd name="connsiteX57" fmla="*/ 501108 w 1983504"/>
+              <a:gd name="connsiteY57" fmla="*/ 2941684 h 6858000"/>
+              <a:gd name="connsiteX58" fmla="*/ 1053610 w 1983504"/>
+              <a:gd name="connsiteY58" fmla="*/ 3329402 h 6858000"/>
+              <a:gd name="connsiteX59" fmla="*/ 682256 w 1983504"/>
+              <a:gd name="connsiteY59" fmla="*/ 3229805 h 6858000"/>
+              <a:gd name="connsiteX60" fmla="*/ 630932 w 1983504"/>
+              <a:gd name="connsiteY60" fmla="*/ 3393429 h 6858000"/>
+              <a:gd name="connsiteX61" fmla="*/ 806041 w 1983504"/>
+              <a:gd name="connsiteY61" fmla="*/ 3539269 h 6858000"/>
+              <a:gd name="connsiteX62" fmla="*/ 869444 w 1983504"/>
+              <a:gd name="connsiteY62" fmla="*/ 3827390 h 6858000"/>
+              <a:gd name="connsiteX63" fmla="*/ 839252 w 1983504"/>
+              <a:gd name="connsiteY63" fmla="*/ 4090612 h 6858000"/>
+              <a:gd name="connsiteX64" fmla="*/ 763774 w 1983504"/>
+              <a:gd name="connsiteY64" fmla="*/ 4172424 h 6858000"/>
+              <a:gd name="connsiteX65" fmla="*/ 655085 w 1983504"/>
+              <a:gd name="connsiteY65" fmla="*/ 4321821 h 6858000"/>
+              <a:gd name="connsiteX66" fmla="*/ 588662 w 1983504"/>
+              <a:gd name="connsiteY66" fmla="*/ 4414305 h 6858000"/>
+              <a:gd name="connsiteX67" fmla="*/ 356189 w 1983504"/>
+              <a:gd name="connsiteY67" fmla="*/ 4378734 h 6858000"/>
+              <a:gd name="connsiteX68" fmla="*/ 667160 w 1983504"/>
+              <a:gd name="connsiteY68" fmla="*/ 4613499 h 6858000"/>
+              <a:gd name="connsiteX69" fmla="*/ 416573 w 1983504"/>
+              <a:gd name="connsiteY69" fmla="*/ 4585042 h 6858000"/>
+              <a:gd name="connsiteX70" fmla="*/ 335056 w 1983504"/>
+              <a:gd name="connsiteY70" fmla="*/ 4602828 h 6858000"/>
+              <a:gd name="connsiteX71" fmla="*/ 380342 w 1983504"/>
+              <a:gd name="connsiteY71" fmla="*/ 4677526 h 6858000"/>
+              <a:gd name="connsiteX72" fmla="*/ 564510 w 1983504"/>
+              <a:gd name="connsiteY72" fmla="*/ 4805580 h 6858000"/>
+              <a:gd name="connsiteX73" fmla="*/ 944922 w 1983504"/>
+              <a:gd name="connsiteY73" fmla="*/ 5154171 h 6858000"/>
+              <a:gd name="connsiteX74" fmla="*/ 576586 w 1983504"/>
+              <a:gd name="connsiteY74" fmla="*/ 4994104 h 6858000"/>
+              <a:gd name="connsiteX75" fmla="*/ 963036 w 1983504"/>
+              <a:gd name="connsiteY75" fmla="*/ 5353367 h 6858000"/>
+              <a:gd name="connsiteX76" fmla="*/ 1047572 w 1983504"/>
+              <a:gd name="connsiteY76" fmla="*/ 5474306 h 6858000"/>
+              <a:gd name="connsiteX77" fmla="*/ 1222682 w 1983504"/>
+              <a:gd name="connsiteY77" fmla="*/ 5769542 h 6858000"/>
+              <a:gd name="connsiteX78" fmla="*/ 1213626 w 1983504"/>
+              <a:gd name="connsiteY78" fmla="*/ 5801555 h 6858000"/>
+              <a:gd name="connsiteX79" fmla="*/ 1014361 w 1983504"/>
+              <a:gd name="connsiteY79" fmla="*/ 5755314 h 6858000"/>
+              <a:gd name="connsiteX80" fmla="*/ 1274008 w 1983504"/>
+              <a:gd name="connsiteY80" fmla="*/ 6004307 h 6858000"/>
+              <a:gd name="connsiteX81" fmla="*/ 1542711 w 1983504"/>
+              <a:gd name="connsiteY81" fmla="*/ 6196388 h 6858000"/>
+              <a:gd name="connsiteX82" fmla="*/ 1352504 w 1983504"/>
+              <a:gd name="connsiteY82" fmla="*/ 6167932 h 6858000"/>
+              <a:gd name="connsiteX83" fmla="*/ 1089840 w 1983504"/>
+              <a:gd name="connsiteY83" fmla="*/ 6057663 h 6858000"/>
+              <a:gd name="connsiteX84" fmla="*/ 999266 w 1983504"/>
+              <a:gd name="connsiteY84" fmla="*/ 6100347 h 6858000"/>
+              <a:gd name="connsiteX85" fmla="*/ 1246836 w 1983504"/>
+              <a:gd name="connsiteY85" fmla="*/ 6281757 h 6858000"/>
+              <a:gd name="connsiteX86" fmla="*/ 1388735 w 1983504"/>
+              <a:gd name="connsiteY86" fmla="*/ 6367127 h 6858000"/>
+              <a:gd name="connsiteX87" fmla="*/ 1446099 w 1983504"/>
+              <a:gd name="connsiteY87" fmla="*/ 6431153 h 6858000"/>
+              <a:gd name="connsiteX88" fmla="*/ 1609132 w 1983504"/>
+              <a:gd name="connsiteY88" fmla="*/ 6658805 h 6858000"/>
+              <a:gd name="connsiteX89" fmla="*/ 1983504 w 1983504"/>
+              <a:gd name="connsiteY89" fmla="*/ 6858000 h 6858000"/>
+              <a:gd name="connsiteX90" fmla="*/ 0 w 1983504"/>
+              <a:gd name="connsiteY90" fmla="*/ 6858000 h 6858000"/>
+            </a:gdLst>
+            <a:ahLst/>
+            <a:cxnLst>
+              <a:cxn ang="0">
+                <a:pos x="connsiteX0" y="connsiteY0"/>
+              </a:cxn>
+              <a:cxn ang="0">
+                <a:pos x="connsiteX1" y="connsiteY1"/>
+              </a:cxn>
+              <a:cxn ang="0">
+                <a:pos x="connsiteX2" y="connsiteY2"/>
+              </a:cxn>
+              <a:cxn ang="0">
+                <a:pos x="connsiteX3" y="connsiteY3"/>
+              </a:cxn>
+              <a:cxn ang="0">
+                <a:pos x="connsiteX4" y="connsiteY4"/>
+              </a:cxn>
+              <a:cxn ang="0">
+                <a:pos x="connsiteX5" y="connsiteY5"/>
+              </a:cxn>
+              <a:cxn ang="0">
+                <a:pos x="connsiteX6" y="connsiteY6"/>
+              </a:cxn>
+              <a:cxn ang="0">
+                <a:pos x="connsiteX7" y="connsiteY7"/>
+              </a:cxn>
+              <a:cxn ang="0">
+                <a:pos x="connsiteX8" y="connsiteY8"/>
+              </a:cxn>
+              <a:cxn ang="0">
+                <a:pos x="connsiteX9" y="connsiteY9"/>
+              </a:cxn>
+              <a:cxn ang="0">
+                <a:pos x="connsiteX10" y="connsiteY10"/>
+              </a:cxn>
+              <a:cxn ang="0">
+                <a:pos x="connsiteX11" y="connsiteY11"/>
+              </a:cxn>
+              <a:cxn ang="0">
+                <a:pos x="connsiteX12" y="connsiteY12"/>
+              </a:cxn>
+              <a:cxn ang="0">
+                <a:pos x="connsiteX13" y="connsiteY13"/>
+              </a:cxn>
+              <a:cxn ang="0">
+                <a:pos x="connsiteX14" y="connsiteY14"/>
+              </a:cxn>
+              <a:cxn ang="0">
+                <a:pos x="connsiteX15" y="connsiteY15"/>
+              </a:cxn>
+              <a:cxn ang="0">
+                <a:pos x="connsiteX16" y="connsiteY16"/>
+              </a:cxn>
+              <a:cxn ang="0">
+                <a:pos x="connsiteX17" y="connsiteY17"/>
+              </a:cxn>
+              <a:cxn ang="0">
+                <a:pos x="connsiteX18" y="connsiteY18"/>
+              </a:cxn>
+              <a:cxn ang="0">
+                <a:pos x="connsiteX19" y="connsiteY19"/>
+              </a:cxn>
+              <a:cxn ang="0">
+                <a:pos x="connsiteX20" y="connsiteY20"/>
+              </a:cxn>
+              <a:cxn ang="0">
+                <a:pos x="connsiteX21" y="connsiteY21"/>
+              </a:cxn>
+              <a:cxn ang="0">
+                <a:pos x="connsiteX22" y="connsiteY22"/>
+              </a:cxn>
+              <a:cxn ang="0">
+                <a:pos x="connsiteX23" y="connsiteY23"/>
+              </a:cxn>
+              <a:cxn ang="0">
+                <a:pos x="connsiteX24" y="connsiteY24"/>
+              </a:cxn>
+              <a:cxn ang="0">
+                <a:pos x="connsiteX25" y="connsiteY25"/>
+              </a:cxn>
+              <a:cxn ang="0">
+                <a:pos x="connsiteX26" y="connsiteY26"/>
+              </a:cxn>
+              <a:cxn ang="0">
+                <a:pos x="connsiteX27" y="connsiteY27"/>
+              </a:cxn>
+              <a:cxn ang="0">
+                <a:pos x="connsiteX28" y="connsiteY28"/>
+              </a:cxn>
+              <a:cxn ang="0">
+                <a:pos x="connsiteX29" y="connsiteY29"/>
+              </a:cxn>
+              <a:cxn ang="0">
+                <a:pos x="connsiteX30" y="connsiteY30"/>
+              </a:cxn>
+              <a:cxn ang="0">
+                <a:pos x="connsiteX31" y="connsiteY31"/>
+              </a:cxn>
+              <a:cxn ang="0">
+                <a:pos x="connsiteX32" y="connsiteY32"/>
+              </a:cxn>
+              <a:cxn ang="0">
+                <a:pos x="connsiteX33" y="connsiteY33"/>
+              </a:cxn>
+              <a:cxn ang="0">
+                <a:pos x="connsiteX34" y="connsiteY34"/>
+              </a:cxn>
+              <a:cxn ang="0">
+                <a:pos x="connsiteX35" y="connsiteY35"/>
+              </a:cxn>
+              <a:cxn ang="0">
+                <a:pos x="connsiteX36" y="connsiteY36"/>
+              </a:cxn>
+              <a:cxn ang="0">
+                <a:pos x="connsiteX37" y="connsiteY37"/>
+              </a:cxn>
+              <a:cxn ang="0">
+                <a:pos x="connsiteX38" y="connsiteY38"/>
+              </a:cxn>
+              <a:cxn ang="0">
+                <a:pos x="connsiteX39" y="connsiteY39"/>
+              </a:cxn>
+              <a:cxn ang="0">
+                <a:pos x="connsiteX40" y="connsiteY40"/>
+              </a:cxn>
+              <a:cxn ang="0">
+                <a:pos x="connsiteX41" y="connsiteY41"/>
+              </a:cxn>
+              <a:cxn ang="0">
+                <a:pos x="connsiteX42" y="connsiteY42"/>
+              </a:cxn>
+              <a:cxn ang="0">
+                <a:pos x="connsiteX43" y="connsiteY43"/>
+              </a:cxn>
+              <a:cxn ang="0">
+                <a:pos x="connsiteX44" y="connsiteY44"/>
+              </a:cxn>
+              <a:cxn ang="0">
+                <a:pos x="connsiteX45" y="connsiteY45"/>
+              </a:cxn>
+              <a:cxn ang="0">
+                <a:pos x="connsiteX46" y="connsiteY46"/>
+              </a:cxn>
+              <a:cxn ang="0">
+                <a:pos x="connsiteX47" y="connsiteY47"/>
+              </a:cxn>
+              <a:cxn ang="0">
+                <a:pos x="connsiteX48" y="connsiteY48"/>
+              </a:cxn>
+              <a:cxn ang="0">
+                <a:pos x="connsiteX49" y="connsiteY49"/>
+              </a:cxn>
+              <a:cxn ang="0">
+                <a:pos x="connsiteX50" y="connsiteY50"/>
+              </a:cxn>
+              <a:cxn ang="0">
+                <a:pos x="connsiteX51" y="connsiteY51"/>
+              </a:cxn>
+              <a:cxn ang="0">
+                <a:pos x="connsiteX52" y="connsiteY52"/>
+              </a:cxn>
+              <a:cxn ang="0">
+                <a:pos x="connsiteX53" y="connsiteY53"/>
+              </a:cxn>
+              <a:cxn ang="0">
+                <a:pos x="connsiteX54" y="connsiteY54"/>
+              </a:cxn>
+              <a:cxn ang="0">
+                <a:pos x="connsiteX55" y="connsiteY55"/>
+              </a:cxn>
+              <a:cxn ang="0">
+                <a:pos x="connsiteX56" y="connsiteY56"/>
+              </a:cxn>
+              <a:cxn ang="0">
+                <a:pos x="connsiteX57" y="connsiteY57"/>
+              </a:cxn>
+              <a:cxn ang="0">
+                <a:pos x="connsiteX58" y="connsiteY58"/>
+              </a:cxn>
+              <a:cxn ang="0">
+                <a:pos x="connsiteX59" y="connsiteY59"/>
+              </a:cxn>
+              <a:cxn ang="0">
+                <a:pos x="connsiteX60" y="connsiteY60"/>
+              </a:cxn>
+              <a:cxn ang="0">
+                <a:pos x="connsiteX61" y="connsiteY61"/>
+              </a:cxn>
+              <a:cxn ang="0">
+                <a:pos x="connsiteX62" y="connsiteY62"/>
+              </a:cxn>
+              <a:cxn ang="0">
+                <a:pos x="connsiteX63" y="connsiteY63"/>
+              </a:cxn>
+              <a:cxn ang="0">
+                <a:pos x="connsiteX64" y="connsiteY64"/>
+              </a:cxn>
+              <a:cxn ang="0">
+                <a:pos x="connsiteX65" y="connsiteY65"/>
+              </a:cxn>
+              <a:cxn ang="0">
+                <a:pos x="connsiteX66" y="connsiteY66"/>
+              </a:cxn>
+              <a:cxn ang="0">
+                <a:pos x="connsiteX67" y="connsiteY67"/>
+              </a:cxn>
+              <a:cxn ang="0">
+                <a:pos x="connsiteX68" y="connsiteY68"/>
+              </a:cxn>
+              <a:cxn ang="0">
+                <a:pos x="connsiteX69" y="connsiteY69"/>
+              </a:cxn>
+              <a:cxn ang="0">
+                <a:pos x="connsiteX70" y="connsiteY70"/>
+              </a:cxn>
+              <a:cxn ang="0">
+                <a:pos x="connsiteX71" y="connsiteY71"/>
+              </a:cxn>
+              <a:cxn ang="0">
+                <a:pos x="connsiteX72" y="connsiteY72"/>
+              </a:cxn>
+              <a:cxn ang="0">
+                <a:pos x="connsiteX73" y="connsiteY73"/>
+              </a:cxn>
+              <a:cxn ang="0">
+                <a:pos x="connsiteX74" y="connsiteY74"/>
+              </a:cxn>
+              <a:cxn ang="0">
+                <a:pos x="connsiteX75" y="connsiteY75"/>
+              </a:cxn>
+              <a:cxn ang="0">
+                <a:pos x="connsiteX76" y="connsiteY76"/>
+              </a:cxn>
+              <a:cxn ang="0">
+                <a:pos x="connsiteX77" y="connsiteY77"/>
+              </a:cxn>
+              <a:cxn ang="0">
+                <a:pos x="connsiteX78" y="connsiteY78"/>
+              </a:cxn>
+              <a:cxn ang="0">
+                <a:pos x="connsiteX79" y="connsiteY79"/>
+              </a:cxn>
+              <a:cxn ang="0">
+                <a:pos x="connsiteX80" y="connsiteY80"/>
+              </a:cxn>
+              <a:cxn ang="0">
+                <a:pos x="connsiteX81" y="connsiteY81"/>
+              </a:cxn>
+              <a:cxn ang="0">
+                <a:pos x="connsiteX82" y="connsiteY82"/>
+              </a:cxn>
+              <a:cxn ang="0">
+                <a:pos x="connsiteX83" y="connsiteY83"/>
+              </a:cxn>
+              <a:cxn ang="0">
+                <a:pos x="connsiteX84" y="connsiteY84"/>
+              </a:cxn>
+              <a:cxn ang="0">
+                <a:pos x="connsiteX85" y="connsiteY85"/>
+              </a:cxn>
+              <a:cxn ang="0">
+                <a:pos x="connsiteX86" y="connsiteY86"/>
+              </a:cxn>
+              <a:cxn ang="0">
+                <a:pos x="connsiteX87" y="connsiteY87"/>
+              </a:cxn>
+              <a:cxn ang="0">
+                <a:pos x="connsiteX88" y="connsiteY88"/>
+              </a:cxn>
+              <a:cxn ang="0">
+                <a:pos x="connsiteX89" y="connsiteY89"/>
+              </a:cxn>
+              <a:cxn ang="0">
+                <a:pos x="connsiteX90" y="connsiteY90"/>
+              </a:cxn>
+            </a:cxnLst>
+            <a:rect l="l" t="t" r="r" b="b"/>
+            <a:pathLst>
+              <a:path w="1983504" h="6858000">
+                <a:moveTo>
+                  <a:pt x="0" y="0"/>
+                </a:moveTo>
+                <a:lnTo>
+                  <a:pt x="1376658" y="0"/>
+                </a:lnTo>
+                <a:cubicBezTo>
+                  <a:pt x="1482328" y="35571"/>
+                  <a:pt x="1584980" y="78255"/>
+                  <a:pt x="1690650" y="110269"/>
+                </a:cubicBezTo>
+                <a:cubicBezTo>
+                  <a:pt x="1675553" y="145839"/>
+                  <a:pt x="1660458" y="138725"/>
+                  <a:pt x="1645361" y="135168"/>
+                </a:cubicBezTo>
+                <a:cubicBezTo>
+                  <a:pt x="1554788" y="120941"/>
+                  <a:pt x="1461194" y="110269"/>
+                  <a:pt x="1373640" y="71141"/>
+                </a:cubicBezTo>
+                <a:cubicBezTo>
+                  <a:pt x="1352504" y="64027"/>
+                  <a:pt x="1328352" y="64027"/>
+                  <a:pt x="1319295" y="88927"/>
+                </a:cubicBezTo>
+                <a:cubicBezTo>
+                  <a:pt x="1304199" y="124497"/>
+                  <a:pt x="1325332" y="145839"/>
+                  <a:pt x="1346468" y="163625"/>
+                </a:cubicBezTo>
+                <a:cubicBezTo>
+                  <a:pt x="1382696" y="195638"/>
+                  <a:pt x="1424964" y="188525"/>
+                  <a:pt x="1464213" y="192082"/>
+                </a:cubicBezTo>
+                <a:cubicBezTo>
+                  <a:pt x="1572902" y="209867"/>
+                  <a:pt x="1624228" y="259665"/>
+                  <a:pt x="1648381" y="373491"/>
+                </a:cubicBezTo>
+                <a:cubicBezTo>
+                  <a:pt x="1554788" y="327250"/>
+                  <a:pt x="1461194" y="384162"/>
+                  <a:pt x="1370620" y="352148"/>
+                </a:cubicBezTo>
+                <a:cubicBezTo>
+                  <a:pt x="1346468" y="345034"/>
+                  <a:pt x="1310237" y="355706"/>
+                  <a:pt x="1322314" y="394834"/>
+                </a:cubicBezTo>
+                <a:cubicBezTo>
+                  <a:pt x="1334390" y="430405"/>
+                  <a:pt x="1373640" y="458860"/>
+                  <a:pt x="1304199" y="451747"/>
+                </a:cubicBezTo>
+                <a:cubicBezTo>
+                  <a:pt x="1252873" y="448189"/>
+                  <a:pt x="1237778" y="405504"/>
+                  <a:pt x="1222682" y="359262"/>
+                </a:cubicBezTo>
+                <a:cubicBezTo>
+                  <a:pt x="1210606" y="334364"/>
+                  <a:pt x="1177395" y="320135"/>
+                  <a:pt x="1153242" y="334364"/>
+                </a:cubicBezTo>
+                <a:cubicBezTo>
+                  <a:pt x="1123051" y="348592"/>
+                  <a:pt x="1132108" y="387720"/>
+                  <a:pt x="1132108" y="416176"/>
+                </a:cubicBezTo>
+                <a:cubicBezTo>
+                  <a:pt x="1129088" y="469532"/>
+                  <a:pt x="1153242" y="494431"/>
+                  <a:pt x="1195509" y="505101"/>
+                </a:cubicBezTo>
+                <a:cubicBezTo>
+                  <a:pt x="1246836" y="519330"/>
+                  <a:pt x="1298160" y="537116"/>
+                  <a:pt x="1364582" y="558458"/>
+                </a:cubicBezTo>
+                <a:cubicBezTo>
+                  <a:pt x="1292122" y="594028"/>
+                  <a:pt x="1237778" y="586915"/>
+                  <a:pt x="1183434" y="558458"/>
+                </a:cubicBezTo>
+                <a:cubicBezTo>
+                  <a:pt x="1117012" y="526444"/>
+                  <a:pt x="1029458" y="483759"/>
+                  <a:pt x="975114" y="522887"/>
+                </a:cubicBezTo>
+                <a:cubicBezTo>
+                  <a:pt x="893597" y="579800"/>
+                  <a:pt x="827176" y="544229"/>
+                  <a:pt x="754716" y="533558"/>
+                </a:cubicBezTo>
+                <a:cubicBezTo>
+                  <a:pt x="603758" y="512216"/>
+                  <a:pt x="697352" y="480203"/>
+                  <a:pt x="546395" y="462417"/>
+                </a:cubicBezTo>
+                <a:cubicBezTo>
+                  <a:pt x="486012" y="455303"/>
+                  <a:pt x="422610" y="426847"/>
+                  <a:pt x="335056" y="465975"/>
+                </a:cubicBezTo>
+                <a:cubicBezTo>
+                  <a:pt x="730563" y="672284"/>
+                  <a:pt x="917750" y="658055"/>
+                  <a:pt x="1270988" y="910606"/>
+                </a:cubicBezTo>
+                <a:cubicBezTo>
+                  <a:pt x="1255893" y="935506"/>
+                  <a:pt x="1240798" y="924835"/>
+                  <a:pt x="1225701" y="921277"/>
+                </a:cubicBezTo>
+                <a:cubicBezTo>
+                  <a:pt x="1201548" y="917720"/>
+                  <a:pt x="1171356" y="903491"/>
+                  <a:pt x="1165318" y="949734"/>
+                </a:cubicBezTo>
+                <a:cubicBezTo>
+                  <a:pt x="1162298" y="985305"/>
+                  <a:pt x="1180415" y="1003089"/>
+                  <a:pt x="1210606" y="1006647"/>
+                </a:cubicBezTo>
+                <a:cubicBezTo>
+                  <a:pt x="1298160" y="1020875"/>
+                  <a:pt x="1376658" y="1070674"/>
+                  <a:pt x="1455156" y="1113358"/>
+                </a:cubicBezTo>
+                <a:cubicBezTo>
+                  <a:pt x="1491385" y="1131144"/>
+                  <a:pt x="1530634" y="1156043"/>
+                  <a:pt x="1515538" y="1220069"/>
+                </a:cubicBezTo>
+                <a:cubicBezTo>
+                  <a:pt x="1485348" y="1237855"/>
+                  <a:pt x="1464213" y="1212955"/>
+                  <a:pt x="1440060" y="1209399"/>
+                </a:cubicBezTo>
+                <a:cubicBezTo>
+                  <a:pt x="1415907" y="1205842"/>
+                  <a:pt x="1358543" y="1220069"/>
+                  <a:pt x="1373640" y="1230741"/>
+                </a:cubicBezTo>
+                <a:cubicBezTo>
+                  <a:pt x="1443080" y="1269868"/>
+                  <a:pt x="1316276" y="1365909"/>
+                  <a:pt x="1400810" y="1365909"/>
+                </a:cubicBezTo>
+                <a:cubicBezTo>
+                  <a:pt x="1539691" y="1365909"/>
+                  <a:pt x="1615170" y="1536647"/>
+                  <a:pt x="1748012" y="1540204"/>
+                </a:cubicBezTo>
+                <a:cubicBezTo>
+                  <a:pt x="1769146" y="1540204"/>
+                  <a:pt x="1778203" y="1572219"/>
+                  <a:pt x="1778203" y="1597117"/>
+                </a:cubicBezTo>
+                <a:cubicBezTo>
+                  <a:pt x="1778203" y="1629132"/>
+                  <a:pt x="1757070" y="1632688"/>
+                  <a:pt x="1735936" y="1636245"/>
+                </a:cubicBezTo>
+                <a:cubicBezTo>
+                  <a:pt x="1702725" y="1639802"/>
+                  <a:pt x="1666496" y="1597117"/>
+                  <a:pt x="1624228" y="1657587"/>
+                </a:cubicBezTo>
+                <a:cubicBezTo>
+                  <a:pt x="1702725" y="1693158"/>
+                  <a:pt x="1784242" y="1728729"/>
+                  <a:pt x="1781223" y="1849668"/>
+                </a:cubicBezTo>
+                <a:cubicBezTo>
+                  <a:pt x="1781223" y="1881683"/>
+                  <a:pt x="1814434" y="1895910"/>
+                  <a:pt x="1838587" y="1903025"/>
+                </a:cubicBezTo>
+                <a:cubicBezTo>
+                  <a:pt x="1880854" y="1917252"/>
+                  <a:pt x="1914065" y="1938595"/>
+                  <a:pt x="1938218" y="1984836"/>
+                </a:cubicBezTo>
+                <a:cubicBezTo>
+                  <a:pt x="1938218" y="1995507"/>
+                  <a:pt x="1938218" y="2002622"/>
+                  <a:pt x="1938218" y="2013292"/>
+                </a:cubicBezTo>
+                <a:cubicBezTo>
+                  <a:pt x="1932180" y="2123562"/>
+                  <a:pt x="1871798" y="2120004"/>
+                  <a:pt x="1805376" y="2102219"/>
+                </a:cubicBezTo>
+                <a:cubicBezTo>
+                  <a:pt x="1726878" y="2080877"/>
+                  <a:pt x="1648381" y="2038192"/>
+                  <a:pt x="1563844" y="2077320"/>
+                </a:cubicBezTo>
+                <a:cubicBezTo>
+                  <a:pt x="1681592" y="2130676"/>
+                  <a:pt x="1811414" y="2134233"/>
+                  <a:pt x="1920104" y="2208931"/>
+                </a:cubicBezTo>
+                <a:cubicBezTo>
+                  <a:pt x="1515538" y="2223159"/>
+                  <a:pt x="1159280" y="1984836"/>
+                  <a:pt x="766792" y="1892353"/>
+                </a:cubicBezTo>
+                <a:cubicBezTo>
+                  <a:pt x="778869" y="1952823"/>
+                  <a:pt x="812080" y="1967051"/>
+                  <a:pt x="839252" y="1974165"/>
+                </a:cubicBezTo>
+                <a:cubicBezTo>
+                  <a:pt x="984170" y="2020407"/>
+                  <a:pt x="1110974" y="2112891"/>
+                  <a:pt x="1243816" y="2191146"/>
+                </a:cubicBezTo>
+                <a:cubicBezTo>
+                  <a:pt x="1298160" y="2223159"/>
+                  <a:pt x="1337410" y="2258731"/>
+                  <a:pt x="1358543" y="2326314"/>
+                </a:cubicBezTo>
+                <a:cubicBezTo>
+                  <a:pt x="1376658" y="2390340"/>
+                  <a:pt x="1412888" y="2418796"/>
+                  <a:pt x="1479310" y="2401012"/>
+                </a:cubicBezTo>
+                <a:cubicBezTo>
+                  <a:pt x="1533654" y="2386784"/>
+                  <a:pt x="1591018" y="2393898"/>
+                  <a:pt x="1648381" y="2401012"/>
+                </a:cubicBezTo>
+                <a:cubicBezTo>
+                  <a:pt x="1711782" y="2408126"/>
+                  <a:pt x="1784242" y="2479267"/>
+                  <a:pt x="1769146" y="2518395"/>
+                </a:cubicBezTo>
+                <a:cubicBezTo>
+                  <a:pt x="1738956" y="2582422"/>
+                  <a:pt x="1687630" y="2550408"/>
+                  <a:pt x="1645361" y="2543294"/>
+                </a:cubicBezTo>
+                <a:cubicBezTo>
+                  <a:pt x="1594036" y="2536181"/>
+                  <a:pt x="1500444" y="2518395"/>
+                  <a:pt x="1500444" y="2525509"/>
+                </a:cubicBezTo>
+                <a:cubicBezTo>
+                  <a:pt x="1467232" y="2685576"/>
+                  <a:pt x="1391754" y="2564636"/>
+                  <a:pt x="1337410" y="2564636"/>
+                </a:cubicBezTo>
+                <a:cubicBezTo>
+                  <a:pt x="1286084" y="2564636"/>
+                  <a:pt x="1234759" y="2546851"/>
+                  <a:pt x="1186452" y="2532623"/>
+                </a:cubicBezTo>
+                <a:cubicBezTo>
+                  <a:pt x="1123051" y="2514837"/>
+                  <a:pt x="1065688" y="2546851"/>
+                  <a:pt x="1005304" y="2553965"/>
+                </a:cubicBezTo>
+                <a:cubicBezTo>
+                  <a:pt x="950960" y="2561080"/>
+                  <a:pt x="981150" y="2653563"/>
+                  <a:pt x="947940" y="2692689"/>
+                </a:cubicBezTo>
+                <a:cubicBezTo>
+                  <a:pt x="941903" y="2703362"/>
+                  <a:pt x="935864" y="2703362"/>
+                  <a:pt x="929826" y="2703362"/>
+                </a:cubicBezTo>
+                <a:cubicBezTo>
+                  <a:pt x="911711" y="2980812"/>
+                  <a:pt x="594701" y="2913227"/>
+                  <a:pt x="594701" y="2923898"/>
+                </a:cubicBezTo>
+                <a:cubicBezTo>
+                  <a:pt x="567529" y="2941684"/>
+                  <a:pt x="534318" y="2899000"/>
+                  <a:pt x="501108" y="2941684"/>
+                </a:cubicBezTo>
+                <a:cubicBezTo>
+                  <a:pt x="643007" y="3137322"/>
+                  <a:pt x="860386" y="3183563"/>
+                  <a:pt x="1053610" y="3329402"/>
+                </a:cubicBezTo>
+                <a:cubicBezTo>
+                  <a:pt x="893597" y="3379202"/>
+                  <a:pt x="800002" y="3208463"/>
+                  <a:pt x="682256" y="3229805"/>
+                </a:cubicBezTo>
+                <a:cubicBezTo>
+                  <a:pt x="624893" y="3283162"/>
+                  <a:pt x="796984" y="3368530"/>
+                  <a:pt x="630932" y="3393429"/>
+                </a:cubicBezTo>
+                <a:cubicBezTo>
+                  <a:pt x="703390" y="3439672"/>
+                  <a:pt x="754716" y="3485914"/>
+                  <a:pt x="806041" y="3539269"/>
+                </a:cubicBezTo>
+                <a:cubicBezTo>
+                  <a:pt x="893597" y="3635309"/>
+                  <a:pt x="911711" y="3699337"/>
+                  <a:pt x="869444" y="3827390"/>
+                </a:cubicBezTo>
+                <a:cubicBezTo>
+                  <a:pt x="842270" y="3912759"/>
+                  <a:pt x="803022" y="3991015"/>
+                  <a:pt x="839252" y="4090612"/>
+                </a:cubicBezTo>
+                <a:cubicBezTo>
+                  <a:pt x="863405" y="4158196"/>
+                  <a:pt x="854347" y="4204438"/>
+                  <a:pt x="763774" y="4172424"/>
+                </a:cubicBezTo>
+                <a:cubicBezTo>
+                  <a:pt x="667160" y="4140411"/>
+                  <a:pt x="630932" y="4200882"/>
+                  <a:pt x="655085" y="4321821"/>
+                </a:cubicBezTo>
+                <a:cubicBezTo>
+                  <a:pt x="670179" y="4400076"/>
+                  <a:pt x="655085" y="4424975"/>
+                  <a:pt x="588662" y="4414305"/>
+                </a:cubicBezTo>
+                <a:cubicBezTo>
+                  <a:pt x="516204" y="4403633"/>
+                  <a:pt x="446764" y="4353835"/>
+                  <a:pt x="356189" y="4378734"/>
+                </a:cubicBezTo>
+                <a:cubicBezTo>
+                  <a:pt x="428648" y="4521016"/>
+                  <a:pt x="582626" y="4478331"/>
+                  <a:pt x="667160" y="4613499"/>
+                </a:cubicBezTo>
+                <a:cubicBezTo>
+                  <a:pt x="567529" y="4613499"/>
+                  <a:pt x="489031" y="4613499"/>
+                  <a:pt x="416573" y="4585042"/>
+                </a:cubicBezTo>
+                <a:cubicBezTo>
+                  <a:pt x="386381" y="4574373"/>
+                  <a:pt x="353170" y="4560144"/>
+                  <a:pt x="335056" y="4602828"/>
+                </a:cubicBezTo>
+                <a:cubicBezTo>
+                  <a:pt x="313920" y="4652628"/>
+                  <a:pt x="356189" y="4670412"/>
+                  <a:pt x="380342" y="4677526"/>
+                </a:cubicBezTo>
+                <a:cubicBezTo>
+                  <a:pt x="449784" y="4702425"/>
+                  <a:pt x="504126" y="4759339"/>
+                  <a:pt x="564510" y="4805580"/>
+                </a:cubicBezTo>
+                <a:cubicBezTo>
+                  <a:pt x="694332" y="4905177"/>
+                  <a:pt x="836233" y="4990547"/>
+                  <a:pt x="944922" y="5154171"/>
+                </a:cubicBezTo>
+                <a:cubicBezTo>
+                  <a:pt x="809060" y="5111487"/>
+                  <a:pt x="706410" y="5011889"/>
+                  <a:pt x="576586" y="4994104"/>
+                </a:cubicBezTo>
+                <a:cubicBezTo>
+                  <a:pt x="688296" y="5143500"/>
+                  <a:pt x="830194" y="5243097"/>
+                  <a:pt x="963036" y="5353367"/>
+                </a:cubicBezTo>
+                <a:cubicBezTo>
+                  <a:pt x="1002286" y="5385379"/>
+                  <a:pt x="1041534" y="5406721"/>
+                  <a:pt x="1047572" y="5474306"/>
+                </a:cubicBezTo>
+                <a:cubicBezTo>
+                  <a:pt x="1065688" y="5605917"/>
+                  <a:pt x="1113992" y="5712629"/>
+                  <a:pt x="1222682" y="5769542"/>
+                </a:cubicBezTo>
+                <a:cubicBezTo>
+                  <a:pt x="1222682" y="5769542"/>
+                  <a:pt x="1216644" y="5790884"/>
+                  <a:pt x="1213626" y="5801555"/>
+                </a:cubicBezTo>
+                <a:cubicBezTo>
+                  <a:pt x="1147203" y="5805112"/>
+                  <a:pt x="1095878" y="5726858"/>
+                  <a:pt x="1014361" y="5755314"/>
+                </a:cubicBezTo>
+                <a:cubicBezTo>
+                  <a:pt x="1095878" y="5862025"/>
+                  <a:pt x="1162298" y="5954508"/>
+                  <a:pt x="1274008" y="6004307"/>
+                </a:cubicBezTo>
+                <a:cubicBezTo>
+                  <a:pt x="1364582" y="6043434"/>
+                  <a:pt x="1476290" y="6068335"/>
+                  <a:pt x="1542711" y="6196388"/>
+                </a:cubicBezTo>
+                <a:cubicBezTo>
+                  <a:pt x="1467232" y="6221287"/>
+                  <a:pt x="1409868" y="6189274"/>
+                  <a:pt x="1352504" y="6167932"/>
+                </a:cubicBezTo>
+                <a:cubicBezTo>
+                  <a:pt x="1264950" y="6132361"/>
+                  <a:pt x="1177395" y="6093234"/>
+                  <a:pt x="1089840" y="6057663"/>
+                </a:cubicBezTo>
+                <a:cubicBezTo>
+                  <a:pt x="1056628" y="6043434"/>
+                  <a:pt x="1020400" y="6036320"/>
+                  <a:pt x="999266" y="6100347"/>
+                </a:cubicBezTo>
+                <a:cubicBezTo>
+                  <a:pt x="1110974" y="6114575"/>
+                  <a:pt x="1177395" y="6199945"/>
+                  <a:pt x="1246836" y="6281757"/>
+                </a:cubicBezTo>
+                <a:cubicBezTo>
+                  <a:pt x="1286084" y="6327999"/>
+                  <a:pt x="1319295" y="6388469"/>
+                  <a:pt x="1388735" y="6367127"/>
+                </a:cubicBezTo>
+                <a:cubicBezTo>
+                  <a:pt x="1424964" y="6356456"/>
+                  <a:pt x="1449118" y="6388469"/>
+                  <a:pt x="1446099" y="6431153"/>
+                </a:cubicBezTo>
+                <a:cubicBezTo>
+                  <a:pt x="1431002" y="6580550"/>
+                  <a:pt x="1518558" y="6630349"/>
+                  <a:pt x="1609132" y="6658805"/>
+                </a:cubicBezTo>
+                <a:cubicBezTo>
+                  <a:pt x="1741974" y="6701489"/>
+                  <a:pt x="1859720" y="6786859"/>
+                  <a:pt x="1983504" y="6858000"/>
+                </a:cubicBezTo>
+                <a:lnTo>
+                  <a:pt x="0" y="6858000"/>
+                </a:lnTo>
+                <a:close/>
+              </a:path>
+            </a:pathLst>
+          </a:custGeom>
+          <a:solidFill>
+            <a:schemeClr val="bg2">
+              <a:alpha val="50000"/>
+            </a:schemeClr>
+          </a:solidFill>
+          <a:ln w="32707" cap="flat">
+            <a:noFill/>
+            <a:prstDash val="solid"/>
+            <a:miter/>
+          </a:ln>
+        </p:spPr>
+        <p:txBody>
+          <a:bodyPr wrap="square" rtlCol="0" anchor="ctr">
+            <a:noAutofit/>
+          </a:bodyPr>
+          <a:lstStyle/>
+          <a:p>
+            <a:pPr algn="ctr"/>
+            <a:endParaRPr lang="en-US"/>
+          </a:p>
+        </p:txBody>
+      </p:sp>
+      <p:pic>
+        <p:nvPicPr>
+          <p:cNvPr id="18" name="Picture 17">
+            <a:extLst>
+              <a:ext uri="{FF2B5EF4-FFF2-40B4-BE49-F238E27FC236}">
+                <a16:creationId xmlns:a16="http://schemas.microsoft.com/office/drawing/2014/main" id="{C600D8F0-C210-9F3C-D312-9B0F171FB12A}"/>
+              </a:ext>
+            </a:extLst>
+          </p:cNvPr>
+          <p:cNvPicPr>
+            <a:picLocks noChangeAspect="1"/>
+          </p:cNvPicPr>
+          <p:nvPr/>
+        </p:nvPicPr>
+        <p:blipFill>
+          <a:blip r:embed="rId3"/>
+          <a:stretch>
+            <a:fillRect/>
+          </a:stretch>
+        </p:blipFill>
+        <p:spPr>
+          <a:xfrm>
+            <a:off x="9526752" y="306900"/>
+            <a:ext cx="2413124" cy="673135"/>
+          </a:xfrm>
+          <a:prstGeom prst="rect">
+            <a:avLst/>
+          </a:prstGeom>
+        </p:spPr>
+      </p:pic>
+      <p:sp>
+        <p:nvSpPr>
+          <p:cNvPr id="20" name="TextBox 19">
+            <a:extLst>
+              <a:ext uri="{FF2B5EF4-FFF2-40B4-BE49-F238E27FC236}">
+                <a16:creationId xmlns:a16="http://schemas.microsoft.com/office/drawing/2014/main" id="{1C62DE72-3A32-B818-1A7F-B7E01FD3BD55}"/>
+              </a:ext>
+            </a:extLst>
+          </p:cNvPr>
+          <p:cNvSpPr txBox="1"/>
+          <p:nvPr/>
+        </p:nvSpPr>
+        <p:spPr>
+          <a:xfrm>
+            <a:off x="1200568" y="643467"/>
+            <a:ext cx="9532746" cy="1261884"/>
+          </a:xfrm>
+          <a:prstGeom prst="rect">
+            <a:avLst/>
+          </a:prstGeom>
+          <a:noFill/>
+        </p:spPr>
+        <p:txBody>
+          <a:bodyPr wrap="square">
+            <a:spAutoFit/>
+          </a:bodyPr>
+          <a:lstStyle/>
+          <a:p>
+            <a:r>
+              <a:rPr lang="en-US" sz="2800" b="1" dirty="0">
+                <a:latin typeface="Times New Roman" panose="02020603050405020304" pitchFamily="18" charset="0"/>
+                <a:cs typeface="Times New Roman" panose="02020603050405020304" pitchFamily="18" charset="0"/>
+              </a:rPr>
+              <a:t>Employment Income Across</a:t>
+            </a:r>
+          </a:p>
+          <a:p>
+            <a:r>
+              <a:rPr lang="en-US" sz="2800" b="1" dirty="0">
+                <a:latin typeface="Times New Roman" panose="02020603050405020304" pitchFamily="18" charset="0"/>
+                <a:cs typeface="Times New Roman" panose="02020603050405020304" pitchFamily="18" charset="0"/>
+              </a:rPr>
+              <a:t>Regions, Programs and Education Levels</a:t>
+            </a:r>
+            <a:endParaRPr lang="en-US" sz="2400" b="1" dirty="0">
+              <a:latin typeface="Times New Roman" panose="02020603050405020304" pitchFamily="18" charset="0"/>
+              <a:cs typeface="Times New Roman" panose="02020603050405020304" pitchFamily="18" charset="0"/>
+            </a:endParaRPr>
+          </a:p>
+          <a:p>
+            <a:r>
+              <a:rPr lang="en-US" sz="2000" dirty="0">
+                <a:latin typeface="Times New Roman" panose="02020603050405020304" pitchFamily="18" charset="0"/>
+                <a:cs typeface="Times New Roman" panose="02020603050405020304" pitchFamily="18" charset="0"/>
+              </a:rPr>
+              <a:t>________________________________________</a:t>
+            </a:r>
+          </a:p>
+        </p:txBody>
+      </p:sp>
+      <p:sp>
+        <p:nvSpPr>
+          <p:cNvPr id="2" name="Slide Number Placeholder 1">
+            <a:extLst>
+              <a:ext uri="{FF2B5EF4-FFF2-40B4-BE49-F238E27FC236}">
+                <a16:creationId xmlns:a16="http://schemas.microsoft.com/office/drawing/2014/main" id="{D9BDEB0C-8749-19CD-45F4-89FF70F869CE}"/>
+              </a:ext>
+            </a:extLst>
+          </p:cNvPr>
+          <p:cNvSpPr>
+            <a:spLocks noGrp="1"/>
+          </p:cNvSpPr>
+          <p:nvPr>
+            <p:ph type="sldNum" sz="quarter" idx="12"/>
+          </p:nvPr>
+        </p:nvSpPr>
+        <p:spPr/>
+        <p:txBody>
+          <a:bodyPr/>
+          <a:lstStyle/>
+          <a:p>
+            <a:fld id="{0E09FCB3-37CC-4DC3-9641-7B88AD2FD4DA}" type="slidenum">
+              <a:rPr lang="en-US" smtClean="0"/>
+              <a:t>11</a:t>
+            </a:fld>
+            <a:endParaRPr lang="en-US"/>
+          </a:p>
+        </p:txBody>
+      </p:sp>
+      <p:pic>
+        <p:nvPicPr>
+          <p:cNvPr id="6" name="Picture 5">
+            <a:extLst>
+              <a:ext uri="{FF2B5EF4-FFF2-40B4-BE49-F238E27FC236}">
+                <a16:creationId xmlns:a16="http://schemas.microsoft.com/office/drawing/2014/main" id="{FDBEEE5B-82ED-49E9-2568-43AD4B4F02A5}"/>
+              </a:ext>
+            </a:extLst>
+          </p:cNvPr>
+          <p:cNvPicPr>
+            <a:picLocks noChangeAspect="1"/>
+          </p:cNvPicPr>
+          <p:nvPr/>
+        </p:nvPicPr>
+        <p:blipFill>
+          <a:blip r:embed="rId4"/>
+          <a:stretch>
+            <a:fillRect/>
+          </a:stretch>
+        </p:blipFill>
+        <p:spPr>
+          <a:xfrm>
+            <a:off x="1200568" y="2029368"/>
+            <a:ext cx="5479747" cy="4435424"/>
+          </a:xfrm>
+          <a:prstGeom prst="rect">
+            <a:avLst/>
+          </a:prstGeom>
+        </p:spPr>
+      </p:pic>
+      <p:pic>
+        <p:nvPicPr>
+          <p:cNvPr id="7" name="Picture 6">
+            <a:extLst>
+              <a:ext uri="{FF2B5EF4-FFF2-40B4-BE49-F238E27FC236}">
+                <a16:creationId xmlns:a16="http://schemas.microsoft.com/office/drawing/2014/main" id="{3F13D017-5449-22F1-AEA0-8B5BA6BBEEEA}"/>
+              </a:ext>
+            </a:extLst>
+          </p:cNvPr>
+          <p:cNvPicPr>
+            <a:picLocks noChangeAspect="1"/>
+          </p:cNvPicPr>
+          <p:nvPr/>
+        </p:nvPicPr>
+        <p:blipFill>
+          <a:blip r:embed="rId5"/>
+          <a:stretch>
+            <a:fillRect/>
+          </a:stretch>
+        </p:blipFill>
+        <p:spPr>
+          <a:xfrm>
+            <a:off x="7167871" y="4313784"/>
+            <a:ext cx="4403109" cy="2000282"/>
+          </a:xfrm>
+          <a:prstGeom prst="rect">
+            <a:avLst/>
+          </a:prstGeom>
+        </p:spPr>
+      </p:pic>
+      <p:pic>
+        <p:nvPicPr>
+          <p:cNvPr id="8" name="Picture 7">
+            <a:extLst>
+              <a:ext uri="{FF2B5EF4-FFF2-40B4-BE49-F238E27FC236}">
+                <a16:creationId xmlns:a16="http://schemas.microsoft.com/office/drawing/2014/main" id="{BAE495C6-EDB0-A1A3-C47F-2BEC0B6617DA}"/>
+              </a:ext>
+            </a:extLst>
+          </p:cNvPr>
+          <p:cNvPicPr>
+            <a:picLocks noChangeAspect="1"/>
+          </p:cNvPicPr>
+          <p:nvPr/>
+        </p:nvPicPr>
+        <p:blipFill>
+          <a:blip r:embed="rId6"/>
+          <a:stretch>
+            <a:fillRect/>
+          </a:stretch>
+        </p:blipFill>
+        <p:spPr>
+          <a:xfrm>
+            <a:off x="7167871" y="1797804"/>
+            <a:ext cx="3451143" cy="2212442"/>
+          </a:xfrm>
+          <a:prstGeom prst="rect">
+            <a:avLst/>
+          </a:prstGeom>
+        </p:spPr>
+      </p:pic>
+    </p:spTree>
+    <p:extLst>
+      <p:ext uri="{BB962C8B-B14F-4D97-AF65-F5344CB8AC3E}">
+        <p14:creationId xmlns:p14="http://schemas.microsoft.com/office/powerpoint/2010/main" val="2805417741"/>
+      </p:ext>
+    </p:extLst>
+  </p:cSld>
+  <p:clrMapOvr>
+    <a:masterClrMapping/>
+  </p:clrMapOvr>
+</p:sld>
+</file>
+
+<file path=ppt/slides/slide12.xml><?xml version="1.0" encoding="utf-8"?>
+<p:sld xmlns:a="http://schemas.openxmlformats.org/drawingml/2006/main" xmlns:r="http://schemas.openxmlformats.org/officeDocument/2006/relationships" xmlns:p="http://schemas.openxmlformats.org/presentationml/2006/main">
+  <p:cSld>
+    <p:bg>
+      <p:bgPr>
+        <a:solidFill>
+          <a:schemeClr val="bg1"/>
+        </a:solidFill>
+        <a:effectLst/>
+      </p:bgPr>
+    </p:bg>
+    <p:spTree>
+      <p:nvGrpSpPr>
+        <p:cNvPr id="1" name="">
+          <a:extLst>
+            <a:ext uri="{FF2B5EF4-FFF2-40B4-BE49-F238E27FC236}">
+              <a16:creationId xmlns:a16="http://schemas.microsoft.com/office/drawing/2014/main" id="{A01778E0-DD8F-C025-A622-355D86C66442}"/>
+            </a:ext>
+          </a:extLst>
+        </p:cNvPr>
+        <p:cNvGrpSpPr/>
+        <p:nvPr/>
+      </p:nvGrpSpPr>
+      <p:grpSpPr>
+        <a:xfrm>
+          <a:off x="0" y="0"/>
+          <a:ext cx="0" cy="0"/>
+          <a:chOff x="0" y="0"/>
+          <a:chExt cx="0" cy="0"/>
+        </a:xfrm>
+      </p:grpSpPr>
+      <p:sp useBgFill="1">
+        <p:nvSpPr>
+          <p:cNvPr id="21" name="Rectangle 20">
+            <a:extLst>
+              <a:ext uri="{FF2B5EF4-FFF2-40B4-BE49-F238E27FC236}">
+                <a16:creationId xmlns:a16="http://schemas.microsoft.com/office/drawing/2014/main" id="{E9FE3586-DF5D-1509-174F-75CB508CD730}"/>
+              </a:ext>
+              <a:ext uri="{C183D7F6-B498-43B3-948B-1728B52AA6E4}">
+                <adec:decorative xmlns:adec="http://schemas.microsoft.com/office/drawing/2017/decorative" val="1"/>
+              </a:ext>
+            </a:extLst>
+          </p:cNvPr>
+          <p:cNvSpPr>
+            <a:spLocks noGrp="1" noRot="1" noChangeAspect="1" noMove="1" noResize="1" noEditPoints="1" noAdjustHandles="1" noChangeArrowheads="1" noChangeShapeType="1" noTextEdit="1"/>
+          </p:cNvSpPr>
+          <p:nvPr>
+            <p:extLst>
+              <p:ext uri="{386F3935-93C4-4BCD-93E2-E3B085C9AB24}">
+                <p16:designElem xmlns:p16="http://schemas.microsoft.com/office/powerpoint/2015/main" val="1"/>
+              </p:ext>
+            </p:extLst>
+          </p:nvPr>
+        </p:nvSpPr>
+        <p:spPr>
+          <a:xfrm>
+            <a:off x="0" y="0"/>
+            <a:ext cx="12192000" cy="6858000"/>
+          </a:xfrm>
+          <a:prstGeom prst="rect">
+            <a:avLst/>
+          </a:prstGeom>
+          <a:ln>
+            <a:noFill/>
+          </a:ln>
+        </p:spPr>
+        <p:style>
+          <a:lnRef idx="2">
+            <a:schemeClr val="accent1">
+              <a:shade val="50000"/>
+            </a:schemeClr>
+          </a:lnRef>
+          <a:fillRef idx="1">
+            <a:schemeClr val="accent1"/>
+          </a:fillRef>
+          <a:effectRef idx="0">
+            <a:schemeClr val="accent1"/>
+          </a:effectRef>
+          <a:fontRef idx="minor">
+            <a:schemeClr val="lt1"/>
+          </a:fontRef>
+        </p:style>
+        <p:txBody>
+          <a:bodyPr rtlCol="0" anchor="ctr"/>
+          <a:lstStyle/>
+          <a:p>
+            <a:pPr algn="ctr"/>
+            <a:endParaRPr lang="en-US"/>
+          </a:p>
+        </p:txBody>
+      </p:sp>
+      <p:sp>
+        <p:nvSpPr>
+          <p:cNvPr id="23" name="Freeform: Shape 22">
+            <a:extLst>
+              <a:ext uri="{FF2B5EF4-FFF2-40B4-BE49-F238E27FC236}">
+                <a16:creationId xmlns:a16="http://schemas.microsoft.com/office/drawing/2014/main" id="{20752DDD-80A1-8185-F136-84C9C6024B79}"/>
+              </a:ext>
+              <a:ext uri="{C183D7F6-B498-43B3-948B-1728B52AA6E4}">
+                <adec:decorative xmlns:adec="http://schemas.microsoft.com/office/drawing/2017/decorative" val="1"/>
+              </a:ext>
+            </a:extLst>
+          </p:cNvPr>
+          <p:cNvSpPr>
+            <a:spLocks noGrp="1" noRot="1" noChangeAspect="1" noMove="1" noResize="1" noEditPoints="1" noAdjustHandles="1" noChangeArrowheads="1" noChangeShapeType="1" noTextEdit="1"/>
+          </p:cNvSpPr>
+          <p:nvPr>
+            <p:extLst>
+              <p:ext uri="{386F3935-93C4-4BCD-93E2-E3B085C9AB24}">
+                <p16:designElem xmlns:p16="http://schemas.microsoft.com/office/powerpoint/2015/main" val="1"/>
+              </p:ext>
+            </p:extLst>
+          </p:nvPr>
+        </p:nvSpPr>
+        <p:spPr>
+          <a:xfrm flipH="1">
+            <a:off x="10208496" y="0"/>
+            <a:ext cx="1983504" cy="6858000"/>
+          </a:xfrm>
+          <a:custGeom>
+            <a:avLst/>
+            <a:gdLst>
+              <a:gd name="connsiteX0" fmla="*/ 0 w 1983504"/>
+              <a:gd name="connsiteY0" fmla="*/ 0 h 6858000"/>
+              <a:gd name="connsiteX1" fmla="*/ 1376658 w 1983504"/>
+              <a:gd name="connsiteY1" fmla="*/ 0 h 6858000"/>
+              <a:gd name="connsiteX2" fmla="*/ 1690650 w 1983504"/>
+              <a:gd name="connsiteY2" fmla="*/ 110269 h 6858000"/>
+              <a:gd name="connsiteX3" fmla="*/ 1645361 w 1983504"/>
+              <a:gd name="connsiteY3" fmla="*/ 135168 h 6858000"/>
+              <a:gd name="connsiteX4" fmla="*/ 1373640 w 1983504"/>
+              <a:gd name="connsiteY4" fmla="*/ 71141 h 6858000"/>
+              <a:gd name="connsiteX5" fmla="*/ 1319295 w 1983504"/>
+              <a:gd name="connsiteY5" fmla="*/ 88927 h 6858000"/>
+              <a:gd name="connsiteX6" fmla="*/ 1346468 w 1983504"/>
+              <a:gd name="connsiteY6" fmla="*/ 163625 h 6858000"/>
+              <a:gd name="connsiteX7" fmla="*/ 1464213 w 1983504"/>
+              <a:gd name="connsiteY7" fmla="*/ 192082 h 6858000"/>
+              <a:gd name="connsiteX8" fmla="*/ 1648381 w 1983504"/>
+              <a:gd name="connsiteY8" fmla="*/ 373491 h 6858000"/>
+              <a:gd name="connsiteX9" fmla="*/ 1370620 w 1983504"/>
+              <a:gd name="connsiteY9" fmla="*/ 352148 h 6858000"/>
+              <a:gd name="connsiteX10" fmla="*/ 1322314 w 1983504"/>
+              <a:gd name="connsiteY10" fmla="*/ 394834 h 6858000"/>
+              <a:gd name="connsiteX11" fmla="*/ 1304199 w 1983504"/>
+              <a:gd name="connsiteY11" fmla="*/ 451747 h 6858000"/>
+              <a:gd name="connsiteX12" fmla="*/ 1222682 w 1983504"/>
+              <a:gd name="connsiteY12" fmla="*/ 359262 h 6858000"/>
+              <a:gd name="connsiteX13" fmla="*/ 1153242 w 1983504"/>
+              <a:gd name="connsiteY13" fmla="*/ 334364 h 6858000"/>
+              <a:gd name="connsiteX14" fmla="*/ 1132108 w 1983504"/>
+              <a:gd name="connsiteY14" fmla="*/ 416176 h 6858000"/>
+              <a:gd name="connsiteX15" fmla="*/ 1195509 w 1983504"/>
+              <a:gd name="connsiteY15" fmla="*/ 505101 h 6858000"/>
+              <a:gd name="connsiteX16" fmla="*/ 1364582 w 1983504"/>
+              <a:gd name="connsiteY16" fmla="*/ 558458 h 6858000"/>
+              <a:gd name="connsiteX17" fmla="*/ 1183434 w 1983504"/>
+              <a:gd name="connsiteY17" fmla="*/ 558458 h 6858000"/>
+              <a:gd name="connsiteX18" fmla="*/ 975114 w 1983504"/>
+              <a:gd name="connsiteY18" fmla="*/ 522887 h 6858000"/>
+              <a:gd name="connsiteX19" fmla="*/ 754716 w 1983504"/>
+              <a:gd name="connsiteY19" fmla="*/ 533558 h 6858000"/>
+              <a:gd name="connsiteX20" fmla="*/ 546395 w 1983504"/>
+              <a:gd name="connsiteY20" fmla="*/ 462417 h 6858000"/>
+              <a:gd name="connsiteX21" fmla="*/ 335056 w 1983504"/>
+              <a:gd name="connsiteY21" fmla="*/ 465975 h 6858000"/>
+              <a:gd name="connsiteX22" fmla="*/ 1270988 w 1983504"/>
+              <a:gd name="connsiteY22" fmla="*/ 910606 h 6858000"/>
+              <a:gd name="connsiteX23" fmla="*/ 1225701 w 1983504"/>
+              <a:gd name="connsiteY23" fmla="*/ 921277 h 6858000"/>
+              <a:gd name="connsiteX24" fmla="*/ 1165318 w 1983504"/>
+              <a:gd name="connsiteY24" fmla="*/ 949734 h 6858000"/>
+              <a:gd name="connsiteX25" fmla="*/ 1210606 w 1983504"/>
+              <a:gd name="connsiteY25" fmla="*/ 1006647 h 6858000"/>
+              <a:gd name="connsiteX26" fmla="*/ 1455156 w 1983504"/>
+              <a:gd name="connsiteY26" fmla="*/ 1113358 h 6858000"/>
+              <a:gd name="connsiteX27" fmla="*/ 1515538 w 1983504"/>
+              <a:gd name="connsiteY27" fmla="*/ 1220069 h 6858000"/>
+              <a:gd name="connsiteX28" fmla="*/ 1440060 w 1983504"/>
+              <a:gd name="connsiteY28" fmla="*/ 1209399 h 6858000"/>
+              <a:gd name="connsiteX29" fmla="*/ 1373640 w 1983504"/>
+              <a:gd name="connsiteY29" fmla="*/ 1230741 h 6858000"/>
+              <a:gd name="connsiteX30" fmla="*/ 1400810 w 1983504"/>
+              <a:gd name="connsiteY30" fmla="*/ 1365909 h 6858000"/>
+              <a:gd name="connsiteX31" fmla="*/ 1748012 w 1983504"/>
+              <a:gd name="connsiteY31" fmla="*/ 1540204 h 6858000"/>
+              <a:gd name="connsiteX32" fmla="*/ 1778203 w 1983504"/>
+              <a:gd name="connsiteY32" fmla="*/ 1597117 h 6858000"/>
+              <a:gd name="connsiteX33" fmla="*/ 1735936 w 1983504"/>
+              <a:gd name="connsiteY33" fmla="*/ 1636245 h 6858000"/>
+              <a:gd name="connsiteX34" fmla="*/ 1624228 w 1983504"/>
+              <a:gd name="connsiteY34" fmla="*/ 1657587 h 6858000"/>
+              <a:gd name="connsiteX35" fmla="*/ 1781223 w 1983504"/>
+              <a:gd name="connsiteY35" fmla="*/ 1849668 h 6858000"/>
+              <a:gd name="connsiteX36" fmla="*/ 1838587 w 1983504"/>
+              <a:gd name="connsiteY36" fmla="*/ 1903025 h 6858000"/>
+              <a:gd name="connsiteX37" fmla="*/ 1938218 w 1983504"/>
+              <a:gd name="connsiteY37" fmla="*/ 1984836 h 6858000"/>
+              <a:gd name="connsiteX38" fmla="*/ 1938218 w 1983504"/>
+              <a:gd name="connsiteY38" fmla="*/ 2013292 h 6858000"/>
+              <a:gd name="connsiteX39" fmla="*/ 1805376 w 1983504"/>
+              <a:gd name="connsiteY39" fmla="*/ 2102219 h 6858000"/>
+              <a:gd name="connsiteX40" fmla="*/ 1563844 w 1983504"/>
+              <a:gd name="connsiteY40" fmla="*/ 2077320 h 6858000"/>
+              <a:gd name="connsiteX41" fmla="*/ 1920104 w 1983504"/>
+              <a:gd name="connsiteY41" fmla="*/ 2208931 h 6858000"/>
+              <a:gd name="connsiteX42" fmla="*/ 766792 w 1983504"/>
+              <a:gd name="connsiteY42" fmla="*/ 1892353 h 6858000"/>
+              <a:gd name="connsiteX43" fmla="*/ 839252 w 1983504"/>
+              <a:gd name="connsiteY43" fmla="*/ 1974165 h 6858000"/>
+              <a:gd name="connsiteX44" fmla="*/ 1243816 w 1983504"/>
+              <a:gd name="connsiteY44" fmla="*/ 2191146 h 6858000"/>
+              <a:gd name="connsiteX45" fmla="*/ 1358543 w 1983504"/>
+              <a:gd name="connsiteY45" fmla="*/ 2326314 h 6858000"/>
+              <a:gd name="connsiteX46" fmla="*/ 1479310 w 1983504"/>
+              <a:gd name="connsiteY46" fmla="*/ 2401012 h 6858000"/>
+              <a:gd name="connsiteX47" fmla="*/ 1648381 w 1983504"/>
+              <a:gd name="connsiteY47" fmla="*/ 2401012 h 6858000"/>
+              <a:gd name="connsiteX48" fmla="*/ 1769146 w 1983504"/>
+              <a:gd name="connsiteY48" fmla="*/ 2518395 h 6858000"/>
+              <a:gd name="connsiteX49" fmla="*/ 1645361 w 1983504"/>
+              <a:gd name="connsiteY49" fmla="*/ 2543294 h 6858000"/>
+              <a:gd name="connsiteX50" fmla="*/ 1500444 w 1983504"/>
+              <a:gd name="connsiteY50" fmla="*/ 2525509 h 6858000"/>
+              <a:gd name="connsiteX51" fmla="*/ 1337410 w 1983504"/>
+              <a:gd name="connsiteY51" fmla="*/ 2564636 h 6858000"/>
+              <a:gd name="connsiteX52" fmla="*/ 1186452 w 1983504"/>
+              <a:gd name="connsiteY52" fmla="*/ 2532623 h 6858000"/>
+              <a:gd name="connsiteX53" fmla="*/ 1005304 w 1983504"/>
+              <a:gd name="connsiteY53" fmla="*/ 2553965 h 6858000"/>
+              <a:gd name="connsiteX54" fmla="*/ 947940 w 1983504"/>
+              <a:gd name="connsiteY54" fmla="*/ 2692689 h 6858000"/>
+              <a:gd name="connsiteX55" fmla="*/ 929826 w 1983504"/>
+              <a:gd name="connsiteY55" fmla="*/ 2703362 h 6858000"/>
+              <a:gd name="connsiteX56" fmla="*/ 594701 w 1983504"/>
+              <a:gd name="connsiteY56" fmla="*/ 2923898 h 6858000"/>
+              <a:gd name="connsiteX57" fmla="*/ 501108 w 1983504"/>
+              <a:gd name="connsiteY57" fmla="*/ 2941684 h 6858000"/>
+              <a:gd name="connsiteX58" fmla="*/ 1053610 w 1983504"/>
+              <a:gd name="connsiteY58" fmla="*/ 3329402 h 6858000"/>
+              <a:gd name="connsiteX59" fmla="*/ 682256 w 1983504"/>
+              <a:gd name="connsiteY59" fmla="*/ 3229805 h 6858000"/>
+              <a:gd name="connsiteX60" fmla="*/ 630932 w 1983504"/>
+              <a:gd name="connsiteY60" fmla="*/ 3393429 h 6858000"/>
+              <a:gd name="connsiteX61" fmla="*/ 806041 w 1983504"/>
+              <a:gd name="connsiteY61" fmla="*/ 3539269 h 6858000"/>
+              <a:gd name="connsiteX62" fmla="*/ 869444 w 1983504"/>
+              <a:gd name="connsiteY62" fmla="*/ 3827390 h 6858000"/>
+              <a:gd name="connsiteX63" fmla="*/ 839252 w 1983504"/>
+              <a:gd name="connsiteY63" fmla="*/ 4090612 h 6858000"/>
+              <a:gd name="connsiteX64" fmla="*/ 763774 w 1983504"/>
+              <a:gd name="connsiteY64" fmla="*/ 4172424 h 6858000"/>
+              <a:gd name="connsiteX65" fmla="*/ 655085 w 1983504"/>
+              <a:gd name="connsiteY65" fmla="*/ 4321821 h 6858000"/>
+              <a:gd name="connsiteX66" fmla="*/ 588662 w 1983504"/>
+              <a:gd name="connsiteY66" fmla="*/ 4414305 h 6858000"/>
+              <a:gd name="connsiteX67" fmla="*/ 356189 w 1983504"/>
+              <a:gd name="connsiteY67" fmla="*/ 4378734 h 6858000"/>
+              <a:gd name="connsiteX68" fmla="*/ 667160 w 1983504"/>
+              <a:gd name="connsiteY68" fmla="*/ 4613499 h 6858000"/>
+              <a:gd name="connsiteX69" fmla="*/ 416573 w 1983504"/>
+              <a:gd name="connsiteY69" fmla="*/ 4585042 h 6858000"/>
+              <a:gd name="connsiteX70" fmla="*/ 335056 w 1983504"/>
+              <a:gd name="connsiteY70" fmla="*/ 4602828 h 6858000"/>
+              <a:gd name="connsiteX71" fmla="*/ 380342 w 1983504"/>
+              <a:gd name="connsiteY71" fmla="*/ 4677526 h 6858000"/>
+              <a:gd name="connsiteX72" fmla="*/ 564510 w 1983504"/>
+              <a:gd name="connsiteY72" fmla="*/ 4805580 h 6858000"/>
+              <a:gd name="connsiteX73" fmla="*/ 944922 w 1983504"/>
+              <a:gd name="connsiteY73" fmla="*/ 5154171 h 6858000"/>
+              <a:gd name="connsiteX74" fmla="*/ 576586 w 1983504"/>
+              <a:gd name="connsiteY74" fmla="*/ 4994104 h 6858000"/>
+              <a:gd name="connsiteX75" fmla="*/ 963036 w 1983504"/>
+              <a:gd name="connsiteY75" fmla="*/ 5353367 h 6858000"/>
+              <a:gd name="connsiteX76" fmla="*/ 1047572 w 1983504"/>
+              <a:gd name="connsiteY76" fmla="*/ 5474306 h 6858000"/>
+              <a:gd name="connsiteX77" fmla="*/ 1222682 w 1983504"/>
+              <a:gd name="connsiteY77" fmla="*/ 5769542 h 6858000"/>
+              <a:gd name="connsiteX78" fmla="*/ 1213626 w 1983504"/>
+              <a:gd name="connsiteY78" fmla="*/ 5801555 h 6858000"/>
+              <a:gd name="connsiteX79" fmla="*/ 1014361 w 1983504"/>
+              <a:gd name="connsiteY79" fmla="*/ 5755314 h 6858000"/>
+              <a:gd name="connsiteX80" fmla="*/ 1274008 w 1983504"/>
+              <a:gd name="connsiteY80" fmla="*/ 6004307 h 6858000"/>
+              <a:gd name="connsiteX81" fmla="*/ 1542711 w 1983504"/>
+              <a:gd name="connsiteY81" fmla="*/ 6196388 h 6858000"/>
+              <a:gd name="connsiteX82" fmla="*/ 1352504 w 1983504"/>
+              <a:gd name="connsiteY82" fmla="*/ 6167932 h 6858000"/>
+              <a:gd name="connsiteX83" fmla="*/ 1089840 w 1983504"/>
+              <a:gd name="connsiteY83" fmla="*/ 6057663 h 6858000"/>
+              <a:gd name="connsiteX84" fmla="*/ 999266 w 1983504"/>
+              <a:gd name="connsiteY84" fmla="*/ 6100347 h 6858000"/>
+              <a:gd name="connsiteX85" fmla="*/ 1246836 w 1983504"/>
+              <a:gd name="connsiteY85" fmla="*/ 6281757 h 6858000"/>
+              <a:gd name="connsiteX86" fmla="*/ 1388735 w 1983504"/>
+              <a:gd name="connsiteY86" fmla="*/ 6367127 h 6858000"/>
+              <a:gd name="connsiteX87" fmla="*/ 1446099 w 1983504"/>
+              <a:gd name="connsiteY87" fmla="*/ 6431153 h 6858000"/>
+              <a:gd name="connsiteX88" fmla="*/ 1609132 w 1983504"/>
+              <a:gd name="connsiteY88" fmla="*/ 6658805 h 6858000"/>
+              <a:gd name="connsiteX89" fmla="*/ 1983504 w 1983504"/>
+              <a:gd name="connsiteY89" fmla="*/ 6858000 h 6858000"/>
+              <a:gd name="connsiteX90" fmla="*/ 0 w 1983504"/>
+              <a:gd name="connsiteY90" fmla="*/ 6858000 h 6858000"/>
+            </a:gdLst>
+            <a:ahLst/>
+            <a:cxnLst>
+              <a:cxn ang="0">
+                <a:pos x="connsiteX0" y="connsiteY0"/>
+              </a:cxn>
+              <a:cxn ang="0">
+                <a:pos x="connsiteX1" y="connsiteY1"/>
+              </a:cxn>
+              <a:cxn ang="0">
+                <a:pos x="connsiteX2" y="connsiteY2"/>
+              </a:cxn>
+              <a:cxn ang="0">
+                <a:pos x="connsiteX3" y="connsiteY3"/>
+              </a:cxn>
+              <a:cxn ang="0">
+                <a:pos x="connsiteX4" y="connsiteY4"/>
+              </a:cxn>
+              <a:cxn ang="0">
+                <a:pos x="connsiteX5" y="connsiteY5"/>
+              </a:cxn>
+              <a:cxn ang="0">
+                <a:pos x="connsiteX6" y="connsiteY6"/>
+              </a:cxn>
+              <a:cxn ang="0">
+                <a:pos x="connsiteX7" y="connsiteY7"/>
+              </a:cxn>
+              <a:cxn ang="0">
+                <a:pos x="connsiteX8" y="connsiteY8"/>
+              </a:cxn>
+              <a:cxn ang="0">
+                <a:pos x="connsiteX9" y="connsiteY9"/>
+              </a:cxn>
+              <a:cxn ang="0">
+                <a:pos x="connsiteX10" y="connsiteY10"/>
+              </a:cxn>
+              <a:cxn ang="0">
+                <a:pos x="connsiteX11" y="connsiteY11"/>
+              </a:cxn>
+              <a:cxn ang="0">
+                <a:pos x="connsiteX12" y="connsiteY12"/>
+              </a:cxn>
+              <a:cxn ang="0">
+                <a:pos x="connsiteX13" y="connsiteY13"/>
+              </a:cxn>
+              <a:cxn ang="0">
+                <a:pos x="connsiteX14" y="connsiteY14"/>
+              </a:cxn>
+              <a:cxn ang="0">
+                <a:pos x="connsiteX15" y="connsiteY15"/>
+              </a:cxn>
+              <a:cxn ang="0">
+                <a:pos x="connsiteX16" y="connsiteY16"/>
+              </a:cxn>
+              <a:cxn ang="0">
+                <a:pos x="connsiteX17" y="connsiteY17"/>
+              </a:cxn>
+              <a:cxn ang="0">
+                <a:pos x="connsiteX18" y="connsiteY18"/>
+              </a:cxn>
+              <a:cxn ang="0">
+                <a:pos x="connsiteX19" y="connsiteY19"/>
+              </a:cxn>
+              <a:cxn ang="0">
+                <a:pos x="connsiteX20" y="connsiteY20"/>
+              </a:cxn>
+              <a:cxn ang="0">
+                <a:pos x="connsiteX21" y="connsiteY21"/>
+              </a:cxn>
+              <a:cxn ang="0">
+                <a:pos x="connsiteX22" y="connsiteY22"/>
+              </a:cxn>
+              <a:cxn ang="0">
+                <a:pos x="connsiteX23" y="connsiteY23"/>
+              </a:cxn>
+              <a:cxn ang="0">
+                <a:pos x="connsiteX24" y="connsiteY24"/>
+              </a:cxn>
+              <a:cxn ang="0">
+                <a:pos x="connsiteX25" y="connsiteY25"/>
+              </a:cxn>
+              <a:cxn ang="0">
+                <a:pos x="connsiteX26" y="connsiteY26"/>
+              </a:cxn>
+              <a:cxn ang="0">
+                <a:pos x="connsiteX27" y="connsiteY27"/>
+              </a:cxn>
+              <a:cxn ang="0">
+                <a:pos x="connsiteX28" y="connsiteY28"/>
+              </a:cxn>
+              <a:cxn ang="0">
+                <a:pos x="connsiteX29" y="connsiteY29"/>
+              </a:cxn>
+              <a:cxn ang="0">
+                <a:pos x="connsiteX30" y="connsiteY30"/>
+              </a:cxn>
+              <a:cxn ang="0">
+                <a:pos x="connsiteX31" y="connsiteY31"/>
+              </a:cxn>
+              <a:cxn ang="0">
+                <a:pos x="connsiteX32" y="connsiteY32"/>
+              </a:cxn>
+              <a:cxn ang="0">
+                <a:pos x="connsiteX33" y="connsiteY33"/>
+              </a:cxn>
+              <a:cxn ang="0">
+                <a:pos x="connsiteX34" y="connsiteY34"/>
+              </a:cxn>
+              <a:cxn ang="0">
+                <a:pos x="connsiteX35" y="connsiteY35"/>
+              </a:cxn>
+              <a:cxn ang="0">
+                <a:pos x="connsiteX36" y="connsiteY36"/>
+              </a:cxn>
+              <a:cxn ang="0">
+                <a:pos x="connsiteX37" y="connsiteY37"/>
+              </a:cxn>
+              <a:cxn ang="0">
+                <a:pos x="connsiteX38" y="connsiteY38"/>
+              </a:cxn>
+              <a:cxn ang="0">
+                <a:pos x="connsiteX39" y="connsiteY39"/>
+              </a:cxn>
+              <a:cxn ang="0">
+                <a:pos x="connsiteX40" y="connsiteY40"/>
+              </a:cxn>
+              <a:cxn ang="0">
+                <a:pos x="connsiteX41" y="connsiteY41"/>
+              </a:cxn>
+              <a:cxn ang="0">
+                <a:pos x="connsiteX42" y="connsiteY42"/>
+              </a:cxn>
+              <a:cxn ang="0">
+                <a:pos x="connsiteX43" y="connsiteY43"/>
+              </a:cxn>
+              <a:cxn ang="0">
+                <a:pos x="connsiteX44" y="connsiteY44"/>
+              </a:cxn>
+              <a:cxn ang="0">
+                <a:pos x="connsiteX45" y="connsiteY45"/>
+              </a:cxn>
+              <a:cxn ang="0">
+                <a:pos x="connsiteX46" y="connsiteY46"/>
+              </a:cxn>
+              <a:cxn ang="0">
+                <a:pos x="connsiteX47" y="connsiteY47"/>
+              </a:cxn>
+              <a:cxn ang="0">
+                <a:pos x="connsiteX48" y="connsiteY48"/>
+              </a:cxn>
+              <a:cxn ang="0">
+                <a:pos x="connsiteX49" y="connsiteY49"/>
+              </a:cxn>
+              <a:cxn ang="0">
+                <a:pos x="connsiteX50" y="connsiteY50"/>
+              </a:cxn>
+              <a:cxn ang="0">
+                <a:pos x="connsiteX51" y="connsiteY51"/>
+              </a:cxn>
+              <a:cxn ang="0">
+                <a:pos x="connsiteX52" y="connsiteY52"/>
+              </a:cxn>
+              <a:cxn ang="0">
+                <a:pos x="connsiteX53" y="connsiteY53"/>
+              </a:cxn>
+              <a:cxn ang="0">
+                <a:pos x="connsiteX54" y="connsiteY54"/>
+              </a:cxn>
+              <a:cxn ang="0">
+                <a:pos x="connsiteX55" y="connsiteY55"/>
+              </a:cxn>
+              <a:cxn ang="0">
+                <a:pos x="connsiteX56" y="connsiteY56"/>
+              </a:cxn>
+              <a:cxn ang="0">
+                <a:pos x="connsiteX57" y="connsiteY57"/>
+              </a:cxn>
+              <a:cxn ang="0">
+                <a:pos x="connsiteX58" y="connsiteY58"/>
+              </a:cxn>
+              <a:cxn ang="0">
+                <a:pos x="connsiteX59" y="connsiteY59"/>
+              </a:cxn>
+              <a:cxn ang="0">
+                <a:pos x="connsiteX60" y="connsiteY60"/>
+              </a:cxn>
+              <a:cxn ang="0">
+                <a:pos x="connsiteX61" y="connsiteY61"/>
+              </a:cxn>
+              <a:cxn ang="0">
+                <a:pos x="connsiteX62" y="connsiteY62"/>
+              </a:cxn>
+              <a:cxn ang="0">
+                <a:pos x="connsiteX63" y="connsiteY63"/>
+              </a:cxn>
+              <a:cxn ang="0">
+                <a:pos x="connsiteX64" y="connsiteY64"/>
+              </a:cxn>
+              <a:cxn ang="0">
+                <a:pos x="connsiteX65" y="connsiteY65"/>
+              </a:cxn>
+              <a:cxn ang="0">
+                <a:pos x="connsiteX66" y="connsiteY66"/>
+              </a:cxn>
+              <a:cxn ang="0">
+                <a:pos x="connsiteX67" y="connsiteY67"/>
+              </a:cxn>
+              <a:cxn ang="0">
+                <a:pos x="connsiteX68" y="connsiteY68"/>
+              </a:cxn>
+              <a:cxn ang="0">
+                <a:pos x="connsiteX69" y="connsiteY69"/>
+              </a:cxn>
+              <a:cxn ang="0">
+                <a:pos x="connsiteX70" y="connsiteY70"/>
+              </a:cxn>
+              <a:cxn ang="0">
+                <a:pos x="connsiteX71" y="connsiteY71"/>
+              </a:cxn>
+              <a:cxn ang="0">
+                <a:pos x="connsiteX72" y="connsiteY72"/>
+              </a:cxn>
+              <a:cxn ang="0">
+                <a:pos x="connsiteX73" y="connsiteY73"/>
+              </a:cxn>
+              <a:cxn ang="0">
+                <a:pos x="connsiteX74" y="connsiteY74"/>
+              </a:cxn>
+              <a:cxn ang="0">
+                <a:pos x="connsiteX75" y="connsiteY75"/>
+              </a:cxn>
+              <a:cxn ang="0">
+                <a:pos x="connsiteX76" y="connsiteY76"/>
+              </a:cxn>
+              <a:cxn ang="0">
+                <a:pos x="connsiteX77" y="connsiteY77"/>
+              </a:cxn>
+              <a:cxn ang="0">
+                <a:pos x="connsiteX78" y="connsiteY78"/>
+              </a:cxn>
+              <a:cxn ang="0">
+                <a:pos x="connsiteX79" y="connsiteY79"/>
+              </a:cxn>
+              <a:cxn ang="0">
+                <a:pos x="connsiteX80" y="connsiteY80"/>
+              </a:cxn>
+              <a:cxn ang="0">
+                <a:pos x="connsiteX81" y="connsiteY81"/>
+              </a:cxn>
+              <a:cxn ang="0">
+                <a:pos x="connsiteX82" y="connsiteY82"/>
+              </a:cxn>
+              <a:cxn ang="0">
+                <a:pos x="connsiteX83" y="connsiteY83"/>
+              </a:cxn>
+              <a:cxn ang="0">
+                <a:pos x="connsiteX84" y="connsiteY84"/>
+              </a:cxn>
+              <a:cxn ang="0">
+                <a:pos x="connsiteX85" y="connsiteY85"/>
+              </a:cxn>
+              <a:cxn ang="0">
+                <a:pos x="connsiteX86" y="connsiteY86"/>
+              </a:cxn>
+              <a:cxn ang="0">
+                <a:pos x="connsiteX87" y="connsiteY87"/>
+              </a:cxn>
+              <a:cxn ang="0">
+                <a:pos x="connsiteX88" y="connsiteY88"/>
+              </a:cxn>
+              <a:cxn ang="0">
+                <a:pos x="connsiteX89" y="connsiteY89"/>
+              </a:cxn>
+              <a:cxn ang="0">
+                <a:pos x="connsiteX90" y="connsiteY90"/>
+              </a:cxn>
+            </a:cxnLst>
+            <a:rect l="l" t="t" r="r" b="b"/>
+            <a:pathLst>
+              <a:path w="1983504" h="6858000">
+                <a:moveTo>
+                  <a:pt x="0" y="0"/>
+                </a:moveTo>
+                <a:lnTo>
+                  <a:pt x="1376658" y="0"/>
+                </a:lnTo>
+                <a:cubicBezTo>
+                  <a:pt x="1482328" y="35571"/>
+                  <a:pt x="1584980" y="78255"/>
+                  <a:pt x="1690650" y="110269"/>
+                </a:cubicBezTo>
+                <a:cubicBezTo>
+                  <a:pt x="1675553" y="145839"/>
+                  <a:pt x="1660458" y="138725"/>
+                  <a:pt x="1645361" y="135168"/>
+                </a:cubicBezTo>
+                <a:cubicBezTo>
+                  <a:pt x="1554788" y="120941"/>
+                  <a:pt x="1461194" y="110269"/>
+                  <a:pt x="1373640" y="71141"/>
+                </a:cubicBezTo>
+                <a:cubicBezTo>
+                  <a:pt x="1352504" y="64027"/>
+                  <a:pt x="1328352" y="64027"/>
+                  <a:pt x="1319295" y="88927"/>
+                </a:cubicBezTo>
+                <a:cubicBezTo>
+                  <a:pt x="1304199" y="124497"/>
+                  <a:pt x="1325332" y="145839"/>
+                  <a:pt x="1346468" y="163625"/>
+                </a:cubicBezTo>
+                <a:cubicBezTo>
+                  <a:pt x="1382696" y="195638"/>
+                  <a:pt x="1424964" y="188525"/>
+                  <a:pt x="1464213" y="192082"/>
+                </a:cubicBezTo>
+                <a:cubicBezTo>
+                  <a:pt x="1572902" y="209867"/>
+                  <a:pt x="1624228" y="259665"/>
+                  <a:pt x="1648381" y="373491"/>
+                </a:cubicBezTo>
+                <a:cubicBezTo>
+                  <a:pt x="1554788" y="327250"/>
+                  <a:pt x="1461194" y="384162"/>
+                  <a:pt x="1370620" y="352148"/>
+                </a:cubicBezTo>
+                <a:cubicBezTo>
+                  <a:pt x="1346468" y="345034"/>
+                  <a:pt x="1310237" y="355706"/>
+                  <a:pt x="1322314" y="394834"/>
+                </a:cubicBezTo>
+                <a:cubicBezTo>
+                  <a:pt x="1334390" y="430405"/>
+                  <a:pt x="1373640" y="458860"/>
+                  <a:pt x="1304199" y="451747"/>
+                </a:cubicBezTo>
+                <a:cubicBezTo>
+                  <a:pt x="1252873" y="448189"/>
+                  <a:pt x="1237778" y="405504"/>
+                  <a:pt x="1222682" y="359262"/>
+                </a:cubicBezTo>
+                <a:cubicBezTo>
+                  <a:pt x="1210606" y="334364"/>
+                  <a:pt x="1177395" y="320135"/>
+                  <a:pt x="1153242" y="334364"/>
+                </a:cubicBezTo>
+                <a:cubicBezTo>
+                  <a:pt x="1123051" y="348592"/>
+                  <a:pt x="1132108" y="387720"/>
+                  <a:pt x="1132108" y="416176"/>
+                </a:cubicBezTo>
+                <a:cubicBezTo>
+                  <a:pt x="1129088" y="469532"/>
+                  <a:pt x="1153242" y="494431"/>
+                  <a:pt x="1195509" y="505101"/>
+                </a:cubicBezTo>
+                <a:cubicBezTo>
+                  <a:pt x="1246836" y="519330"/>
+                  <a:pt x="1298160" y="537116"/>
+                  <a:pt x="1364582" y="558458"/>
+                </a:cubicBezTo>
+                <a:cubicBezTo>
+                  <a:pt x="1292122" y="594028"/>
+                  <a:pt x="1237778" y="586915"/>
+                  <a:pt x="1183434" y="558458"/>
+                </a:cubicBezTo>
+                <a:cubicBezTo>
+                  <a:pt x="1117012" y="526444"/>
+                  <a:pt x="1029458" y="483759"/>
+                  <a:pt x="975114" y="522887"/>
+                </a:cubicBezTo>
+                <a:cubicBezTo>
+                  <a:pt x="893597" y="579800"/>
+                  <a:pt x="827176" y="544229"/>
+                  <a:pt x="754716" y="533558"/>
+                </a:cubicBezTo>
+                <a:cubicBezTo>
+                  <a:pt x="603758" y="512216"/>
+                  <a:pt x="697352" y="480203"/>
+                  <a:pt x="546395" y="462417"/>
+                </a:cubicBezTo>
+                <a:cubicBezTo>
+                  <a:pt x="486012" y="455303"/>
+                  <a:pt x="422610" y="426847"/>
+                  <a:pt x="335056" y="465975"/>
+                </a:cubicBezTo>
+                <a:cubicBezTo>
+                  <a:pt x="730563" y="672284"/>
+                  <a:pt x="917750" y="658055"/>
+                  <a:pt x="1270988" y="910606"/>
+                </a:cubicBezTo>
+                <a:cubicBezTo>
+                  <a:pt x="1255893" y="935506"/>
+                  <a:pt x="1240798" y="924835"/>
+                  <a:pt x="1225701" y="921277"/>
+                </a:cubicBezTo>
+                <a:cubicBezTo>
+                  <a:pt x="1201548" y="917720"/>
+                  <a:pt x="1171356" y="903491"/>
+                  <a:pt x="1165318" y="949734"/>
+                </a:cubicBezTo>
+                <a:cubicBezTo>
+                  <a:pt x="1162298" y="985305"/>
+                  <a:pt x="1180415" y="1003089"/>
+                  <a:pt x="1210606" y="1006647"/>
+                </a:cubicBezTo>
+                <a:cubicBezTo>
+                  <a:pt x="1298160" y="1020875"/>
+                  <a:pt x="1376658" y="1070674"/>
+                  <a:pt x="1455156" y="1113358"/>
+                </a:cubicBezTo>
+                <a:cubicBezTo>
+                  <a:pt x="1491385" y="1131144"/>
+                  <a:pt x="1530634" y="1156043"/>
+                  <a:pt x="1515538" y="1220069"/>
+                </a:cubicBezTo>
+                <a:cubicBezTo>
+                  <a:pt x="1485348" y="1237855"/>
+                  <a:pt x="1464213" y="1212955"/>
+                  <a:pt x="1440060" y="1209399"/>
+                </a:cubicBezTo>
+                <a:cubicBezTo>
+                  <a:pt x="1415907" y="1205842"/>
+                  <a:pt x="1358543" y="1220069"/>
+                  <a:pt x="1373640" y="1230741"/>
+                </a:cubicBezTo>
+                <a:cubicBezTo>
+                  <a:pt x="1443080" y="1269868"/>
+                  <a:pt x="1316276" y="1365909"/>
+                  <a:pt x="1400810" y="1365909"/>
+                </a:cubicBezTo>
+                <a:cubicBezTo>
+                  <a:pt x="1539691" y="1365909"/>
+                  <a:pt x="1615170" y="1536647"/>
+                  <a:pt x="1748012" y="1540204"/>
+                </a:cubicBezTo>
+                <a:cubicBezTo>
+                  <a:pt x="1769146" y="1540204"/>
+                  <a:pt x="1778203" y="1572219"/>
+                  <a:pt x="1778203" y="1597117"/>
+                </a:cubicBezTo>
+                <a:cubicBezTo>
+                  <a:pt x="1778203" y="1629132"/>
+                  <a:pt x="1757070" y="1632688"/>
+                  <a:pt x="1735936" y="1636245"/>
+                </a:cubicBezTo>
+                <a:cubicBezTo>
+                  <a:pt x="1702725" y="1639802"/>
+                  <a:pt x="1666496" y="1597117"/>
+                  <a:pt x="1624228" y="1657587"/>
+                </a:cubicBezTo>
+                <a:cubicBezTo>
+                  <a:pt x="1702725" y="1693158"/>
+                  <a:pt x="1784242" y="1728729"/>
+                  <a:pt x="1781223" y="1849668"/>
+                </a:cubicBezTo>
+                <a:cubicBezTo>
+                  <a:pt x="1781223" y="1881683"/>
+                  <a:pt x="1814434" y="1895910"/>
+                  <a:pt x="1838587" y="1903025"/>
+                </a:cubicBezTo>
+                <a:cubicBezTo>
+                  <a:pt x="1880854" y="1917252"/>
+                  <a:pt x="1914065" y="1938595"/>
+                  <a:pt x="1938218" y="1984836"/>
+                </a:cubicBezTo>
+                <a:cubicBezTo>
+                  <a:pt x="1938218" y="1995507"/>
+                  <a:pt x="1938218" y="2002622"/>
+                  <a:pt x="1938218" y="2013292"/>
+                </a:cubicBezTo>
+                <a:cubicBezTo>
+                  <a:pt x="1932180" y="2123562"/>
+                  <a:pt x="1871798" y="2120004"/>
+                  <a:pt x="1805376" y="2102219"/>
+                </a:cubicBezTo>
+                <a:cubicBezTo>
+                  <a:pt x="1726878" y="2080877"/>
+                  <a:pt x="1648381" y="2038192"/>
+                  <a:pt x="1563844" y="2077320"/>
+                </a:cubicBezTo>
+                <a:cubicBezTo>
+                  <a:pt x="1681592" y="2130676"/>
+                  <a:pt x="1811414" y="2134233"/>
+                  <a:pt x="1920104" y="2208931"/>
+                </a:cubicBezTo>
+                <a:cubicBezTo>
+                  <a:pt x="1515538" y="2223159"/>
+                  <a:pt x="1159280" y="1984836"/>
+                  <a:pt x="766792" y="1892353"/>
+                </a:cubicBezTo>
+                <a:cubicBezTo>
+                  <a:pt x="778869" y="1952823"/>
+                  <a:pt x="812080" y="1967051"/>
+                  <a:pt x="839252" y="1974165"/>
+                </a:cubicBezTo>
+                <a:cubicBezTo>
+                  <a:pt x="984170" y="2020407"/>
+                  <a:pt x="1110974" y="2112891"/>
+                  <a:pt x="1243816" y="2191146"/>
+                </a:cubicBezTo>
+                <a:cubicBezTo>
+                  <a:pt x="1298160" y="2223159"/>
+                  <a:pt x="1337410" y="2258731"/>
+                  <a:pt x="1358543" y="2326314"/>
+                </a:cubicBezTo>
+                <a:cubicBezTo>
+                  <a:pt x="1376658" y="2390340"/>
+                  <a:pt x="1412888" y="2418796"/>
+                  <a:pt x="1479310" y="2401012"/>
+                </a:cubicBezTo>
+                <a:cubicBezTo>
+                  <a:pt x="1533654" y="2386784"/>
+                  <a:pt x="1591018" y="2393898"/>
+                  <a:pt x="1648381" y="2401012"/>
+                </a:cubicBezTo>
+                <a:cubicBezTo>
+                  <a:pt x="1711782" y="2408126"/>
+                  <a:pt x="1784242" y="2479267"/>
+                  <a:pt x="1769146" y="2518395"/>
+                </a:cubicBezTo>
+                <a:cubicBezTo>
+                  <a:pt x="1738956" y="2582422"/>
+                  <a:pt x="1687630" y="2550408"/>
+                  <a:pt x="1645361" y="2543294"/>
+                </a:cubicBezTo>
+                <a:cubicBezTo>
+                  <a:pt x="1594036" y="2536181"/>
+                  <a:pt x="1500444" y="2518395"/>
+                  <a:pt x="1500444" y="2525509"/>
+                </a:cubicBezTo>
+                <a:cubicBezTo>
+                  <a:pt x="1467232" y="2685576"/>
+                  <a:pt x="1391754" y="2564636"/>
+                  <a:pt x="1337410" y="2564636"/>
+                </a:cubicBezTo>
+                <a:cubicBezTo>
+                  <a:pt x="1286084" y="2564636"/>
+                  <a:pt x="1234759" y="2546851"/>
+                  <a:pt x="1186452" y="2532623"/>
+                </a:cubicBezTo>
+                <a:cubicBezTo>
+                  <a:pt x="1123051" y="2514837"/>
+                  <a:pt x="1065688" y="2546851"/>
+                  <a:pt x="1005304" y="2553965"/>
+                </a:cubicBezTo>
+                <a:cubicBezTo>
+                  <a:pt x="950960" y="2561080"/>
+                  <a:pt x="981150" y="2653563"/>
+                  <a:pt x="947940" y="2692689"/>
+                </a:cubicBezTo>
+                <a:cubicBezTo>
+                  <a:pt x="941903" y="2703362"/>
+                  <a:pt x="935864" y="2703362"/>
+                  <a:pt x="929826" y="2703362"/>
+                </a:cubicBezTo>
+                <a:cubicBezTo>
+                  <a:pt x="911711" y="2980812"/>
+                  <a:pt x="594701" y="2913227"/>
+                  <a:pt x="594701" y="2923898"/>
+                </a:cubicBezTo>
+                <a:cubicBezTo>
+                  <a:pt x="567529" y="2941684"/>
+                  <a:pt x="534318" y="2899000"/>
+                  <a:pt x="501108" y="2941684"/>
+                </a:cubicBezTo>
+                <a:cubicBezTo>
+                  <a:pt x="643007" y="3137322"/>
+                  <a:pt x="860386" y="3183563"/>
+                  <a:pt x="1053610" y="3329402"/>
+                </a:cubicBezTo>
+                <a:cubicBezTo>
+                  <a:pt x="893597" y="3379202"/>
+                  <a:pt x="800002" y="3208463"/>
+                  <a:pt x="682256" y="3229805"/>
+                </a:cubicBezTo>
+                <a:cubicBezTo>
+                  <a:pt x="624893" y="3283162"/>
+                  <a:pt x="796984" y="3368530"/>
+                  <a:pt x="630932" y="3393429"/>
+                </a:cubicBezTo>
+                <a:cubicBezTo>
+                  <a:pt x="703390" y="3439672"/>
+                  <a:pt x="754716" y="3485914"/>
+                  <a:pt x="806041" y="3539269"/>
+                </a:cubicBezTo>
+                <a:cubicBezTo>
+                  <a:pt x="893597" y="3635309"/>
+                  <a:pt x="911711" y="3699337"/>
+                  <a:pt x="869444" y="3827390"/>
+                </a:cubicBezTo>
+                <a:cubicBezTo>
+                  <a:pt x="842270" y="3912759"/>
+                  <a:pt x="803022" y="3991015"/>
+                  <a:pt x="839252" y="4090612"/>
+                </a:cubicBezTo>
+                <a:cubicBezTo>
+                  <a:pt x="863405" y="4158196"/>
+                  <a:pt x="854347" y="4204438"/>
+                  <a:pt x="763774" y="4172424"/>
+                </a:cubicBezTo>
+                <a:cubicBezTo>
+                  <a:pt x="667160" y="4140411"/>
+                  <a:pt x="630932" y="4200882"/>
+                  <a:pt x="655085" y="4321821"/>
+                </a:cubicBezTo>
+                <a:cubicBezTo>
+                  <a:pt x="670179" y="4400076"/>
+                  <a:pt x="655085" y="4424975"/>
+                  <a:pt x="588662" y="4414305"/>
+                </a:cubicBezTo>
+                <a:cubicBezTo>
+                  <a:pt x="516204" y="4403633"/>
+                  <a:pt x="446764" y="4353835"/>
+                  <a:pt x="356189" y="4378734"/>
+                </a:cubicBezTo>
+                <a:cubicBezTo>
+                  <a:pt x="428648" y="4521016"/>
+                  <a:pt x="582626" y="4478331"/>
+                  <a:pt x="667160" y="4613499"/>
+                </a:cubicBezTo>
+                <a:cubicBezTo>
+                  <a:pt x="567529" y="4613499"/>
+                  <a:pt x="489031" y="4613499"/>
+                  <a:pt x="416573" y="4585042"/>
+                </a:cubicBezTo>
+                <a:cubicBezTo>
+                  <a:pt x="386381" y="4574373"/>
+                  <a:pt x="353170" y="4560144"/>
+                  <a:pt x="335056" y="4602828"/>
+                </a:cubicBezTo>
+                <a:cubicBezTo>
+                  <a:pt x="313920" y="4652628"/>
+                  <a:pt x="356189" y="4670412"/>
+                  <a:pt x="380342" y="4677526"/>
+                </a:cubicBezTo>
+                <a:cubicBezTo>
+                  <a:pt x="449784" y="4702425"/>
+                  <a:pt x="504126" y="4759339"/>
+                  <a:pt x="564510" y="4805580"/>
+                </a:cubicBezTo>
+                <a:cubicBezTo>
+                  <a:pt x="694332" y="4905177"/>
+                  <a:pt x="836233" y="4990547"/>
+                  <a:pt x="944922" y="5154171"/>
+                </a:cubicBezTo>
+                <a:cubicBezTo>
+                  <a:pt x="809060" y="5111487"/>
+                  <a:pt x="706410" y="5011889"/>
+                  <a:pt x="576586" y="4994104"/>
+                </a:cubicBezTo>
+                <a:cubicBezTo>
+                  <a:pt x="688296" y="5143500"/>
+                  <a:pt x="830194" y="5243097"/>
+                  <a:pt x="963036" y="5353367"/>
+                </a:cubicBezTo>
+                <a:cubicBezTo>
+                  <a:pt x="1002286" y="5385379"/>
+                  <a:pt x="1041534" y="5406721"/>
+                  <a:pt x="1047572" y="5474306"/>
+                </a:cubicBezTo>
+                <a:cubicBezTo>
+                  <a:pt x="1065688" y="5605917"/>
+                  <a:pt x="1113992" y="5712629"/>
+                  <a:pt x="1222682" y="5769542"/>
+                </a:cubicBezTo>
+                <a:cubicBezTo>
+                  <a:pt x="1222682" y="5769542"/>
+                  <a:pt x="1216644" y="5790884"/>
+                  <a:pt x="1213626" y="5801555"/>
+                </a:cubicBezTo>
+                <a:cubicBezTo>
+                  <a:pt x="1147203" y="5805112"/>
+                  <a:pt x="1095878" y="5726858"/>
+                  <a:pt x="1014361" y="5755314"/>
+                </a:cubicBezTo>
+                <a:cubicBezTo>
+                  <a:pt x="1095878" y="5862025"/>
+                  <a:pt x="1162298" y="5954508"/>
+                  <a:pt x="1274008" y="6004307"/>
+                </a:cubicBezTo>
+                <a:cubicBezTo>
+                  <a:pt x="1364582" y="6043434"/>
+                  <a:pt x="1476290" y="6068335"/>
+                  <a:pt x="1542711" y="6196388"/>
+                </a:cubicBezTo>
+                <a:cubicBezTo>
+                  <a:pt x="1467232" y="6221287"/>
+                  <a:pt x="1409868" y="6189274"/>
+                  <a:pt x="1352504" y="6167932"/>
+                </a:cubicBezTo>
+                <a:cubicBezTo>
+                  <a:pt x="1264950" y="6132361"/>
+                  <a:pt x="1177395" y="6093234"/>
+                  <a:pt x="1089840" y="6057663"/>
+                </a:cubicBezTo>
+                <a:cubicBezTo>
+                  <a:pt x="1056628" y="6043434"/>
+                  <a:pt x="1020400" y="6036320"/>
+                  <a:pt x="999266" y="6100347"/>
+                </a:cubicBezTo>
+                <a:cubicBezTo>
+                  <a:pt x="1110974" y="6114575"/>
+                  <a:pt x="1177395" y="6199945"/>
+                  <a:pt x="1246836" y="6281757"/>
+                </a:cubicBezTo>
+                <a:cubicBezTo>
+                  <a:pt x="1286084" y="6327999"/>
+                  <a:pt x="1319295" y="6388469"/>
+                  <a:pt x="1388735" y="6367127"/>
+                </a:cubicBezTo>
+                <a:cubicBezTo>
+                  <a:pt x="1424964" y="6356456"/>
+                  <a:pt x="1449118" y="6388469"/>
+                  <a:pt x="1446099" y="6431153"/>
+                </a:cubicBezTo>
+                <a:cubicBezTo>
+                  <a:pt x="1431002" y="6580550"/>
+                  <a:pt x="1518558" y="6630349"/>
+                  <a:pt x="1609132" y="6658805"/>
+                </a:cubicBezTo>
+                <a:cubicBezTo>
+                  <a:pt x="1741974" y="6701489"/>
+                  <a:pt x="1859720" y="6786859"/>
+                  <a:pt x="1983504" y="6858000"/>
+                </a:cubicBezTo>
+                <a:lnTo>
+                  <a:pt x="0" y="6858000"/>
+                </a:lnTo>
+                <a:close/>
+              </a:path>
+            </a:pathLst>
+          </a:custGeom>
+          <a:solidFill>
+            <a:schemeClr val="bg2">
+              <a:alpha val="50000"/>
+            </a:schemeClr>
+          </a:solidFill>
+          <a:ln w="32707" cap="flat">
+            <a:noFill/>
+            <a:prstDash val="solid"/>
+            <a:miter/>
+          </a:ln>
+        </p:spPr>
+        <p:txBody>
+          <a:bodyPr wrap="square" rtlCol="0" anchor="ctr">
+            <a:noAutofit/>
+          </a:bodyPr>
+          <a:lstStyle/>
+          <a:p>
+            <a:pPr algn="ctr"/>
+            <a:endParaRPr lang="en-US"/>
+          </a:p>
+        </p:txBody>
+      </p:sp>
+      <p:pic>
+        <p:nvPicPr>
+          <p:cNvPr id="18" name="Picture 17">
+            <a:extLst>
+              <a:ext uri="{FF2B5EF4-FFF2-40B4-BE49-F238E27FC236}">
+                <a16:creationId xmlns:a16="http://schemas.microsoft.com/office/drawing/2014/main" id="{C17191BF-9C61-9958-601A-4EE26809ABB6}"/>
+              </a:ext>
+            </a:extLst>
+          </p:cNvPr>
+          <p:cNvPicPr>
+            <a:picLocks noChangeAspect="1"/>
+          </p:cNvPicPr>
+          <p:nvPr/>
+        </p:nvPicPr>
+        <p:blipFill>
+          <a:blip r:embed="rId3"/>
+          <a:stretch>
+            <a:fillRect/>
+          </a:stretch>
+        </p:blipFill>
+        <p:spPr>
+          <a:xfrm>
+            <a:off x="9526752" y="306900"/>
+            <a:ext cx="2413124" cy="673135"/>
+          </a:xfrm>
+          <a:prstGeom prst="rect">
+            <a:avLst/>
+          </a:prstGeom>
+        </p:spPr>
+      </p:pic>
+      <p:sp>
+        <p:nvSpPr>
+          <p:cNvPr id="20" name="TextBox 19">
+            <a:extLst>
+              <a:ext uri="{FF2B5EF4-FFF2-40B4-BE49-F238E27FC236}">
+                <a16:creationId xmlns:a16="http://schemas.microsoft.com/office/drawing/2014/main" id="{72CF27BA-4084-9D75-456B-50307E3DF8CC}"/>
+              </a:ext>
+            </a:extLst>
+          </p:cNvPr>
+          <p:cNvSpPr txBox="1"/>
+          <p:nvPr/>
+        </p:nvSpPr>
+        <p:spPr>
+          <a:xfrm>
+            <a:off x="1200568" y="643467"/>
+            <a:ext cx="9532746" cy="830997"/>
+          </a:xfrm>
+          <a:prstGeom prst="rect">
+            <a:avLst/>
+          </a:prstGeom>
+          <a:noFill/>
+        </p:spPr>
+        <p:txBody>
+          <a:bodyPr wrap="square">
+            <a:spAutoFit/>
+          </a:bodyPr>
+          <a:lstStyle/>
+          <a:p>
+            <a:r>
+              <a:rPr lang="en-US" sz="2800" b="1" dirty="0">
+                <a:latin typeface="Times New Roman" panose="02020603050405020304" pitchFamily="18" charset="0"/>
+                <a:cs typeface="Times New Roman" panose="02020603050405020304" pitchFamily="18" charset="0"/>
+              </a:rPr>
+              <a:t>Employment Rate Across Programs</a:t>
+            </a:r>
+            <a:endParaRPr lang="en-US" sz="2800" dirty="0">
+              <a:latin typeface="Times New Roman" panose="02020603050405020304" pitchFamily="18" charset="0"/>
+              <a:cs typeface="Times New Roman" panose="02020603050405020304" pitchFamily="18" charset="0"/>
+            </a:endParaRPr>
+          </a:p>
+          <a:p>
+            <a:r>
+              <a:rPr lang="en-US" sz="2000" dirty="0">
+                <a:latin typeface="Times New Roman" panose="02020603050405020304" pitchFamily="18" charset="0"/>
+                <a:cs typeface="Times New Roman" panose="02020603050405020304" pitchFamily="18" charset="0"/>
+              </a:rPr>
+              <a:t>________________________________________</a:t>
+            </a:r>
+          </a:p>
+        </p:txBody>
+      </p:sp>
+      <p:sp>
+        <p:nvSpPr>
+          <p:cNvPr id="2" name="Slide Number Placeholder 1">
+            <a:extLst>
+              <a:ext uri="{FF2B5EF4-FFF2-40B4-BE49-F238E27FC236}">
+                <a16:creationId xmlns:a16="http://schemas.microsoft.com/office/drawing/2014/main" id="{AF67C83C-6BF6-04FD-C44A-F9FB2FA36016}"/>
+              </a:ext>
+            </a:extLst>
+          </p:cNvPr>
+          <p:cNvSpPr>
+            <a:spLocks noGrp="1"/>
+          </p:cNvSpPr>
+          <p:nvPr>
+            <p:ph type="sldNum" sz="quarter" idx="12"/>
+          </p:nvPr>
+        </p:nvSpPr>
+        <p:spPr/>
+        <p:txBody>
+          <a:bodyPr/>
+          <a:lstStyle/>
+          <a:p>
+            <a:fld id="{0E09FCB3-37CC-4DC3-9641-7B88AD2FD4DA}" type="slidenum">
+              <a:rPr lang="en-US" smtClean="0"/>
+              <a:t>12</a:t>
+            </a:fld>
+            <a:endParaRPr lang="en-US"/>
+          </a:p>
+        </p:txBody>
+      </p:sp>
+      <p:pic>
+        <p:nvPicPr>
+          <p:cNvPr id="5" name="Picture 4">
+            <a:extLst>
+              <a:ext uri="{FF2B5EF4-FFF2-40B4-BE49-F238E27FC236}">
+                <a16:creationId xmlns:a16="http://schemas.microsoft.com/office/drawing/2014/main" id="{3C2B8F73-1F56-E545-B109-E7DE8E619F78}"/>
+              </a:ext>
+            </a:extLst>
+          </p:cNvPr>
+          <p:cNvPicPr>
+            <a:picLocks noChangeAspect="1"/>
+          </p:cNvPicPr>
+          <p:nvPr/>
+        </p:nvPicPr>
+        <p:blipFill>
+          <a:blip r:embed="rId4"/>
+          <a:stretch>
+            <a:fillRect/>
+          </a:stretch>
+        </p:blipFill>
+        <p:spPr>
+          <a:xfrm>
+            <a:off x="1278355" y="1535679"/>
+            <a:ext cx="7888347" cy="4759456"/>
+          </a:xfrm>
+          <a:prstGeom prst="rect">
+            <a:avLst/>
+          </a:prstGeom>
+        </p:spPr>
+      </p:pic>
+    </p:spTree>
+    <p:extLst>
+      <p:ext uri="{BB962C8B-B14F-4D97-AF65-F5344CB8AC3E}">
+        <p14:creationId xmlns:p14="http://schemas.microsoft.com/office/powerpoint/2010/main" val="192227349"/>
+      </p:ext>
+    </p:extLst>
+  </p:cSld>
+  <p:clrMapOvr>
+    <a:masterClrMapping/>
+  </p:clrMapOvr>
+</p:sld>
+</file>
+
+<file path=ppt/slides/slide13.xml><?xml version="1.0" encoding="utf-8"?>
+<p:sld xmlns:a="http://schemas.openxmlformats.org/drawingml/2006/main" xmlns:r="http://schemas.openxmlformats.org/officeDocument/2006/relationships" xmlns:p="http://schemas.openxmlformats.org/presentationml/2006/main">
+  <p:cSld>
+    <p:bg>
+      <p:bgPr>
+        <a:solidFill>
+          <a:schemeClr val="bg1"/>
+        </a:solidFill>
+        <a:effectLst/>
+      </p:bgPr>
+    </p:bg>
+    <p:spTree>
+      <p:nvGrpSpPr>
+        <p:cNvPr id="1" name="">
+          <a:extLst>
+            <a:ext uri="{FF2B5EF4-FFF2-40B4-BE49-F238E27FC236}">
               <a16:creationId xmlns:a16="http://schemas.microsoft.com/office/drawing/2014/main" id="{E64E2737-94EE-2748-662E-F59BD1DEE697}"/>
             </a:ext>
           </a:extLst>
@@ -10897,7 +13390,7 @@
           <a:p>
             <a:fld id="{0E09FCB3-37CC-4DC3-9641-7B88AD2FD4DA}" type="slidenum">
               <a:rPr lang="en-US" smtClean="0"/>
-              <a:t>11</a:t>
+              <a:t>13</a:t>
             </a:fld>
             <a:endParaRPr lang="en-US"/>
           </a:p>
@@ -10979,7 +13472,7 @@
         </p:nvSpPr>
         <p:spPr bwMode="auto">
           <a:xfrm>
-            <a:off x="1284376" y="1637881"/>
+            <a:off x="1284376" y="1627833"/>
             <a:ext cx="2905788" cy="3818374"/>
           </a:xfrm>
           <a:prstGeom prst="rect">
@@ -11200,2499 +13693,6 @@
     <p:extLst>
       <p:ext uri="{BB962C8B-B14F-4D97-AF65-F5344CB8AC3E}">
         <p14:creationId xmlns:p14="http://schemas.microsoft.com/office/powerpoint/2010/main" val="1474126132"/>
-      </p:ext>
-    </p:extLst>
-  </p:cSld>
-  <p:clrMapOvr>
-    <a:masterClrMapping/>
-  </p:clrMapOvr>
-</p:sld>
-</file>
-
-<file path=ppt/slides/slide12.xml><?xml version="1.0" encoding="utf-8"?>
-<p:sld xmlns:a="http://schemas.openxmlformats.org/drawingml/2006/main" xmlns:r="http://schemas.openxmlformats.org/officeDocument/2006/relationships" xmlns:p="http://schemas.openxmlformats.org/presentationml/2006/main">
-  <p:cSld>
-    <p:bg>
-      <p:bgPr>
-        <a:solidFill>
-          <a:schemeClr val="bg1"/>
-        </a:solidFill>
-        <a:effectLst/>
-      </p:bgPr>
-    </p:bg>
-    <p:spTree>
-      <p:nvGrpSpPr>
-        <p:cNvPr id="1" name="">
-          <a:extLst>
-            <a:ext uri="{FF2B5EF4-FFF2-40B4-BE49-F238E27FC236}">
-              <a16:creationId xmlns:a16="http://schemas.microsoft.com/office/drawing/2014/main" id="{F8F9E5A5-6C79-3907-E8D9-E7DBE3F76BD7}"/>
-            </a:ext>
-          </a:extLst>
-        </p:cNvPr>
-        <p:cNvGrpSpPr/>
-        <p:nvPr/>
-      </p:nvGrpSpPr>
-      <p:grpSpPr>
-        <a:xfrm>
-          <a:off x="0" y="0"/>
-          <a:ext cx="0" cy="0"/>
-          <a:chOff x="0" y="0"/>
-          <a:chExt cx="0" cy="0"/>
-        </a:xfrm>
-      </p:grpSpPr>
-      <p:sp useBgFill="1">
-        <p:nvSpPr>
-          <p:cNvPr id="21" name="Rectangle 20">
-            <a:extLst>
-              <a:ext uri="{FF2B5EF4-FFF2-40B4-BE49-F238E27FC236}">
-                <a16:creationId xmlns:a16="http://schemas.microsoft.com/office/drawing/2014/main" id="{821224E3-288C-7100-9E58-0F29F4A85E42}"/>
-              </a:ext>
-              <a:ext uri="{C183D7F6-B498-43B3-948B-1728B52AA6E4}">
-                <adec:decorative xmlns:adec="http://schemas.microsoft.com/office/drawing/2017/decorative" val="1"/>
-              </a:ext>
-            </a:extLst>
-          </p:cNvPr>
-          <p:cNvSpPr>
-            <a:spLocks noGrp="1" noRot="1" noChangeAspect="1" noMove="1" noResize="1" noEditPoints="1" noAdjustHandles="1" noChangeArrowheads="1" noChangeShapeType="1" noTextEdit="1"/>
-          </p:cNvSpPr>
-          <p:nvPr>
-            <p:extLst>
-              <p:ext uri="{386F3935-93C4-4BCD-93E2-E3B085C9AB24}">
-                <p16:designElem xmlns:p16="http://schemas.microsoft.com/office/powerpoint/2015/main" val="1"/>
-              </p:ext>
-            </p:extLst>
-          </p:nvPr>
-        </p:nvSpPr>
-        <p:spPr>
-          <a:xfrm>
-            <a:off x="0" y="0"/>
-            <a:ext cx="12192000" cy="6858000"/>
-          </a:xfrm>
-          <a:prstGeom prst="rect">
-            <a:avLst/>
-          </a:prstGeom>
-          <a:ln>
-            <a:noFill/>
-          </a:ln>
-        </p:spPr>
-        <p:style>
-          <a:lnRef idx="2">
-            <a:schemeClr val="accent1">
-              <a:shade val="50000"/>
-            </a:schemeClr>
-          </a:lnRef>
-          <a:fillRef idx="1">
-            <a:schemeClr val="accent1"/>
-          </a:fillRef>
-          <a:effectRef idx="0">
-            <a:schemeClr val="accent1"/>
-          </a:effectRef>
-          <a:fontRef idx="minor">
-            <a:schemeClr val="lt1"/>
-          </a:fontRef>
-        </p:style>
-        <p:txBody>
-          <a:bodyPr rtlCol="0" anchor="ctr"/>
-          <a:lstStyle/>
-          <a:p>
-            <a:pPr algn="ctr"/>
-            <a:endParaRPr lang="en-US"/>
-          </a:p>
-        </p:txBody>
-      </p:sp>
-      <p:sp>
-        <p:nvSpPr>
-          <p:cNvPr id="23" name="Freeform: Shape 22">
-            <a:extLst>
-              <a:ext uri="{FF2B5EF4-FFF2-40B4-BE49-F238E27FC236}">
-                <a16:creationId xmlns:a16="http://schemas.microsoft.com/office/drawing/2014/main" id="{0C5C64A4-9EE3-9C7D-E79B-7B72293B235A}"/>
-              </a:ext>
-              <a:ext uri="{C183D7F6-B498-43B3-948B-1728B52AA6E4}">
-                <adec:decorative xmlns:adec="http://schemas.microsoft.com/office/drawing/2017/decorative" val="1"/>
-              </a:ext>
-            </a:extLst>
-          </p:cNvPr>
-          <p:cNvSpPr>
-            <a:spLocks noGrp="1" noRot="1" noChangeAspect="1" noMove="1" noResize="1" noEditPoints="1" noAdjustHandles="1" noChangeArrowheads="1" noChangeShapeType="1" noTextEdit="1"/>
-          </p:cNvSpPr>
-          <p:nvPr>
-            <p:extLst>
-              <p:ext uri="{386F3935-93C4-4BCD-93E2-E3B085C9AB24}">
-                <p16:designElem xmlns:p16="http://schemas.microsoft.com/office/powerpoint/2015/main" val="1"/>
-              </p:ext>
-            </p:extLst>
-          </p:nvPr>
-        </p:nvSpPr>
-        <p:spPr>
-          <a:xfrm flipH="1">
-            <a:off x="10208496" y="0"/>
-            <a:ext cx="1983504" cy="6858000"/>
-          </a:xfrm>
-          <a:custGeom>
-            <a:avLst/>
-            <a:gdLst>
-              <a:gd name="connsiteX0" fmla="*/ 0 w 1983504"/>
-              <a:gd name="connsiteY0" fmla="*/ 0 h 6858000"/>
-              <a:gd name="connsiteX1" fmla="*/ 1376658 w 1983504"/>
-              <a:gd name="connsiteY1" fmla="*/ 0 h 6858000"/>
-              <a:gd name="connsiteX2" fmla="*/ 1690650 w 1983504"/>
-              <a:gd name="connsiteY2" fmla="*/ 110269 h 6858000"/>
-              <a:gd name="connsiteX3" fmla="*/ 1645361 w 1983504"/>
-              <a:gd name="connsiteY3" fmla="*/ 135168 h 6858000"/>
-              <a:gd name="connsiteX4" fmla="*/ 1373640 w 1983504"/>
-              <a:gd name="connsiteY4" fmla="*/ 71141 h 6858000"/>
-              <a:gd name="connsiteX5" fmla="*/ 1319295 w 1983504"/>
-              <a:gd name="connsiteY5" fmla="*/ 88927 h 6858000"/>
-              <a:gd name="connsiteX6" fmla="*/ 1346468 w 1983504"/>
-              <a:gd name="connsiteY6" fmla="*/ 163625 h 6858000"/>
-              <a:gd name="connsiteX7" fmla="*/ 1464213 w 1983504"/>
-              <a:gd name="connsiteY7" fmla="*/ 192082 h 6858000"/>
-              <a:gd name="connsiteX8" fmla="*/ 1648381 w 1983504"/>
-              <a:gd name="connsiteY8" fmla="*/ 373491 h 6858000"/>
-              <a:gd name="connsiteX9" fmla="*/ 1370620 w 1983504"/>
-              <a:gd name="connsiteY9" fmla="*/ 352148 h 6858000"/>
-              <a:gd name="connsiteX10" fmla="*/ 1322314 w 1983504"/>
-              <a:gd name="connsiteY10" fmla="*/ 394834 h 6858000"/>
-              <a:gd name="connsiteX11" fmla="*/ 1304199 w 1983504"/>
-              <a:gd name="connsiteY11" fmla="*/ 451747 h 6858000"/>
-              <a:gd name="connsiteX12" fmla="*/ 1222682 w 1983504"/>
-              <a:gd name="connsiteY12" fmla="*/ 359262 h 6858000"/>
-              <a:gd name="connsiteX13" fmla="*/ 1153242 w 1983504"/>
-              <a:gd name="connsiteY13" fmla="*/ 334364 h 6858000"/>
-              <a:gd name="connsiteX14" fmla="*/ 1132108 w 1983504"/>
-              <a:gd name="connsiteY14" fmla="*/ 416176 h 6858000"/>
-              <a:gd name="connsiteX15" fmla="*/ 1195509 w 1983504"/>
-              <a:gd name="connsiteY15" fmla="*/ 505101 h 6858000"/>
-              <a:gd name="connsiteX16" fmla="*/ 1364582 w 1983504"/>
-              <a:gd name="connsiteY16" fmla="*/ 558458 h 6858000"/>
-              <a:gd name="connsiteX17" fmla="*/ 1183434 w 1983504"/>
-              <a:gd name="connsiteY17" fmla="*/ 558458 h 6858000"/>
-              <a:gd name="connsiteX18" fmla="*/ 975114 w 1983504"/>
-              <a:gd name="connsiteY18" fmla="*/ 522887 h 6858000"/>
-              <a:gd name="connsiteX19" fmla="*/ 754716 w 1983504"/>
-              <a:gd name="connsiteY19" fmla="*/ 533558 h 6858000"/>
-              <a:gd name="connsiteX20" fmla="*/ 546395 w 1983504"/>
-              <a:gd name="connsiteY20" fmla="*/ 462417 h 6858000"/>
-              <a:gd name="connsiteX21" fmla="*/ 335056 w 1983504"/>
-              <a:gd name="connsiteY21" fmla="*/ 465975 h 6858000"/>
-              <a:gd name="connsiteX22" fmla="*/ 1270988 w 1983504"/>
-              <a:gd name="connsiteY22" fmla="*/ 910606 h 6858000"/>
-              <a:gd name="connsiteX23" fmla="*/ 1225701 w 1983504"/>
-              <a:gd name="connsiteY23" fmla="*/ 921277 h 6858000"/>
-              <a:gd name="connsiteX24" fmla="*/ 1165318 w 1983504"/>
-              <a:gd name="connsiteY24" fmla="*/ 949734 h 6858000"/>
-              <a:gd name="connsiteX25" fmla="*/ 1210606 w 1983504"/>
-              <a:gd name="connsiteY25" fmla="*/ 1006647 h 6858000"/>
-              <a:gd name="connsiteX26" fmla="*/ 1455156 w 1983504"/>
-              <a:gd name="connsiteY26" fmla="*/ 1113358 h 6858000"/>
-              <a:gd name="connsiteX27" fmla="*/ 1515538 w 1983504"/>
-              <a:gd name="connsiteY27" fmla="*/ 1220069 h 6858000"/>
-              <a:gd name="connsiteX28" fmla="*/ 1440060 w 1983504"/>
-              <a:gd name="connsiteY28" fmla="*/ 1209399 h 6858000"/>
-              <a:gd name="connsiteX29" fmla="*/ 1373640 w 1983504"/>
-              <a:gd name="connsiteY29" fmla="*/ 1230741 h 6858000"/>
-              <a:gd name="connsiteX30" fmla="*/ 1400810 w 1983504"/>
-              <a:gd name="connsiteY30" fmla="*/ 1365909 h 6858000"/>
-              <a:gd name="connsiteX31" fmla="*/ 1748012 w 1983504"/>
-              <a:gd name="connsiteY31" fmla="*/ 1540204 h 6858000"/>
-              <a:gd name="connsiteX32" fmla="*/ 1778203 w 1983504"/>
-              <a:gd name="connsiteY32" fmla="*/ 1597117 h 6858000"/>
-              <a:gd name="connsiteX33" fmla="*/ 1735936 w 1983504"/>
-              <a:gd name="connsiteY33" fmla="*/ 1636245 h 6858000"/>
-              <a:gd name="connsiteX34" fmla="*/ 1624228 w 1983504"/>
-              <a:gd name="connsiteY34" fmla="*/ 1657587 h 6858000"/>
-              <a:gd name="connsiteX35" fmla="*/ 1781223 w 1983504"/>
-              <a:gd name="connsiteY35" fmla="*/ 1849668 h 6858000"/>
-              <a:gd name="connsiteX36" fmla="*/ 1838587 w 1983504"/>
-              <a:gd name="connsiteY36" fmla="*/ 1903025 h 6858000"/>
-              <a:gd name="connsiteX37" fmla="*/ 1938218 w 1983504"/>
-              <a:gd name="connsiteY37" fmla="*/ 1984836 h 6858000"/>
-              <a:gd name="connsiteX38" fmla="*/ 1938218 w 1983504"/>
-              <a:gd name="connsiteY38" fmla="*/ 2013292 h 6858000"/>
-              <a:gd name="connsiteX39" fmla="*/ 1805376 w 1983504"/>
-              <a:gd name="connsiteY39" fmla="*/ 2102219 h 6858000"/>
-              <a:gd name="connsiteX40" fmla="*/ 1563844 w 1983504"/>
-              <a:gd name="connsiteY40" fmla="*/ 2077320 h 6858000"/>
-              <a:gd name="connsiteX41" fmla="*/ 1920104 w 1983504"/>
-              <a:gd name="connsiteY41" fmla="*/ 2208931 h 6858000"/>
-              <a:gd name="connsiteX42" fmla="*/ 766792 w 1983504"/>
-              <a:gd name="connsiteY42" fmla="*/ 1892353 h 6858000"/>
-              <a:gd name="connsiteX43" fmla="*/ 839252 w 1983504"/>
-              <a:gd name="connsiteY43" fmla="*/ 1974165 h 6858000"/>
-              <a:gd name="connsiteX44" fmla="*/ 1243816 w 1983504"/>
-              <a:gd name="connsiteY44" fmla="*/ 2191146 h 6858000"/>
-              <a:gd name="connsiteX45" fmla="*/ 1358543 w 1983504"/>
-              <a:gd name="connsiteY45" fmla="*/ 2326314 h 6858000"/>
-              <a:gd name="connsiteX46" fmla="*/ 1479310 w 1983504"/>
-              <a:gd name="connsiteY46" fmla="*/ 2401012 h 6858000"/>
-              <a:gd name="connsiteX47" fmla="*/ 1648381 w 1983504"/>
-              <a:gd name="connsiteY47" fmla="*/ 2401012 h 6858000"/>
-              <a:gd name="connsiteX48" fmla="*/ 1769146 w 1983504"/>
-              <a:gd name="connsiteY48" fmla="*/ 2518395 h 6858000"/>
-              <a:gd name="connsiteX49" fmla="*/ 1645361 w 1983504"/>
-              <a:gd name="connsiteY49" fmla="*/ 2543294 h 6858000"/>
-              <a:gd name="connsiteX50" fmla="*/ 1500444 w 1983504"/>
-              <a:gd name="connsiteY50" fmla="*/ 2525509 h 6858000"/>
-              <a:gd name="connsiteX51" fmla="*/ 1337410 w 1983504"/>
-              <a:gd name="connsiteY51" fmla="*/ 2564636 h 6858000"/>
-              <a:gd name="connsiteX52" fmla="*/ 1186452 w 1983504"/>
-              <a:gd name="connsiteY52" fmla="*/ 2532623 h 6858000"/>
-              <a:gd name="connsiteX53" fmla="*/ 1005304 w 1983504"/>
-              <a:gd name="connsiteY53" fmla="*/ 2553965 h 6858000"/>
-              <a:gd name="connsiteX54" fmla="*/ 947940 w 1983504"/>
-              <a:gd name="connsiteY54" fmla="*/ 2692689 h 6858000"/>
-              <a:gd name="connsiteX55" fmla="*/ 929826 w 1983504"/>
-              <a:gd name="connsiteY55" fmla="*/ 2703362 h 6858000"/>
-              <a:gd name="connsiteX56" fmla="*/ 594701 w 1983504"/>
-              <a:gd name="connsiteY56" fmla="*/ 2923898 h 6858000"/>
-              <a:gd name="connsiteX57" fmla="*/ 501108 w 1983504"/>
-              <a:gd name="connsiteY57" fmla="*/ 2941684 h 6858000"/>
-              <a:gd name="connsiteX58" fmla="*/ 1053610 w 1983504"/>
-              <a:gd name="connsiteY58" fmla="*/ 3329402 h 6858000"/>
-              <a:gd name="connsiteX59" fmla="*/ 682256 w 1983504"/>
-              <a:gd name="connsiteY59" fmla="*/ 3229805 h 6858000"/>
-              <a:gd name="connsiteX60" fmla="*/ 630932 w 1983504"/>
-              <a:gd name="connsiteY60" fmla="*/ 3393429 h 6858000"/>
-              <a:gd name="connsiteX61" fmla="*/ 806041 w 1983504"/>
-              <a:gd name="connsiteY61" fmla="*/ 3539269 h 6858000"/>
-              <a:gd name="connsiteX62" fmla="*/ 869444 w 1983504"/>
-              <a:gd name="connsiteY62" fmla="*/ 3827390 h 6858000"/>
-              <a:gd name="connsiteX63" fmla="*/ 839252 w 1983504"/>
-              <a:gd name="connsiteY63" fmla="*/ 4090612 h 6858000"/>
-              <a:gd name="connsiteX64" fmla="*/ 763774 w 1983504"/>
-              <a:gd name="connsiteY64" fmla="*/ 4172424 h 6858000"/>
-              <a:gd name="connsiteX65" fmla="*/ 655085 w 1983504"/>
-              <a:gd name="connsiteY65" fmla="*/ 4321821 h 6858000"/>
-              <a:gd name="connsiteX66" fmla="*/ 588662 w 1983504"/>
-              <a:gd name="connsiteY66" fmla="*/ 4414305 h 6858000"/>
-              <a:gd name="connsiteX67" fmla="*/ 356189 w 1983504"/>
-              <a:gd name="connsiteY67" fmla="*/ 4378734 h 6858000"/>
-              <a:gd name="connsiteX68" fmla="*/ 667160 w 1983504"/>
-              <a:gd name="connsiteY68" fmla="*/ 4613499 h 6858000"/>
-              <a:gd name="connsiteX69" fmla="*/ 416573 w 1983504"/>
-              <a:gd name="connsiteY69" fmla="*/ 4585042 h 6858000"/>
-              <a:gd name="connsiteX70" fmla="*/ 335056 w 1983504"/>
-              <a:gd name="connsiteY70" fmla="*/ 4602828 h 6858000"/>
-              <a:gd name="connsiteX71" fmla="*/ 380342 w 1983504"/>
-              <a:gd name="connsiteY71" fmla="*/ 4677526 h 6858000"/>
-              <a:gd name="connsiteX72" fmla="*/ 564510 w 1983504"/>
-              <a:gd name="connsiteY72" fmla="*/ 4805580 h 6858000"/>
-              <a:gd name="connsiteX73" fmla="*/ 944922 w 1983504"/>
-              <a:gd name="connsiteY73" fmla="*/ 5154171 h 6858000"/>
-              <a:gd name="connsiteX74" fmla="*/ 576586 w 1983504"/>
-              <a:gd name="connsiteY74" fmla="*/ 4994104 h 6858000"/>
-              <a:gd name="connsiteX75" fmla="*/ 963036 w 1983504"/>
-              <a:gd name="connsiteY75" fmla="*/ 5353367 h 6858000"/>
-              <a:gd name="connsiteX76" fmla="*/ 1047572 w 1983504"/>
-              <a:gd name="connsiteY76" fmla="*/ 5474306 h 6858000"/>
-              <a:gd name="connsiteX77" fmla="*/ 1222682 w 1983504"/>
-              <a:gd name="connsiteY77" fmla="*/ 5769542 h 6858000"/>
-              <a:gd name="connsiteX78" fmla="*/ 1213626 w 1983504"/>
-              <a:gd name="connsiteY78" fmla="*/ 5801555 h 6858000"/>
-              <a:gd name="connsiteX79" fmla="*/ 1014361 w 1983504"/>
-              <a:gd name="connsiteY79" fmla="*/ 5755314 h 6858000"/>
-              <a:gd name="connsiteX80" fmla="*/ 1274008 w 1983504"/>
-              <a:gd name="connsiteY80" fmla="*/ 6004307 h 6858000"/>
-              <a:gd name="connsiteX81" fmla="*/ 1542711 w 1983504"/>
-              <a:gd name="connsiteY81" fmla="*/ 6196388 h 6858000"/>
-              <a:gd name="connsiteX82" fmla="*/ 1352504 w 1983504"/>
-              <a:gd name="connsiteY82" fmla="*/ 6167932 h 6858000"/>
-              <a:gd name="connsiteX83" fmla="*/ 1089840 w 1983504"/>
-              <a:gd name="connsiteY83" fmla="*/ 6057663 h 6858000"/>
-              <a:gd name="connsiteX84" fmla="*/ 999266 w 1983504"/>
-              <a:gd name="connsiteY84" fmla="*/ 6100347 h 6858000"/>
-              <a:gd name="connsiteX85" fmla="*/ 1246836 w 1983504"/>
-              <a:gd name="connsiteY85" fmla="*/ 6281757 h 6858000"/>
-              <a:gd name="connsiteX86" fmla="*/ 1388735 w 1983504"/>
-              <a:gd name="connsiteY86" fmla="*/ 6367127 h 6858000"/>
-              <a:gd name="connsiteX87" fmla="*/ 1446099 w 1983504"/>
-              <a:gd name="connsiteY87" fmla="*/ 6431153 h 6858000"/>
-              <a:gd name="connsiteX88" fmla="*/ 1609132 w 1983504"/>
-              <a:gd name="connsiteY88" fmla="*/ 6658805 h 6858000"/>
-              <a:gd name="connsiteX89" fmla="*/ 1983504 w 1983504"/>
-              <a:gd name="connsiteY89" fmla="*/ 6858000 h 6858000"/>
-              <a:gd name="connsiteX90" fmla="*/ 0 w 1983504"/>
-              <a:gd name="connsiteY90" fmla="*/ 6858000 h 6858000"/>
-            </a:gdLst>
-            <a:ahLst/>
-            <a:cxnLst>
-              <a:cxn ang="0">
-                <a:pos x="connsiteX0" y="connsiteY0"/>
-              </a:cxn>
-              <a:cxn ang="0">
-                <a:pos x="connsiteX1" y="connsiteY1"/>
-              </a:cxn>
-              <a:cxn ang="0">
-                <a:pos x="connsiteX2" y="connsiteY2"/>
-              </a:cxn>
-              <a:cxn ang="0">
-                <a:pos x="connsiteX3" y="connsiteY3"/>
-              </a:cxn>
-              <a:cxn ang="0">
-                <a:pos x="connsiteX4" y="connsiteY4"/>
-              </a:cxn>
-              <a:cxn ang="0">
-                <a:pos x="connsiteX5" y="connsiteY5"/>
-              </a:cxn>
-              <a:cxn ang="0">
-                <a:pos x="connsiteX6" y="connsiteY6"/>
-              </a:cxn>
-              <a:cxn ang="0">
-                <a:pos x="connsiteX7" y="connsiteY7"/>
-              </a:cxn>
-              <a:cxn ang="0">
-                <a:pos x="connsiteX8" y="connsiteY8"/>
-              </a:cxn>
-              <a:cxn ang="0">
-                <a:pos x="connsiteX9" y="connsiteY9"/>
-              </a:cxn>
-              <a:cxn ang="0">
-                <a:pos x="connsiteX10" y="connsiteY10"/>
-              </a:cxn>
-              <a:cxn ang="0">
-                <a:pos x="connsiteX11" y="connsiteY11"/>
-              </a:cxn>
-              <a:cxn ang="0">
-                <a:pos x="connsiteX12" y="connsiteY12"/>
-              </a:cxn>
-              <a:cxn ang="0">
-                <a:pos x="connsiteX13" y="connsiteY13"/>
-              </a:cxn>
-              <a:cxn ang="0">
-                <a:pos x="connsiteX14" y="connsiteY14"/>
-              </a:cxn>
-              <a:cxn ang="0">
-                <a:pos x="connsiteX15" y="connsiteY15"/>
-              </a:cxn>
-              <a:cxn ang="0">
-                <a:pos x="connsiteX16" y="connsiteY16"/>
-              </a:cxn>
-              <a:cxn ang="0">
-                <a:pos x="connsiteX17" y="connsiteY17"/>
-              </a:cxn>
-              <a:cxn ang="0">
-                <a:pos x="connsiteX18" y="connsiteY18"/>
-              </a:cxn>
-              <a:cxn ang="0">
-                <a:pos x="connsiteX19" y="connsiteY19"/>
-              </a:cxn>
-              <a:cxn ang="0">
-                <a:pos x="connsiteX20" y="connsiteY20"/>
-              </a:cxn>
-              <a:cxn ang="0">
-                <a:pos x="connsiteX21" y="connsiteY21"/>
-              </a:cxn>
-              <a:cxn ang="0">
-                <a:pos x="connsiteX22" y="connsiteY22"/>
-              </a:cxn>
-              <a:cxn ang="0">
-                <a:pos x="connsiteX23" y="connsiteY23"/>
-              </a:cxn>
-              <a:cxn ang="0">
-                <a:pos x="connsiteX24" y="connsiteY24"/>
-              </a:cxn>
-              <a:cxn ang="0">
-                <a:pos x="connsiteX25" y="connsiteY25"/>
-              </a:cxn>
-              <a:cxn ang="0">
-                <a:pos x="connsiteX26" y="connsiteY26"/>
-              </a:cxn>
-              <a:cxn ang="0">
-                <a:pos x="connsiteX27" y="connsiteY27"/>
-              </a:cxn>
-              <a:cxn ang="0">
-                <a:pos x="connsiteX28" y="connsiteY28"/>
-              </a:cxn>
-              <a:cxn ang="0">
-                <a:pos x="connsiteX29" y="connsiteY29"/>
-              </a:cxn>
-              <a:cxn ang="0">
-                <a:pos x="connsiteX30" y="connsiteY30"/>
-              </a:cxn>
-              <a:cxn ang="0">
-                <a:pos x="connsiteX31" y="connsiteY31"/>
-              </a:cxn>
-              <a:cxn ang="0">
-                <a:pos x="connsiteX32" y="connsiteY32"/>
-              </a:cxn>
-              <a:cxn ang="0">
-                <a:pos x="connsiteX33" y="connsiteY33"/>
-              </a:cxn>
-              <a:cxn ang="0">
-                <a:pos x="connsiteX34" y="connsiteY34"/>
-              </a:cxn>
-              <a:cxn ang="0">
-                <a:pos x="connsiteX35" y="connsiteY35"/>
-              </a:cxn>
-              <a:cxn ang="0">
-                <a:pos x="connsiteX36" y="connsiteY36"/>
-              </a:cxn>
-              <a:cxn ang="0">
-                <a:pos x="connsiteX37" y="connsiteY37"/>
-              </a:cxn>
-              <a:cxn ang="0">
-                <a:pos x="connsiteX38" y="connsiteY38"/>
-              </a:cxn>
-              <a:cxn ang="0">
-                <a:pos x="connsiteX39" y="connsiteY39"/>
-              </a:cxn>
-              <a:cxn ang="0">
-                <a:pos x="connsiteX40" y="connsiteY40"/>
-              </a:cxn>
-              <a:cxn ang="0">
-                <a:pos x="connsiteX41" y="connsiteY41"/>
-              </a:cxn>
-              <a:cxn ang="0">
-                <a:pos x="connsiteX42" y="connsiteY42"/>
-              </a:cxn>
-              <a:cxn ang="0">
-                <a:pos x="connsiteX43" y="connsiteY43"/>
-              </a:cxn>
-              <a:cxn ang="0">
-                <a:pos x="connsiteX44" y="connsiteY44"/>
-              </a:cxn>
-              <a:cxn ang="0">
-                <a:pos x="connsiteX45" y="connsiteY45"/>
-              </a:cxn>
-              <a:cxn ang="0">
-                <a:pos x="connsiteX46" y="connsiteY46"/>
-              </a:cxn>
-              <a:cxn ang="0">
-                <a:pos x="connsiteX47" y="connsiteY47"/>
-              </a:cxn>
-              <a:cxn ang="0">
-                <a:pos x="connsiteX48" y="connsiteY48"/>
-              </a:cxn>
-              <a:cxn ang="0">
-                <a:pos x="connsiteX49" y="connsiteY49"/>
-              </a:cxn>
-              <a:cxn ang="0">
-                <a:pos x="connsiteX50" y="connsiteY50"/>
-              </a:cxn>
-              <a:cxn ang="0">
-                <a:pos x="connsiteX51" y="connsiteY51"/>
-              </a:cxn>
-              <a:cxn ang="0">
-                <a:pos x="connsiteX52" y="connsiteY52"/>
-              </a:cxn>
-              <a:cxn ang="0">
-                <a:pos x="connsiteX53" y="connsiteY53"/>
-              </a:cxn>
-              <a:cxn ang="0">
-                <a:pos x="connsiteX54" y="connsiteY54"/>
-              </a:cxn>
-              <a:cxn ang="0">
-                <a:pos x="connsiteX55" y="connsiteY55"/>
-              </a:cxn>
-              <a:cxn ang="0">
-                <a:pos x="connsiteX56" y="connsiteY56"/>
-              </a:cxn>
-              <a:cxn ang="0">
-                <a:pos x="connsiteX57" y="connsiteY57"/>
-              </a:cxn>
-              <a:cxn ang="0">
-                <a:pos x="connsiteX58" y="connsiteY58"/>
-              </a:cxn>
-              <a:cxn ang="0">
-                <a:pos x="connsiteX59" y="connsiteY59"/>
-              </a:cxn>
-              <a:cxn ang="0">
-                <a:pos x="connsiteX60" y="connsiteY60"/>
-              </a:cxn>
-              <a:cxn ang="0">
-                <a:pos x="connsiteX61" y="connsiteY61"/>
-              </a:cxn>
-              <a:cxn ang="0">
-                <a:pos x="connsiteX62" y="connsiteY62"/>
-              </a:cxn>
-              <a:cxn ang="0">
-                <a:pos x="connsiteX63" y="connsiteY63"/>
-              </a:cxn>
-              <a:cxn ang="0">
-                <a:pos x="connsiteX64" y="connsiteY64"/>
-              </a:cxn>
-              <a:cxn ang="0">
-                <a:pos x="connsiteX65" y="connsiteY65"/>
-              </a:cxn>
-              <a:cxn ang="0">
-                <a:pos x="connsiteX66" y="connsiteY66"/>
-              </a:cxn>
-              <a:cxn ang="0">
-                <a:pos x="connsiteX67" y="connsiteY67"/>
-              </a:cxn>
-              <a:cxn ang="0">
-                <a:pos x="connsiteX68" y="connsiteY68"/>
-              </a:cxn>
-              <a:cxn ang="0">
-                <a:pos x="connsiteX69" y="connsiteY69"/>
-              </a:cxn>
-              <a:cxn ang="0">
-                <a:pos x="connsiteX70" y="connsiteY70"/>
-              </a:cxn>
-              <a:cxn ang="0">
-                <a:pos x="connsiteX71" y="connsiteY71"/>
-              </a:cxn>
-              <a:cxn ang="0">
-                <a:pos x="connsiteX72" y="connsiteY72"/>
-              </a:cxn>
-              <a:cxn ang="0">
-                <a:pos x="connsiteX73" y="connsiteY73"/>
-              </a:cxn>
-              <a:cxn ang="0">
-                <a:pos x="connsiteX74" y="connsiteY74"/>
-              </a:cxn>
-              <a:cxn ang="0">
-                <a:pos x="connsiteX75" y="connsiteY75"/>
-              </a:cxn>
-              <a:cxn ang="0">
-                <a:pos x="connsiteX76" y="connsiteY76"/>
-              </a:cxn>
-              <a:cxn ang="0">
-                <a:pos x="connsiteX77" y="connsiteY77"/>
-              </a:cxn>
-              <a:cxn ang="0">
-                <a:pos x="connsiteX78" y="connsiteY78"/>
-              </a:cxn>
-              <a:cxn ang="0">
-                <a:pos x="connsiteX79" y="connsiteY79"/>
-              </a:cxn>
-              <a:cxn ang="0">
-                <a:pos x="connsiteX80" y="connsiteY80"/>
-              </a:cxn>
-              <a:cxn ang="0">
-                <a:pos x="connsiteX81" y="connsiteY81"/>
-              </a:cxn>
-              <a:cxn ang="0">
-                <a:pos x="connsiteX82" y="connsiteY82"/>
-              </a:cxn>
-              <a:cxn ang="0">
-                <a:pos x="connsiteX83" y="connsiteY83"/>
-              </a:cxn>
-              <a:cxn ang="0">
-                <a:pos x="connsiteX84" y="connsiteY84"/>
-              </a:cxn>
-              <a:cxn ang="0">
-                <a:pos x="connsiteX85" y="connsiteY85"/>
-              </a:cxn>
-              <a:cxn ang="0">
-                <a:pos x="connsiteX86" y="connsiteY86"/>
-              </a:cxn>
-              <a:cxn ang="0">
-                <a:pos x="connsiteX87" y="connsiteY87"/>
-              </a:cxn>
-              <a:cxn ang="0">
-                <a:pos x="connsiteX88" y="connsiteY88"/>
-              </a:cxn>
-              <a:cxn ang="0">
-                <a:pos x="connsiteX89" y="connsiteY89"/>
-              </a:cxn>
-              <a:cxn ang="0">
-                <a:pos x="connsiteX90" y="connsiteY90"/>
-              </a:cxn>
-            </a:cxnLst>
-            <a:rect l="l" t="t" r="r" b="b"/>
-            <a:pathLst>
-              <a:path w="1983504" h="6858000">
-                <a:moveTo>
-                  <a:pt x="0" y="0"/>
-                </a:moveTo>
-                <a:lnTo>
-                  <a:pt x="1376658" y="0"/>
-                </a:lnTo>
-                <a:cubicBezTo>
-                  <a:pt x="1482328" y="35571"/>
-                  <a:pt x="1584980" y="78255"/>
-                  <a:pt x="1690650" y="110269"/>
-                </a:cubicBezTo>
-                <a:cubicBezTo>
-                  <a:pt x="1675553" y="145839"/>
-                  <a:pt x="1660458" y="138725"/>
-                  <a:pt x="1645361" y="135168"/>
-                </a:cubicBezTo>
-                <a:cubicBezTo>
-                  <a:pt x="1554788" y="120941"/>
-                  <a:pt x="1461194" y="110269"/>
-                  <a:pt x="1373640" y="71141"/>
-                </a:cubicBezTo>
-                <a:cubicBezTo>
-                  <a:pt x="1352504" y="64027"/>
-                  <a:pt x="1328352" y="64027"/>
-                  <a:pt x="1319295" y="88927"/>
-                </a:cubicBezTo>
-                <a:cubicBezTo>
-                  <a:pt x="1304199" y="124497"/>
-                  <a:pt x="1325332" y="145839"/>
-                  <a:pt x="1346468" y="163625"/>
-                </a:cubicBezTo>
-                <a:cubicBezTo>
-                  <a:pt x="1382696" y="195638"/>
-                  <a:pt x="1424964" y="188525"/>
-                  <a:pt x="1464213" y="192082"/>
-                </a:cubicBezTo>
-                <a:cubicBezTo>
-                  <a:pt x="1572902" y="209867"/>
-                  <a:pt x="1624228" y="259665"/>
-                  <a:pt x="1648381" y="373491"/>
-                </a:cubicBezTo>
-                <a:cubicBezTo>
-                  <a:pt x="1554788" y="327250"/>
-                  <a:pt x="1461194" y="384162"/>
-                  <a:pt x="1370620" y="352148"/>
-                </a:cubicBezTo>
-                <a:cubicBezTo>
-                  <a:pt x="1346468" y="345034"/>
-                  <a:pt x="1310237" y="355706"/>
-                  <a:pt x="1322314" y="394834"/>
-                </a:cubicBezTo>
-                <a:cubicBezTo>
-                  <a:pt x="1334390" y="430405"/>
-                  <a:pt x="1373640" y="458860"/>
-                  <a:pt x="1304199" y="451747"/>
-                </a:cubicBezTo>
-                <a:cubicBezTo>
-                  <a:pt x="1252873" y="448189"/>
-                  <a:pt x="1237778" y="405504"/>
-                  <a:pt x="1222682" y="359262"/>
-                </a:cubicBezTo>
-                <a:cubicBezTo>
-                  <a:pt x="1210606" y="334364"/>
-                  <a:pt x="1177395" y="320135"/>
-                  <a:pt x="1153242" y="334364"/>
-                </a:cubicBezTo>
-                <a:cubicBezTo>
-                  <a:pt x="1123051" y="348592"/>
-                  <a:pt x="1132108" y="387720"/>
-                  <a:pt x="1132108" y="416176"/>
-                </a:cubicBezTo>
-                <a:cubicBezTo>
-                  <a:pt x="1129088" y="469532"/>
-                  <a:pt x="1153242" y="494431"/>
-                  <a:pt x="1195509" y="505101"/>
-                </a:cubicBezTo>
-                <a:cubicBezTo>
-                  <a:pt x="1246836" y="519330"/>
-                  <a:pt x="1298160" y="537116"/>
-                  <a:pt x="1364582" y="558458"/>
-                </a:cubicBezTo>
-                <a:cubicBezTo>
-                  <a:pt x="1292122" y="594028"/>
-                  <a:pt x="1237778" y="586915"/>
-                  <a:pt x="1183434" y="558458"/>
-                </a:cubicBezTo>
-                <a:cubicBezTo>
-                  <a:pt x="1117012" y="526444"/>
-                  <a:pt x="1029458" y="483759"/>
-                  <a:pt x="975114" y="522887"/>
-                </a:cubicBezTo>
-                <a:cubicBezTo>
-                  <a:pt x="893597" y="579800"/>
-                  <a:pt x="827176" y="544229"/>
-                  <a:pt x="754716" y="533558"/>
-                </a:cubicBezTo>
-                <a:cubicBezTo>
-                  <a:pt x="603758" y="512216"/>
-                  <a:pt x="697352" y="480203"/>
-                  <a:pt x="546395" y="462417"/>
-                </a:cubicBezTo>
-                <a:cubicBezTo>
-                  <a:pt x="486012" y="455303"/>
-                  <a:pt x="422610" y="426847"/>
-                  <a:pt x="335056" y="465975"/>
-                </a:cubicBezTo>
-                <a:cubicBezTo>
-                  <a:pt x="730563" y="672284"/>
-                  <a:pt x="917750" y="658055"/>
-                  <a:pt x="1270988" y="910606"/>
-                </a:cubicBezTo>
-                <a:cubicBezTo>
-                  <a:pt x="1255893" y="935506"/>
-                  <a:pt x="1240798" y="924835"/>
-                  <a:pt x="1225701" y="921277"/>
-                </a:cubicBezTo>
-                <a:cubicBezTo>
-                  <a:pt x="1201548" y="917720"/>
-                  <a:pt x="1171356" y="903491"/>
-                  <a:pt x="1165318" y="949734"/>
-                </a:cubicBezTo>
-                <a:cubicBezTo>
-                  <a:pt x="1162298" y="985305"/>
-                  <a:pt x="1180415" y="1003089"/>
-                  <a:pt x="1210606" y="1006647"/>
-                </a:cubicBezTo>
-                <a:cubicBezTo>
-                  <a:pt x="1298160" y="1020875"/>
-                  <a:pt x="1376658" y="1070674"/>
-                  <a:pt x="1455156" y="1113358"/>
-                </a:cubicBezTo>
-                <a:cubicBezTo>
-                  <a:pt x="1491385" y="1131144"/>
-                  <a:pt x="1530634" y="1156043"/>
-                  <a:pt x="1515538" y="1220069"/>
-                </a:cubicBezTo>
-                <a:cubicBezTo>
-                  <a:pt x="1485348" y="1237855"/>
-                  <a:pt x="1464213" y="1212955"/>
-                  <a:pt x="1440060" y="1209399"/>
-                </a:cubicBezTo>
-                <a:cubicBezTo>
-                  <a:pt x="1415907" y="1205842"/>
-                  <a:pt x="1358543" y="1220069"/>
-                  <a:pt x="1373640" y="1230741"/>
-                </a:cubicBezTo>
-                <a:cubicBezTo>
-                  <a:pt x="1443080" y="1269868"/>
-                  <a:pt x="1316276" y="1365909"/>
-                  <a:pt x="1400810" y="1365909"/>
-                </a:cubicBezTo>
-                <a:cubicBezTo>
-                  <a:pt x="1539691" y="1365909"/>
-                  <a:pt x="1615170" y="1536647"/>
-                  <a:pt x="1748012" y="1540204"/>
-                </a:cubicBezTo>
-                <a:cubicBezTo>
-                  <a:pt x="1769146" y="1540204"/>
-                  <a:pt x="1778203" y="1572219"/>
-                  <a:pt x="1778203" y="1597117"/>
-                </a:cubicBezTo>
-                <a:cubicBezTo>
-                  <a:pt x="1778203" y="1629132"/>
-                  <a:pt x="1757070" y="1632688"/>
-                  <a:pt x="1735936" y="1636245"/>
-                </a:cubicBezTo>
-                <a:cubicBezTo>
-                  <a:pt x="1702725" y="1639802"/>
-                  <a:pt x="1666496" y="1597117"/>
-                  <a:pt x="1624228" y="1657587"/>
-                </a:cubicBezTo>
-                <a:cubicBezTo>
-                  <a:pt x="1702725" y="1693158"/>
-                  <a:pt x="1784242" y="1728729"/>
-                  <a:pt x="1781223" y="1849668"/>
-                </a:cubicBezTo>
-                <a:cubicBezTo>
-                  <a:pt x="1781223" y="1881683"/>
-                  <a:pt x="1814434" y="1895910"/>
-                  <a:pt x="1838587" y="1903025"/>
-                </a:cubicBezTo>
-                <a:cubicBezTo>
-                  <a:pt x="1880854" y="1917252"/>
-                  <a:pt x="1914065" y="1938595"/>
-                  <a:pt x="1938218" y="1984836"/>
-                </a:cubicBezTo>
-                <a:cubicBezTo>
-                  <a:pt x="1938218" y="1995507"/>
-                  <a:pt x="1938218" y="2002622"/>
-                  <a:pt x="1938218" y="2013292"/>
-                </a:cubicBezTo>
-                <a:cubicBezTo>
-                  <a:pt x="1932180" y="2123562"/>
-                  <a:pt x="1871798" y="2120004"/>
-                  <a:pt x="1805376" y="2102219"/>
-                </a:cubicBezTo>
-                <a:cubicBezTo>
-                  <a:pt x="1726878" y="2080877"/>
-                  <a:pt x="1648381" y="2038192"/>
-                  <a:pt x="1563844" y="2077320"/>
-                </a:cubicBezTo>
-                <a:cubicBezTo>
-                  <a:pt x="1681592" y="2130676"/>
-                  <a:pt x="1811414" y="2134233"/>
-                  <a:pt x="1920104" y="2208931"/>
-                </a:cubicBezTo>
-                <a:cubicBezTo>
-                  <a:pt x="1515538" y="2223159"/>
-                  <a:pt x="1159280" y="1984836"/>
-                  <a:pt x="766792" y="1892353"/>
-                </a:cubicBezTo>
-                <a:cubicBezTo>
-                  <a:pt x="778869" y="1952823"/>
-                  <a:pt x="812080" y="1967051"/>
-                  <a:pt x="839252" y="1974165"/>
-                </a:cubicBezTo>
-                <a:cubicBezTo>
-                  <a:pt x="984170" y="2020407"/>
-                  <a:pt x="1110974" y="2112891"/>
-                  <a:pt x="1243816" y="2191146"/>
-                </a:cubicBezTo>
-                <a:cubicBezTo>
-                  <a:pt x="1298160" y="2223159"/>
-                  <a:pt x="1337410" y="2258731"/>
-                  <a:pt x="1358543" y="2326314"/>
-                </a:cubicBezTo>
-                <a:cubicBezTo>
-                  <a:pt x="1376658" y="2390340"/>
-                  <a:pt x="1412888" y="2418796"/>
-                  <a:pt x="1479310" y="2401012"/>
-                </a:cubicBezTo>
-                <a:cubicBezTo>
-                  <a:pt x="1533654" y="2386784"/>
-                  <a:pt x="1591018" y="2393898"/>
-                  <a:pt x="1648381" y="2401012"/>
-                </a:cubicBezTo>
-                <a:cubicBezTo>
-                  <a:pt x="1711782" y="2408126"/>
-                  <a:pt x="1784242" y="2479267"/>
-                  <a:pt x="1769146" y="2518395"/>
-                </a:cubicBezTo>
-                <a:cubicBezTo>
-                  <a:pt x="1738956" y="2582422"/>
-                  <a:pt x="1687630" y="2550408"/>
-                  <a:pt x="1645361" y="2543294"/>
-                </a:cubicBezTo>
-                <a:cubicBezTo>
-                  <a:pt x="1594036" y="2536181"/>
-                  <a:pt x="1500444" y="2518395"/>
-                  <a:pt x="1500444" y="2525509"/>
-                </a:cubicBezTo>
-                <a:cubicBezTo>
-                  <a:pt x="1467232" y="2685576"/>
-                  <a:pt x="1391754" y="2564636"/>
-                  <a:pt x="1337410" y="2564636"/>
-                </a:cubicBezTo>
-                <a:cubicBezTo>
-                  <a:pt x="1286084" y="2564636"/>
-                  <a:pt x="1234759" y="2546851"/>
-                  <a:pt x="1186452" y="2532623"/>
-                </a:cubicBezTo>
-                <a:cubicBezTo>
-                  <a:pt x="1123051" y="2514837"/>
-                  <a:pt x="1065688" y="2546851"/>
-                  <a:pt x="1005304" y="2553965"/>
-                </a:cubicBezTo>
-                <a:cubicBezTo>
-                  <a:pt x="950960" y="2561080"/>
-                  <a:pt x="981150" y="2653563"/>
-                  <a:pt x="947940" y="2692689"/>
-                </a:cubicBezTo>
-                <a:cubicBezTo>
-                  <a:pt x="941903" y="2703362"/>
-                  <a:pt x="935864" y="2703362"/>
-                  <a:pt x="929826" y="2703362"/>
-                </a:cubicBezTo>
-                <a:cubicBezTo>
-                  <a:pt x="911711" y="2980812"/>
-                  <a:pt x="594701" y="2913227"/>
-                  <a:pt x="594701" y="2923898"/>
-                </a:cubicBezTo>
-                <a:cubicBezTo>
-                  <a:pt x="567529" y="2941684"/>
-                  <a:pt x="534318" y="2899000"/>
-                  <a:pt x="501108" y="2941684"/>
-                </a:cubicBezTo>
-                <a:cubicBezTo>
-                  <a:pt x="643007" y="3137322"/>
-                  <a:pt x="860386" y="3183563"/>
-                  <a:pt x="1053610" y="3329402"/>
-                </a:cubicBezTo>
-                <a:cubicBezTo>
-                  <a:pt x="893597" y="3379202"/>
-                  <a:pt x="800002" y="3208463"/>
-                  <a:pt x="682256" y="3229805"/>
-                </a:cubicBezTo>
-                <a:cubicBezTo>
-                  <a:pt x="624893" y="3283162"/>
-                  <a:pt x="796984" y="3368530"/>
-                  <a:pt x="630932" y="3393429"/>
-                </a:cubicBezTo>
-                <a:cubicBezTo>
-                  <a:pt x="703390" y="3439672"/>
-                  <a:pt x="754716" y="3485914"/>
-                  <a:pt x="806041" y="3539269"/>
-                </a:cubicBezTo>
-                <a:cubicBezTo>
-                  <a:pt x="893597" y="3635309"/>
-                  <a:pt x="911711" y="3699337"/>
-                  <a:pt x="869444" y="3827390"/>
-                </a:cubicBezTo>
-                <a:cubicBezTo>
-                  <a:pt x="842270" y="3912759"/>
-                  <a:pt x="803022" y="3991015"/>
-                  <a:pt x="839252" y="4090612"/>
-                </a:cubicBezTo>
-                <a:cubicBezTo>
-                  <a:pt x="863405" y="4158196"/>
-                  <a:pt x="854347" y="4204438"/>
-                  <a:pt x="763774" y="4172424"/>
-                </a:cubicBezTo>
-                <a:cubicBezTo>
-                  <a:pt x="667160" y="4140411"/>
-                  <a:pt x="630932" y="4200882"/>
-                  <a:pt x="655085" y="4321821"/>
-                </a:cubicBezTo>
-                <a:cubicBezTo>
-                  <a:pt x="670179" y="4400076"/>
-                  <a:pt x="655085" y="4424975"/>
-                  <a:pt x="588662" y="4414305"/>
-                </a:cubicBezTo>
-                <a:cubicBezTo>
-                  <a:pt x="516204" y="4403633"/>
-                  <a:pt x="446764" y="4353835"/>
-                  <a:pt x="356189" y="4378734"/>
-                </a:cubicBezTo>
-                <a:cubicBezTo>
-                  <a:pt x="428648" y="4521016"/>
-                  <a:pt x="582626" y="4478331"/>
-                  <a:pt x="667160" y="4613499"/>
-                </a:cubicBezTo>
-                <a:cubicBezTo>
-                  <a:pt x="567529" y="4613499"/>
-                  <a:pt x="489031" y="4613499"/>
-                  <a:pt x="416573" y="4585042"/>
-                </a:cubicBezTo>
-                <a:cubicBezTo>
-                  <a:pt x="386381" y="4574373"/>
-                  <a:pt x="353170" y="4560144"/>
-                  <a:pt x="335056" y="4602828"/>
-                </a:cubicBezTo>
-                <a:cubicBezTo>
-                  <a:pt x="313920" y="4652628"/>
-                  <a:pt x="356189" y="4670412"/>
-                  <a:pt x="380342" y="4677526"/>
-                </a:cubicBezTo>
-                <a:cubicBezTo>
-                  <a:pt x="449784" y="4702425"/>
-                  <a:pt x="504126" y="4759339"/>
-                  <a:pt x="564510" y="4805580"/>
-                </a:cubicBezTo>
-                <a:cubicBezTo>
-                  <a:pt x="694332" y="4905177"/>
-                  <a:pt x="836233" y="4990547"/>
-                  <a:pt x="944922" y="5154171"/>
-                </a:cubicBezTo>
-                <a:cubicBezTo>
-                  <a:pt x="809060" y="5111487"/>
-                  <a:pt x="706410" y="5011889"/>
-                  <a:pt x="576586" y="4994104"/>
-                </a:cubicBezTo>
-                <a:cubicBezTo>
-                  <a:pt x="688296" y="5143500"/>
-                  <a:pt x="830194" y="5243097"/>
-                  <a:pt x="963036" y="5353367"/>
-                </a:cubicBezTo>
-                <a:cubicBezTo>
-                  <a:pt x="1002286" y="5385379"/>
-                  <a:pt x="1041534" y="5406721"/>
-                  <a:pt x="1047572" y="5474306"/>
-                </a:cubicBezTo>
-                <a:cubicBezTo>
-                  <a:pt x="1065688" y="5605917"/>
-                  <a:pt x="1113992" y="5712629"/>
-                  <a:pt x="1222682" y="5769542"/>
-                </a:cubicBezTo>
-                <a:cubicBezTo>
-                  <a:pt x="1222682" y="5769542"/>
-                  <a:pt x="1216644" y="5790884"/>
-                  <a:pt x="1213626" y="5801555"/>
-                </a:cubicBezTo>
-                <a:cubicBezTo>
-                  <a:pt x="1147203" y="5805112"/>
-                  <a:pt x="1095878" y="5726858"/>
-                  <a:pt x="1014361" y="5755314"/>
-                </a:cubicBezTo>
-                <a:cubicBezTo>
-                  <a:pt x="1095878" y="5862025"/>
-                  <a:pt x="1162298" y="5954508"/>
-                  <a:pt x="1274008" y="6004307"/>
-                </a:cubicBezTo>
-                <a:cubicBezTo>
-                  <a:pt x="1364582" y="6043434"/>
-                  <a:pt x="1476290" y="6068335"/>
-                  <a:pt x="1542711" y="6196388"/>
-                </a:cubicBezTo>
-                <a:cubicBezTo>
-                  <a:pt x="1467232" y="6221287"/>
-                  <a:pt x="1409868" y="6189274"/>
-                  <a:pt x="1352504" y="6167932"/>
-                </a:cubicBezTo>
-                <a:cubicBezTo>
-                  <a:pt x="1264950" y="6132361"/>
-                  <a:pt x="1177395" y="6093234"/>
-                  <a:pt x="1089840" y="6057663"/>
-                </a:cubicBezTo>
-                <a:cubicBezTo>
-                  <a:pt x="1056628" y="6043434"/>
-                  <a:pt x="1020400" y="6036320"/>
-                  <a:pt x="999266" y="6100347"/>
-                </a:cubicBezTo>
-                <a:cubicBezTo>
-                  <a:pt x="1110974" y="6114575"/>
-                  <a:pt x="1177395" y="6199945"/>
-                  <a:pt x="1246836" y="6281757"/>
-                </a:cubicBezTo>
-                <a:cubicBezTo>
-                  <a:pt x="1286084" y="6327999"/>
-                  <a:pt x="1319295" y="6388469"/>
-                  <a:pt x="1388735" y="6367127"/>
-                </a:cubicBezTo>
-                <a:cubicBezTo>
-                  <a:pt x="1424964" y="6356456"/>
-                  <a:pt x="1449118" y="6388469"/>
-                  <a:pt x="1446099" y="6431153"/>
-                </a:cubicBezTo>
-                <a:cubicBezTo>
-                  <a:pt x="1431002" y="6580550"/>
-                  <a:pt x="1518558" y="6630349"/>
-                  <a:pt x="1609132" y="6658805"/>
-                </a:cubicBezTo>
-                <a:cubicBezTo>
-                  <a:pt x="1741974" y="6701489"/>
-                  <a:pt x="1859720" y="6786859"/>
-                  <a:pt x="1983504" y="6858000"/>
-                </a:cubicBezTo>
-                <a:lnTo>
-                  <a:pt x="0" y="6858000"/>
-                </a:lnTo>
-                <a:close/>
-              </a:path>
-            </a:pathLst>
-          </a:custGeom>
-          <a:solidFill>
-            <a:schemeClr val="bg2">
-              <a:alpha val="50000"/>
-            </a:schemeClr>
-          </a:solidFill>
-          <a:ln w="32707" cap="flat">
-            <a:noFill/>
-            <a:prstDash val="solid"/>
-            <a:miter/>
-          </a:ln>
-        </p:spPr>
-        <p:txBody>
-          <a:bodyPr wrap="square" rtlCol="0" anchor="ctr">
-            <a:noAutofit/>
-          </a:bodyPr>
-          <a:lstStyle/>
-          <a:p>
-            <a:pPr algn="ctr"/>
-            <a:endParaRPr lang="en-US"/>
-          </a:p>
-        </p:txBody>
-      </p:sp>
-      <p:pic>
-        <p:nvPicPr>
-          <p:cNvPr id="18" name="Picture 17">
-            <a:extLst>
-              <a:ext uri="{FF2B5EF4-FFF2-40B4-BE49-F238E27FC236}">
-                <a16:creationId xmlns:a16="http://schemas.microsoft.com/office/drawing/2014/main" id="{C600D8F0-C210-9F3C-D312-9B0F171FB12A}"/>
-              </a:ext>
-            </a:extLst>
-          </p:cNvPr>
-          <p:cNvPicPr>
-            <a:picLocks noChangeAspect="1"/>
-          </p:cNvPicPr>
-          <p:nvPr/>
-        </p:nvPicPr>
-        <p:blipFill>
-          <a:blip r:embed="rId3"/>
-          <a:stretch>
-            <a:fillRect/>
-          </a:stretch>
-        </p:blipFill>
-        <p:spPr>
-          <a:xfrm>
-            <a:off x="9526752" y="306900"/>
-            <a:ext cx="2413124" cy="673135"/>
-          </a:xfrm>
-          <a:prstGeom prst="rect">
-            <a:avLst/>
-          </a:prstGeom>
-        </p:spPr>
-      </p:pic>
-      <p:sp>
-        <p:nvSpPr>
-          <p:cNvPr id="20" name="TextBox 19">
-            <a:extLst>
-              <a:ext uri="{FF2B5EF4-FFF2-40B4-BE49-F238E27FC236}">
-                <a16:creationId xmlns:a16="http://schemas.microsoft.com/office/drawing/2014/main" id="{1C62DE72-3A32-B818-1A7F-B7E01FD3BD55}"/>
-              </a:ext>
-            </a:extLst>
-          </p:cNvPr>
-          <p:cNvSpPr txBox="1"/>
-          <p:nvPr/>
-        </p:nvSpPr>
-        <p:spPr>
-          <a:xfrm>
-            <a:off x="1200568" y="643467"/>
-            <a:ext cx="9532746" cy="1261884"/>
-          </a:xfrm>
-          <a:prstGeom prst="rect">
-            <a:avLst/>
-          </a:prstGeom>
-          <a:noFill/>
-        </p:spPr>
-        <p:txBody>
-          <a:bodyPr wrap="square">
-            <a:spAutoFit/>
-          </a:bodyPr>
-          <a:lstStyle/>
-          <a:p>
-            <a:r>
-              <a:rPr lang="en-US" sz="2800" b="1" dirty="0">
-                <a:latin typeface="Times New Roman" panose="02020603050405020304" pitchFamily="18" charset="0"/>
-                <a:cs typeface="Times New Roman" panose="02020603050405020304" pitchFamily="18" charset="0"/>
-              </a:rPr>
-              <a:t>Employment Income Across</a:t>
-            </a:r>
-          </a:p>
-          <a:p>
-            <a:r>
-              <a:rPr lang="en-US" sz="2800" b="1" dirty="0">
-                <a:latin typeface="Times New Roman" panose="02020603050405020304" pitchFamily="18" charset="0"/>
-                <a:cs typeface="Times New Roman" panose="02020603050405020304" pitchFamily="18" charset="0"/>
-              </a:rPr>
-              <a:t>Regions, Programs and Education Levels</a:t>
-            </a:r>
-            <a:endParaRPr lang="en-US" sz="2400" b="1" dirty="0">
-              <a:latin typeface="Times New Roman" panose="02020603050405020304" pitchFamily="18" charset="0"/>
-              <a:cs typeface="Times New Roman" panose="02020603050405020304" pitchFamily="18" charset="0"/>
-            </a:endParaRPr>
-          </a:p>
-          <a:p>
-            <a:r>
-              <a:rPr lang="en-US" sz="2000" dirty="0">
-                <a:latin typeface="Times New Roman" panose="02020603050405020304" pitchFamily="18" charset="0"/>
-                <a:cs typeface="Times New Roman" panose="02020603050405020304" pitchFamily="18" charset="0"/>
-              </a:rPr>
-              <a:t>________________________________________</a:t>
-            </a:r>
-          </a:p>
-        </p:txBody>
-      </p:sp>
-      <p:sp>
-        <p:nvSpPr>
-          <p:cNvPr id="2" name="Slide Number Placeholder 1">
-            <a:extLst>
-              <a:ext uri="{FF2B5EF4-FFF2-40B4-BE49-F238E27FC236}">
-                <a16:creationId xmlns:a16="http://schemas.microsoft.com/office/drawing/2014/main" id="{D9BDEB0C-8749-19CD-45F4-89FF70F869CE}"/>
-              </a:ext>
-            </a:extLst>
-          </p:cNvPr>
-          <p:cNvSpPr>
-            <a:spLocks noGrp="1"/>
-          </p:cNvSpPr>
-          <p:nvPr>
-            <p:ph type="sldNum" sz="quarter" idx="12"/>
-          </p:nvPr>
-        </p:nvSpPr>
-        <p:spPr/>
-        <p:txBody>
-          <a:bodyPr/>
-          <a:lstStyle/>
-          <a:p>
-            <a:fld id="{0E09FCB3-37CC-4DC3-9641-7B88AD2FD4DA}" type="slidenum">
-              <a:rPr lang="en-US" smtClean="0"/>
-              <a:t>12</a:t>
-            </a:fld>
-            <a:endParaRPr lang="en-US"/>
-          </a:p>
-        </p:txBody>
-      </p:sp>
-      <p:pic>
-        <p:nvPicPr>
-          <p:cNvPr id="6" name="Picture 5">
-            <a:extLst>
-              <a:ext uri="{FF2B5EF4-FFF2-40B4-BE49-F238E27FC236}">
-                <a16:creationId xmlns:a16="http://schemas.microsoft.com/office/drawing/2014/main" id="{FDBEEE5B-82ED-49E9-2568-43AD4B4F02A5}"/>
-              </a:ext>
-            </a:extLst>
-          </p:cNvPr>
-          <p:cNvPicPr>
-            <a:picLocks noChangeAspect="1"/>
-          </p:cNvPicPr>
-          <p:nvPr/>
-        </p:nvPicPr>
-        <p:blipFill>
-          <a:blip r:embed="rId4"/>
-          <a:stretch>
-            <a:fillRect/>
-          </a:stretch>
-        </p:blipFill>
-        <p:spPr>
-          <a:xfrm>
-            <a:off x="1200568" y="2029368"/>
-            <a:ext cx="5479747" cy="4435424"/>
-          </a:xfrm>
-          <a:prstGeom prst="rect">
-            <a:avLst/>
-          </a:prstGeom>
-        </p:spPr>
-      </p:pic>
-      <p:pic>
-        <p:nvPicPr>
-          <p:cNvPr id="7" name="Picture 6">
-            <a:extLst>
-              <a:ext uri="{FF2B5EF4-FFF2-40B4-BE49-F238E27FC236}">
-                <a16:creationId xmlns:a16="http://schemas.microsoft.com/office/drawing/2014/main" id="{3F13D017-5449-22F1-AEA0-8B5BA6BBEEEA}"/>
-              </a:ext>
-            </a:extLst>
-          </p:cNvPr>
-          <p:cNvPicPr>
-            <a:picLocks noChangeAspect="1"/>
-          </p:cNvPicPr>
-          <p:nvPr/>
-        </p:nvPicPr>
-        <p:blipFill>
-          <a:blip r:embed="rId5"/>
-          <a:stretch>
-            <a:fillRect/>
-          </a:stretch>
-        </p:blipFill>
-        <p:spPr>
-          <a:xfrm>
-            <a:off x="7167871" y="4313784"/>
-            <a:ext cx="4403109" cy="2000282"/>
-          </a:xfrm>
-          <a:prstGeom prst="rect">
-            <a:avLst/>
-          </a:prstGeom>
-        </p:spPr>
-      </p:pic>
-      <p:pic>
-        <p:nvPicPr>
-          <p:cNvPr id="8" name="Picture 7">
-            <a:extLst>
-              <a:ext uri="{FF2B5EF4-FFF2-40B4-BE49-F238E27FC236}">
-                <a16:creationId xmlns:a16="http://schemas.microsoft.com/office/drawing/2014/main" id="{BAE495C6-EDB0-A1A3-C47F-2BEC0B6617DA}"/>
-              </a:ext>
-            </a:extLst>
-          </p:cNvPr>
-          <p:cNvPicPr>
-            <a:picLocks noChangeAspect="1"/>
-          </p:cNvPicPr>
-          <p:nvPr/>
-        </p:nvPicPr>
-        <p:blipFill>
-          <a:blip r:embed="rId6"/>
-          <a:stretch>
-            <a:fillRect/>
-          </a:stretch>
-        </p:blipFill>
-        <p:spPr>
-          <a:xfrm>
-            <a:off x="7167871" y="1797804"/>
-            <a:ext cx="3451143" cy="2212442"/>
-          </a:xfrm>
-          <a:prstGeom prst="rect">
-            <a:avLst/>
-          </a:prstGeom>
-        </p:spPr>
-      </p:pic>
-    </p:spTree>
-    <p:extLst>
-      <p:ext uri="{BB962C8B-B14F-4D97-AF65-F5344CB8AC3E}">
-        <p14:creationId xmlns:p14="http://schemas.microsoft.com/office/powerpoint/2010/main" val="2805417741"/>
-      </p:ext>
-    </p:extLst>
-  </p:cSld>
-  <p:clrMapOvr>
-    <a:masterClrMapping/>
-  </p:clrMapOvr>
-</p:sld>
-</file>
-
-<file path=ppt/slides/slide13.xml><?xml version="1.0" encoding="utf-8"?>
-<p:sld xmlns:a="http://schemas.openxmlformats.org/drawingml/2006/main" xmlns:r="http://schemas.openxmlformats.org/officeDocument/2006/relationships" xmlns:p="http://schemas.openxmlformats.org/presentationml/2006/main">
-  <p:cSld>
-    <p:bg>
-      <p:bgPr>
-        <a:solidFill>
-          <a:schemeClr val="bg1"/>
-        </a:solidFill>
-        <a:effectLst/>
-      </p:bgPr>
-    </p:bg>
-    <p:spTree>
-      <p:nvGrpSpPr>
-        <p:cNvPr id="1" name="">
-          <a:extLst>
-            <a:ext uri="{FF2B5EF4-FFF2-40B4-BE49-F238E27FC236}">
-              <a16:creationId xmlns:a16="http://schemas.microsoft.com/office/drawing/2014/main" id="{A01778E0-DD8F-C025-A622-355D86C66442}"/>
-            </a:ext>
-          </a:extLst>
-        </p:cNvPr>
-        <p:cNvGrpSpPr/>
-        <p:nvPr/>
-      </p:nvGrpSpPr>
-      <p:grpSpPr>
-        <a:xfrm>
-          <a:off x="0" y="0"/>
-          <a:ext cx="0" cy="0"/>
-          <a:chOff x="0" y="0"/>
-          <a:chExt cx="0" cy="0"/>
-        </a:xfrm>
-      </p:grpSpPr>
-      <p:sp useBgFill="1">
-        <p:nvSpPr>
-          <p:cNvPr id="21" name="Rectangle 20">
-            <a:extLst>
-              <a:ext uri="{FF2B5EF4-FFF2-40B4-BE49-F238E27FC236}">
-                <a16:creationId xmlns:a16="http://schemas.microsoft.com/office/drawing/2014/main" id="{E9FE3586-DF5D-1509-174F-75CB508CD730}"/>
-              </a:ext>
-              <a:ext uri="{C183D7F6-B498-43B3-948B-1728B52AA6E4}">
-                <adec:decorative xmlns:adec="http://schemas.microsoft.com/office/drawing/2017/decorative" val="1"/>
-              </a:ext>
-            </a:extLst>
-          </p:cNvPr>
-          <p:cNvSpPr>
-            <a:spLocks noGrp="1" noRot="1" noChangeAspect="1" noMove="1" noResize="1" noEditPoints="1" noAdjustHandles="1" noChangeArrowheads="1" noChangeShapeType="1" noTextEdit="1"/>
-          </p:cNvSpPr>
-          <p:nvPr>
-            <p:extLst>
-              <p:ext uri="{386F3935-93C4-4BCD-93E2-E3B085C9AB24}">
-                <p16:designElem xmlns:p16="http://schemas.microsoft.com/office/powerpoint/2015/main" val="1"/>
-              </p:ext>
-            </p:extLst>
-          </p:nvPr>
-        </p:nvSpPr>
-        <p:spPr>
-          <a:xfrm>
-            <a:off x="0" y="0"/>
-            <a:ext cx="12192000" cy="6858000"/>
-          </a:xfrm>
-          <a:prstGeom prst="rect">
-            <a:avLst/>
-          </a:prstGeom>
-          <a:ln>
-            <a:noFill/>
-          </a:ln>
-        </p:spPr>
-        <p:style>
-          <a:lnRef idx="2">
-            <a:schemeClr val="accent1">
-              <a:shade val="50000"/>
-            </a:schemeClr>
-          </a:lnRef>
-          <a:fillRef idx="1">
-            <a:schemeClr val="accent1"/>
-          </a:fillRef>
-          <a:effectRef idx="0">
-            <a:schemeClr val="accent1"/>
-          </a:effectRef>
-          <a:fontRef idx="minor">
-            <a:schemeClr val="lt1"/>
-          </a:fontRef>
-        </p:style>
-        <p:txBody>
-          <a:bodyPr rtlCol="0" anchor="ctr"/>
-          <a:lstStyle/>
-          <a:p>
-            <a:pPr algn="ctr"/>
-            <a:endParaRPr lang="en-US"/>
-          </a:p>
-        </p:txBody>
-      </p:sp>
-      <p:sp>
-        <p:nvSpPr>
-          <p:cNvPr id="23" name="Freeform: Shape 22">
-            <a:extLst>
-              <a:ext uri="{FF2B5EF4-FFF2-40B4-BE49-F238E27FC236}">
-                <a16:creationId xmlns:a16="http://schemas.microsoft.com/office/drawing/2014/main" id="{20752DDD-80A1-8185-F136-84C9C6024B79}"/>
-              </a:ext>
-              <a:ext uri="{C183D7F6-B498-43B3-948B-1728B52AA6E4}">
-                <adec:decorative xmlns:adec="http://schemas.microsoft.com/office/drawing/2017/decorative" val="1"/>
-              </a:ext>
-            </a:extLst>
-          </p:cNvPr>
-          <p:cNvSpPr>
-            <a:spLocks noGrp="1" noRot="1" noChangeAspect="1" noMove="1" noResize="1" noEditPoints="1" noAdjustHandles="1" noChangeArrowheads="1" noChangeShapeType="1" noTextEdit="1"/>
-          </p:cNvSpPr>
-          <p:nvPr>
-            <p:extLst>
-              <p:ext uri="{386F3935-93C4-4BCD-93E2-E3B085C9AB24}">
-                <p16:designElem xmlns:p16="http://schemas.microsoft.com/office/powerpoint/2015/main" val="1"/>
-              </p:ext>
-            </p:extLst>
-          </p:nvPr>
-        </p:nvSpPr>
-        <p:spPr>
-          <a:xfrm flipH="1">
-            <a:off x="10208496" y="0"/>
-            <a:ext cx="1983504" cy="6858000"/>
-          </a:xfrm>
-          <a:custGeom>
-            <a:avLst/>
-            <a:gdLst>
-              <a:gd name="connsiteX0" fmla="*/ 0 w 1983504"/>
-              <a:gd name="connsiteY0" fmla="*/ 0 h 6858000"/>
-              <a:gd name="connsiteX1" fmla="*/ 1376658 w 1983504"/>
-              <a:gd name="connsiteY1" fmla="*/ 0 h 6858000"/>
-              <a:gd name="connsiteX2" fmla="*/ 1690650 w 1983504"/>
-              <a:gd name="connsiteY2" fmla="*/ 110269 h 6858000"/>
-              <a:gd name="connsiteX3" fmla="*/ 1645361 w 1983504"/>
-              <a:gd name="connsiteY3" fmla="*/ 135168 h 6858000"/>
-              <a:gd name="connsiteX4" fmla="*/ 1373640 w 1983504"/>
-              <a:gd name="connsiteY4" fmla="*/ 71141 h 6858000"/>
-              <a:gd name="connsiteX5" fmla="*/ 1319295 w 1983504"/>
-              <a:gd name="connsiteY5" fmla="*/ 88927 h 6858000"/>
-              <a:gd name="connsiteX6" fmla="*/ 1346468 w 1983504"/>
-              <a:gd name="connsiteY6" fmla="*/ 163625 h 6858000"/>
-              <a:gd name="connsiteX7" fmla="*/ 1464213 w 1983504"/>
-              <a:gd name="connsiteY7" fmla="*/ 192082 h 6858000"/>
-              <a:gd name="connsiteX8" fmla="*/ 1648381 w 1983504"/>
-              <a:gd name="connsiteY8" fmla="*/ 373491 h 6858000"/>
-              <a:gd name="connsiteX9" fmla="*/ 1370620 w 1983504"/>
-              <a:gd name="connsiteY9" fmla="*/ 352148 h 6858000"/>
-              <a:gd name="connsiteX10" fmla="*/ 1322314 w 1983504"/>
-              <a:gd name="connsiteY10" fmla="*/ 394834 h 6858000"/>
-              <a:gd name="connsiteX11" fmla="*/ 1304199 w 1983504"/>
-              <a:gd name="connsiteY11" fmla="*/ 451747 h 6858000"/>
-              <a:gd name="connsiteX12" fmla="*/ 1222682 w 1983504"/>
-              <a:gd name="connsiteY12" fmla="*/ 359262 h 6858000"/>
-              <a:gd name="connsiteX13" fmla="*/ 1153242 w 1983504"/>
-              <a:gd name="connsiteY13" fmla="*/ 334364 h 6858000"/>
-              <a:gd name="connsiteX14" fmla="*/ 1132108 w 1983504"/>
-              <a:gd name="connsiteY14" fmla="*/ 416176 h 6858000"/>
-              <a:gd name="connsiteX15" fmla="*/ 1195509 w 1983504"/>
-              <a:gd name="connsiteY15" fmla="*/ 505101 h 6858000"/>
-              <a:gd name="connsiteX16" fmla="*/ 1364582 w 1983504"/>
-              <a:gd name="connsiteY16" fmla="*/ 558458 h 6858000"/>
-              <a:gd name="connsiteX17" fmla="*/ 1183434 w 1983504"/>
-              <a:gd name="connsiteY17" fmla="*/ 558458 h 6858000"/>
-              <a:gd name="connsiteX18" fmla="*/ 975114 w 1983504"/>
-              <a:gd name="connsiteY18" fmla="*/ 522887 h 6858000"/>
-              <a:gd name="connsiteX19" fmla="*/ 754716 w 1983504"/>
-              <a:gd name="connsiteY19" fmla="*/ 533558 h 6858000"/>
-              <a:gd name="connsiteX20" fmla="*/ 546395 w 1983504"/>
-              <a:gd name="connsiteY20" fmla="*/ 462417 h 6858000"/>
-              <a:gd name="connsiteX21" fmla="*/ 335056 w 1983504"/>
-              <a:gd name="connsiteY21" fmla="*/ 465975 h 6858000"/>
-              <a:gd name="connsiteX22" fmla="*/ 1270988 w 1983504"/>
-              <a:gd name="connsiteY22" fmla="*/ 910606 h 6858000"/>
-              <a:gd name="connsiteX23" fmla="*/ 1225701 w 1983504"/>
-              <a:gd name="connsiteY23" fmla="*/ 921277 h 6858000"/>
-              <a:gd name="connsiteX24" fmla="*/ 1165318 w 1983504"/>
-              <a:gd name="connsiteY24" fmla="*/ 949734 h 6858000"/>
-              <a:gd name="connsiteX25" fmla="*/ 1210606 w 1983504"/>
-              <a:gd name="connsiteY25" fmla="*/ 1006647 h 6858000"/>
-              <a:gd name="connsiteX26" fmla="*/ 1455156 w 1983504"/>
-              <a:gd name="connsiteY26" fmla="*/ 1113358 h 6858000"/>
-              <a:gd name="connsiteX27" fmla="*/ 1515538 w 1983504"/>
-              <a:gd name="connsiteY27" fmla="*/ 1220069 h 6858000"/>
-              <a:gd name="connsiteX28" fmla="*/ 1440060 w 1983504"/>
-              <a:gd name="connsiteY28" fmla="*/ 1209399 h 6858000"/>
-              <a:gd name="connsiteX29" fmla="*/ 1373640 w 1983504"/>
-              <a:gd name="connsiteY29" fmla="*/ 1230741 h 6858000"/>
-              <a:gd name="connsiteX30" fmla="*/ 1400810 w 1983504"/>
-              <a:gd name="connsiteY30" fmla="*/ 1365909 h 6858000"/>
-              <a:gd name="connsiteX31" fmla="*/ 1748012 w 1983504"/>
-              <a:gd name="connsiteY31" fmla="*/ 1540204 h 6858000"/>
-              <a:gd name="connsiteX32" fmla="*/ 1778203 w 1983504"/>
-              <a:gd name="connsiteY32" fmla="*/ 1597117 h 6858000"/>
-              <a:gd name="connsiteX33" fmla="*/ 1735936 w 1983504"/>
-              <a:gd name="connsiteY33" fmla="*/ 1636245 h 6858000"/>
-              <a:gd name="connsiteX34" fmla="*/ 1624228 w 1983504"/>
-              <a:gd name="connsiteY34" fmla="*/ 1657587 h 6858000"/>
-              <a:gd name="connsiteX35" fmla="*/ 1781223 w 1983504"/>
-              <a:gd name="connsiteY35" fmla="*/ 1849668 h 6858000"/>
-              <a:gd name="connsiteX36" fmla="*/ 1838587 w 1983504"/>
-              <a:gd name="connsiteY36" fmla="*/ 1903025 h 6858000"/>
-              <a:gd name="connsiteX37" fmla="*/ 1938218 w 1983504"/>
-              <a:gd name="connsiteY37" fmla="*/ 1984836 h 6858000"/>
-              <a:gd name="connsiteX38" fmla="*/ 1938218 w 1983504"/>
-              <a:gd name="connsiteY38" fmla="*/ 2013292 h 6858000"/>
-              <a:gd name="connsiteX39" fmla="*/ 1805376 w 1983504"/>
-              <a:gd name="connsiteY39" fmla="*/ 2102219 h 6858000"/>
-              <a:gd name="connsiteX40" fmla="*/ 1563844 w 1983504"/>
-              <a:gd name="connsiteY40" fmla="*/ 2077320 h 6858000"/>
-              <a:gd name="connsiteX41" fmla="*/ 1920104 w 1983504"/>
-              <a:gd name="connsiteY41" fmla="*/ 2208931 h 6858000"/>
-              <a:gd name="connsiteX42" fmla="*/ 766792 w 1983504"/>
-              <a:gd name="connsiteY42" fmla="*/ 1892353 h 6858000"/>
-              <a:gd name="connsiteX43" fmla="*/ 839252 w 1983504"/>
-              <a:gd name="connsiteY43" fmla="*/ 1974165 h 6858000"/>
-              <a:gd name="connsiteX44" fmla="*/ 1243816 w 1983504"/>
-              <a:gd name="connsiteY44" fmla="*/ 2191146 h 6858000"/>
-              <a:gd name="connsiteX45" fmla="*/ 1358543 w 1983504"/>
-              <a:gd name="connsiteY45" fmla="*/ 2326314 h 6858000"/>
-              <a:gd name="connsiteX46" fmla="*/ 1479310 w 1983504"/>
-              <a:gd name="connsiteY46" fmla="*/ 2401012 h 6858000"/>
-              <a:gd name="connsiteX47" fmla="*/ 1648381 w 1983504"/>
-              <a:gd name="connsiteY47" fmla="*/ 2401012 h 6858000"/>
-              <a:gd name="connsiteX48" fmla="*/ 1769146 w 1983504"/>
-              <a:gd name="connsiteY48" fmla="*/ 2518395 h 6858000"/>
-              <a:gd name="connsiteX49" fmla="*/ 1645361 w 1983504"/>
-              <a:gd name="connsiteY49" fmla="*/ 2543294 h 6858000"/>
-              <a:gd name="connsiteX50" fmla="*/ 1500444 w 1983504"/>
-              <a:gd name="connsiteY50" fmla="*/ 2525509 h 6858000"/>
-              <a:gd name="connsiteX51" fmla="*/ 1337410 w 1983504"/>
-              <a:gd name="connsiteY51" fmla="*/ 2564636 h 6858000"/>
-              <a:gd name="connsiteX52" fmla="*/ 1186452 w 1983504"/>
-              <a:gd name="connsiteY52" fmla="*/ 2532623 h 6858000"/>
-              <a:gd name="connsiteX53" fmla="*/ 1005304 w 1983504"/>
-              <a:gd name="connsiteY53" fmla="*/ 2553965 h 6858000"/>
-              <a:gd name="connsiteX54" fmla="*/ 947940 w 1983504"/>
-              <a:gd name="connsiteY54" fmla="*/ 2692689 h 6858000"/>
-              <a:gd name="connsiteX55" fmla="*/ 929826 w 1983504"/>
-              <a:gd name="connsiteY55" fmla="*/ 2703362 h 6858000"/>
-              <a:gd name="connsiteX56" fmla="*/ 594701 w 1983504"/>
-              <a:gd name="connsiteY56" fmla="*/ 2923898 h 6858000"/>
-              <a:gd name="connsiteX57" fmla="*/ 501108 w 1983504"/>
-              <a:gd name="connsiteY57" fmla="*/ 2941684 h 6858000"/>
-              <a:gd name="connsiteX58" fmla="*/ 1053610 w 1983504"/>
-              <a:gd name="connsiteY58" fmla="*/ 3329402 h 6858000"/>
-              <a:gd name="connsiteX59" fmla="*/ 682256 w 1983504"/>
-              <a:gd name="connsiteY59" fmla="*/ 3229805 h 6858000"/>
-              <a:gd name="connsiteX60" fmla="*/ 630932 w 1983504"/>
-              <a:gd name="connsiteY60" fmla="*/ 3393429 h 6858000"/>
-              <a:gd name="connsiteX61" fmla="*/ 806041 w 1983504"/>
-              <a:gd name="connsiteY61" fmla="*/ 3539269 h 6858000"/>
-              <a:gd name="connsiteX62" fmla="*/ 869444 w 1983504"/>
-              <a:gd name="connsiteY62" fmla="*/ 3827390 h 6858000"/>
-              <a:gd name="connsiteX63" fmla="*/ 839252 w 1983504"/>
-              <a:gd name="connsiteY63" fmla="*/ 4090612 h 6858000"/>
-              <a:gd name="connsiteX64" fmla="*/ 763774 w 1983504"/>
-              <a:gd name="connsiteY64" fmla="*/ 4172424 h 6858000"/>
-              <a:gd name="connsiteX65" fmla="*/ 655085 w 1983504"/>
-              <a:gd name="connsiteY65" fmla="*/ 4321821 h 6858000"/>
-              <a:gd name="connsiteX66" fmla="*/ 588662 w 1983504"/>
-              <a:gd name="connsiteY66" fmla="*/ 4414305 h 6858000"/>
-              <a:gd name="connsiteX67" fmla="*/ 356189 w 1983504"/>
-              <a:gd name="connsiteY67" fmla="*/ 4378734 h 6858000"/>
-              <a:gd name="connsiteX68" fmla="*/ 667160 w 1983504"/>
-              <a:gd name="connsiteY68" fmla="*/ 4613499 h 6858000"/>
-              <a:gd name="connsiteX69" fmla="*/ 416573 w 1983504"/>
-              <a:gd name="connsiteY69" fmla="*/ 4585042 h 6858000"/>
-              <a:gd name="connsiteX70" fmla="*/ 335056 w 1983504"/>
-              <a:gd name="connsiteY70" fmla="*/ 4602828 h 6858000"/>
-              <a:gd name="connsiteX71" fmla="*/ 380342 w 1983504"/>
-              <a:gd name="connsiteY71" fmla="*/ 4677526 h 6858000"/>
-              <a:gd name="connsiteX72" fmla="*/ 564510 w 1983504"/>
-              <a:gd name="connsiteY72" fmla="*/ 4805580 h 6858000"/>
-              <a:gd name="connsiteX73" fmla="*/ 944922 w 1983504"/>
-              <a:gd name="connsiteY73" fmla="*/ 5154171 h 6858000"/>
-              <a:gd name="connsiteX74" fmla="*/ 576586 w 1983504"/>
-              <a:gd name="connsiteY74" fmla="*/ 4994104 h 6858000"/>
-              <a:gd name="connsiteX75" fmla="*/ 963036 w 1983504"/>
-              <a:gd name="connsiteY75" fmla="*/ 5353367 h 6858000"/>
-              <a:gd name="connsiteX76" fmla="*/ 1047572 w 1983504"/>
-              <a:gd name="connsiteY76" fmla="*/ 5474306 h 6858000"/>
-              <a:gd name="connsiteX77" fmla="*/ 1222682 w 1983504"/>
-              <a:gd name="connsiteY77" fmla="*/ 5769542 h 6858000"/>
-              <a:gd name="connsiteX78" fmla="*/ 1213626 w 1983504"/>
-              <a:gd name="connsiteY78" fmla="*/ 5801555 h 6858000"/>
-              <a:gd name="connsiteX79" fmla="*/ 1014361 w 1983504"/>
-              <a:gd name="connsiteY79" fmla="*/ 5755314 h 6858000"/>
-              <a:gd name="connsiteX80" fmla="*/ 1274008 w 1983504"/>
-              <a:gd name="connsiteY80" fmla="*/ 6004307 h 6858000"/>
-              <a:gd name="connsiteX81" fmla="*/ 1542711 w 1983504"/>
-              <a:gd name="connsiteY81" fmla="*/ 6196388 h 6858000"/>
-              <a:gd name="connsiteX82" fmla="*/ 1352504 w 1983504"/>
-              <a:gd name="connsiteY82" fmla="*/ 6167932 h 6858000"/>
-              <a:gd name="connsiteX83" fmla="*/ 1089840 w 1983504"/>
-              <a:gd name="connsiteY83" fmla="*/ 6057663 h 6858000"/>
-              <a:gd name="connsiteX84" fmla="*/ 999266 w 1983504"/>
-              <a:gd name="connsiteY84" fmla="*/ 6100347 h 6858000"/>
-              <a:gd name="connsiteX85" fmla="*/ 1246836 w 1983504"/>
-              <a:gd name="connsiteY85" fmla="*/ 6281757 h 6858000"/>
-              <a:gd name="connsiteX86" fmla="*/ 1388735 w 1983504"/>
-              <a:gd name="connsiteY86" fmla="*/ 6367127 h 6858000"/>
-              <a:gd name="connsiteX87" fmla="*/ 1446099 w 1983504"/>
-              <a:gd name="connsiteY87" fmla="*/ 6431153 h 6858000"/>
-              <a:gd name="connsiteX88" fmla="*/ 1609132 w 1983504"/>
-              <a:gd name="connsiteY88" fmla="*/ 6658805 h 6858000"/>
-              <a:gd name="connsiteX89" fmla="*/ 1983504 w 1983504"/>
-              <a:gd name="connsiteY89" fmla="*/ 6858000 h 6858000"/>
-              <a:gd name="connsiteX90" fmla="*/ 0 w 1983504"/>
-              <a:gd name="connsiteY90" fmla="*/ 6858000 h 6858000"/>
-            </a:gdLst>
-            <a:ahLst/>
-            <a:cxnLst>
-              <a:cxn ang="0">
-                <a:pos x="connsiteX0" y="connsiteY0"/>
-              </a:cxn>
-              <a:cxn ang="0">
-                <a:pos x="connsiteX1" y="connsiteY1"/>
-              </a:cxn>
-              <a:cxn ang="0">
-                <a:pos x="connsiteX2" y="connsiteY2"/>
-              </a:cxn>
-              <a:cxn ang="0">
-                <a:pos x="connsiteX3" y="connsiteY3"/>
-              </a:cxn>
-              <a:cxn ang="0">
-                <a:pos x="connsiteX4" y="connsiteY4"/>
-              </a:cxn>
-              <a:cxn ang="0">
-                <a:pos x="connsiteX5" y="connsiteY5"/>
-              </a:cxn>
-              <a:cxn ang="0">
-                <a:pos x="connsiteX6" y="connsiteY6"/>
-              </a:cxn>
-              <a:cxn ang="0">
-                <a:pos x="connsiteX7" y="connsiteY7"/>
-              </a:cxn>
-              <a:cxn ang="0">
-                <a:pos x="connsiteX8" y="connsiteY8"/>
-              </a:cxn>
-              <a:cxn ang="0">
-                <a:pos x="connsiteX9" y="connsiteY9"/>
-              </a:cxn>
-              <a:cxn ang="0">
-                <a:pos x="connsiteX10" y="connsiteY10"/>
-              </a:cxn>
-              <a:cxn ang="0">
-                <a:pos x="connsiteX11" y="connsiteY11"/>
-              </a:cxn>
-              <a:cxn ang="0">
-                <a:pos x="connsiteX12" y="connsiteY12"/>
-              </a:cxn>
-              <a:cxn ang="0">
-                <a:pos x="connsiteX13" y="connsiteY13"/>
-              </a:cxn>
-              <a:cxn ang="0">
-                <a:pos x="connsiteX14" y="connsiteY14"/>
-              </a:cxn>
-              <a:cxn ang="0">
-                <a:pos x="connsiteX15" y="connsiteY15"/>
-              </a:cxn>
-              <a:cxn ang="0">
-                <a:pos x="connsiteX16" y="connsiteY16"/>
-              </a:cxn>
-              <a:cxn ang="0">
-                <a:pos x="connsiteX17" y="connsiteY17"/>
-              </a:cxn>
-              <a:cxn ang="0">
-                <a:pos x="connsiteX18" y="connsiteY18"/>
-              </a:cxn>
-              <a:cxn ang="0">
-                <a:pos x="connsiteX19" y="connsiteY19"/>
-              </a:cxn>
-              <a:cxn ang="0">
-                <a:pos x="connsiteX20" y="connsiteY20"/>
-              </a:cxn>
-              <a:cxn ang="0">
-                <a:pos x="connsiteX21" y="connsiteY21"/>
-              </a:cxn>
-              <a:cxn ang="0">
-                <a:pos x="connsiteX22" y="connsiteY22"/>
-              </a:cxn>
-              <a:cxn ang="0">
-                <a:pos x="connsiteX23" y="connsiteY23"/>
-              </a:cxn>
-              <a:cxn ang="0">
-                <a:pos x="connsiteX24" y="connsiteY24"/>
-              </a:cxn>
-              <a:cxn ang="0">
-                <a:pos x="connsiteX25" y="connsiteY25"/>
-              </a:cxn>
-              <a:cxn ang="0">
-                <a:pos x="connsiteX26" y="connsiteY26"/>
-              </a:cxn>
-              <a:cxn ang="0">
-                <a:pos x="connsiteX27" y="connsiteY27"/>
-              </a:cxn>
-              <a:cxn ang="0">
-                <a:pos x="connsiteX28" y="connsiteY28"/>
-              </a:cxn>
-              <a:cxn ang="0">
-                <a:pos x="connsiteX29" y="connsiteY29"/>
-              </a:cxn>
-              <a:cxn ang="0">
-                <a:pos x="connsiteX30" y="connsiteY30"/>
-              </a:cxn>
-              <a:cxn ang="0">
-                <a:pos x="connsiteX31" y="connsiteY31"/>
-              </a:cxn>
-              <a:cxn ang="0">
-                <a:pos x="connsiteX32" y="connsiteY32"/>
-              </a:cxn>
-              <a:cxn ang="0">
-                <a:pos x="connsiteX33" y="connsiteY33"/>
-              </a:cxn>
-              <a:cxn ang="0">
-                <a:pos x="connsiteX34" y="connsiteY34"/>
-              </a:cxn>
-              <a:cxn ang="0">
-                <a:pos x="connsiteX35" y="connsiteY35"/>
-              </a:cxn>
-              <a:cxn ang="0">
-                <a:pos x="connsiteX36" y="connsiteY36"/>
-              </a:cxn>
-              <a:cxn ang="0">
-                <a:pos x="connsiteX37" y="connsiteY37"/>
-              </a:cxn>
-              <a:cxn ang="0">
-                <a:pos x="connsiteX38" y="connsiteY38"/>
-              </a:cxn>
-              <a:cxn ang="0">
-                <a:pos x="connsiteX39" y="connsiteY39"/>
-              </a:cxn>
-              <a:cxn ang="0">
-                <a:pos x="connsiteX40" y="connsiteY40"/>
-              </a:cxn>
-              <a:cxn ang="0">
-                <a:pos x="connsiteX41" y="connsiteY41"/>
-              </a:cxn>
-              <a:cxn ang="0">
-                <a:pos x="connsiteX42" y="connsiteY42"/>
-              </a:cxn>
-              <a:cxn ang="0">
-                <a:pos x="connsiteX43" y="connsiteY43"/>
-              </a:cxn>
-              <a:cxn ang="0">
-                <a:pos x="connsiteX44" y="connsiteY44"/>
-              </a:cxn>
-              <a:cxn ang="0">
-                <a:pos x="connsiteX45" y="connsiteY45"/>
-              </a:cxn>
-              <a:cxn ang="0">
-                <a:pos x="connsiteX46" y="connsiteY46"/>
-              </a:cxn>
-              <a:cxn ang="0">
-                <a:pos x="connsiteX47" y="connsiteY47"/>
-              </a:cxn>
-              <a:cxn ang="0">
-                <a:pos x="connsiteX48" y="connsiteY48"/>
-              </a:cxn>
-              <a:cxn ang="0">
-                <a:pos x="connsiteX49" y="connsiteY49"/>
-              </a:cxn>
-              <a:cxn ang="0">
-                <a:pos x="connsiteX50" y="connsiteY50"/>
-              </a:cxn>
-              <a:cxn ang="0">
-                <a:pos x="connsiteX51" y="connsiteY51"/>
-              </a:cxn>
-              <a:cxn ang="0">
-                <a:pos x="connsiteX52" y="connsiteY52"/>
-              </a:cxn>
-              <a:cxn ang="0">
-                <a:pos x="connsiteX53" y="connsiteY53"/>
-              </a:cxn>
-              <a:cxn ang="0">
-                <a:pos x="connsiteX54" y="connsiteY54"/>
-              </a:cxn>
-              <a:cxn ang="0">
-                <a:pos x="connsiteX55" y="connsiteY55"/>
-              </a:cxn>
-              <a:cxn ang="0">
-                <a:pos x="connsiteX56" y="connsiteY56"/>
-              </a:cxn>
-              <a:cxn ang="0">
-                <a:pos x="connsiteX57" y="connsiteY57"/>
-              </a:cxn>
-              <a:cxn ang="0">
-                <a:pos x="connsiteX58" y="connsiteY58"/>
-              </a:cxn>
-              <a:cxn ang="0">
-                <a:pos x="connsiteX59" y="connsiteY59"/>
-              </a:cxn>
-              <a:cxn ang="0">
-                <a:pos x="connsiteX60" y="connsiteY60"/>
-              </a:cxn>
-              <a:cxn ang="0">
-                <a:pos x="connsiteX61" y="connsiteY61"/>
-              </a:cxn>
-              <a:cxn ang="0">
-                <a:pos x="connsiteX62" y="connsiteY62"/>
-              </a:cxn>
-              <a:cxn ang="0">
-                <a:pos x="connsiteX63" y="connsiteY63"/>
-              </a:cxn>
-              <a:cxn ang="0">
-                <a:pos x="connsiteX64" y="connsiteY64"/>
-              </a:cxn>
-              <a:cxn ang="0">
-                <a:pos x="connsiteX65" y="connsiteY65"/>
-              </a:cxn>
-              <a:cxn ang="0">
-                <a:pos x="connsiteX66" y="connsiteY66"/>
-              </a:cxn>
-              <a:cxn ang="0">
-                <a:pos x="connsiteX67" y="connsiteY67"/>
-              </a:cxn>
-              <a:cxn ang="0">
-                <a:pos x="connsiteX68" y="connsiteY68"/>
-              </a:cxn>
-              <a:cxn ang="0">
-                <a:pos x="connsiteX69" y="connsiteY69"/>
-              </a:cxn>
-              <a:cxn ang="0">
-                <a:pos x="connsiteX70" y="connsiteY70"/>
-              </a:cxn>
-              <a:cxn ang="0">
-                <a:pos x="connsiteX71" y="connsiteY71"/>
-              </a:cxn>
-              <a:cxn ang="0">
-                <a:pos x="connsiteX72" y="connsiteY72"/>
-              </a:cxn>
-              <a:cxn ang="0">
-                <a:pos x="connsiteX73" y="connsiteY73"/>
-              </a:cxn>
-              <a:cxn ang="0">
-                <a:pos x="connsiteX74" y="connsiteY74"/>
-              </a:cxn>
-              <a:cxn ang="0">
-                <a:pos x="connsiteX75" y="connsiteY75"/>
-              </a:cxn>
-              <a:cxn ang="0">
-                <a:pos x="connsiteX76" y="connsiteY76"/>
-              </a:cxn>
-              <a:cxn ang="0">
-                <a:pos x="connsiteX77" y="connsiteY77"/>
-              </a:cxn>
-              <a:cxn ang="0">
-                <a:pos x="connsiteX78" y="connsiteY78"/>
-              </a:cxn>
-              <a:cxn ang="0">
-                <a:pos x="connsiteX79" y="connsiteY79"/>
-              </a:cxn>
-              <a:cxn ang="0">
-                <a:pos x="connsiteX80" y="connsiteY80"/>
-              </a:cxn>
-              <a:cxn ang="0">
-                <a:pos x="connsiteX81" y="connsiteY81"/>
-              </a:cxn>
-              <a:cxn ang="0">
-                <a:pos x="connsiteX82" y="connsiteY82"/>
-              </a:cxn>
-              <a:cxn ang="0">
-                <a:pos x="connsiteX83" y="connsiteY83"/>
-              </a:cxn>
-              <a:cxn ang="0">
-                <a:pos x="connsiteX84" y="connsiteY84"/>
-              </a:cxn>
-              <a:cxn ang="0">
-                <a:pos x="connsiteX85" y="connsiteY85"/>
-              </a:cxn>
-              <a:cxn ang="0">
-                <a:pos x="connsiteX86" y="connsiteY86"/>
-              </a:cxn>
-              <a:cxn ang="0">
-                <a:pos x="connsiteX87" y="connsiteY87"/>
-              </a:cxn>
-              <a:cxn ang="0">
-                <a:pos x="connsiteX88" y="connsiteY88"/>
-              </a:cxn>
-              <a:cxn ang="0">
-                <a:pos x="connsiteX89" y="connsiteY89"/>
-              </a:cxn>
-              <a:cxn ang="0">
-                <a:pos x="connsiteX90" y="connsiteY90"/>
-              </a:cxn>
-            </a:cxnLst>
-            <a:rect l="l" t="t" r="r" b="b"/>
-            <a:pathLst>
-              <a:path w="1983504" h="6858000">
-                <a:moveTo>
-                  <a:pt x="0" y="0"/>
-                </a:moveTo>
-                <a:lnTo>
-                  <a:pt x="1376658" y="0"/>
-                </a:lnTo>
-                <a:cubicBezTo>
-                  <a:pt x="1482328" y="35571"/>
-                  <a:pt x="1584980" y="78255"/>
-                  <a:pt x="1690650" y="110269"/>
-                </a:cubicBezTo>
-                <a:cubicBezTo>
-                  <a:pt x="1675553" y="145839"/>
-                  <a:pt x="1660458" y="138725"/>
-                  <a:pt x="1645361" y="135168"/>
-                </a:cubicBezTo>
-                <a:cubicBezTo>
-                  <a:pt x="1554788" y="120941"/>
-                  <a:pt x="1461194" y="110269"/>
-                  <a:pt x="1373640" y="71141"/>
-                </a:cubicBezTo>
-                <a:cubicBezTo>
-                  <a:pt x="1352504" y="64027"/>
-                  <a:pt x="1328352" y="64027"/>
-                  <a:pt x="1319295" y="88927"/>
-                </a:cubicBezTo>
-                <a:cubicBezTo>
-                  <a:pt x="1304199" y="124497"/>
-                  <a:pt x="1325332" y="145839"/>
-                  <a:pt x="1346468" y="163625"/>
-                </a:cubicBezTo>
-                <a:cubicBezTo>
-                  <a:pt x="1382696" y="195638"/>
-                  <a:pt x="1424964" y="188525"/>
-                  <a:pt x="1464213" y="192082"/>
-                </a:cubicBezTo>
-                <a:cubicBezTo>
-                  <a:pt x="1572902" y="209867"/>
-                  <a:pt x="1624228" y="259665"/>
-                  <a:pt x="1648381" y="373491"/>
-                </a:cubicBezTo>
-                <a:cubicBezTo>
-                  <a:pt x="1554788" y="327250"/>
-                  <a:pt x="1461194" y="384162"/>
-                  <a:pt x="1370620" y="352148"/>
-                </a:cubicBezTo>
-                <a:cubicBezTo>
-                  <a:pt x="1346468" y="345034"/>
-                  <a:pt x="1310237" y="355706"/>
-                  <a:pt x="1322314" y="394834"/>
-                </a:cubicBezTo>
-                <a:cubicBezTo>
-                  <a:pt x="1334390" y="430405"/>
-                  <a:pt x="1373640" y="458860"/>
-                  <a:pt x="1304199" y="451747"/>
-                </a:cubicBezTo>
-                <a:cubicBezTo>
-                  <a:pt x="1252873" y="448189"/>
-                  <a:pt x="1237778" y="405504"/>
-                  <a:pt x="1222682" y="359262"/>
-                </a:cubicBezTo>
-                <a:cubicBezTo>
-                  <a:pt x="1210606" y="334364"/>
-                  <a:pt x="1177395" y="320135"/>
-                  <a:pt x="1153242" y="334364"/>
-                </a:cubicBezTo>
-                <a:cubicBezTo>
-                  <a:pt x="1123051" y="348592"/>
-                  <a:pt x="1132108" y="387720"/>
-                  <a:pt x="1132108" y="416176"/>
-                </a:cubicBezTo>
-                <a:cubicBezTo>
-                  <a:pt x="1129088" y="469532"/>
-                  <a:pt x="1153242" y="494431"/>
-                  <a:pt x="1195509" y="505101"/>
-                </a:cubicBezTo>
-                <a:cubicBezTo>
-                  <a:pt x="1246836" y="519330"/>
-                  <a:pt x="1298160" y="537116"/>
-                  <a:pt x="1364582" y="558458"/>
-                </a:cubicBezTo>
-                <a:cubicBezTo>
-                  <a:pt x="1292122" y="594028"/>
-                  <a:pt x="1237778" y="586915"/>
-                  <a:pt x="1183434" y="558458"/>
-                </a:cubicBezTo>
-                <a:cubicBezTo>
-                  <a:pt x="1117012" y="526444"/>
-                  <a:pt x="1029458" y="483759"/>
-                  <a:pt x="975114" y="522887"/>
-                </a:cubicBezTo>
-                <a:cubicBezTo>
-                  <a:pt x="893597" y="579800"/>
-                  <a:pt x="827176" y="544229"/>
-                  <a:pt x="754716" y="533558"/>
-                </a:cubicBezTo>
-                <a:cubicBezTo>
-                  <a:pt x="603758" y="512216"/>
-                  <a:pt x="697352" y="480203"/>
-                  <a:pt x="546395" y="462417"/>
-                </a:cubicBezTo>
-                <a:cubicBezTo>
-                  <a:pt x="486012" y="455303"/>
-                  <a:pt x="422610" y="426847"/>
-                  <a:pt x="335056" y="465975"/>
-                </a:cubicBezTo>
-                <a:cubicBezTo>
-                  <a:pt x="730563" y="672284"/>
-                  <a:pt x="917750" y="658055"/>
-                  <a:pt x="1270988" y="910606"/>
-                </a:cubicBezTo>
-                <a:cubicBezTo>
-                  <a:pt x="1255893" y="935506"/>
-                  <a:pt x="1240798" y="924835"/>
-                  <a:pt x="1225701" y="921277"/>
-                </a:cubicBezTo>
-                <a:cubicBezTo>
-                  <a:pt x="1201548" y="917720"/>
-                  <a:pt x="1171356" y="903491"/>
-                  <a:pt x="1165318" y="949734"/>
-                </a:cubicBezTo>
-                <a:cubicBezTo>
-                  <a:pt x="1162298" y="985305"/>
-                  <a:pt x="1180415" y="1003089"/>
-                  <a:pt x="1210606" y="1006647"/>
-                </a:cubicBezTo>
-                <a:cubicBezTo>
-                  <a:pt x="1298160" y="1020875"/>
-                  <a:pt x="1376658" y="1070674"/>
-                  <a:pt x="1455156" y="1113358"/>
-                </a:cubicBezTo>
-                <a:cubicBezTo>
-                  <a:pt x="1491385" y="1131144"/>
-                  <a:pt x="1530634" y="1156043"/>
-                  <a:pt x="1515538" y="1220069"/>
-                </a:cubicBezTo>
-                <a:cubicBezTo>
-                  <a:pt x="1485348" y="1237855"/>
-                  <a:pt x="1464213" y="1212955"/>
-                  <a:pt x="1440060" y="1209399"/>
-                </a:cubicBezTo>
-                <a:cubicBezTo>
-                  <a:pt x="1415907" y="1205842"/>
-                  <a:pt x="1358543" y="1220069"/>
-                  <a:pt x="1373640" y="1230741"/>
-                </a:cubicBezTo>
-                <a:cubicBezTo>
-                  <a:pt x="1443080" y="1269868"/>
-                  <a:pt x="1316276" y="1365909"/>
-                  <a:pt x="1400810" y="1365909"/>
-                </a:cubicBezTo>
-                <a:cubicBezTo>
-                  <a:pt x="1539691" y="1365909"/>
-                  <a:pt x="1615170" y="1536647"/>
-                  <a:pt x="1748012" y="1540204"/>
-                </a:cubicBezTo>
-                <a:cubicBezTo>
-                  <a:pt x="1769146" y="1540204"/>
-                  <a:pt x="1778203" y="1572219"/>
-                  <a:pt x="1778203" y="1597117"/>
-                </a:cubicBezTo>
-                <a:cubicBezTo>
-                  <a:pt x="1778203" y="1629132"/>
-                  <a:pt x="1757070" y="1632688"/>
-                  <a:pt x="1735936" y="1636245"/>
-                </a:cubicBezTo>
-                <a:cubicBezTo>
-                  <a:pt x="1702725" y="1639802"/>
-                  <a:pt x="1666496" y="1597117"/>
-                  <a:pt x="1624228" y="1657587"/>
-                </a:cubicBezTo>
-                <a:cubicBezTo>
-                  <a:pt x="1702725" y="1693158"/>
-                  <a:pt x="1784242" y="1728729"/>
-                  <a:pt x="1781223" y="1849668"/>
-                </a:cubicBezTo>
-                <a:cubicBezTo>
-                  <a:pt x="1781223" y="1881683"/>
-                  <a:pt x="1814434" y="1895910"/>
-                  <a:pt x="1838587" y="1903025"/>
-                </a:cubicBezTo>
-                <a:cubicBezTo>
-                  <a:pt x="1880854" y="1917252"/>
-                  <a:pt x="1914065" y="1938595"/>
-                  <a:pt x="1938218" y="1984836"/>
-                </a:cubicBezTo>
-                <a:cubicBezTo>
-                  <a:pt x="1938218" y="1995507"/>
-                  <a:pt x="1938218" y="2002622"/>
-                  <a:pt x="1938218" y="2013292"/>
-                </a:cubicBezTo>
-                <a:cubicBezTo>
-                  <a:pt x="1932180" y="2123562"/>
-                  <a:pt x="1871798" y="2120004"/>
-                  <a:pt x="1805376" y="2102219"/>
-                </a:cubicBezTo>
-                <a:cubicBezTo>
-                  <a:pt x="1726878" y="2080877"/>
-                  <a:pt x="1648381" y="2038192"/>
-                  <a:pt x="1563844" y="2077320"/>
-                </a:cubicBezTo>
-                <a:cubicBezTo>
-                  <a:pt x="1681592" y="2130676"/>
-                  <a:pt x="1811414" y="2134233"/>
-                  <a:pt x="1920104" y="2208931"/>
-                </a:cubicBezTo>
-                <a:cubicBezTo>
-                  <a:pt x="1515538" y="2223159"/>
-                  <a:pt x="1159280" y="1984836"/>
-                  <a:pt x="766792" y="1892353"/>
-                </a:cubicBezTo>
-                <a:cubicBezTo>
-                  <a:pt x="778869" y="1952823"/>
-                  <a:pt x="812080" y="1967051"/>
-                  <a:pt x="839252" y="1974165"/>
-                </a:cubicBezTo>
-                <a:cubicBezTo>
-                  <a:pt x="984170" y="2020407"/>
-                  <a:pt x="1110974" y="2112891"/>
-                  <a:pt x="1243816" y="2191146"/>
-                </a:cubicBezTo>
-                <a:cubicBezTo>
-                  <a:pt x="1298160" y="2223159"/>
-                  <a:pt x="1337410" y="2258731"/>
-                  <a:pt x="1358543" y="2326314"/>
-                </a:cubicBezTo>
-                <a:cubicBezTo>
-                  <a:pt x="1376658" y="2390340"/>
-                  <a:pt x="1412888" y="2418796"/>
-                  <a:pt x="1479310" y="2401012"/>
-                </a:cubicBezTo>
-                <a:cubicBezTo>
-                  <a:pt x="1533654" y="2386784"/>
-                  <a:pt x="1591018" y="2393898"/>
-                  <a:pt x="1648381" y="2401012"/>
-                </a:cubicBezTo>
-                <a:cubicBezTo>
-                  <a:pt x="1711782" y="2408126"/>
-                  <a:pt x="1784242" y="2479267"/>
-                  <a:pt x="1769146" y="2518395"/>
-                </a:cubicBezTo>
-                <a:cubicBezTo>
-                  <a:pt x="1738956" y="2582422"/>
-                  <a:pt x="1687630" y="2550408"/>
-                  <a:pt x="1645361" y="2543294"/>
-                </a:cubicBezTo>
-                <a:cubicBezTo>
-                  <a:pt x="1594036" y="2536181"/>
-                  <a:pt x="1500444" y="2518395"/>
-                  <a:pt x="1500444" y="2525509"/>
-                </a:cubicBezTo>
-                <a:cubicBezTo>
-                  <a:pt x="1467232" y="2685576"/>
-                  <a:pt x="1391754" y="2564636"/>
-                  <a:pt x="1337410" y="2564636"/>
-                </a:cubicBezTo>
-                <a:cubicBezTo>
-                  <a:pt x="1286084" y="2564636"/>
-                  <a:pt x="1234759" y="2546851"/>
-                  <a:pt x="1186452" y="2532623"/>
-                </a:cubicBezTo>
-                <a:cubicBezTo>
-                  <a:pt x="1123051" y="2514837"/>
-                  <a:pt x="1065688" y="2546851"/>
-                  <a:pt x="1005304" y="2553965"/>
-                </a:cubicBezTo>
-                <a:cubicBezTo>
-                  <a:pt x="950960" y="2561080"/>
-                  <a:pt x="981150" y="2653563"/>
-                  <a:pt x="947940" y="2692689"/>
-                </a:cubicBezTo>
-                <a:cubicBezTo>
-                  <a:pt x="941903" y="2703362"/>
-                  <a:pt x="935864" y="2703362"/>
-                  <a:pt x="929826" y="2703362"/>
-                </a:cubicBezTo>
-                <a:cubicBezTo>
-                  <a:pt x="911711" y="2980812"/>
-                  <a:pt x="594701" y="2913227"/>
-                  <a:pt x="594701" y="2923898"/>
-                </a:cubicBezTo>
-                <a:cubicBezTo>
-                  <a:pt x="567529" y="2941684"/>
-                  <a:pt x="534318" y="2899000"/>
-                  <a:pt x="501108" y="2941684"/>
-                </a:cubicBezTo>
-                <a:cubicBezTo>
-                  <a:pt x="643007" y="3137322"/>
-                  <a:pt x="860386" y="3183563"/>
-                  <a:pt x="1053610" y="3329402"/>
-                </a:cubicBezTo>
-                <a:cubicBezTo>
-                  <a:pt x="893597" y="3379202"/>
-                  <a:pt x="800002" y="3208463"/>
-                  <a:pt x="682256" y="3229805"/>
-                </a:cubicBezTo>
-                <a:cubicBezTo>
-                  <a:pt x="624893" y="3283162"/>
-                  <a:pt x="796984" y="3368530"/>
-                  <a:pt x="630932" y="3393429"/>
-                </a:cubicBezTo>
-                <a:cubicBezTo>
-                  <a:pt x="703390" y="3439672"/>
-                  <a:pt x="754716" y="3485914"/>
-                  <a:pt x="806041" y="3539269"/>
-                </a:cubicBezTo>
-                <a:cubicBezTo>
-                  <a:pt x="893597" y="3635309"/>
-                  <a:pt x="911711" y="3699337"/>
-                  <a:pt x="869444" y="3827390"/>
-                </a:cubicBezTo>
-                <a:cubicBezTo>
-                  <a:pt x="842270" y="3912759"/>
-                  <a:pt x="803022" y="3991015"/>
-                  <a:pt x="839252" y="4090612"/>
-                </a:cubicBezTo>
-                <a:cubicBezTo>
-                  <a:pt x="863405" y="4158196"/>
-                  <a:pt x="854347" y="4204438"/>
-                  <a:pt x="763774" y="4172424"/>
-                </a:cubicBezTo>
-                <a:cubicBezTo>
-                  <a:pt x="667160" y="4140411"/>
-                  <a:pt x="630932" y="4200882"/>
-                  <a:pt x="655085" y="4321821"/>
-                </a:cubicBezTo>
-                <a:cubicBezTo>
-                  <a:pt x="670179" y="4400076"/>
-                  <a:pt x="655085" y="4424975"/>
-                  <a:pt x="588662" y="4414305"/>
-                </a:cubicBezTo>
-                <a:cubicBezTo>
-                  <a:pt x="516204" y="4403633"/>
-                  <a:pt x="446764" y="4353835"/>
-                  <a:pt x="356189" y="4378734"/>
-                </a:cubicBezTo>
-                <a:cubicBezTo>
-                  <a:pt x="428648" y="4521016"/>
-                  <a:pt x="582626" y="4478331"/>
-                  <a:pt x="667160" y="4613499"/>
-                </a:cubicBezTo>
-                <a:cubicBezTo>
-                  <a:pt x="567529" y="4613499"/>
-                  <a:pt x="489031" y="4613499"/>
-                  <a:pt x="416573" y="4585042"/>
-                </a:cubicBezTo>
-                <a:cubicBezTo>
-                  <a:pt x="386381" y="4574373"/>
-                  <a:pt x="353170" y="4560144"/>
-                  <a:pt x="335056" y="4602828"/>
-                </a:cubicBezTo>
-                <a:cubicBezTo>
-                  <a:pt x="313920" y="4652628"/>
-                  <a:pt x="356189" y="4670412"/>
-                  <a:pt x="380342" y="4677526"/>
-                </a:cubicBezTo>
-                <a:cubicBezTo>
-                  <a:pt x="449784" y="4702425"/>
-                  <a:pt x="504126" y="4759339"/>
-                  <a:pt x="564510" y="4805580"/>
-                </a:cubicBezTo>
-                <a:cubicBezTo>
-                  <a:pt x="694332" y="4905177"/>
-                  <a:pt x="836233" y="4990547"/>
-                  <a:pt x="944922" y="5154171"/>
-                </a:cubicBezTo>
-                <a:cubicBezTo>
-                  <a:pt x="809060" y="5111487"/>
-                  <a:pt x="706410" y="5011889"/>
-                  <a:pt x="576586" y="4994104"/>
-                </a:cubicBezTo>
-                <a:cubicBezTo>
-                  <a:pt x="688296" y="5143500"/>
-                  <a:pt x="830194" y="5243097"/>
-                  <a:pt x="963036" y="5353367"/>
-                </a:cubicBezTo>
-                <a:cubicBezTo>
-                  <a:pt x="1002286" y="5385379"/>
-                  <a:pt x="1041534" y="5406721"/>
-                  <a:pt x="1047572" y="5474306"/>
-                </a:cubicBezTo>
-                <a:cubicBezTo>
-                  <a:pt x="1065688" y="5605917"/>
-                  <a:pt x="1113992" y="5712629"/>
-                  <a:pt x="1222682" y="5769542"/>
-                </a:cubicBezTo>
-                <a:cubicBezTo>
-                  <a:pt x="1222682" y="5769542"/>
-                  <a:pt x="1216644" y="5790884"/>
-                  <a:pt x="1213626" y="5801555"/>
-                </a:cubicBezTo>
-                <a:cubicBezTo>
-                  <a:pt x="1147203" y="5805112"/>
-                  <a:pt x="1095878" y="5726858"/>
-                  <a:pt x="1014361" y="5755314"/>
-                </a:cubicBezTo>
-                <a:cubicBezTo>
-                  <a:pt x="1095878" y="5862025"/>
-                  <a:pt x="1162298" y="5954508"/>
-                  <a:pt x="1274008" y="6004307"/>
-                </a:cubicBezTo>
-                <a:cubicBezTo>
-                  <a:pt x="1364582" y="6043434"/>
-                  <a:pt x="1476290" y="6068335"/>
-                  <a:pt x="1542711" y="6196388"/>
-                </a:cubicBezTo>
-                <a:cubicBezTo>
-                  <a:pt x="1467232" y="6221287"/>
-                  <a:pt x="1409868" y="6189274"/>
-                  <a:pt x="1352504" y="6167932"/>
-                </a:cubicBezTo>
-                <a:cubicBezTo>
-                  <a:pt x="1264950" y="6132361"/>
-                  <a:pt x="1177395" y="6093234"/>
-                  <a:pt x="1089840" y="6057663"/>
-                </a:cubicBezTo>
-                <a:cubicBezTo>
-                  <a:pt x="1056628" y="6043434"/>
-                  <a:pt x="1020400" y="6036320"/>
-                  <a:pt x="999266" y="6100347"/>
-                </a:cubicBezTo>
-                <a:cubicBezTo>
-                  <a:pt x="1110974" y="6114575"/>
-                  <a:pt x="1177395" y="6199945"/>
-                  <a:pt x="1246836" y="6281757"/>
-                </a:cubicBezTo>
-                <a:cubicBezTo>
-                  <a:pt x="1286084" y="6327999"/>
-                  <a:pt x="1319295" y="6388469"/>
-                  <a:pt x="1388735" y="6367127"/>
-                </a:cubicBezTo>
-                <a:cubicBezTo>
-                  <a:pt x="1424964" y="6356456"/>
-                  <a:pt x="1449118" y="6388469"/>
-                  <a:pt x="1446099" y="6431153"/>
-                </a:cubicBezTo>
-                <a:cubicBezTo>
-                  <a:pt x="1431002" y="6580550"/>
-                  <a:pt x="1518558" y="6630349"/>
-                  <a:pt x="1609132" y="6658805"/>
-                </a:cubicBezTo>
-                <a:cubicBezTo>
-                  <a:pt x="1741974" y="6701489"/>
-                  <a:pt x="1859720" y="6786859"/>
-                  <a:pt x="1983504" y="6858000"/>
-                </a:cubicBezTo>
-                <a:lnTo>
-                  <a:pt x="0" y="6858000"/>
-                </a:lnTo>
-                <a:close/>
-              </a:path>
-            </a:pathLst>
-          </a:custGeom>
-          <a:solidFill>
-            <a:schemeClr val="bg2">
-              <a:alpha val="50000"/>
-            </a:schemeClr>
-          </a:solidFill>
-          <a:ln w="32707" cap="flat">
-            <a:noFill/>
-            <a:prstDash val="solid"/>
-            <a:miter/>
-          </a:ln>
-        </p:spPr>
-        <p:txBody>
-          <a:bodyPr wrap="square" rtlCol="0" anchor="ctr">
-            <a:noAutofit/>
-          </a:bodyPr>
-          <a:lstStyle/>
-          <a:p>
-            <a:pPr algn="ctr"/>
-            <a:endParaRPr lang="en-US"/>
-          </a:p>
-        </p:txBody>
-      </p:sp>
-      <p:pic>
-        <p:nvPicPr>
-          <p:cNvPr id="18" name="Picture 17">
-            <a:extLst>
-              <a:ext uri="{FF2B5EF4-FFF2-40B4-BE49-F238E27FC236}">
-                <a16:creationId xmlns:a16="http://schemas.microsoft.com/office/drawing/2014/main" id="{C17191BF-9C61-9958-601A-4EE26809ABB6}"/>
-              </a:ext>
-            </a:extLst>
-          </p:cNvPr>
-          <p:cNvPicPr>
-            <a:picLocks noChangeAspect="1"/>
-          </p:cNvPicPr>
-          <p:nvPr/>
-        </p:nvPicPr>
-        <p:blipFill>
-          <a:blip r:embed="rId3"/>
-          <a:stretch>
-            <a:fillRect/>
-          </a:stretch>
-        </p:blipFill>
-        <p:spPr>
-          <a:xfrm>
-            <a:off x="9526752" y="306900"/>
-            <a:ext cx="2413124" cy="673135"/>
-          </a:xfrm>
-          <a:prstGeom prst="rect">
-            <a:avLst/>
-          </a:prstGeom>
-        </p:spPr>
-      </p:pic>
-      <p:sp>
-        <p:nvSpPr>
-          <p:cNvPr id="20" name="TextBox 19">
-            <a:extLst>
-              <a:ext uri="{FF2B5EF4-FFF2-40B4-BE49-F238E27FC236}">
-                <a16:creationId xmlns:a16="http://schemas.microsoft.com/office/drawing/2014/main" id="{72CF27BA-4084-9D75-456B-50307E3DF8CC}"/>
-              </a:ext>
-            </a:extLst>
-          </p:cNvPr>
-          <p:cNvSpPr txBox="1"/>
-          <p:nvPr/>
-        </p:nvSpPr>
-        <p:spPr>
-          <a:xfrm>
-            <a:off x="1200568" y="643467"/>
-            <a:ext cx="9532746" cy="830997"/>
-          </a:xfrm>
-          <a:prstGeom prst="rect">
-            <a:avLst/>
-          </a:prstGeom>
-          <a:noFill/>
-        </p:spPr>
-        <p:txBody>
-          <a:bodyPr wrap="square">
-            <a:spAutoFit/>
-          </a:bodyPr>
-          <a:lstStyle/>
-          <a:p>
-            <a:r>
-              <a:rPr lang="en-US" sz="2800" b="1" dirty="0">
-                <a:latin typeface="Times New Roman" panose="02020603050405020304" pitchFamily="18" charset="0"/>
-                <a:cs typeface="Times New Roman" panose="02020603050405020304" pitchFamily="18" charset="0"/>
-              </a:rPr>
-              <a:t>Employment Rate Across Programs</a:t>
-            </a:r>
-            <a:endParaRPr lang="en-US" sz="2800" dirty="0">
-              <a:latin typeface="Times New Roman" panose="02020603050405020304" pitchFamily="18" charset="0"/>
-              <a:cs typeface="Times New Roman" panose="02020603050405020304" pitchFamily="18" charset="0"/>
-            </a:endParaRPr>
-          </a:p>
-          <a:p>
-            <a:r>
-              <a:rPr lang="en-US" sz="2000" dirty="0">
-                <a:latin typeface="Times New Roman" panose="02020603050405020304" pitchFamily="18" charset="0"/>
-                <a:cs typeface="Times New Roman" panose="02020603050405020304" pitchFamily="18" charset="0"/>
-              </a:rPr>
-              <a:t>________________________________________</a:t>
-            </a:r>
-          </a:p>
-        </p:txBody>
-      </p:sp>
-      <p:sp>
-        <p:nvSpPr>
-          <p:cNvPr id="2" name="Slide Number Placeholder 1">
-            <a:extLst>
-              <a:ext uri="{FF2B5EF4-FFF2-40B4-BE49-F238E27FC236}">
-                <a16:creationId xmlns:a16="http://schemas.microsoft.com/office/drawing/2014/main" id="{AF67C83C-6BF6-04FD-C44A-F9FB2FA36016}"/>
-              </a:ext>
-            </a:extLst>
-          </p:cNvPr>
-          <p:cNvSpPr>
-            <a:spLocks noGrp="1"/>
-          </p:cNvSpPr>
-          <p:nvPr>
-            <p:ph type="sldNum" sz="quarter" idx="12"/>
-          </p:nvPr>
-        </p:nvSpPr>
-        <p:spPr/>
-        <p:txBody>
-          <a:bodyPr/>
-          <a:lstStyle/>
-          <a:p>
-            <a:fld id="{0E09FCB3-37CC-4DC3-9641-7B88AD2FD4DA}" type="slidenum">
-              <a:rPr lang="en-US" smtClean="0"/>
-              <a:t>13</a:t>
-            </a:fld>
-            <a:endParaRPr lang="en-US"/>
-          </a:p>
-        </p:txBody>
-      </p:sp>
-      <p:pic>
-        <p:nvPicPr>
-          <p:cNvPr id="5" name="Picture 4">
-            <a:extLst>
-              <a:ext uri="{FF2B5EF4-FFF2-40B4-BE49-F238E27FC236}">
-                <a16:creationId xmlns:a16="http://schemas.microsoft.com/office/drawing/2014/main" id="{3C2B8F73-1F56-E545-B109-E7DE8E619F78}"/>
-              </a:ext>
-            </a:extLst>
-          </p:cNvPr>
-          <p:cNvPicPr>
-            <a:picLocks noChangeAspect="1"/>
-          </p:cNvPicPr>
-          <p:nvPr/>
-        </p:nvPicPr>
-        <p:blipFill>
-          <a:blip r:embed="rId4"/>
-          <a:stretch>
-            <a:fillRect/>
-          </a:stretch>
-        </p:blipFill>
-        <p:spPr>
-          <a:xfrm>
-            <a:off x="1278355" y="1535679"/>
-            <a:ext cx="7888347" cy="4759456"/>
-          </a:xfrm>
-          <a:prstGeom prst="rect">
-            <a:avLst/>
-          </a:prstGeom>
-        </p:spPr>
-      </p:pic>
-    </p:spTree>
-    <p:extLst>
-      <p:ext uri="{BB962C8B-B14F-4D97-AF65-F5344CB8AC3E}">
-        <p14:creationId xmlns:p14="http://schemas.microsoft.com/office/powerpoint/2010/main" val="192227349"/>
       </p:ext>
     </p:extLst>
   </p:cSld>
@@ -18862,26 +18862,11 @@
                 <a:latin typeface="Times New Roman" panose="02020603050405020304" pitchFamily="18" charset="0"/>
                 <a:cs typeface="Times New Roman" panose="02020603050405020304" pitchFamily="18" charset="0"/>
               </a:rPr>
-              <a:t>Download the </a:t>
-            </a:r>
-            <a:r>
-              <a:rPr lang="en-US" sz="2000" b="1" dirty="0">
-                <a:latin typeface="Times New Roman" panose="02020603050405020304" pitchFamily="18" charset="0"/>
-                <a:cs typeface="Times New Roman" panose="02020603050405020304" pitchFamily="18" charset="0"/>
-                <a:hlinkClick r:id="rId4" action="ppaction://hlinkfile"/>
-              </a:rPr>
-              <a:t>Report</a:t>
-            </a:r>
-            <a:r>
-              <a:rPr lang="en-US" sz="2000" b="1" dirty="0">
-                <a:latin typeface="Times New Roman" panose="02020603050405020304" pitchFamily="18" charset="0"/>
-                <a:cs typeface="Times New Roman" panose="02020603050405020304" pitchFamily="18" charset="0"/>
-              </a:rPr>
-              <a:t> </a:t>
-            </a:r>
-          </a:p>
-          <a:p>
-            <a:pPr>
+              <a:t>Download the Report </a:t>
+            </a:r>
+          </a:p>
+          <a:p>
+            <a:pPr lvl="1">
               <a:lnSpc>
                 <a:spcPct val="150000"/>
               </a:lnSpc>
@@ -18895,7 +18880,7 @@
             </a:r>
           </a:p>
           <a:p>
-            <a:pPr>
+            <a:pPr lvl="1">
               <a:lnSpc>
                 <a:spcPct val="150000"/>
               </a:lnSpc>
@@ -18905,21 +18890,39 @@
                 <a:latin typeface="Times New Roman" panose="02020603050405020304" pitchFamily="18" charset="0"/>
                 <a:cs typeface="Times New Roman" panose="02020603050405020304" pitchFamily="18" charset="0"/>
               </a:rPr>
-              <a:t>	Or visit: </a:t>
+              <a:t>	Or visit: </a:t>
             </a:r>
             <a:r>
               <a:rPr lang="en-US" dirty="0">
-                <a:hlinkClick r:id="rId5"/>
-              </a:rPr>
-              <a:t>https://github.com/fuxima/Dal/blob/main/NGS_Report.pdf</a:t>
-            </a:r>
-            <a:endParaRPr lang="en-US" b="1" dirty="0">
+                <a:latin typeface="Times New Roman" panose="02020603050405020304" pitchFamily="18" charset="0"/>
+                <a:cs typeface="Times New Roman" panose="02020603050405020304" pitchFamily="18" charset="0"/>
+                <a:hlinkClick r:id="rId4"/>
+              </a:rPr>
+              <a:t>Dal_NGS2020/NGS_Report.pdf at main · </a:t>
+            </a:r>
+            <a:r>
+              <a:rPr lang="en-US" dirty="0" err="1">
+                <a:latin typeface="Times New Roman" panose="02020603050405020304" pitchFamily="18" charset="0"/>
+                <a:cs typeface="Times New Roman" panose="02020603050405020304" pitchFamily="18" charset="0"/>
+                <a:hlinkClick r:id="rId4"/>
+              </a:rPr>
+              <a:t>fuxima</a:t>
+            </a:r>
+            <a:r>
+              <a:rPr lang="en-US" dirty="0">
+                <a:latin typeface="Times New Roman" panose="02020603050405020304" pitchFamily="18" charset="0"/>
+                <a:cs typeface="Times New Roman" panose="02020603050405020304" pitchFamily="18" charset="0"/>
+                <a:hlinkClick r:id="rId4"/>
+              </a:rPr>
+              <a:t>/Dal_NGS2020</a:t>
+            </a:r>
+            <a:endParaRPr lang="en-US" dirty="0">
               <a:latin typeface="Times New Roman" panose="02020603050405020304" pitchFamily="18" charset="0"/>
               <a:cs typeface="Times New Roman" panose="02020603050405020304" pitchFamily="18" charset="0"/>
             </a:endParaRPr>
           </a:p>
           <a:p>
-            <a:pPr>
+            <a:pPr lvl="1">
               <a:lnSpc>
                 <a:spcPct val="150000"/>
               </a:lnSpc>
@@ -18929,14 +18932,7 @@
                 <a:latin typeface="Times New Roman" panose="02020603050405020304" pitchFamily="18" charset="0"/>
                 <a:cs typeface="Times New Roman" panose="02020603050405020304" pitchFamily="18" charset="0"/>
               </a:rPr>
-              <a:t>	</a:t>
-            </a:r>
-            <a:r>
-              <a:rPr lang="en-US" dirty="0">
-                <a:latin typeface="Times New Roman" panose="02020603050405020304" pitchFamily="18" charset="0"/>
-                <a:cs typeface="Times New Roman" panose="02020603050405020304" pitchFamily="18" charset="0"/>
-              </a:rPr>
-              <a:t>The report, produced in Quarto, includes all the Python code.</a:t>
+              <a:t>	The report, produced in Quarto, includes all the Python code.</a:t>
             </a:r>
           </a:p>
           <a:p>
@@ -18951,14 +18947,9 @@
               <a:rPr lang="en-US" sz="2000" b="1" dirty="0">
                 <a:latin typeface="Times New Roman" panose="02020603050405020304" pitchFamily="18" charset="0"/>
                 <a:cs typeface="Times New Roman" panose="02020603050405020304" pitchFamily="18" charset="0"/>
-                <a:hlinkClick r:id="rId6"/>
               </a:rPr>
               <a:t>Entire Project Files</a:t>
             </a:r>
-            <a:endParaRPr lang="en-US" sz="2000" b="1" dirty="0">
-              <a:latin typeface="Times New Roman" panose="02020603050405020304" pitchFamily="18" charset="0"/>
-              <a:cs typeface="Times New Roman" panose="02020603050405020304" pitchFamily="18" charset="0"/>
-            </a:endParaRPr>
           </a:p>
           <a:p>
             <a:pPr lvl="2">
@@ -18995,11 +18986,11 @@
               <a:rPr lang="en-US" dirty="0">
                 <a:latin typeface="Times New Roman" panose="02020603050405020304" pitchFamily="18" charset="0"/>
                 <a:cs typeface="Times New Roman" panose="02020603050405020304" pitchFamily="18" charset="0"/>
-                <a:hlinkClick r:id="rId6"/>
-              </a:rPr>
-              <a:t>https://github.com/fuxima/Dal</a:t>
-            </a:r>
-            <a:endParaRPr lang="en-US" b="1" dirty="0">
+                <a:hlinkClick r:id="rId5"/>
+              </a:rPr>
+              <a:t>https://github.com/fuxima/Dal_NGS2020</a:t>
+            </a:r>
+            <a:endParaRPr lang="en-US" dirty="0">
               <a:latin typeface="Times New Roman" panose="02020603050405020304" pitchFamily="18" charset="0"/>
               <a:cs typeface="Times New Roman" panose="02020603050405020304" pitchFamily="18" charset="0"/>
             </a:endParaRPr>
@@ -19041,7 +19032,7 @@
               <a:rPr lang="en-US" dirty="0">
                 <a:latin typeface="Times New Roman" panose="02020603050405020304" pitchFamily="18" charset="0"/>
                 <a:cs typeface="Times New Roman" panose="02020603050405020304" pitchFamily="18" charset="0"/>
-                <a:hlinkClick r:id="rId7"/>
+                <a:hlinkClick r:id="rId6"/>
               </a:rPr>
               <a:t>fuxi.ma@outlook.com</a:t>
             </a:r>
@@ -19104,10 +19095,10 @@
       </p:sp>
       <p:pic>
         <p:nvPicPr>
-          <p:cNvPr id="4" name="Picture 3" descr="A qr code on a white background&#10;&#10;AI-generated content may be incorrect.">
+          <p:cNvPr id="5" name="Picture 4">
             <a:extLst>
               <a:ext uri="{FF2B5EF4-FFF2-40B4-BE49-F238E27FC236}">
-                <a16:creationId xmlns:a16="http://schemas.microsoft.com/office/drawing/2014/main" id="{AD790BDE-3FB6-3C58-B27A-9CE5280BD257}"/>
+                <a16:creationId xmlns:a16="http://schemas.microsoft.com/office/drawing/2014/main" id="{1C46F66C-BF0C-1CB3-366F-F78BA6E29074}"/>
               </a:ext>
             </a:extLst>
           </p:cNvPr>
@@ -19117,21 +19108,15 @@
           <p:nvPr/>
         </p:nvPicPr>
         <p:blipFill>
-          <a:blip r:embed="rId8">
-            <a:extLst>
-              <a:ext uri="{28A0092B-C50C-407E-A947-70E740481C1C}">
-                <a14:useLocalDpi xmlns:a14="http://schemas.microsoft.com/office/drawing/2010/main" val="0"/>
-              </a:ext>
-            </a:extLst>
-          </a:blip>
+          <a:blip r:embed="rId7"/>
           <a:stretch>
             <a:fillRect/>
           </a:stretch>
         </p:blipFill>
         <p:spPr>
           <a:xfrm>
-            <a:off x="6952061" y="3429000"/>
-            <a:ext cx="952381" cy="952381"/>
+            <a:off x="6982005" y="3429000"/>
+            <a:ext cx="1136708" cy="1124008"/>
           </a:xfrm>
           <a:prstGeom prst="rect">
             <a:avLst/>
@@ -19140,10 +19125,10 @@
       </p:pic>
       <p:pic>
         <p:nvPicPr>
-          <p:cNvPr id="6" name="Picture 5" descr="A qr code with green squares&#10;&#10;AI-generated content may be incorrect.">
+          <p:cNvPr id="13" name="Picture 12">
             <a:extLst>
               <a:ext uri="{FF2B5EF4-FFF2-40B4-BE49-F238E27FC236}">
-                <a16:creationId xmlns:a16="http://schemas.microsoft.com/office/drawing/2014/main" id="{A0F8B504-09B1-9A00-C61B-794238C4CFBD}"/>
+                <a16:creationId xmlns:a16="http://schemas.microsoft.com/office/drawing/2014/main" id="{BF4DC804-4640-73CE-D9AB-7962B908875B}"/>
               </a:ext>
             </a:extLst>
           </p:cNvPr>
@@ -19153,21 +19138,15 @@
           <p:nvPr/>
         </p:nvPicPr>
         <p:blipFill>
-          <a:blip r:embed="rId9">
-            <a:extLst>
-              <a:ext uri="{28A0092B-C50C-407E-A947-70E740481C1C}">
-                <a14:useLocalDpi xmlns:a14="http://schemas.microsoft.com/office/drawing/2010/main" val="0"/>
-              </a:ext>
-            </a:extLst>
-          </a:blip>
+          <a:blip r:embed="rId8"/>
           <a:stretch>
             <a:fillRect/>
           </a:stretch>
         </p:blipFill>
         <p:spPr>
           <a:xfrm>
-            <a:off x="9003990" y="1962336"/>
-            <a:ext cx="952381" cy="952381"/>
+            <a:off x="9192642" y="1933545"/>
+            <a:ext cx="1162110" cy="1162110"/>
           </a:xfrm>
           <a:prstGeom prst="rect">
             <a:avLst/>
@@ -24595,7 +24574,7 @@
                 <a:latin typeface="Times New Roman" panose="02020603050405020304" pitchFamily="18" charset="0"/>
                 <a:cs typeface="Times New Roman" panose="02020603050405020304" pitchFamily="18" charset="0"/>
               </a:rPr>
-              <a:t>Frequency weights from the PDF may be used in future model improvements.</a:t>
+              <a:t>Frequency weights from the PDF file may be used for future model improvements.</a:t>
             </a:r>
           </a:p>
           <a:p>

--- a/NGS_ppt.pptx
+++ b/NGS_ppt.pptx
@@ -8,11 +8,11 @@
     <p:notesMasterId r:id="rId19"/>
   </p:notesMasterIdLst>
   <p:sldIdLst>
-    <p:sldId id="292" r:id="rId2"/>
-    <p:sldId id="295" r:id="rId3"/>
-    <p:sldId id="331" r:id="rId4"/>
-    <p:sldId id="307" r:id="rId5"/>
-    <p:sldId id="308" r:id="rId6"/>
+    <p:sldId id="295" r:id="rId2"/>
+    <p:sldId id="331" r:id="rId3"/>
+    <p:sldId id="307" r:id="rId4"/>
+    <p:sldId id="308" r:id="rId5"/>
+    <p:sldId id="292" r:id="rId6"/>
     <p:sldId id="309" r:id="rId7"/>
     <p:sldId id="330" r:id="rId8"/>
     <p:sldId id="318" r:id="rId9"/>
@@ -213,7 +213,7 @@
           <a:p>
             <a:fld id="{378ED946-4A02-4588-B79C-14D38AF04319}" type="datetimeFigureOut">
               <a:rPr lang="en-US" smtClean="0"/>
-              <a:t>8/26/2025</a:t>
+              <a:t>8/27/2025</a:t>
             </a:fld>
             <a:endParaRPr lang="en-US"/>
           </a:p>
@@ -525,7 +525,7 @@
           <a:lstStyle/>
           <a:p>
             <a:r>
-              <a:rPr lang="en-US" sz="1200" kern="1200" dirty="0">
+              <a:rPr lang="en-US" sz="1200" b="0" i="0" kern="1200" dirty="0">
                 <a:solidFill>
                   <a:schemeClr val="tx1"/>
                 </a:solidFill>
@@ -534,11 +534,23 @@
                 <a:ea typeface="+mn-ea"/>
                 <a:cs typeface="+mn-cs"/>
               </a:rPr>
-              <a:t>Good morning. My name is Fuxi Ma</a:t>
-            </a:r>
-          </a:p>
-          <a:p>
-            <a:endParaRPr lang="en-US" sz="1200" kern="1200" dirty="0">
+              <a:t>My presentation today is structured in </a:t>
+            </a:r>
+            <a:r>
+              <a:rPr lang="en-US" sz="1200" b="1" i="0" kern="1200" dirty="0">
+                <a:solidFill>
+                  <a:schemeClr val="tx1"/>
+                </a:solidFill>
+                <a:effectLst/>
+                <a:latin typeface="+mn-lt"/>
+                <a:ea typeface="+mn-ea"/>
+                <a:cs typeface="+mn-cs"/>
+              </a:rPr>
+              <a:t>four parts.</a:t>
+            </a:r>
+          </a:p>
+          <a:p>
+            <a:endParaRPr lang="en-US" sz="1200" b="0" i="0" kern="1200" dirty="0">
               <a:solidFill>
                 <a:schemeClr val="tx1"/>
               </a:solidFill>
@@ -550,7 +562,7 @@
           </a:p>
           <a:p>
             <a:r>
-              <a:rPr lang="en-US" sz="1200" kern="1200" dirty="0">
+              <a:rPr lang="en-US" sz="1200" b="1" i="0" kern="1200" dirty="0">
                 <a:solidFill>
                   <a:schemeClr val="tx1"/>
                 </a:solidFill>
@@ -559,9 +571,292 @@
                 <a:ea typeface="+mn-ea"/>
                 <a:cs typeface="+mn-cs"/>
               </a:rPr>
-              <a:t>Today I am going to walk you through my analysis of the NGS Data, turning raw data into actionable research insights.</a:t>
+              <a:t>First,</a:t>
+            </a:r>
+            <a:r>
+              <a:rPr lang="en-US" sz="1200" b="0" i="0" kern="1200" dirty="0">
+                <a:solidFill>
+                  <a:schemeClr val="tx1"/>
+                </a:solidFill>
+                <a:effectLst/>
+                <a:latin typeface="+mn-lt"/>
+                <a:ea typeface="+mn-ea"/>
+                <a:cs typeface="+mn-cs"/>
+              </a:rPr>
+              <a:t> I'll walk you through the data integration.</a:t>
+            </a:r>
+          </a:p>
+          <a:p>
+            <a:endParaRPr lang="en-US" sz="1200" b="0" i="0" kern="1200" dirty="0">
+              <a:solidFill>
+                <a:schemeClr val="tx1"/>
+              </a:solidFill>
+              <a:effectLst/>
+              <a:latin typeface="+mn-lt"/>
+              <a:ea typeface="+mn-ea"/>
+              <a:cs typeface="+mn-cs"/>
+            </a:endParaRPr>
+          </a:p>
+          <a:p>
+            <a:r>
+              <a:rPr lang="en-US" sz="1200" b="1" i="0" kern="1200" dirty="0">
+                <a:solidFill>
+                  <a:schemeClr val="tx1"/>
+                </a:solidFill>
+                <a:effectLst/>
+                <a:latin typeface="+mn-lt"/>
+                <a:ea typeface="+mn-ea"/>
+                <a:cs typeface="+mn-cs"/>
+              </a:rPr>
+              <a:t>Second,</a:t>
+            </a:r>
+            <a:r>
+              <a:rPr lang="en-US" sz="1200" b="0" i="0" kern="1200" dirty="0">
+                <a:solidFill>
+                  <a:schemeClr val="tx1"/>
+                </a:solidFill>
+                <a:effectLst/>
+                <a:latin typeface="+mn-lt"/>
+                <a:ea typeface="+mn-ea"/>
+                <a:cs typeface="+mn-cs"/>
+              </a:rPr>
+              <a:t> I'll demonstrate the dashboard.</a:t>
+            </a:r>
+          </a:p>
+          <a:p>
+            <a:endParaRPr lang="en-US" sz="1200" b="0" i="0" kern="1200" dirty="0">
+              <a:solidFill>
+                <a:schemeClr val="tx1"/>
+              </a:solidFill>
+              <a:effectLst/>
+              <a:latin typeface="+mn-lt"/>
+              <a:ea typeface="+mn-ea"/>
+              <a:cs typeface="+mn-cs"/>
+            </a:endParaRPr>
+          </a:p>
+          <a:p>
+            <a:r>
+              <a:rPr lang="en-US" sz="1200" b="1" i="0" kern="1200" dirty="0">
+                <a:solidFill>
+                  <a:schemeClr val="tx1"/>
+                </a:solidFill>
+                <a:effectLst/>
+                <a:latin typeface="+mn-lt"/>
+                <a:ea typeface="+mn-ea"/>
+                <a:cs typeface="+mn-cs"/>
+              </a:rPr>
+              <a:t>The third is a deep diving into methodology.</a:t>
+            </a:r>
+            <a:r>
+              <a:rPr lang="en-US" sz="1200" b="0" i="0" kern="1200" dirty="0">
+                <a:solidFill>
+                  <a:schemeClr val="tx1"/>
+                </a:solidFill>
+                <a:effectLst/>
+                <a:latin typeface="+mn-lt"/>
+                <a:ea typeface="+mn-ea"/>
+                <a:cs typeface="+mn-cs"/>
+              </a:rPr>
+              <a:t> We'll look at the models, the </a:t>
+            </a:r>
+            <a:r>
+              <a:rPr lang="en-US" sz="1200" b="1" i="0" kern="1200" dirty="0">
+                <a:solidFill>
+                  <a:schemeClr val="tx1"/>
+                </a:solidFill>
+                <a:effectLst/>
+                <a:latin typeface="+mn-lt"/>
+                <a:ea typeface="+mn-ea"/>
+                <a:cs typeface="+mn-cs"/>
+              </a:rPr>
+              <a:t>assumptions and limitations</a:t>
+            </a:r>
+            <a:r>
+              <a:rPr lang="en-US" sz="1200" b="0" i="0" kern="1200" dirty="0">
+                <a:solidFill>
+                  <a:schemeClr val="tx1"/>
+                </a:solidFill>
+                <a:effectLst/>
+                <a:latin typeface="+mn-lt"/>
+                <a:ea typeface="+mn-ea"/>
+                <a:cs typeface="+mn-cs"/>
+              </a:rPr>
+              <a:t>.</a:t>
+            </a:r>
+          </a:p>
+          <a:p>
+            <a:endParaRPr lang="en-US" sz="1200" b="0" i="0" kern="1200" dirty="0">
+              <a:solidFill>
+                <a:schemeClr val="tx1"/>
+              </a:solidFill>
+              <a:effectLst/>
+              <a:latin typeface="+mn-lt"/>
+              <a:ea typeface="+mn-ea"/>
+              <a:cs typeface="+mn-cs"/>
+            </a:endParaRPr>
+          </a:p>
+          <a:p>
+            <a:r>
+              <a:rPr lang="en-US" sz="1200" b="0" i="0" kern="1200" dirty="0">
+                <a:solidFill>
+                  <a:schemeClr val="tx1"/>
+                </a:solidFill>
+                <a:effectLst/>
+                <a:latin typeface="+mn-lt"/>
+                <a:ea typeface="+mn-ea"/>
+                <a:cs typeface="+mn-cs"/>
+              </a:rPr>
+              <a:t>And lastly</a:t>
+            </a:r>
+            <a:r>
+              <a:rPr lang="en-US" sz="1200" b="1" i="0" kern="1200" dirty="0">
+                <a:solidFill>
+                  <a:schemeClr val="tx1"/>
+                </a:solidFill>
+                <a:effectLst/>
+                <a:latin typeface="+mn-lt"/>
+                <a:ea typeface="+mn-ea"/>
+                <a:cs typeface="+mn-cs"/>
+              </a:rPr>
+              <a:t>:</a:t>
+            </a:r>
+            <a:r>
+              <a:rPr lang="en-US" sz="1200" b="0" i="0" kern="1200" dirty="0">
+                <a:solidFill>
+                  <a:schemeClr val="tx1"/>
+                </a:solidFill>
+                <a:effectLst/>
+                <a:latin typeface="+mn-lt"/>
+                <a:ea typeface="+mn-ea"/>
+                <a:cs typeface="+mn-cs"/>
+              </a:rPr>
+              <a:t> the key trends in employment and income.</a:t>
+            </a:r>
+          </a:p>
+          <a:p>
+            <a:endParaRPr lang="en-US" sz="1200" b="0" i="0" kern="1200" dirty="0">
+              <a:solidFill>
+                <a:schemeClr val="tx1"/>
+              </a:solidFill>
+              <a:effectLst/>
+              <a:latin typeface="+mn-lt"/>
+              <a:ea typeface="+mn-ea"/>
+              <a:cs typeface="+mn-cs"/>
+            </a:endParaRPr>
+          </a:p>
+          <a:p>
+            <a:r>
+              <a:rPr lang="en-US" sz="1200" b="0" i="0" kern="1200" dirty="0">
+                <a:solidFill>
+                  <a:schemeClr val="tx1"/>
+                </a:solidFill>
+                <a:effectLst/>
+                <a:latin typeface="+mn-lt"/>
+                <a:ea typeface="+mn-ea"/>
+                <a:cs typeface="+mn-cs"/>
+              </a:rPr>
+              <a:t>I'll conclude my presentation with the insights and recommendations.</a:t>
             </a:r>
             <a:endParaRPr lang="en-US" dirty="0"/>
+          </a:p>
+          <a:p>
+            <a:endParaRPr lang="en-US" sz="1200" b="0" i="0" kern="1200" dirty="0">
+              <a:solidFill>
+                <a:schemeClr val="tx1"/>
+              </a:solidFill>
+              <a:effectLst/>
+              <a:latin typeface="+mn-lt"/>
+              <a:ea typeface="+mn-ea"/>
+              <a:cs typeface="+mn-cs"/>
+            </a:endParaRPr>
+          </a:p>
+          <a:p>
+            <a:r>
+              <a:rPr lang="en-US" sz="1200" b="1" i="0" kern="1200" dirty="0">
+                <a:solidFill>
+                  <a:schemeClr val="tx1"/>
+                </a:solidFill>
+                <a:effectLst/>
+                <a:latin typeface="+mn-lt"/>
+                <a:ea typeface="+mn-ea"/>
+                <a:cs typeface="+mn-cs"/>
+              </a:rPr>
+              <a:t>Employment Status</a:t>
+            </a:r>
+            <a:r>
+              <a:rPr lang="en-US" sz="1200" b="0" i="0" kern="1200" dirty="0">
+                <a:solidFill>
+                  <a:schemeClr val="tx1"/>
+                </a:solidFill>
+                <a:effectLst/>
+                <a:latin typeface="+mn-lt"/>
+                <a:ea typeface="+mn-ea"/>
+                <a:cs typeface="+mn-cs"/>
+              </a:rPr>
+              <a:t> is heavily unbalanced - That is why the model results have low accuracy.</a:t>
+            </a:r>
+          </a:p>
+          <a:p>
+            <a:endParaRPr lang="en-US" sz="1200" b="0" i="0" kern="1200" dirty="0">
+              <a:solidFill>
+                <a:schemeClr val="tx1"/>
+              </a:solidFill>
+              <a:effectLst/>
+              <a:latin typeface="+mn-lt"/>
+              <a:ea typeface="+mn-ea"/>
+              <a:cs typeface="+mn-cs"/>
+            </a:endParaRPr>
+          </a:p>
+          <a:p>
+            <a:r>
+              <a:rPr lang="en-US" sz="1200" b="1" i="0" kern="1200" dirty="0">
+                <a:solidFill>
+                  <a:schemeClr val="tx1"/>
+                </a:solidFill>
+                <a:effectLst/>
+                <a:latin typeface="+mn-lt"/>
+                <a:ea typeface="+mn-ea"/>
+                <a:cs typeface="+mn-cs"/>
+              </a:rPr>
+              <a:t>For Methodology</a:t>
+            </a:r>
+            <a:r>
+              <a:rPr lang="en-US" sz="1200" b="0" i="0" kern="1200" dirty="0">
+                <a:solidFill>
+                  <a:schemeClr val="tx1"/>
+                </a:solidFill>
+                <a:effectLst/>
+                <a:latin typeface="+mn-lt"/>
+                <a:ea typeface="+mn-ea"/>
+                <a:cs typeface="+mn-cs"/>
+              </a:rPr>
+              <a:t>: my models are good, but they can't capture everything: like personal networks, soft skills. </a:t>
+            </a:r>
+          </a:p>
+          <a:p>
+            <a:endParaRPr lang="en-US" sz="1200" b="0" i="0" kern="1200" dirty="0">
+              <a:solidFill>
+                <a:schemeClr val="tx1"/>
+              </a:solidFill>
+              <a:effectLst/>
+              <a:latin typeface="+mn-lt"/>
+              <a:ea typeface="+mn-ea"/>
+              <a:cs typeface="+mn-cs"/>
+            </a:endParaRPr>
+          </a:p>
+          <a:p>
+            <a:r>
+              <a:rPr lang="en-US" sz="1200" b="0" i="0" kern="1200" dirty="0">
+                <a:solidFill>
+                  <a:schemeClr val="tx1"/>
+                </a:solidFill>
+                <a:effectLst/>
+                <a:latin typeface="+mn-lt"/>
+                <a:ea typeface="+mn-ea"/>
+                <a:cs typeface="+mn-cs"/>
+              </a:rPr>
+              <a:t>Also, there is the COVID’19 impact, which we should keep in mind.</a:t>
+            </a:r>
           </a:p>
         </p:txBody>
       </p:sp>
@@ -591,7 +886,7 @@
     </p:spTree>
     <p:extLst>
       <p:ext uri="{BB962C8B-B14F-4D97-AF65-F5344CB8AC3E}">
-        <p14:creationId xmlns:p14="http://schemas.microsoft.com/office/powerpoint/2010/main" val="1279213689"/>
+        <p14:creationId xmlns:p14="http://schemas.microsoft.com/office/powerpoint/2010/main" val="2017106596"/>
       </p:ext>
     </p:extLst>
   </p:cSld>
@@ -2120,422 +2415,6 @@
   <p:cSld>
     <p:spTree>
       <p:nvGrpSpPr>
-        <p:cNvPr id="1" name=""/>
-        <p:cNvGrpSpPr/>
-        <p:nvPr/>
-      </p:nvGrpSpPr>
-      <p:grpSpPr>
-        <a:xfrm>
-          <a:off x="0" y="0"/>
-          <a:ext cx="0" cy="0"/>
-          <a:chOff x="0" y="0"/>
-          <a:chExt cx="0" cy="0"/>
-        </a:xfrm>
-      </p:grpSpPr>
-      <p:sp>
-        <p:nvSpPr>
-          <p:cNvPr id="2" name="Slide Image Placeholder 1"/>
-          <p:cNvSpPr>
-            <a:spLocks noGrp="1" noRot="1" noChangeAspect="1"/>
-          </p:cNvSpPr>
-          <p:nvPr>
-            <p:ph type="sldImg"/>
-          </p:nvPr>
-        </p:nvSpPr>
-        <p:spPr/>
-      </p:sp>
-      <p:sp>
-        <p:nvSpPr>
-          <p:cNvPr id="3" name="Notes Placeholder 2"/>
-          <p:cNvSpPr>
-            <a:spLocks noGrp="1"/>
-          </p:cNvSpPr>
-          <p:nvPr>
-            <p:ph type="body" idx="1"/>
-          </p:nvPr>
-        </p:nvSpPr>
-        <p:spPr/>
-        <p:txBody>
-          <a:bodyPr/>
-          <a:lstStyle/>
-          <a:p>
-            <a:r>
-              <a:rPr lang="en-US" sz="1200" b="0" i="0" kern="1200" dirty="0">
-                <a:solidFill>
-                  <a:schemeClr val="tx1"/>
-                </a:solidFill>
-                <a:effectLst/>
-                <a:latin typeface="+mn-lt"/>
-                <a:ea typeface="+mn-ea"/>
-                <a:cs typeface="+mn-cs"/>
-              </a:rPr>
-              <a:t>My presentation today is structured in </a:t>
-            </a:r>
-            <a:r>
-              <a:rPr lang="en-US" sz="1200" b="1" i="0" kern="1200" dirty="0">
-                <a:solidFill>
-                  <a:schemeClr val="tx1"/>
-                </a:solidFill>
-                <a:effectLst/>
-                <a:latin typeface="+mn-lt"/>
-                <a:ea typeface="+mn-ea"/>
-                <a:cs typeface="+mn-cs"/>
-              </a:rPr>
-              <a:t>four parts.</a:t>
-            </a:r>
-          </a:p>
-          <a:p>
-            <a:endParaRPr lang="en-US" sz="1200" b="0" i="0" kern="1200" dirty="0">
-              <a:solidFill>
-                <a:schemeClr val="tx1"/>
-              </a:solidFill>
-              <a:effectLst/>
-              <a:latin typeface="+mn-lt"/>
-              <a:ea typeface="+mn-ea"/>
-              <a:cs typeface="+mn-cs"/>
-            </a:endParaRPr>
-          </a:p>
-          <a:p>
-            <a:r>
-              <a:rPr lang="en-US" sz="1200" b="1" i="0" kern="1200" dirty="0">
-                <a:solidFill>
-                  <a:schemeClr val="tx1"/>
-                </a:solidFill>
-                <a:effectLst/>
-                <a:latin typeface="+mn-lt"/>
-                <a:ea typeface="+mn-ea"/>
-                <a:cs typeface="+mn-cs"/>
-              </a:rPr>
-              <a:t>First,</a:t>
-            </a:r>
-            <a:r>
-              <a:rPr lang="en-US" sz="1200" b="0" i="0" kern="1200" dirty="0">
-                <a:solidFill>
-                  <a:schemeClr val="tx1"/>
-                </a:solidFill>
-                <a:effectLst/>
-                <a:latin typeface="+mn-lt"/>
-                <a:ea typeface="+mn-ea"/>
-                <a:cs typeface="+mn-cs"/>
-              </a:rPr>
-              <a:t> I'll walk you through the data integration.</a:t>
-            </a:r>
-          </a:p>
-          <a:p>
-            <a:endParaRPr lang="en-US" sz="1200" b="0" i="0" kern="1200" dirty="0">
-              <a:solidFill>
-                <a:schemeClr val="tx1"/>
-              </a:solidFill>
-              <a:effectLst/>
-              <a:latin typeface="+mn-lt"/>
-              <a:ea typeface="+mn-ea"/>
-              <a:cs typeface="+mn-cs"/>
-            </a:endParaRPr>
-          </a:p>
-          <a:p>
-            <a:r>
-              <a:rPr lang="en-US" sz="1200" b="1" i="0" kern="1200" dirty="0">
-                <a:solidFill>
-                  <a:schemeClr val="tx1"/>
-                </a:solidFill>
-                <a:effectLst/>
-                <a:latin typeface="+mn-lt"/>
-                <a:ea typeface="+mn-ea"/>
-                <a:cs typeface="+mn-cs"/>
-              </a:rPr>
-              <a:t>Second,</a:t>
-            </a:r>
-            <a:r>
-              <a:rPr lang="en-US" sz="1200" b="0" i="0" kern="1200" dirty="0">
-                <a:solidFill>
-                  <a:schemeClr val="tx1"/>
-                </a:solidFill>
-                <a:effectLst/>
-                <a:latin typeface="+mn-lt"/>
-                <a:ea typeface="+mn-ea"/>
-                <a:cs typeface="+mn-cs"/>
-              </a:rPr>
-              <a:t> I'll demonstrate the dashboard.</a:t>
-            </a:r>
-          </a:p>
-          <a:p>
-            <a:endParaRPr lang="en-US" sz="1200" b="0" i="0" kern="1200" dirty="0">
-              <a:solidFill>
-                <a:schemeClr val="tx1"/>
-              </a:solidFill>
-              <a:effectLst/>
-              <a:latin typeface="+mn-lt"/>
-              <a:ea typeface="+mn-ea"/>
-              <a:cs typeface="+mn-cs"/>
-            </a:endParaRPr>
-          </a:p>
-          <a:p>
-            <a:r>
-              <a:rPr lang="en-US" sz="1200" b="1" i="0" kern="1200" dirty="0">
-                <a:solidFill>
-                  <a:schemeClr val="tx1"/>
-                </a:solidFill>
-                <a:effectLst/>
-                <a:latin typeface="+mn-lt"/>
-                <a:ea typeface="+mn-ea"/>
-                <a:cs typeface="+mn-cs"/>
-              </a:rPr>
-              <a:t>The third is a deep diving into methodology.</a:t>
-            </a:r>
-            <a:r>
-              <a:rPr lang="en-US" sz="1200" b="0" i="0" kern="1200" dirty="0">
-                <a:solidFill>
-                  <a:schemeClr val="tx1"/>
-                </a:solidFill>
-                <a:effectLst/>
-                <a:latin typeface="+mn-lt"/>
-                <a:ea typeface="+mn-ea"/>
-                <a:cs typeface="+mn-cs"/>
-              </a:rPr>
-              <a:t> We'll look at the models, the </a:t>
-            </a:r>
-            <a:r>
-              <a:rPr lang="en-US" sz="1200" b="1" i="0" kern="1200" dirty="0">
-                <a:solidFill>
-                  <a:schemeClr val="tx1"/>
-                </a:solidFill>
-                <a:effectLst/>
-                <a:latin typeface="+mn-lt"/>
-                <a:ea typeface="+mn-ea"/>
-                <a:cs typeface="+mn-cs"/>
-              </a:rPr>
-              <a:t>assumptions and limitations</a:t>
-            </a:r>
-            <a:r>
-              <a:rPr lang="en-US" sz="1200" b="0" i="0" kern="1200" dirty="0">
-                <a:solidFill>
-                  <a:schemeClr val="tx1"/>
-                </a:solidFill>
-                <a:effectLst/>
-                <a:latin typeface="+mn-lt"/>
-                <a:ea typeface="+mn-ea"/>
-                <a:cs typeface="+mn-cs"/>
-              </a:rPr>
-              <a:t>.</a:t>
-            </a:r>
-          </a:p>
-          <a:p>
-            <a:endParaRPr lang="en-US" sz="1200" b="0" i="0" kern="1200" dirty="0">
-              <a:solidFill>
-                <a:schemeClr val="tx1"/>
-              </a:solidFill>
-              <a:effectLst/>
-              <a:latin typeface="+mn-lt"/>
-              <a:ea typeface="+mn-ea"/>
-              <a:cs typeface="+mn-cs"/>
-            </a:endParaRPr>
-          </a:p>
-          <a:p>
-            <a:r>
-              <a:rPr lang="en-US" sz="1200" b="0" i="0" kern="1200" dirty="0">
-                <a:solidFill>
-                  <a:schemeClr val="tx1"/>
-                </a:solidFill>
-                <a:effectLst/>
-                <a:latin typeface="+mn-lt"/>
-                <a:ea typeface="+mn-ea"/>
-                <a:cs typeface="+mn-cs"/>
-              </a:rPr>
-              <a:t>And lastly</a:t>
-            </a:r>
-            <a:r>
-              <a:rPr lang="en-US" sz="1200" b="1" i="0" kern="1200" dirty="0">
-                <a:solidFill>
-                  <a:schemeClr val="tx1"/>
-                </a:solidFill>
-                <a:effectLst/>
-                <a:latin typeface="+mn-lt"/>
-                <a:ea typeface="+mn-ea"/>
-                <a:cs typeface="+mn-cs"/>
-              </a:rPr>
-              <a:t>:</a:t>
-            </a:r>
-            <a:r>
-              <a:rPr lang="en-US" sz="1200" b="0" i="0" kern="1200" dirty="0">
-                <a:solidFill>
-                  <a:schemeClr val="tx1"/>
-                </a:solidFill>
-                <a:effectLst/>
-                <a:latin typeface="+mn-lt"/>
-                <a:ea typeface="+mn-ea"/>
-                <a:cs typeface="+mn-cs"/>
-              </a:rPr>
-              <a:t> the key trends in employment and income.</a:t>
-            </a:r>
-          </a:p>
-          <a:p>
-            <a:endParaRPr lang="en-US" sz="1200" b="0" i="0" kern="1200" dirty="0">
-              <a:solidFill>
-                <a:schemeClr val="tx1"/>
-              </a:solidFill>
-              <a:effectLst/>
-              <a:latin typeface="+mn-lt"/>
-              <a:ea typeface="+mn-ea"/>
-              <a:cs typeface="+mn-cs"/>
-            </a:endParaRPr>
-          </a:p>
-          <a:p>
-            <a:r>
-              <a:rPr lang="en-US" sz="1200" b="0" i="0" kern="1200" dirty="0">
-                <a:solidFill>
-                  <a:schemeClr val="tx1"/>
-                </a:solidFill>
-                <a:effectLst/>
-                <a:latin typeface="+mn-lt"/>
-                <a:ea typeface="+mn-ea"/>
-                <a:cs typeface="+mn-cs"/>
-              </a:rPr>
-              <a:t>I'll conclude my presentation with the insights and recommendations.</a:t>
-            </a:r>
-            <a:endParaRPr lang="en-US" dirty="0"/>
-          </a:p>
-          <a:p>
-            <a:endParaRPr lang="en-US" sz="1200" b="0" i="0" kern="1200" dirty="0">
-              <a:solidFill>
-                <a:schemeClr val="tx1"/>
-              </a:solidFill>
-              <a:effectLst/>
-              <a:latin typeface="+mn-lt"/>
-              <a:ea typeface="+mn-ea"/>
-              <a:cs typeface="+mn-cs"/>
-            </a:endParaRPr>
-          </a:p>
-          <a:p>
-            <a:r>
-              <a:rPr lang="en-US" sz="1200" b="1" i="0" kern="1200" dirty="0">
-                <a:solidFill>
-                  <a:schemeClr val="tx1"/>
-                </a:solidFill>
-                <a:effectLst/>
-                <a:latin typeface="+mn-lt"/>
-                <a:ea typeface="+mn-ea"/>
-                <a:cs typeface="+mn-cs"/>
-              </a:rPr>
-              <a:t>Employment Status</a:t>
-            </a:r>
-            <a:r>
-              <a:rPr lang="en-US" sz="1200" b="0" i="0" kern="1200" dirty="0">
-                <a:solidFill>
-                  <a:schemeClr val="tx1"/>
-                </a:solidFill>
-                <a:effectLst/>
-                <a:latin typeface="+mn-lt"/>
-                <a:ea typeface="+mn-ea"/>
-                <a:cs typeface="+mn-cs"/>
-              </a:rPr>
-              <a:t> is heavily unbalanced - That is why the model results have low accuracy.</a:t>
-            </a:r>
-          </a:p>
-          <a:p>
-            <a:endParaRPr lang="en-US" sz="1200" b="0" i="0" kern="1200" dirty="0">
-              <a:solidFill>
-                <a:schemeClr val="tx1"/>
-              </a:solidFill>
-              <a:effectLst/>
-              <a:latin typeface="+mn-lt"/>
-              <a:ea typeface="+mn-ea"/>
-              <a:cs typeface="+mn-cs"/>
-            </a:endParaRPr>
-          </a:p>
-          <a:p>
-            <a:r>
-              <a:rPr lang="en-US" sz="1200" b="1" i="0" kern="1200" dirty="0">
-                <a:solidFill>
-                  <a:schemeClr val="tx1"/>
-                </a:solidFill>
-                <a:effectLst/>
-                <a:latin typeface="+mn-lt"/>
-                <a:ea typeface="+mn-ea"/>
-                <a:cs typeface="+mn-cs"/>
-              </a:rPr>
-              <a:t>For Methodology</a:t>
-            </a:r>
-            <a:r>
-              <a:rPr lang="en-US" sz="1200" b="0" i="0" kern="1200" dirty="0">
-                <a:solidFill>
-                  <a:schemeClr val="tx1"/>
-                </a:solidFill>
-                <a:effectLst/>
-                <a:latin typeface="+mn-lt"/>
-                <a:ea typeface="+mn-ea"/>
-                <a:cs typeface="+mn-cs"/>
-              </a:rPr>
-              <a:t>: my models are good, but they can't capture everything: like personal networks, soft skills. </a:t>
-            </a:r>
-          </a:p>
-          <a:p>
-            <a:endParaRPr lang="en-US" sz="1200" b="0" i="0" kern="1200" dirty="0">
-              <a:solidFill>
-                <a:schemeClr val="tx1"/>
-              </a:solidFill>
-              <a:effectLst/>
-              <a:latin typeface="+mn-lt"/>
-              <a:ea typeface="+mn-ea"/>
-              <a:cs typeface="+mn-cs"/>
-            </a:endParaRPr>
-          </a:p>
-          <a:p>
-            <a:r>
-              <a:rPr lang="en-US" sz="1200" b="0" i="0" kern="1200" dirty="0">
-                <a:solidFill>
-                  <a:schemeClr val="tx1"/>
-                </a:solidFill>
-                <a:effectLst/>
-                <a:latin typeface="+mn-lt"/>
-                <a:ea typeface="+mn-ea"/>
-                <a:cs typeface="+mn-cs"/>
-              </a:rPr>
-              <a:t>Also, there is the COVID’19 impact, which we should keep in mind.</a:t>
-            </a:r>
-          </a:p>
-        </p:txBody>
-      </p:sp>
-      <p:sp>
-        <p:nvSpPr>
-          <p:cNvPr id="4" name="Slide Number Placeholder 3"/>
-          <p:cNvSpPr>
-            <a:spLocks noGrp="1"/>
-          </p:cNvSpPr>
-          <p:nvPr>
-            <p:ph type="sldNum" sz="quarter" idx="5"/>
-          </p:nvPr>
-        </p:nvSpPr>
-        <p:spPr/>
-        <p:txBody>
-          <a:bodyPr/>
-          <a:lstStyle/>
-          <a:p>
-            <a:fld id="{DAAF6644-A4CE-4154-B543-AD992E27A400}" type="slidenum">
-              <a:rPr lang="en-US" smtClean="0"/>
-              <a:t>2</a:t>
-            </a:fld>
-            <a:endParaRPr lang="en-US"/>
-          </a:p>
-        </p:txBody>
-      </p:sp>
-    </p:spTree>
-    <p:extLst>
-      <p:ext uri="{BB962C8B-B14F-4D97-AF65-F5344CB8AC3E}">
-        <p14:creationId xmlns:p14="http://schemas.microsoft.com/office/powerpoint/2010/main" val="2017106596"/>
-      </p:ext>
-    </p:extLst>
-  </p:cSld>
-  <p:clrMapOvr>
-    <a:masterClrMapping/>
-  </p:clrMapOvr>
-</p:notes>
-</file>
-
-<file path=ppt/notesSlides/notesSlide3.xml><?xml version="1.0" encoding="utf-8"?>
-<p:notes xmlns:a="http://schemas.openxmlformats.org/drawingml/2006/main" xmlns:r="http://schemas.openxmlformats.org/officeDocument/2006/relationships" xmlns:p="http://schemas.openxmlformats.org/presentationml/2006/main">
-  <p:cSld>
-    <p:spTree>
-      <p:nvGrpSpPr>
         <p:cNvPr id="1" name="">
           <a:extLst>
             <a:ext uri="{FF2B5EF4-FFF2-40B4-BE49-F238E27FC236}">
@@ -2892,7 +2771,7 @@
           <a:p>
             <a:fld id="{DAAF6644-A4CE-4154-B543-AD992E27A400}" type="slidenum">
               <a:rPr lang="en-US" smtClean="0"/>
-              <a:t>3</a:t>
+              <a:t>2</a:t>
             </a:fld>
             <a:endParaRPr lang="en-US"/>
           </a:p>
@@ -2902,6 +2781,127 @@
     <p:extLst>
       <p:ext uri="{BB962C8B-B14F-4D97-AF65-F5344CB8AC3E}">
         <p14:creationId xmlns:p14="http://schemas.microsoft.com/office/powerpoint/2010/main" val="2637093150"/>
+      </p:ext>
+    </p:extLst>
+  </p:cSld>
+  <p:clrMapOvr>
+    <a:masterClrMapping/>
+  </p:clrMapOvr>
+</p:notes>
+</file>
+
+<file path=ppt/notesSlides/notesSlide3.xml><?xml version="1.0" encoding="utf-8"?>
+<p:notes xmlns:a="http://schemas.openxmlformats.org/drawingml/2006/main" xmlns:r="http://schemas.openxmlformats.org/officeDocument/2006/relationships" xmlns:p="http://schemas.openxmlformats.org/presentationml/2006/main">
+  <p:cSld>
+    <p:spTree>
+      <p:nvGrpSpPr>
+        <p:cNvPr id="1" name=""/>
+        <p:cNvGrpSpPr/>
+        <p:nvPr/>
+      </p:nvGrpSpPr>
+      <p:grpSpPr>
+        <a:xfrm>
+          <a:off x="0" y="0"/>
+          <a:ext cx="0" cy="0"/>
+          <a:chOff x="0" y="0"/>
+          <a:chExt cx="0" cy="0"/>
+        </a:xfrm>
+      </p:grpSpPr>
+      <p:sp>
+        <p:nvSpPr>
+          <p:cNvPr id="2" name="Slide Image Placeholder 1"/>
+          <p:cNvSpPr>
+            <a:spLocks noGrp="1" noRot="1" noChangeAspect="1"/>
+          </p:cNvSpPr>
+          <p:nvPr>
+            <p:ph type="sldImg"/>
+          </p:nvPr>
+        </p:nvSpPr>
+        <p:spPr/>
+      </p:sp>
+      <p:sp>
+        <p:nvSpPr>
+          <p:cNvPr id="3" name="Notes Placeholder 2"/>
+          <p:cNvSpPr>
+            <a:spLocks noGrp="1"/>
+          </p:cNvSpPr>
+          <p:nvPr>
+            <p:ph type="body" idx="1"/>
+          </p:nvPr>
+        </p:nvSpPr>
+        <p:spPr/>
+        <p:txBody>
+          <a:bodyPr/>
+          <a:lstStyle/>
+          <a:p>
+            <a:r>
+              <a:rPr lang="en-US" sz="1200" kern="1200" dirty="0">
+                <a:solidFill>
+                  <a:schemeClr val="tx1"/>
+                </a:solidFill>
+                <a:effectLst/>
+                <a:latin typeface="+mn-lt"/>
+                <a:ea typeface="+mn-ea"/>
+                <a:cs typeface="+mn-cs"/>
+              </a:rPr>
+              <a:t>Good morning. My name is Fuxi Ma</a:t>
+            </a:r>
+          </a:p>
+          <a:p>
+            <a:endParaRPr lang="en-US" sz="1200" kern="1200" dirty="0">
+              <a:solidFill>
+                <a:schemeClr val="tx1"/>
+              </a:solidFill>
+              <a:effectLst/>
+              <a:latin typeface="+mn-lt"/>
+              <a:ea typeface="+mn-ea"/>
+              <a:cs typeface="+mn-cs"/>
+            </a:endParaRPr>
+          </a:p>
+          <a:p>
+            <a:r>
+              <a:rPr lang="en-US" sz="1200" kern="1200" dirty="0">
+                <a:solidFill>
+                  <a:schemeClr val="tx1"/>
+                </a:solidFill>
+                <a:effectLst/>
+                <a:latin typeface="+mn-lt"/>
+                <a:ea typeface="+mn-ea"/>
+                <a:cs typeface="+mn-cs"/>
+              </a:rPr>
+              <a:t>Today I am going to walk you through my analysis of the NGS Data, turning raw data into actionable research insights.</a:t>
+            </a:r>
+            <a:endParaRPr lang="en-US" dirty="0"/>
+          </a:p>
+        </p:txBody>
+      </p:sp>
+      <p:sp>
+        <p:nvSpPr>
+          <p:cNvPr id="4" name="Slide Number Placeholder 3"/>
+          <p:cNvSpPr>
+            <a:spLocks noGrp="1"/>
+          </p:cNvSpPr>
+          <p:nvPr>
+            <p:ph type="sldNum" sz="quarter" idx="5"/>
+          </p:nvPr>
+        </p:nvSpPr>
+        <p:spPr/>
+        <p:txBody>
+          <a:bodyPr/>
+          <a:lstStyle/>
+          <a:p>
+            <a:fld id="{DAAF6644-A4CE-4154-B543-AD992E27A400}" type="slidenum">
+              <a:rPr lang="en-US" smtClean="0"/>
+              <a:t>5</a:t>
+            </a:fld>
+            <a:endParaRPr lang="en-US"/>
+          </a:p>
+        </p:txBody>
+      </p:sp>
+    </p:spTree>
+    <p:extLst>
+      <p:ext uri="{BB962C8B-B14F-4D97-AF65-F5344CB8AC3E}">
+        <p14:creationId xmlns:p14="http://schemas.microsoft.com/office/powerpoint/2010/main" val="1279213689"/>
       </p:ext>
     </p:extLst>
   </p:cSld>
@@ -4463,7 +4463,7 @@
           <a:p>
             <a:fld id="{557EBD4B-D9A9-427B-BBF5-8D7A0390865B}" type="datetime1">
               <a:rPr lang="en-US" smtClean="0"/>
-              <a:t>8/26/2025</a:t>
+              <a:t>8/27/2025</a:t>
             </a:fld>
             <a:endParaRPr lang="en-US"/>
           </a:p>
@@ -4661,7 +4661,7 @@
           <a:p>
             <a:fld id="{45EB521B-AED8-4640-B94F-B33F48CCB74E}" type="datetime1">
               <a:rPr lang="en-US" smtClean="0"/>
-              <a:t>8/26/2025</a:t>
+              <a:t>8/27/2025</a:t>
             </a:fld>
             <a:endParaRPr lang="en-US"/>
           </a:p>
@@ -4869,7 +4869,7 @@
           <a:p>
             <a:fld id="{0C0F1F2F-CBBF-490D-9D7A-F85BAFB92123}" type="datetime1">
               <a:rPr lang="en-US" smtClean="0"/>
-              <a:t>8/26/2025</a:t>
+              <a:t>8/27/2025</a:t>
             </a:fld>
             <a:endParaRPr lang="en-US"/>
           </a:p>
@@ -5067,7 +5067,7 @@
           <a:p>
             <a:fld id="{BCC52EB4-69B2-4BEE-98EE-662958A0BA1F}" type="datetime1">
               <a:rPr lang="en-US" smtClean="0"/>
-              <a:t>8/26/2025</a:t>
+              <a:t>8/27/2025</a:t>
             </a:fld>
             <a:endParaRPr lang="en-US"/>
           </a:p>
@@ -5342,7 +5342,7 @@
           <a:p>
             <a:fld id="{96BF2895-8E37-48E8-A3DB-F06D4E757F4E}" type="datetime1">
               <a:rPr lang="en-US" smtClean="0"/>
-              <a:t>8/26/2025</a:t>
+              <a:t>8/27/2025</a:t>
             </a:fld>
             <a:endParaRPr lang="en-US"/>
           </a:p>
@@ -5607,7 +5607,7 @@
           <a:p>
             <a:fld id="{EE29AEFC-5FCE-4238-B385-E4FBC0DA0DF7}" type="datetime1">
               <a:rPr lang="en-US" smtClean="0"/>
-              <a:t>8/26/2025</a:t>
+              <a:t>8/27/2025</a:t>
             </a:fld>
             <a:endParaRPr lang="en-US"/>
           </a:p>
@@ -6019,7 +6019,7 @@
           <a:p>
             <a:fld id="{E2AB055C-250F-4C01-8274-9F3F5FC93DFB}" type="datetime1">
               <a:rPr lang="en-US" smtClean="0"/>
-              <a:t>8/26/2025</a:t>
+              <a:t>8/27/2025</a:t>
             </a:fld>
             <a:endParaRPr lang="en-US"/>
           </a:p>
@@ -6160,7 +6160,7 @@
           <a:p>
             <a:fld id="{57C099CA-A5EA-4E74-8ACA-08A4670C1742}" type="datetime1">
               <a:rPr lang="en-US" smtClean="0"/>
-              <a:t>8/26/2025</a:t>
+              <a:t>8/27/2025</a:t>
             </a:fld>
             <a:endParaRPr lang="en-US"/>
           </a:p>
@@ -6273,7 +6273,7 @@
           <a:p>
             <a:fld id="{5EA65F79-2732-47F5-BEA0-588AC98BDF57}" type="datetime1">
               <a:rPr lang="en-US" smtClean="0"/>
-              <a:t>8/26/2025</a:t>
+              <a:t>8/27/2025</a:t>
             </a:fld>
             <a:endParaRPr lang="en-US"/>
           </a:p>
@@ -6584,7 +6584,7 @@
           <a:p>
             <a:fld id="{5599A50F-11BA-4470-88C6-793D3837ED31}" type="datetime1">
               <a:rPr lang="en-US" smtClean="0"/>
-              <a:t>8/26/2025</a:t>
+              <a:t>8/27/2025</a:t>
             </a:fld>
             <a:endParaRPr lang="en-US"/>
           </a:p>
@@ -6872,7 +6872,7 @@
           <a:p>
             <a:fld id="{E0A1C90E-74C3-4639-8B10-4C012E55C06B}" type="datetime1">
               <a:rPr lang="en-US" smtClean="0"/>
-              <a:t>8/26/2025</a:t>
+              <a:t>8/27/2025</a:t>
             </a:fld>
             <a:endParaRPr lang="en-US"/>
           </a:p>
@@ -7113,7 +7113,7 @@
           <a:p>
             <a:fld id="{D4A5705D-09A0-4B67-AF12-77C4C90BE3DD}" type="datetime1">
               <a:rPr lang="en-US" smtClean="0"/>
-              <a:t>8/26/2025</a:t>
+              <a:t>8/27/2025</a:t>
             </a:fld>
             <a:endParaRPr lang="en-US"/>
           </a:p>
@@ -7530,7 +7530,7 @@
         <p:cNvPr id="1" name="">
           <a:extLst>
             <a:ext uri="{FF2B5EF4-FFF2-40B4-BE49-F238E27FC236}">
-              <a16:creationId xmlns:a16="http://schemas.microsoft.com/office/drawing/2014/main" id="{242090F7-2343-C572-747F-ADCBD801617B}"/>
+              <a16:creationId xmlns:a16="http://schemas.microsoft.com/office/drawing/2014/main" id="{511389BF-946B-F5D6-0D27-C4C41138CACD}"/>
             </a:ext>
           </a:extLst>
         </p:cNvPr>
@@ -7547,10 +7547,10 @@
       </p:grpSpPr>
       <p:sp useBgFill="1">
         <p:nvSpPr>
-          <p:cNvPr id="14" name="Rectangle 13">
+          <p:cNvPr id="21" name="Rectangle 20">
             <a:extLst>
               <a:ext uri="{FF2B5EF4-FFF2-40B4-BE49-F238E27FC236}">
-                <a16:creationId xmlns:a16="http://schemas.microsoft.com/office/drawing/2014/main" id="{C9DD09DE-4863-75A3-246B-EE08BB3DC9C9}"/>
+                <a16:creationId xmlns:a16="http://schemas.microsoft.com/office/drawing/2014/main" id="{CED91C23-B9AF-2093-9591-5A11B1EAED31}"/>
               </a:ext>
               <a:ext uri="{C183D7F6-B498-43B3-948B-1728B52AA6E4}">
                 <adec:decorative xmlns:adec="http://schemas.microsoft.com/office/drawing/2017/decorative" val="1"/>
@@ -7571,7 +7571,7 @@
         <p:spPr>
           <a:xfrm>
             <a:off x="0" y="0"/>
-            <a:ext cx="12188952" cy="6858000"/>
+            <a:ext cx="12192000" cy="6858000"/>
           </a:xfrm>
           <a:prstGeom prst="rect">
             <a:avLst/>
@@ -7607,10 +7607,10 @@
       </p:sp>
       <p:sp>
         <p:nvSpPr>
-          <p:cNvPr id="15" name="Freeform: Shape 14">
+          <p:cNvPr id="23" name="Freeform: Shape 22">
             <a:extLst>
               <a:ext uri="{FF2B5EF4-FFF2-40B4-BE49-F238E27FC236}">
-                <a16:creationId xmlns:a16="http://schemas.microsoft.com/office/drawing/2014/main" id="{8AB973E5-57A6-F247-18AE-A405A48668AB}"/>
+                <a16:creationId xmlns:a16="http://schemas.microsoft.com/office/drawing/2014/main" id="{65F926E1-0677-55D8-F3F7-EC59ED42D2B6}"/>
               </a:ext>
               <a:ext uri="{C183D7F6-B498-43B3-948B-1728B52AA6E4}">
                 <adec:decorative xmlns:adec="http://schemas.microsoft.com/office/drawing/2017/decorative" val="1"/>
@@ -7629,97 +7629,195 @@
           </p:nvPr>
         </p:nvSpPr>
         <p:spPr>
-          <a:xfrm>
-            <a:off x="0" y="0"/>
-            <a:ext cx="12192000" cy="6858000"/>
+          <a:xfrm flipH="1">
+            <a:off x="10208496" y="0"/>
+            <a:ext cx="1983504" cy="6858000"/>
           </a:xfrm>
           <a:custGeom>
             <a:avLst/>
             <a:gdLst>
-              <a:gd name="connsiteX0" fmla="*/ 0 w 12192000"/>
+              <a:gd name="connsiteX0" fmla="*/ 0 w 1983504"/>
               <a:gd name="connsiteY0" fmla="*/ 0 h 6858000"/>
-              <a:gd name="connsiteX1" fmla="*/ 3852070 w 12192000"/>
+              <a:gd name="connsiteX1" fmla="*/ 1376658 w 1983504"/>
               <a:gd name="connsiteY1" fmla="*/ 0 h 6858000"/>
-              <a:gd name="connsiteX2" fmla="*/ 3878367 w 12192000"/>
-              <a:gd name="connsiteY2" fmla="*/ 23504 h 6858000"/>
-              <a:gd name="connsiteX3" fmla="*/ 3885324 w 12192000"/>
-              <a:gd name="connsiteY3" fmla="*/ 84795 h 6858000"/>
-              <a:gd name="connsiteX4" fmla="*/ 3820400 w 12192000"/>
-              <a:gd name="connsiteY4" fmla="*/ 131127 h 6858000"/>
-              <a:gd name="connsiteX5" fmla="*/ 3631811 w 12192000"/>
-              <a:gd name="connsiteY5" fmla="*/ 219929 h 6858000"/>
-              <a:gd name="connsiteX6" fmla="*/ 4327428 w 12192000"/>
-              <a:gd name="connsiteY6" fmla="*/ 351201 h 6858000"/>
-              <a:gd name="connsiteX7" fmla="*/ 4080099 w 12192000"/>
-              <a:gd name="connsiteY7" fmla="*/ 432279 h 6858000"/>
-              <a:gd name="connsiteX8" fmla="*/ 3823492 w 12192000"/>
-              <a:gd name="connsiteY8" fmla="*/ 490194 h 6858000"/>
-              <a:gd name="connsiteX9" fmla="*/ 3545246 w 12192000"/>
-              <a:gd name="connsiteY9" fmla="*/ 532664 h 6858000"/>
-              <a:gd name="connsiteX10" fmla="*/ 3291732 w 12192000"/>
-              <a:gd name="connsiteY10" fmla="*/ 617605 h 6858000"/>
-              <a:gd name="connsiteX11" fmla="*/ 3953340 w 12192000"/>
-              <a:gd name="connsiteY11" fmla="*/ 652353 h 6858000"/>
-              <a:gd name="connsiteX12" fmla="*/ 3610170 w 12192000"/>
-              <a:gd name="connsiteY12" fmla="*/ 729572 h 6858000"/>
-              <a:gd name="connsiteX13" fmla="*/ 3328832 w 12192000"/>
-              <a:gd name="connsiteY13" fmla="*/ 829957 h 6858000"/>
-              <a:gd name="connsiteX14" fmla="*/ 3130966 w 12192000"/>
-              <a:gd name="connsiteY14" fmla="*/ 876288 h 6858000"/>
-              <a:gd name="connsiteX15" fmla="*/ 2920736 w 12192000"/>
-              <a:gd name="connsiteY15" fmla="*/ 887872 h 6858000"/>
-              <a:gd name="connsiteX16" fmla="*/ 2871269 w 12192000"/>
-              <a:gd name="connsiteY16" fmla="*/ 961228 h 6858000"/>
-              <a:gd name="connsiteX17" fmla="*/ 2936195 w 12192000"/>
-              <a:gd name="connsiteY17" fmla="*/ 1038448 h 6858000"/>
-              <a:gd name="connsiteX18" fmla="*/ 3035126 w 12192000"/>
-              <a:gd name="connsiteY18" fmla="*/ 1046168 h 6858000"/>
-              <a:gd name="connsiteX19" fmla="*/ 3625627 w 12192000"/>
-              <a:gd name="connsiteY19" fmla="*/ 1065474 h 6858000"/>
-              <a:gd name="connsiteX20" fmla="*/ 1733551 w 12192000"/>
-              <a:gd name="connsiteY20" fmla="*/ 1235355 h 6858000"/>
-              <a:gd name="connsiteX21" fmla="*/ 1990156 w 12192000"/>
-              <a:gd name="connsiteY21" fmla="*/ 1339602 h 6858000"/>
-              <a:gd name="connsiteX22" fmla="*/ 2076722 w 12192000"/>
-              <a:gd name="connsiteY22" fmla="*/ 1625311 h 6858000"/>
-              <a:gd name="connsiteX23" fmla="*/ 2392067 w 12192000"/>
-              <a:gd name="connsiteY23" fmla="*/ 1787470 h 6858000"/>
-              <a:gd name="connsiteX24" fmla="*/ 2596115 w 12192000"/>
-              <a:gd name="connsiteY24" fmla="*/ 1845385 h 6858000"/>
-              <a:gd name="connsiteX25" fmla="*/ 3062950 w 12192000"/>
-              <a:gd name="connsiteY25" fmla="*/ 1930326 h 6858000"/>
-              <a:gd name="connsiteX26" fmla="*/ 3130966 w 12192000"/>
-              <a:gd name="connsiteY26" fmla="*/ 2069319 h 6858000"/>
-              <a:gd name="connsiteX27" fmla="*/ 3189708 w 12192000"/>
-              <a:gd name="connsiteY27" fmla="*/ 2223754 h 6858000"/>
-              <a:gd name="connsiteX28" fmla="*/ 3313373 w 12192000"/>
-              <a:gd name="connsiteY28" fmla="*/ 2324141 h 6858000"/>
-              <a:gd name="connsiteX29" fmla="*/ 2351877 w 12192000"/>
-              <a:gd name="connsiteY29" fmla="*/ 2308697 h 6858000"/>
-              <a:gd name="connsiteX30" fmla="*/ 3437038 w 12192000"/>
-              <a:gd name="connsiteY30" fmla="*/ 2633017 h 6858000"/>
-              <a:gd name="connsiteX31" fmla="*/ 3341198 w 12192000"/>
-              <a:gd name="connsiteY31" fmla="*/ 2760427 h 6858000"/>
-              <a:gd name="connsiteX32" fmla="*/ 3934791 w 12192000"/>
-              <a:gd name="connsiteY32" fmla="*/ 2934169 h 6858000"/>
-              <a:gd name="connsiteX33" fmla="*/ 3616352 w 12192000"/>
-              <a:gd name="connsiteY33" fmla="*/ 2953473 h 6858000"/>
-              <a:gd name="connsiteX34" fmla="*/ 5468240 w 12192000"/>
-              <a:gd name="connsiteY34" fmla="*/ 3679329 h 6858000"/>
-              <a:gd name="connsiteX35" fmla="*/ 8111582 w 12192000"/>
-              <a:gd name="connsiteY35" fmla="*/ 4204418 h 6858000"/>
-              <a:gd name="connsiteX36" fmla="*/ 9144186 w 12192000"/>
-              <a:gd name="connsiteY36" fmla="*/ 4304802 h 6858000"/>
-              <a:gd name="connsiteX37" fmla="*/ 10319004 w 12192000"/>
-              <a:gd name="connsiteY37" fmla="*/ 4273915 h 6858000"/>
-              <a:gd name="connsiteX38" fmla="*/ 12053408 w 12192000"/>
-              <a:gd name="connsiteY38" fmla="*/ 3907125 h 6858000"/>
-              <a:gd name="connsiteX39" fmla="*/ 12192000 w 12192000"/>
-              <a:gd name="connsiteY39" fmla="*/ 3841157 h 6858000"/>
-              <a:gd name="connsiteX40" fmla="*/ 12192000 w 12192000"/>
-              <a:gd name="connsiteY40" fmla="*/ 6858000 h 6858000"/>
-              <a:gd name="connsiteX41" fmla="*/ 0 w 12192000"/>
-              <a:gd name="connsiteY41" fmla="*/ 6858000 h 6858000"/>
+              <a:gd name="connsiteX2" fmla="*/ 1690650 w 1983504"/>
+              <a:gd name="connsiteY2" fmla="*/ 110269 h 6858000"/>
+              <a:gd name="connsiteX3" fmla="*/ 1645361 w 1983504"/>
+              <a:gd name="connsiteY3" fmla="*/ 135168 h 6858000"/>
+              <a:gd name="connsiteX4" fmla="*/ 1373640 w 1983504"/>
+              <a:gd name="connsiteY4" fmla="*/ 71141 h 6858000"/>
+              <a:gd name="connsiteX5" fmla="*/ 1319295 w 1983504"/>
+              <a:gd name="connsiteY5" fmla="*/ 88927 h 6858000"/>
+              <a:gd name="connsiteX6" fmla="*/ 1346468 w 1983504"/>
+              <a:gd name="connsiteY6" fmla="*/ 163625 h 6858000"/>
+              <a:gd name="connsiteX7" fmla="*/ 1464213 w 1983504"/>
+              <a:gd name="connsiteY7" fmla="*/ 192082 h 6858000"/>
+              <a:gd name="connsiteX8" fmla="*/ 1648381 w 1983504"/>
+              <a:gd name="connsiteY8" fmla="*/ 373491 h 6858000"/>
+              <a:gd name="connsiteX9" fmla="*/ 1370620 w 1983504"/>
+              <a:gd name="connsiteY9" fmla="*/ 352148 h 6858000"/>
+              <a:gd name="connsiteX10" fmla="*/ 1322314 w 1983504"/>
+              <a:gd name="connsiteY10" fmla="*/ 394834 h 6858000"/>
+              <a:gd name="connsiteX11" fmla="*/ 1304199 w 1983504"/>
+              <a:gd name="connsiteY11" fmla="*/ 451747 h 6858000"/>
+              <a:gd name="connsiteX12" fmla="*/ 1222682 w 1983504"/>
+              <a:gd name="connsiteY12" fmla="*/ 359262 h 6858000"/>
+              <a:gd name="connsiteX13" fmla="*/ 1153242 w 1983504"/>
+              <a:gd name="connsiteY13" fmla="*/ 334364 h 6858000"/>
+              <a:gd name="connsiteX14" fmla="*/ 1132108 w 1983504"/>
+              <a:gd name="connsiteY14" fmla="*/ 416176 h 6858000"/>
+              <a:gd name="connsiteX15" fmla="*/ 1195509 w 1983504"/>
+              <a:gd name="connsiteY15" fmla="*/ 505101 h 6858000"/>
+              <a:gd name="connsiteX16" fmla="*/ 1364582 w 1983504"/>
+              <a:gd name="connsiteY16" fmla="*/ 558458 h 6858000"/>
+              <a:gd name="connsiteX17" fmla="*/ 1183434 w 1983504"/>
+              <a:gd name="connsiteY17" fmla="*/ 558458 h 6858000"/>
+              <a:gd name="connsiteX18" fmla="*/ 975114 w 1983504"/>
+              <a:gd name="connsiteY18" fmla="*/ 522887 h 6858000"/>
+              <a:gd name="connsiteX19" fmla="*/ 754716 w 1983504"/>
+              <a:gd name="connsiteY19" fmla="*/ 533558 h 6858000"/>
+              <a:gd name="connsiteX20" fmla="*/ 546395 w 1983504"/>
+              <a:gd name="connsiteY20" fmla="*/ 462417 h 6858000"/>
+              <a:gd name="connsiteX21" fmla="*/ 335056 w 1983504"/>
+              <a:gd name="connsiteY21" fmla="*/ 465975 h 6858000"/>
+              <a:gd name="connsiteX22" fmla="*/ 1270988 w 1983504"/>
+              <a:gd name="connsiteY22" fmla="*/ 910606 h 6858000"/>
+              <a:gd name="connsiteX23" fmla="*/ 1225701 w 1983504"/>
+              <a:gd name="connsiteY23" fmla="*/ 921277 h 6858000"/>
+              <a:gd name="connsiteX24" fmla="*/ 1165318 w 1983504"/>
+              <a:gd name="connsiteY24" fmla="*/ 949734 h 6858000"/>
+              <a:gd name="connsiteX25" fmla="*/ 1210606 w 1983504"/>
+              <a:gd name="connsiteY25" fmla="*/ 1006647 h 6858000"/>
+              <a:gd name="connsiteX26" fmla="*/ 1455156 w 1983504"/>
+              <a:gd name="connsiteY26" fmla="*/ 1113358 h 6858000"/>
+              <a:gd name="connsiteX27" fmla="*/ 1515538 w 1983504"/>
+              <a:gd name="connsiteY27" fmla="*/ 1220069 h 6858000"/>
+              <a:gd name="connsiteX28" fmla="*/ 1440060 w 1983504"/>
+              <a:gd name="connsiteY28" fmla="*/ 1209399 h 6858000"/>
+              <a:gd name="connsiteX29" fmla="*/ 1373640 w 1983504"/>
+              <a:gd name="connsiteY29" fmla="*/ 1230741 h 6858000"/>
+              <a:gd name="connsiteX30" fmla="*/ 1400810 w 1983504"/>
+              <a:gd name="connsiteY30" fmla="*/ 1365909 h 6858000"/>
+              <a:gd name="connsiteX31" fmla="*/ 1748012 w 1983504"/>
+              <a:gd name="connsiteY31" fmla="*/ 1540204 h 6858000"/>
+              <a:gd name="connsiteX32" fmla="*/ 1778203 w 1983504"/>
+              <a:gd name="connsiteY32" fmla="*/ 1597117 h 6858000"/>
+              <a:gd name="connsiteX33" fmla="*/ 1735936 w 1983504"/>
+              <a:gd name="connsiteY33" fmla="*/ 1636245 h 6858000"/>
+              <a:gd name="connsiteX34" fmla="*/ 1624228 w 1983504"/>
+              <a:gd name="connsiteY34" fmla="*/ 1657587 h 6858000"/>
+              <a:gd name="connsiteX35" fmla="*/ 1781223 w 1983504"/>
+              <a:gd name="connsiteY35" fmla="*/ 1849668 h 6858000"/>
+              <a:gd name="connsiteX36" fmla="*/ 1838587 w 1983504"/>
+              <a:gd name="connsiteY36" fmla="*/ 1903025 h 6858000"/>
+              <a:gd name="connsiteX37" fmla="*/ 1938218 w 1983504"/>
+              <a:gd name="connsiteY37" fmla="*/ 1984836 h 6858000"/>
+              <a:gd name="connsiteX38" fmla="*/ 1938218 w 1983504"/>
+              <a:gd name="connsiteY38" fmla="*/ 2013292 h 6858000"/>
+              <a:gd name="connsiteX39" fmla="*/ 1805376 w 1983504"/>
+              <a:gd name="connsiteY39" fmla="*/ 2102219 h 6858000"/>
+              <a:gd name="connsiteX40" fmla="*/ 1563844 w 1983504"/>
+              <a:gd name="connsiteY40" fmla="*/ 2077320 h 6858000"/>
+              <a:gd name="connsiteX41" fmla="*/ 1920104 w 1983504"/>
+              <a:gd name="connsiteY41" fmla="*/ 2208931 h 6858000"/>
+              <a:gd name="connsiteX42" fmla="*/ 766792 w 1983504"/>
+              <a:gd name="connsiteY42" fmla="*/ 1892353 h 6858000"/>
+              <a:gd name="connsiteX43" fmla="*/ 839252 w 1983504"/>
+              <a:gd name="connsiteY43" fmla="*/ 1974165 h 6858000"/>
+              <a:gd name="connsiteX44" fmla="*/ 1243816 w 1983504"/>
+              <a:gd name="connsiteY44" fmla="*/ 2191146 h 6858000"/>
+              <a:gd name="connsiteX45" fmla="*/ 1358543 w 1983504"/>
+              <a:gd name="connsiteY45" fmla="*/ 2326314 h 6858000"/>
+              <a:gd name="connsiteX46" fmla="*/ 1479310 w 1983504"/>
+              <a:gd name="connsiteY46" fmla="*/ 2401012 h 6858000"/>
+              <a:gd name="connsiteX47" fmla="*/ 1648381 w 1983504"/>
+              <a:gd name="connsiteY47" fmla="*/ 2401012 h 6858000"/>
+              <a:gd name="connsiteX48" fmla="*/ 1769146 w 1983504"/>
+              <a:gd name="connsiteY48" fmla="*/ 2518395 h 6858000"/>
+              <a:gd name="connsiteX49" fmla="*/ 1645361 w 1983504"/>
+              <a:gd name="connsiteY49" fmla="*/ 2543294 h 6858000"/>
+              <a:gd name="connsiteX50" fmla="*/ 1500444 w 1983504"/>
+              <a:gd name="connsiteY50" fmla="*/ 2525509 h 6858000"/>
+              <a:gd name="connsiteX51" fmla="*/ 1337410 w 1983504"/>
+              <a:gd name="connsiteY51" fmla="*/ 2564636 h 6858000"/>
+              <a:gd name="connsiteX52" fmla="*/ 1186452 w 1983504"/>
+              <a:gd name="connsiteY52" fmla="*/ 2532623 h 6858000"/>
+              <a:gd name="connsiteX53" fmla="*/ 1005304 w 1983504"/>
+              <a:gd name="connsiteY53" fmla="*/ 2553965 h 6858000"/>
+              <a:gd name="connsiteX54" fmla="*/ 947940 w 1983504"/>
+              <a:gd name="connsiteY54" fmla="*/ 2692689 h 6858000"/>
+              <a:gd name="connsiteX55" fmla="*/ 929826 w 1983504"/>
+              <a:gd name="connsiteY55" fmla="*/ 2703362 h 6858000"/>
+              <a:gd name="connsiteX56" fmla="*/ 594701 w 1983504"/>
+              <a:gd name="connsiteY56" fmla="*/ 2923898 h 6858000"/>
+              <a:gd name="connsiteX57" fmla="*/ 501108 w 1983504"/>
+              <a:gd name="connsiteY57" fmla="*/ 2941684 h 6858000"/>
+              <a:gd name="connsiteX58" fmla="*/ 1053610 w 1983504"/>
+              <a:gd name="connsiteY58" fmla="*/ 3329402 h 6858000"/>
+              <a:gd name="connsiteX59" fmla="*/ 682256 w 1983504"/>
+              <a:gd name="connsiteY59" fmla="*/ 3229805 h 6858000"/>
+              <a:gd name="connsiteX60" fmla="*/ 630932 w 1983504"/>
+              <a:gd name="connsiteY60" fmla="*/ 3393429 h 6858000"/>
+              <a:gd name="connsiteX61" fmla="*/ 806041 w 1983504"/>
+              <a:gd name="connsiteY61" fmla="*/ 3539269 h 6858000"/>
+              <a:gd name="connsiteX62" fmla="*/ 869444 w 1983504"/>
+              <a:gd name="connsiteY62" fmla="*/ 3827390 h 6858000"/>
+              <a:gd name="connsiteX63" fmla="*/ 839252 w 1983504"/>
+              <a:gd name="connsiteY63" fmla="*/ 4090612 h 6858000"/>
+              <a:gd name="connsiteX64" fmla="*/ 763774 w 1983504"/>
+              <a:gd name="connsiteY64" fmla="*/ 4172424 h 6858000"/>
+              <a:gd name="connsiteX65" fmla="*/ 655085 w 1983504"/>
+              <a:gd name="connsiteY65" fmla="*/ 4321821 h 6858000"/>
+              <a:gd name="connsiteX66" fmla="*/ 588662 w 1983504"/>
+              <a:gd name="connsiteY66" fmla="*/ 4414305 h 6858000"/>
+              <a:gd name="connsiteX67" fmla="*/ 356189 w 1983504"/>
+              <a:gd name="connsiteY67" fmla="*/ 4378734 h 6858000"/>
+              <a:gd name="connsiteX68" fmla="*/ 667160 w 1983504"/>
+              <a:gd name="connsiteY68" fmla="*/ 4613499 h 6858000"/>
+              <a:gd name="connsiteX69" fmla="*/ 416573 w 1983504"/>
+              <a:gd name="connsiteY69" fmla="*/ 4585042 h 6858000"/>
+              <a:gd name="connsiteX70" fmla="*/ 335056 w 1983504"/>
+              <a:gd name="connsiteY70" fmla="*/ 4602828 h 6858000"/>
+              <a:gd name="connsiteX71" fmla="*/ 380342 w 1983504"/>
+              <a:gd name="connsiteY71" fmla="*/ 4677526 h 6858000"/>
+              <a:gd name="connsiteX72" fmla="*/ 564510 w 1983504"/>
+              <a:gd name="connsiteY72" fmla="*/ 4805580 h 6858000"/>
+              <a:gd name="connsiteX73" fmla="*/ 944922 w 1983504"/>
+              <a:gd name="connsiteY73" fmla="*/ 5154171 h 6858000"/>
+              <a:gd name="connsiteX74" fmla="*/ 576586 w 1983504"/>
+              <a:gd name="connsiteY74" fmla="*/ 4994104 h 6858000"/>
+              <a:gd name="connsiteX75" fmla="*/ 963036 w 1983504"/>
+              <a:gd name="connsiteY75" fmla="*/ 5353367 h 6858000"/>
+              <a:gd name="connsiteX76" fmla="*/ 1047572 w 1983504"/>
+              <a:gd name="connsiteY76" fmla="*/ 5474306 h 6858000"/>
+              <a:gd name="connsiteX77" fmla="*/ 1222682 w 1983504"/>
+              <a:gd name="connsiteY77" fmla="*/ 5769542 h 6858000"/>
+              <a:gd name="connsiteX78" fmla="*/ 1213626 w 1983504"/>
+              <a:gd name="connsiteY78" fmla="*/ 5801555 h 6858000"/>
+              <a:gd name="connsiteX79" fmla="*/ 1014361 w 1983504"/>
+              <a:gd name="connsiteY79" fmla="*/ 5755314 h 6858000"/>
+              <a:gd name="connsiteX80" fmla="*/ 1274008 w 1983504"/>
+              <a:gd name="connsiteY80" fmla="*/ 6004307 h 6858000"/>
+              <a:gd name="connsiteX81" fmla="*/ 1542711 w 1983504"/>
+              <a:gd name="connsiteY81" fmla="*/ 6196388 h 6858000"/>
+              <a:gd name="connsiteX82" fmla="*/ 1352504 w 1983504"/>
+              <a:gd name="connsiteY82" fmla="*/ 6167932 h 6858000"/>
+              <a:gd name="connsiteX83" fmla="*/ 1089840 w 1983504"/>
+              <a:gd name="connsiteY83" fmla="*/ 6057663 h 6858000"/>
+              <a:gd name="connsiteX84" fmla="*/ 999266 w 1983504"/>
+              <a:gd name="connsiteY84" fmla="*/ 6100347 h 6858000"/>
+              <a:gd name="connsiteX85" fmla="*/ 1246836 w 1983504"/>
+              <a:gd name="connsiteY85" fmla="*/ 6281757 h 6858000"/>
+              <a:gd name="connsiteX86" fmla="*/ 1388735 w 1983504"/>
+              <a:gd name="connsiteY86" fmla="*/ 6367127 h 6858000"/>
+              <a:gd name="connsiteX87" fmla="*/ 1446099 w 1983504"/>
+              <a:gd name="connsiteY87" fmla="*/ 6431153 h 6858000"/>
+              <a:gd name="connsiteX88" fmla="*/ 1609132 w 1983504"/>
+              <a:gd name="connsiteY88" fmla="*/ 6658805 h 6858000"/>
+              <a:gd name="connsiteX89" fmla="*/ 1983504 w 1983504"/>
+              <a:gd name="connsiteY89" fmla="*/ 6858000 h 6858000"/>
+              <a:gd name="connsiteX90" fmla="*/ 0 w 1983504"/>
+              <a:gd name="connsiteY90" fmla="*/ 6858000 h 6858000"/>
             </a:gdLst>
             <a:ahLst/>
             <a:cxnLst>
@@ -7849,205 +7947,603 @@
               <a:cxn ang="0">
                 <a:pos x="connsiteX41" y="connsiteY41"/>
               </a:cxn>
+              <a:cxn ang="0">
+                <a:pos x="connsiteX42" y="connsiteY42"/>
+              </a:cxn>
+              <a:cxn ang="0">
+                <a:pos x="connsiteX43" y="connsiteY43"/>
+              </a:cxn>
+              <a:cxn ang="0">
+                <a:pos x="connsiteX44" y="connsiteY44"/>
+              </a:cxn>
+              <a:cxn ang="0">
+                <a:pos x="connsiteX45" y="connsiteY45"/>
+              </a:cxn>
+              <a:cxn ang="0">
+                <a:pos x="connsiteX46" y="connsiteY46"/>
+              </a:cxn>
+              <a:cxn ang="0">
+                <a:pos x="connsiteX47" y="connsiteY47"/>
+              </a:cxn>
+              <a:cxn ang="0">
+                <a:pos x="connsiteX48" y="connsiteY48"/>
+              </a:cxn>
+              <a:cxn ang="0">
+                <a:pos x="connsiteX49" y="connsiteY49"/>
+              </a:cxn>
+              <a:cxn ang="0">
+                <a:pos x="connsiteX50" y="connsiteY50"/>
+              </a:cxn>
+              <a:cxn ang="0">
+                <a:pos x="connsiteX51" y="connsiteY51"/>
+              </a:cxn>
+              <a:cxn ang="0">
+                <a:pos x="connsiteX52" y="connsiteY52"/>
+              </a:cxn>
+              <a:cxn ang="0">
+                <a:pos x="connsiteX53" y="connsiteY53"/>
+              </a:cxn>
+              <a:cxn ang="0">
+                <a:pos x="connsiteX54" y="connsiteY54"/>
+              </a:cxn>
+              <a:cxn ang="0">
+                <a:pos x="connsiteX55" y="connsiteY55"/>
+              </a:cxn>
+              <a:cxn ang="0">
+                <a:pos x="connsiteX56" y="connsiteY56"/>
+              </a:cxn>
+              <a:cxn ang="0">
+                <a:pos x="connsiteX57" y="connsiteY57"/>
+              </a:cxn>
+              <a:cxn ang="0">
+                <a:pos x="connsiteX58" y="connsiteY58"/>
+              </a:cxn>
+              <a:cxn ang="0">
+                <a:pos x="connsiteX59" y="connsiteY59"/>
+              </a:cxn>
+              <a:cxn ang="0">
+                <a:pos x="connsiteX60" y="connsiteY60"/>
+              </a:cxn>
+              <a:cxn ang="0">
+                <a:pos x="connsiteX61" y="connsiteY61"/>
+              </a:cxn>
+              <a:cxn ang="0">
+                <a:pos x="connsiteX62" y="connsiteY62"/>
+              </a:cxn>
+              <a:cxn ang="0">
+                <a:pos x="connsiteX63" y="connsiteY63"/>
+              </a:cxn>
+              <a:cxn ang="0">
+                <a:pos x="connsiteX64" y="connsiteY64"/>
+              </a:cxn>
+              <a:cxn ang="0">
+                <a:pos x="connsiteX65" y="connsiteY65"/>
+              </a:cxn>
+              <a:cxn ang="0">
+                <a:pos x="connsiteX66" y="connsiteY66"/>
+              </a:cxn>
+              <a:cxn ang="0">
+                <a:pos x="connsiteX67" y="connsiteY67"/>
+              </a:cxn>
+              <a:cxn ang="0">
+                <a:pos x="connsiteX68" y="connsiteY68"/>
+              </a:cxn>
+              <a:cxn ang="0">
+                <a:pos x="connsiteX69" y="connsiteY69"/>
+              </a:cxn>
+              <a:cxn ang="0">
+                <a:pos x="connsiteX70" y="connsiteY70"/>
+              </a:cxn>
+              <a:cxn ang="0">
+                <a:pos x="connsiteX71" y="connsiteY71"/>
+              </a:cxn>
+              <a:cxn ang="0">
+                <a:pos x="connsiteX72" y="connsiteY72"/>
+              </a:cxn>
+              <a:cxn ang="0">
+                <a:pos x="connsiteX73" y="connsiteY73"/>
+              </a:cxn>
+              <a:cxn ang="0">
+                <a:pos x="connsiteX74" y="connsiteY74"/>
+              </a:cxn>
+              <a:cxn ang="0">
+                <a:pos x="connsiteX75" y="connsiteY75"/>
+              </a:cxn>
+              <a:cxn ang="0">
+                <a:pos x="connsiteX76" y="connsiteY76"/>
+              </a:cxn>
+              <a:cxn ang="0">
+                <a:pos x="connsiteX77" y="connsiteY77"/>
+              </a:cxn>
+              <a:cxn ang="0">
+                <a:pos x="connsiteX78" y="connsiteY78"/>
+              </a:cxn>
+              <a:cxn ang="0">
+                <a:pos x="connsiteX79" y="connsiteY79"/>
+              </a:cxn>
+              <a:cxn ang="0">
+                <a:pos x="connsiteX80" y="connsiteY80"/>
+              </a:cxn>
+              <a:cxn ang="0">
+                <a:pos x="connsiteX81" y="connsiteY81"/>
+              </a:cxn>
+              <a:cxn ang="0">
+                <a:pos x="connsiteX82" y="connsiteY82"/>
+              </a:cxn>
+              <a:cxn ang="0">
+                <a:pos x="connsiteX83" y="connsiteY83"/>
+              </a:cxn>
+              <a:cxn ang="0">
+                <a:pos x="connsiteX84" y="connsiteY84"/>
+              </a:cxn>
+              <a:cxn ang="0">
+                <a:pos x="connsiteX85" y="connsiteY85"/>
+              </a:cxn>
+              <a:cxn ang="0">
+                <a:pos x="connsiteX86" y="connsiteY86"/>
+              </a:cxn>
+              <a:cxn ang="0">
+                <a:pos x="connsiteX87" y="connsiteY87"/>
+              </a:cxn>
+              <a:cxn ang="0">
+                <a:pos x="connsiteX88" y="connsiteY88"/>
+              </a:cxn>
+              <a:cxn ang="0">
+                <a:pos x="connsiteX89" y="connsiteY89"/>
+              </a:cxn>
+              <a:cxn ang="0">
+                <a:pos x="connsiteX90" y="connsiteY90"/>
+              </a:cxn>
             </a:cxnLst>
             <a:rect l="l" t="t" r="r" b="b"/>
             <a:pathLst>
-              <a:path w="12192000" h="6858000">
+              <a:path w="1983504" h="6858000">
                 <a:moveTo>
                   <a:pt x="0" y="0"/>
                 </a:moveTo>
                 <a:lnTo>
-                  <a:pt x="3852070" y="0"/>
+                  <a:pt x="1376658" y="0"/>
                 </a:lnTo>
-                <a:lnTo>
-                  <a:pt x="3878367" y="23504"/>
-                </a:lnTo>
-                <a:cubicBezTo>
-                  <a:pt x="3887642" y="39430"/>
-                  <a:pt x="3891507" y="59700"/>
-                  <a:pt x="3885324" y="84795"/>
-                </a:cubicBezTo>
-                <a:cubicBezTo>
-                  <a:pt x="3876049" y="123406"/>
-                  <a:pt x="3845133" y="123406"/>
-                  <a:pt x="3820400" y="131127"/>
-                </a:cubicBezTo>
-                <a:cubicBezTo>
-                  <a:pt x="3764751" y="154292"/>
-                  <a:pt x="3696735" y="138849"/>
-                  <a:pt x="3631811" y="219929"/>
-                </a:cubicBezTo>
-                <a:cubicBezTo>
-                  <a:pt x="3879141" y="262399"/>
-                  <a:pt x="4117198" y="181318"/>
-                  <a:pt x="4327428" y="351201"/>
-                </a:cubicBezTo>
-                <a:cubicBezTo>
-                  <a:pt x="4250138" y="436142"/>
-                  <a:pt x="4163572" y="416836"/>
-                  <a:pt x="4080099" y="432279"/>
-                </a:cubicBezTo>
-                <a:cubicBezTo>
-                  <a:pt x="3993533" y="447725"/>
-                  <a:pt x="3910058" y="474751"/>
-                  <a:pt x="3823492" y="490194"/>
-                </a:cubicBezTo>
-                <a:cubicBezTo>
-                  <a:pt x="3730743" y="509498"/>
-                  <a:pt x="3637993" y="513360"/>
-                  <a:pt x="3545246" y="532664"/>
-                </a:cubicBezTo>
-                <a:cubicBezTo>
-                  <a:pt x="3467954" y="548109"/>
-                  <a:pt x="3384480" y="521081"/>
-                  <a:pt x="3291732" y="617605"/>
-                </a:cubicBezTo>
-                <a:cubicBezTo>
-                  <a:pt x="3520513" y="687103"/>
-                  <a:pt x="3727651" y="582857"/>
-                  <a:pt x="3953340" y="652353"/>
-                </a:cubicBezTo>
-                <a:cubicBezTo>
-                  <a:pt x="3820400" y="714129"/>
-                  <a:pt x="3712194" y="694824"/>
-                  <a:pt x="3610170" y="729572"/>
-                </a:cubicBezTo>
-                <a:cubicBezTo>
-                  <a:pt x="3517420" y="764322"/>
-                  <a:pt x="3406122" y="725712"/>
-                  <a:pt x="3328832" y="829957"/>
-                </a:cubicBezTo>
-                <a:cubicBezTo>
-                  <a:pt x="3270090" y="911035"/>
-                  <a:pt x="3208258" y="922618"/>
-                  <a:pt x="3130966" y="876288"/>
-                </a:cubicBezTo>
-                <a:cubicBezTo>
-                  <a:pt x="3062950" y="833818"/>
-                  <a:pt x="2988752" y="845400"/>
-                  <a:pt x="2920736" y="887872"/>
-                </a:cubicBezTo>
-                <a:cubicBezTo>
-                  <a:pt x="2896004" y="903315"/>
-                  <a:pt x="2871269" y="922618"/>
-                  <a:pt x="2871269" y="961228"/>
-                </a:cubicBezTo>
-                <a:cubicBezTo>
-                  <a:pt x="2871269" y="1015283"/>
-                  <a:pt x="2902186" y="1030726"/>
-                  <a:pt x="2936195" y="1038448"/>
-                </a:cubicBezTo>
-                <a:cubicBezTo>
-                  <a:pt x="2967111" y="1046168"/>
-                  <a:pt x="3004210" y="1053891"/>
-                  <a:pt x="3035126" y="1046168"/>
-                </a:cubicBezTo>
-                <a:cubicBezTo>
-                  <a:pt x="3232990" y="1003700"/>
-                  <a:pt x="3427764" y="1073194"/>
-                  <a:pt x="3625627" y="1065474"/>
-                </a:cubicBezTo>
-                <a:cubicBezTo>
-                  <a:pt x="3004210" y="1231494"/>
-                  <a:pt x="2376610" y="1177441"/>
-                  <a:pt x="1733551" y="1235355"/>
-                </a:cubicBezTo>
-                <a:cubicBezTo>
-                  <a:pt x="1817025" y="1351183"/>
-                  <a:pt x="1925232" y="1254661"/>
-                  <a:pt x="1990156" y="1339602"/>
-                </a:cubicBezTo>
-                <a:cubicBezTo>
-                  <a:pt x="1928323" y="1517205"/>
-                  <a:pt x="1953057" y="1613728"/>
-                  <a:pt x="2076722" y="1625311"/>
-                </a:cubicBezTo>
-                <a:cubicBezTo>
-                  <a:pt x="2197295" y="1636894"/>
-                  <a:pt x="2327143" y="1575118"/>
-                  <a:pt x="2392067" y="1787470"/>
-                </a:cubicBezTo>
-                <a:cubicBezTo>
-                  <a:pt x="2410617" y="1853106"/>
-                  <a:pt x="2525008" y="1833802"/>
-                  <a:pt x="2596115" y="1845385"/>
-                </a:cubicBezTo>
-                <a:cubicBezTo>
-                  <a:pt x="2750696" y="1872411"/>
-                  <a:pt x="2914554" y="1845385"/>
-                  <a:pt x="3062950" y="1930326"/>
-                </a:cubicBezTo>
-                <a:cubicBezTo>
-                  <a:pt x="3121692" y="1961213"/>
-                  <a:pt x="3161883" y="1984378"/>
-                  <a:pt x="3130966" y="2069319"/>
-                </a:cubicBezTo>
-                <a:cubicBezTo>
-                  <a:pt x="3100050" y="2158121"/>
-                  <a:pt x="3140242" y="2189008"/>
-                  <a:pt x="3189708" y="2223754"/>
-                </a:cubicBezTo>
-                <a:cubicBezTo>
-                  <a:pt x="3226808" y="2250784"/>
-                  <a:pt x="3282457" y="2243060"/>
-                  <a:pt x="3313373" y="2324141"/>
-                </a:cubicBezTo>
-                <a:cubicBezTo>
-                  <a:pt x="2988752" y="2312558"/>
-                  <a:pt x="2673405" y="2246923"/>
-                  <a:pt x="2351877" y="2308697"/>
-                </a:cubicBezTo>
-                <a:cubicBezTo>
-                  <a:pt x="2704323" y="2463134"/>
-                  <a:pt x="3090776" y="2455412"/>
-                  <a:pt x="3437038" y="2633017"/>
-                </a:cubicBezTo>
-                <a:cubicBezTo>
-                  <a:pt x="3424671" y="2694791"/>
-                  <a:pt x="3344289" y="2667764"/>
-                  <a:pt x="3341198" y="2760427"/>
-                </a:cubicBezTo>
-                <a:cubicBezTo>
-                  <a:pt x="3523603" y="2856951"/>
-                  <a:pt x="3743110" y="2791314"/>
-                  <a:pt x="3934791" y="2934169"/>
-                </a:cubicBezTo>
-                <a:cubicBezTo>
-                  <a:pt x="3823492" y="2999805"/>
-                  <a:pt x="3721469" y="2891699"/>
-                  <a:pt x="3616352" y="2953473"/>
-                </a:cubicBezTo>
-                <a:cubicBezTo>
-                  <a:pt x="3650361" y="3046136"/>
-                  <a:pt x="5189993" y="3617555"/>
-                  <a:pt x="5468240" y="3679329"/>
-                </a:cubicBezTo>
-                <a:cubicBezTo>
-                  <a:pt x="6034007" y="3806740"/>
-                  <a:pt x="7663296" y="4131059"/>
-                  <a:pt x="8111582" y="4204418"/>
-                </a:cubicBezTo>
-                <a:cubicBezTo>
-                  <a:pt x="8457844" y="4258470"/>
-                  <a:pt x="8801016" y="4300942"/>
-                  <a:pt x="9144186" y="4304802"/>
-                </a:cubicBezTo>
-                <a:cubicBezTo>
-                  <a:pt x="9536822" y="4308663"/>
-                  <a:pt x="9926368" y="4289359"/>
-                  <a:pt x="10319004" y="4273915"/>
-                </a:cubicBezTo>
-                <a:cubicBezTo>
-                  <a:pt x="10906415" y="4250750"/>
-                  <a:pt x="11484549" y="4158087"/>
-                  <a:pt x="12053408" y="3907125"/>
-                </a:cubicBezTo>
-                <a:lnTo>
-                  <a:pt x="12192000" y="3841157"/>
-                </a:lnTo>
-                <a:lnTo>
-                  <a:pt x="12192000" y="6858000"/>
-                </a:lnTo>
+                <a:cubicBezTo>
+                  <a:pt x="1482328" y="35571"/>
+                  <a:pt x="1584980" y="78255"/>
+                  <a:pt x="1690650" y="110269"/>
+                </a:cubicBezTo>
+                <a:cubicBezTo>
+                  <a:pt x="1675553" y="145839"/>
+                  <a:pt x="1660458" y="138725"/>
+                  <a:pt x="1645361" y="135168"/>
+                </a:cubicBezTo>
+                <a:cubicBezTo>
+                  <a:pt x="1554788" y="120941"/>
+                  <a:pt x="1461194" y="110269"/>
+                  <a:pt x="1373640" y="71141"/>
+                </a:cubicBezTo>
+                <a:cubicBezTo>
+                  <a:pt x="1352504" y="64027"/>
+                  <a:pt x="1328352" y="64027"/>
+                  <a:pt x="1319295" y="88927"/>
+                </a:cubicBezTo>
+                <a:cubicBezTo>
+                  <a:pt x="1304199" y="124497"/>
+                  <a:pt x="1325332" y="145839"/>
+                  <a:pt x="1346468" y="163625"/>
+                </a:cubicBezTo>
+                <a:cubicBezTo>
+                  <a:pt x="1382696" y="195638"/>
+                  <a:pt x="1424964" y="188525"/>
+                  <a:pt x="1464213" y="192082"/>
+                </a:cubicBezTo>
+                <a:cubicBezTo>
+                  <a:pt x="1572902" y="209867"/>
+                  <a:pt x="1624228" y="259665"/>
+                  <a:pt x="1648381" y="373491"/>
+                </a:cubicBezTo>
+                <a:cubicBezTo>
+                  <a:pt x="1554788" y="327250"/>
+                  <a:pt x="1461194" y="384162"/>
+                  <a:pt x="1370620" y="352148"/>
+                </a:cubicBezTo>
+                <a:cubicBezTo>
+                  <a:pt x="1346468" y="345034"/>
+                  <a:pt x="1310237" y="355706"/>
+                  <a:pt x="1322314" y="394834"/>
+                </a:cubicBezTo>
+                <a:cubicBezTo>
+                  <a:pt x="1334390" y="430405"/>
+                  <a:pt x="1373640" y="458860"/>
+                  <a:pt x="1304199" y="451747"/>
+                </a:cubicBezTo>
+                <a:cubicBezTo>
+                  <a:pt x="1252873" y="448189"/>
+                  <a:pt x="1237778" y="405504"/>
+                  <a:pt x="1222682" y="359262"/>
+                </a:cubicBezTo>
+                <a:cubicBezTo>
+                  <a:pt x="1210606" y="334364"/>
+                  <a:pt x="1177395" y="320135"/>
+                  <a:pt x="1153242" y="334364"/>
+                </a:cubicBezTo>
+                <a:cubicBezTo>
+                  <a:pt x="1123051" y="348592"/>
+                  <a:pt x="1132108" y="387720"/>
+                  <a:pt x="1132108" y="416176"/>
+                </a:cubicBezTo>
+                <a:cubicBezTo>
+                  <a:pt x="1129088" y="469532"/>
+                  <a:pt x="1153242" y="494431"/>
+                  <a:pt x="1195509" y="505101"/>
+                </a:cubicBezTo>
+                <a:cubicBezTo>
+                  <a:pt x="1246836" y="519330"/>
+                  <a:pt x="1298160" y="537116"/>
+                  <a:pt x="1364582" y="558458"/>
+                </a:cubicBezTo>
+                <a:cubicBezTo>
+                  <a:pt x="1292122" y="594028"/>
+                  <a:pt x="1237778" y="586915"/>
+                  <a:pt x="1183434" y="558458"/>
+                </a:cubicBezTo>
+                <a:cubicBezTo>
+                  <a:pt x="1117012" y="526444"/>
+                  <a:pt x="1029458" y="483759"/>
+                  <a:pt x="975114" y="522887"/>
+                </a:cubicBezTo>
+                <a:cubicBezTo>
+                  <a:pt x="893597" y="579800"/>
+                  <a:pt x="827176" y="544229"/>
+                  <a:pt x="754716" y="533558"/>
+                </a:cubicBezTo>
+                <a:cubicBezTo>
+                  <a:pt x="603758" y="512216"/>
+                  <a:pt x="697352" y="480203"/>
+                  <a:pt x="546395" y="462417"/>
+                </a:cubicBezTo>
+                <a:cubicBezTo>
+                  <a:pt x="486012" y="455303"/>
+                  <a:pt x="422610" y="426847"/>
+                  <a:pt x="335056" y="465975"/>
+                </a:cubicBezTo>
+                <a:cubicBezTo>
+                  <a:pt x="730563" y="672284"/>
+                  <a:pt x="917750" y="658055"/>
+                  <a:pt x="1270988" y="910606"/>
+                </a:cubicBezTo>
+                <a:cubicBezTo>
+                  <a:pt x="1255893" y="935506"/>
+                  <a:pt x="1240798" y="924835"/>
+                  <a:pt x="1225701" y="921277"/>
+                </a:cubicBezTo>
+                <a:cubicBezTo>
+                  <a:pt x="1201548" y="917720"/>
+                  <a:pt x="1171356" y="903491"/>
+                  <a:pt x="1165318" y="949734"/>
+                </a:cubicBezTo>
+                <a:cubicBezTo>
+                  <a:pt x="1162298" y="985305"/>
+                  <a:pt x="1180415" y="1003089"/>
+                  <a:pt x="1210606" y="1006647"/>
+                </a:cubicBezTo>
+                <a:cubicBezTo>
+                  <a:pt x="1298160" y="1020875"/>
+                  <a:pt x="1376658" y="1070674"/>
+                  <a:pt x="1455156" y="1113358"/>
+                </a:cubicBezTo>
+                <a:cubicBezTo>
+                  <a:pt x="1491385" y="1131144"/>
+                  <a:pt x="1530634" y="1156043"/>
+                  <a:pt x="1515538" y="1220069"/>
+                </a:cubicBezTo>
+                <a:cubicBezTo>
+                  <a:pt x="1485348" y="1237855"/>
+                  <a:pt x="1464213" y="1212955"/>
+                  <a:pt x="1440060" y="1209399"/>
+                </a:cubicBezTo>
+                <a:cubicBezTo>
+                  <a:pt x="1415907" y="1205842"/>
+                  <a:pt x="1358543" y="1220069"/>
+                  <a:pt x="1373640" y="1230741"/>
+                </a:cubicBezTo>
+                <a:cubicBezTo>
+                  <a:pt x="1443080" y="1269868"/>
+                  <a:pt x="1316276" y="1365909"/>
+                  <a:pt x="1400810" y="1365909"/>
+                </a:cubicBezTo>
+                <a:cubicBezTo>
+                  <a:pt x="1539691" y="1365909"/>
+                  <a:pt x="1615170" y="1536647"/>
+                  <a:pt x="1748012" y="1540204"/>
+                </a:cubicBezTo>
+                <a:cubicBezTo>
+                  <a:pt x="1769146" y="1540204"/>
+                  <a:pt x="1778203" y="1572219"/>
+                  <a:pt x="1778203" y="1597117"/>
+                </a:cubicBezTo>
+                <a:cubicBezTo>
+                  <a:pt x="1778203" y="1629132"/>
+                  <a:pt x="1757070" y="1632688"/>
+                  <a:pt x="1735936" y="1636245"/>
+                </a:cubicBezTo>
+                <a:cubicBezTo>
+                  <a:pt x="1702725" y="1639802"/>
+                  <a:pt x="1666496" y="1597117"/>
+                  <a:pt x="1624228" y="1657587"/>
+                </a:cubicBezTo>
+                <a:cubicBezTo>
+                  <a:pt x="1702725" y="1693158"/>
+                  <a:pt x="1784242" y="1728729"/>
+                  <a:pt x="1781223" y="1849668"/>
+                </a:cubicBezTo>
+                <a:cubicBezTo>
+                  <a:pt x="1781223" y="1881683"/>
+                  <a:pt x="1814434" y="1895910"/>
+                  <a:pt x="1838587" y="1903025"/>
+                </a:cubicBezTo>
+                <a:cubicBezTo>
+                  <a:pt x="1880854" y="1917252"/>
+                  <a:pt x="1914065" y="1938595"/>
+                  <a:pt x="1938218" y="1984836"/>
+                </a:cubicBezTo>
+                <a:cubicBezTo>
+                  <a:pt x="1938218" y="1995507"/>
+                  <a:pt x="1938218" y="2002622"/>
+                  <a:pt x="1938218" y="2013292"/>
+                </a:cubicBezTo>
+                <a:cubicBezTo>
+                  <a:pt x="1932180" y="2123562"/>
+                  <a:pt x="1871798" y="2120004"/>
+                  <a:pt x="1805376" y="2102219"/>
+                </a:cubicBezTo>
+                <a:cubicBezTo>
+                  <a:pt x="1726878" y="2080877"/>
+                  <a:pt x="1648381" y="2038192"/>
+                  <a:pt x="1563844" y="2077320"/>
+                </a:cubicBezTo>
+                <a:cubicBezTo>
+                  <a:pt x="1681592" y="2130676"/>
+                  <a:pt x="1811414" y="2134233"/>
+                  <a:pt x="1920104" y="2208931"/>
+                </a:cubicBezTo>
+                <a:cubicBezTo>
+                  <a:pt x="1515538" y="2223159"/>
+                  <a:pt x="1159280" y="1984836"/>
+                  <a:pt x="766792" y="1892353"/>
+                </a:cubicBezTo>
+                <a:cubicBezTo>
+                  <a:pt x="778869" y="1952823"/>
+                  <a:pt x="812080" y="1967051"/>
+                  <a:pt x="839252" y="1974165"/>
+                </a:cubicBezTo>
+                <a:cubicBezTo>
+                  <a:pt x="984170" y="2020407"/>
+                  <a:pt x="1110974" y="2112891"/>
+                  <a:pt x="1243816" y="2191146"/>
+                </a:cubicBezTo>
+                <a:cubicBezTo>
+                  <a:pt x="1298160" y="2223159"/>
+                  <a:pt x="1337410" y="2258731"/>
+                  <a:pt x="1358543" y="2326314"/>
+                </a:cubicBezTo>
+                <a:cubicBezTo>
+                  <a:pt x="1376658" y="2390340"/>
+                  <a:pt x="1412888" y="2418796"/>
+                  <a:pt x="1479310" y="2401012"/>
+                </a:cubicBezTo>
+                <a:cubicBezTo>
+                  <a:pt x="1533654" y="2386784"/>
+                  <a:pt x="1591018" y="2393898"/>
+                  <a:pt x="1648381" y="2401012"/>
+                </a:cubicBezTo>
+                <a:cubicBezTo>
+                  <a:pt x="1711782" y="2408126"/>
+                  <a:pt x="1784242" y="2479267"/>
+                  <a:pt x="1769146" y="2518395"/>
+                </a:cubicBezTo>
+                <a:cubicBezTo>
+                  <a:pt x="1738956" y="2582422"/>
+                  <a:pt x="1687630" y="2550408"/>
+                  <a:pt x="1645361" y="2543294"/>
+                </a:cubicBezTo>
+                <a:cubicBezTo>
+                  <a:pt x="1594036" y="2536181"/>
+                  <a:pt x="1500444" y="2518395"/>
+                  <a:pt x="1500444" y="2525509"/>
+                </a:cubicBezTo>
+                <a:cubicBezTo>
+                  <a:pt x="1467232" y="2685576"/>
+                  <a:pt x="1391754" y="2564636"/>
+                  <a:pt x="1337410" y="2564636"/>
+                </a:cubicBezTo>
+                <a:cubicBezTo>
+                  <a:pt x="1286084" y="2564636"/>
+                  <a:pt x="1234759" y="2546851"/>
+                  <a:pt x="1186452" y="2532623"/>
+                </a:cubicBezTo>
+                <a:cubicBezTo>
+                  <a:pt x="1123051" y="2514837"/>
+                  <a:pt x="1065688" y="2546851"/>
+                  <a:pt x="1005304" y="2553965"/>
+                </a:cubicBezTo>
+                <a:cubicBezTo>
+                  <a:pt x="950960" y="2561080"/>
+                  <a:pt x="981150" y="2653563"/>
+                  <a:pt x="947940" y="2692689"/>
+                </a:cubicBezTo>
+                <a:cubicBezTo>
+                  <a:pt x="941903" y="2703362"/>
+                  <a:pt x="935864" y="2703362"/>
+                  <a:pt x="929826" y="2703362"/>
+                </a:cubicBezTo>
+                <a:cubicBezTo>
+                  <a:pt x="911711" y="2980812"/>
+                  <a:pt x="594701" y="2913227"/>
+                  <a:pt x="594701" y="2923898"/>
+                </a:cubicBezTo>
+                <a:cubicBezTo>
+                  <a:pt x="567529" y="2941684"/>
+                  <a:pt x="534318" y="2899000"/>
+                  <a:pt x="501108" y="2941684"/>
+                </a:cubicBezTo>
+                <a:cubicBezTo>
+                  <a:pt x="643007" y="3137322"/>
+                  <a:pt x="860386" y="3183563"/>
+                  <a:pt x="1053610" y="3329402"/>
+                </a:cubicBezTo>
+                <a:cubicBezTo>
+                  <a:pt x="893597" y="3379202"/>
+                  <a:pt x="800002" y="3208463"/>
+                  <a:pt x="682256" y="3229805"/>
+                </a:cubicBezTo>
+                <a:cubicBezTo>
+                  <a:pt x="624893" y="3283162"/>
+                  <a:pt x="796984" y="3368530"/>
+                  <a:pt x="630932" y="3393429"/>
+                </a:cubicBezTo>
+                <a:cubicBezTo>
+                  <a:pt x="703390" y="3439672"/>
+                  <a:pt x="754716" y="3485914"/>
+                  <a:pt x="806041" y="3539269"/>
+                </a:cubicBezTo>
+                <a:cubicBezTo>
+                  <a:pt x="893597" y="3635309"/>
+                  <a:pt x="911711" y="3699337"/>
+                  <a:pt x="869444" y="3827390"/>
+                </a:cubicBezTo>
+                <a:cubicBezTo>
+                  <a:pt x="842270" y="3912759"/>
+                  <a:pt x="803022" y="3991015"/>
+                  <a:pt x="839252" y="4090612"/>
+                </a:cubicBezTo>
+                <a:cubicBezTo>
+                  <a:pt x="863405" y="4158196"/>
+                  <a:pt x="854347" y="4204438"/>
+                  <a:pt x="763774" y="4172424"/>
+                </a:cubicBezTo>
+                <a:cubicBezTo>
+                  <a:pt x="667160" y="4140411"/>
+                  <a:pt x="630932" y="4200882"/>
+                  <a:pt x="655085" y="4321821"/>
+                </a:cubicBezTo>
+                <a:cubicBezTo>
+                  <a:pt x="670179" y="4400076"/>
+                  <a:pt x="655085" y="4424975"/>
+                  <a:pt x="588662" y="4414305"/>
+                </a:cubicBezTo>
+                <a:cubicBezTo>
+                  <a:pt x="516204" y="4403633"/>
+                  <a:pt x="446764" y="4353835"/>
+                  <a:pt x="356189" y="4378734"/>
+                </a:cubicBezTo>
+                <a:cubicBezTo>
+                  <a:pt x="428648" y="4521016"/>
+                  <a:pt x="582626" y="4478331"/>
+                  <a:pt x="667160" y="4613499"/>
+                </a:cubicBezTo>
+                <a:cubicBezTo>
+                  <a:pt x="567529" y="4613499"/>
+                  <a:pt x="489031" y="4613499"/>
+                  <a:pt x="416573" y="4585042"/>
+                </a:cubicBezTo>
+                <a:cubicBezTo>
+                  <a:pt x="386381" y="4574373"/>
+                  <a:pt x="353170" y="4560144"/>
+                  <a:pt x="335056" y="4602828"/>
+                </a:cubicBezTo>
+                <a:cubicBezTo>
+                  <a:pt x="313920" y="4652628"/>
+                  <a:pt x="356189" y="4670412"/>
+                  <a:pt x="380342" y="4677526"/>
+                </a:cubicBezTo>
+                <a:cubicBezTo>
+                  <a:pt x="449784" y="4702425"/>
+                  <a:pt x="504126" y="4759339"/>
+                  <a:pt x="564510" y="4805580"/>
+                </a:cubicBezTo>
+                <a:cubicBezTo>
+                  <a:pt x="694332" y="4905177"/>
+                  <a:pt x="836233" y="4990547"/>
+                  <a:pt x="944922" y="5154171"/>
+                </a:cubicBezTo>
+                <a:cubicBezTo>
+                  <a:pt x="809060" y="5111487"/>
+                  <a:pt x="706410" y="5011889"/>
+                  <a:pt x="576586" y="4994104"/>
+                </a:cubicBezTo>
+                <a:cubicBezTo>
+                  <a:pt x="688296" y="5143500"/>
+                  <a:pt x="830194" y="5243097"/>
+                  <a:pt x="963036" y="5353367"/>
+                </a:cubicBezTo>
+                <a:cubicBezTo>
+                  <a:pt x="1002286" y="5385379"/>
+                  <a:pt x="1041534" y="5406721"/>
+                  <a:pt x="1047572" y="5474306"/>
+                </a:cubicBezTo>
+                <a:cubicBezTo>
+                  <a:pt x="1065688" y="5605917"/>
+                  <a:pt x="1113992" y="5712629"/>
+                  <a:pt x="1222682" y="5769542"/>
+                </a:cubicBezTo>
+                <a:cubicBezTo>
+                  <a:pt x="1222682" y="5769542"/>
+                  <a:pt x="1216644" y="5790884"/>
+                  <a:pt x="1213626" y="5801555"/>
+                </a:cubicBezTo>
+                <a:cubicBezTo>
+                  <a:pt x="1147203" y="5805112"/>
+                  <a:pt x="1095878" y="5726858"/>
+                  <a:pt x="1014361" y="5755314"/>
+                </a:cubicBezTo>
+                <a:cubicBezTo>
+                  <a:pt x="1095878" y="5862025"/>
+                  <a:pt x="1162298" y="5954508"/>
+                  <a:pt x="1274008" y="6004307"/>
+                </a:cubicBezTo>
+                <a:cubicBezTo>
+                  <a:pt x="1364582" y="6043434"/>
+                  <a:pt x="1476290" y="6068335"/>
+                  <a:pt x="1542711" y="6196388"/>
+                </a:cubicBezTo>
+                <a:cubicBezTo>
+                  <a:pt x="1467232" y="6221287"/>
+                  <a:pt x="1409868" y="6189274"/>
+                  <a:pt x="1352504" y="6167932"/>
+                </a:cubicBezTo>
+                <a:cubicBezTo>
+                  <a:pt x="1264950" y="6132361"/>
+                  <a:pt x="1177395" y="6093234"/>
+                  <a:pt x="1089840" y="6057663"/>
+                </a:cubicBezTo>
+                <a:cubicBezTo>
+                  <a:pt x="1056628" y="6043434"/>
+                  <a:pt x="1020400" y="6036320"/>
+                  <a:pt x="999266" y="6100347"/>
+                </a:cubicBezTo>
+                <a:cubicBezTo>
+                  <a:pt x="1110974" y="6114575"/>
+                  <a:pt x="1177395" y="6199945"/>
+                  <a:pt x="1246836" y="6281757"/>
+                </a:cubicBezTo>
+                <a:cubicBezTo>
+                  <a:pt x="1286084" y="6327999"/>
+                  <a:pt x="1319295" y="6388469"/>
+                  <a:pt x="1388735" y="6367127"/>
+                </a:cubicBezTo>
+                <a:cubicBezTo>
+                  <a:pt x="1424964" y="6356456"/>
+                  <a:pt x="1449118" y="6388469"/>
+                  <a:pt x="1446099" y="6431153"/>
+                </a:cubicBezTo>
+                <a:cubicBezTo>
+                  <a:pt x="1431002" y="6580550"/>
+                  <a:pt x="1518558" y="6630349"/>
+                  <a:pt x="1609132" y="6658805"/>
+                </a:cubicBezTo>
+                <a:cubicBezTo>
+                  <a:pt x="1741974" y="6701489"/>
+                  <a:pt x="1859720" y="6786859"/>
+                  <a:pt x="1983504" y="6858000"/>
+                </a:cubicBezTo>
                 <a:lnTo>
                   <a:pt x="0" y="6858000"/>
                 </a:lnTo>
@@ -8079,10 +8575,10 @@
       </p:sp>
       <p:pic>
         <p:nvPicPr>
-          <p:cNvPr id="4" name="Picture 3">
+          <p:cNvPr id="18" name="Picture 17">
             <a:extLst>
               <a:ext uri="{FF2B5EF4-FFF2-40B4-BE49-F238E27FC236}">
-                <a16:creationId xmlns:a16="http://schemas.microsoft.com/office/drawing/2014/main" id="{D93579AB-59D7-8D0B-04CD-597004DA4CA5}"/>
+                <a16:creationId xmlns:a16="http://schemas.microsoft.com/office/drawing/2014/main" id="{EA09F85F-999E-0ED7-7920-2890EADF540B}"/>
               </a:ext>
             </a:extLst>
           </p:cNvPr>
@@ -8109,174 +8605,152 @@
       </p:pic>
       <p:sp>
         <p:nvSpPr>
-          <p:cNvPr id="6" name="Title 3">
+          <p:cNvPr id="20" name="TextBox 19">
             <a:extLst>
               <a:ext uri="{FF2B5EF4-FFF2-40B4-BE49-F238E27FC236}">
-                <a16:creationId xmlns:a16="http://schemas.microsoft.com/office/drawing/2014/main" id="{A6AFA031-53F6-41B4-77C7-7CEF1FB6F009}"/>
+                <a16:creationId xmlns:a16="http://schemas.microsoft.com/office/drawing/2014/main" id="{AAA8DDD3-BC7A-EE86-8818-2E0C8B4526B7}"/>
               </a:ext>
             </a:extLst>
           </p:cNvPr>
-          <p:cNvSpPr txBox="1">
-            <a:spLocks/>
-          </p:cNvSpPr>
+          <p:cNvSpPr txBox="1"/>
           <p:nvPr/>
         </p:nvSpPr>
         <p:spPr>
           <a:xfrm>
-            <a:off x="964643" y="1118541"/>
-            <a:ext cx="10369899" cy="4116662"/>
+            <a:off x="1200568" y="643467"/>
+            <a:ext cx="9532746" cy="2980624"/>
           </a:xfrm>
           <a:prstGeom prst="rect">
             <a:avLst/>
           </a:prstGeom>
+          <a:noFill/>
         </p:spPr>
         <p:txBody>
-          <a:bodyPr vert="horz" lIns="91440" tIns="45720" rIns="91440" bIns="45720" rtlCol="0" anchor="ctr">
-            <a:normAutofit fontScale="32500" lnSpcReduction="20000"/>
+          <a:bodyPr wrap="square">
+            <a:spAutoFit/>
           </a:bodyPr>
-          <a:lstStyle>
-            <a:lvl1pPr algn="l" defTabSz="914400" rtl="0" eaLnBrk="1" latinLnBrk="0" hangingPunct="1">
-              <a:lnSpc>
-                <a:spcPct val="90000"/>
-              </a:lnSpc>
-              <a:spcBef>
-                <a:spcPct val="0"/>
-              </a:spcBef>
-              <a:buNone/>
-              <a:defRPr sz="4400" kern="1200">
-                <a:solidFill>
-                  <a:schemeClr val="tx1"/>
-                </a:solidFill>
-                <a:latin typeface="+mj-lt"/>
-                <a:ea typeface="+mj-ea"/>
-                <a:cs typeface="+mj-cs"/>
-              </a:defRPr>
-            </a:lvl1pPr>
-          </a:lstStyle>
-          <a:p>
-            <a:endParaRPr lang="en-US" sz="6000" b="1" dirty="0">
+          <a:lstStyle/>
+          <a:p>
+            <a:r>
+              <a:rPr lang="en-US" sz="2800" b="1" dirty="0">
+                <a:latin typeface="Times New Roman" panose="02020603050405020304" pitchFamily="18" charset="0"/>
+                <a:cs typeface="Times New Roman" panose="02020603050405020304" pitchFamily="18" charset="0"/>
+              </a:rPr>
+              <a:t>Table of Contents</a:t>
+            </a:r>
+          </a:p>
+          <a:p>
+            <a:r>
+              <a:rPr lang="en-US" sz="2000" dirty="0">
+                <a:latin typeface="Times New Roman" panose="02020603050405020304" pitchFamily="18" charset="0"/>
+                <a:cs typeface="Times New Roman" panose="02020603050405020304" pitchFamily="18" charset="0"/>
+              </a:rPr>
+              <a:t>________________________________________</a:t>
+            </a:r>
+            <a:endParaRPr lang="en-US" sz="2400" dirty="0">
               <a:latin typeface="Times New Roman" panose="02020603050405020304" pitchFamily="18" charset="0"/>
               <a:cs typeface="Times New Roman" panose="02020603050405020304" pitchFamily="18" charset="0"/>
             </a:endParaRPr>
           </a:p>
           <a:p>
-            <a:pPr algn="ctr">
+            <a:pPr marL="342900" indent="-342900">
               <a:lnSpc>
-                <a:spcPct val="170000"/>
+                <a:spcPct val="150000"/>
               </a:lnSpc>
+              <a:buFont typeface="Arial" panose="020B0604020202020204" pitchFamily="34" charset="0"/>
+              <a:buChar char="•"/>
             </a:pPr>
             <a:r>
-              <a:rPr lang="en-US" sz="8700" b="1" dirty="0">
+              <a:rPr lang="en-US" sz="2400" dirty="0">
                 <a:latin typeface="Times New Roman" panose="02020603050405020304" pitchFamily="18" charset="0"/>
                 <a:cs typeface="Times New Roman" panose="02020603050405020304" pitchFamily="18" charset="0"/>
               </a:rPr>
-              <a:t> </a:t>
-            </a:r>
-            <a:r>
-              <a:rPr lang="en-US" sz="9800" b="1" dirty="0">
+              <a:t>Part I: Source Data Integration </a:t>
+            </a:r>
+          </a:p>
+          <a:p>
+            <a:pPr marL="342900" indent="-342900">
+              <a:lnSpc>
+                <a:spcPct val="150000"/>
+              </a:lnSpc>
+              <a:buFont typeface="Arial" panose="020B0604020202020204" pitchFamily="34" charset="0"/>
+              <a:buChar char="•"/>
+            </a:pPr>
+            <a:r>
+              <a:rPr lang="en-US" sz="2400" dirty="0">
                 <a:latin typeface="Times New Roman" panose="02020603050405020304" pitchFamily="18" charset="0"/>
                 <a:cs typeface="Times New Roman" panose="02020603050405020304" pitchFamily="18" charset="0"/>
               </a:rPr>
-              <a:t>Exploring</a:t>
-            </a:r>
-            <a:r>
-              <a:rPr lang="en-US" sz="8600" b="1" dirty="0">
+              <a:t>Part II: Methodology Development</a:t>
+            </a:r>
+          </a:p>
+          <a:p>
+            <a:pPr marL="342900" indent="-342900">
+              <a:lnSpc>
+                <a:spcPct val="150000"/>
+              </a:lnSpc>
+              <a:buFont typeface="Arial" panose="020B0604020202020204" pitchFamily="34" charset="0"/>
+              <a:buChar char="•"/>
+            </a:pPr>
+            <a:r>
+              <a:rPr lang="en-US" sz="2400" dirty="0">
                 <a:latin typeface="Times New Roman" panose="02020603050405020304" pitchFamily="18" charset="0"/>
                 <a:cs typeface="Times New Roman" panose="02020603050405020304" pitchFamily="18" charset="0"/>
               </a:rPr>
-              <a:t> Canadian Education and </a:t>
-            </a:r>
-            <a:r>
-              <a:rPr lang="en-US" sz="8600" b="1" dirty="0" err="1">
+              <a:t>Part III: Insights and Recommendations</a:t>
+            </a:r>
+          </a:p>
+          <a:p>
+            <a:pPr marL="342900" indent="-342900">
+              <a:lnSpc>
+                <a:spcPct val="150000"/>
+              </a:lnSpc>
+              <a:buFont typeface="Arial" panose="020B0604020202020204" pitchFamily="34" charset="0"/>
+              <a:buChar char="•"/>
+            </a:pPr>
+            <a:r>
+              <a:rPr lang="en-US" sz="2400" dirty="0">
                 <a:latin typeface="Times New Roman" panose="02020603050405020304" pitchFamily="18" charset="0"/>
                 <a:cs typeface="Times New Roman" panose="02020603050405020304" pitchFamily="18" charset="0"/>
               </a:rPr>
-              <a:t>Labour</a:t>
-            </a:r>
-            <a:r>
-              <a:rPr lang="en-US" sz="8600" b="1" dirty="0">
-                <a:latin typeface="Times New Roman" panose="02020603050405020304" pitchFamily="18" charset="0"/>
-                <a:cs typeface="Times New Roman" panose="02020603050405020304" pitchFamily="18" charset="0"/>
-              </a:rPr>
-              <a:t> Market Data</a:t>
-            </a:r>
-          </a:p>
-          <a:p>
-            <a:endParaRPr lang="en-US" b="1" dirty="0">
-              <a:latin typeface="Times New Roman" panose="02020603050405020304" pitchFamily="18" charset="0"/>
-              <a:cs typeface="Times New Roman" panose="02020603050405020304" pitchFamily="18" charset="0"/>
-            </a:endParaRPr>
-          </a:p>
-          <a:p>
-            <a:endParaRPr lang="en-US" b="1" dirty="0">
-              <a:latin typeface="Times New Roman" panose="02020603050405020304" pitchFamily="18" charset="0"/>
-              <a:cs typeface="Times New Roman" panose="02020603050405020304" pitchFamily="18" charset="0"/>
-            </a:endParaRPr>
-          </a:p>
-          <a:p>
-            <a:endParaRPr lang="en-US" b="1" dirty="0">
-              <a:latin typeface="Times New Roman" panose="02020603050405020304" pitchFamily="18" charset="0"/>
-              <a:cs typeface="Times New Roman" panose="02020603050405020304" pitchFamily="18" charset="0"/>
-            </a:endParaRPr>
-          </a:p>
-          <a:p>
-            <a:pPr algn="ctr"/>
-            <a:endParaRPr lang="en-US" sz="5800" dirty="0">
-              <a:latin typeface="Times New Roman" panose="02020603050405020304" pitchFamily="18" charset="0"/>
-              <a:cs typeface="Times New Roman" panose="02020603050405020304" pitchFamily="18" charset="0"/>
-            </a:endParaRPr>
-          </a:p>
-          <a:p>
-            <a:pPr algn="ctr"/>
-            <a:endParaRPr lang="en-US" sz="7400" dirty="0">
-              <a:latin typeface="Times New Roman" panose="02020603050405020304" pitchFamily="18" charset="0"/>
-              <a:cs typeface="Times New Roman" panose="02020603050405020304" pitchFamily="18" charset="0"/>
-            </a:endParaRPr>
-          </a:p>
-          <a:p>
-            <a:pPr algn="ctr"/>
-            <a:r>
-              <a:rPr lang="en-US" sz="7400" dirty="0">
-                <a:latin typeface="Times New Roman" panose="02020603050405020304" pitchFamily="18" charset="0"/>
-                <a:cs typeface="Times New Roman" panose="02020603050405020304" pitchFamily="18" charset="0"/>
-              </a:rPr>
-              <a:t>Fuxi Ma</a:t>
-            </a:r>
-          </a:p>
-          <a:p>
-            <a:pPr algn="ctr"/>
-            <a:endParaRPr lang="en-US" sz="5800" dirty="0">
-              <a:latin typeface="Times New Roman" panose="02020603050405020304" pitchFamily="18" charset="0"/>
-              <a:cs typeface="Times New Roman" panose="02020603050405020304" pitchFamily="18" charset="0"/>
-            </a:endParaRPr>
-          </a:p>
-          <a:p>
-            <a:pPr algn="ctr"/>
-            <a:endParaRPr lang="en-US" sz="5800" dirty="0">
-              <a:latin typeface="Times New Roman" panose="02020603050405020304" pitchFamily="18" charset="0"/>
-              <a:cs typeface="Times New Roman" panose="02020603050405020304" pitchFamily="18" charset="0"/>
-            </a:endParaRPr>
-          </a:p>
-          <a:p>
-            <a:pPr algn="ctr"/>
-            <a:fld id="{2DDB8B34-DE0F-468F-B477-67C46F3CA98D}" type="datetime3">
-              <a:rPr lang="en-US" sz="5500" smtClean="0">
-                <a:latin typeface="Times New Roman" panose="02020603050405020304" pitchFamily="18" charset="0"/>
-                <a:cs typeface="Times New Roman" panose="02020603050405020304" pitchFamily="18" charset="0"/>
-              </a:rPr>
-              <a:t>26 August 2025</a:t>
+              <a:t>Conclusion</a:t>
+            </a:r>
+          </a:p>
+        </p:txBody>
+      </p:sp>
+      <p:sp>
+        <p:nvSpPr>
+          <p:cNvPr id="2" name="Slide Number Placeholder 1">
+            <a:extLst>
+              <a:ext uri="{FF2B5EF4-FFF2-40B4-BE49-F238E27FC236}">
+                <a16:creationId xmlns:a16="http://schemas.microsoft.com/office/drawing/2014/main" id="{19D573E6-2678-3D62-B1CA-66F68E1EC587}"/>
+              </a:ext>
+            </a:extLst>
+          </p:cNvPr>
+          <p:cNvSpPr>
+            <a:spLocks noGrp="1"/>
+          </p:cNvSpPr>
+          <p:nvPr>
+            <p:ph type="sldNum" sz="quarter" idx="12"/>
+          </p:nvPr>
+        </p:nvSpPr>
+        <p:spPr/>
+        <p:txBody>
+          <a:bodyPr/>
+          <a:lstStyle/>
+          <a:p>
+            <a:fld id="{0E09FCB3-37CC-4DC3-9641-7B88AD2FD4DA}" type="slidenum">
+              <a:rPr lang="en-US" smtClean="0"/>
+              <a:t>1</a:t>
             </a:fld>
-            <a:endParaRPr lang="en-US" sz="6200" b="1" dirty="0">
-              <a:latin typeface="Times New Roman" panose="02020603050405020304" pitchFamily="18" charset="0"/>
-              <a:cs typeface="Times New Roman" panose="02020603050405020304" pitchFamily="18" charset="0"/>
-            </a:endParaRPr>
+            <a:endParaRPr lang="en-US"/>
           </a:p>
         </p:txBody>
       </p:sp>
     </p:spTree>
     <p:extLst>
       <p:ext uri="{BB962C8B-B14F-4D97-AF65-F5344CB8AC3E}">
-        <p14:creationId xmlns:p14="http://schemas.microsoft.com/office/powerpoint/2010/main" val="2520379540"/>
+        <p14:creationId xmlns:p14="http://schemas.microsoft.com/office/powerpoint/2010/main" val="2572279493"/>
       </p:ext>
     </p:extLst>
   </p:cSld>
@@ -19125,10 +19599,10 @@
       </p:pic>
       <p:pic>
         <p:nvPicPr>
-          <p:cNvPr id="13" name="Picture 12">
+          <p:cNvPr id="9" name="Picture 8">
             <a:extLst>
               <a:ext uri="{FF2B5EF4-FFF2-40B4-BE49-F238E27FC236}">
-                <a16:creationId xmlns:a16="http://schemas.microsoft.com/office/drawing/2014/main" id="{BF4DC804-4640-73CE-D9AB-7962B908875B}"/>
+                <a16:creationId xmlns:a16="http://schemas.microsoft.com/office/drawing/2014/main" id="{4B2EE59E-E75A-99B8-0AF9-A90EE87E718C}"/>
               </a:ext>
             </a:extLst>
           </p:cNvPr>
@@ -19145,8 +19619,8 @@
         </p:blipFill>
         <p:spPr>
           <a:xfrm>
-            <a:off x="9192642" y="1933545"/>
-            <a:ext cx="1162110" cy="1162110"/>
+            <a:off x="9192436" y="2059953"/>
+            <a:ext cx="1149409" cy="1130358"/>
           </a:xfrm>
           <a:prstGeom prst="rect">
             <a:avLst/>
@@ -19167,1252 +19641,6 @@
 </file>
 
 <file path=ppt/slides/slide2.xml><?xml version="1.0" encoding="utf-8"?>
-<p:sld xmlns:a="http://schemas.openxmlformats.org/drawingml/2006/main" xmlns:r="http://schemas.openxmlformats.org/officeDocument/2006/relationships" xmlns:p="http://schemas.openxmlformats.org/presentationml/2006/main">
-  <p:cSld>
-    <p:bg>
-      <p:bgPr>
-        <a:solidFill>
-          <a:schemeClr val="bg1"/>
-        </a:solidFill>
-        <a:effectLst/>
-      </p:bgPr>
-    </p:bg>
-    <p:spTree>
-      <p:nvGrpSpPr>
-        <p:cNvPr id="1" name="">
-          <a:extLst>
-            <a:ext uri="{FF2B5EF4-FFF2-40B4-BE49-F238E27FC236}">
-              <a16:creationId xmlns:a16="http://schemas.microsoft.com/office/drawing/2014/main" id="{511389BF-946B-F5D6-0D27-C4C41138CACD}"/>
-            </a:ext>
-          </a:extLst>
-        </p:cNvPr>
-        <p:cNvGrpSpPr/>
-        <p:nvPr/>
-      </p:nvGrpSpPr>
-      <p:grpSpPr>
-        <a:xfrm>
-          <a:off x="0" y="0"/>
-          <a:ext cx="0" cy="0"/>
-          <a:chOff x="0" y="0"/>
-          <a:chExt cx="0" cy="0"/>
-        </a:xfrm>
-      </p:grpSpPr>
-      <p:sp useBgFill="1">
-        <p:nvSpPr>
-          <p:cNvPr id="21" name="Rectangle 20">
-            <a:extLst>
-              <a:ext uri="{FF2B5EF4-FFF2-40B4-BE49-F238E27FC236}">
-                <a16:creationId xmlns:a16="http://schemas.microsoft.com/office/drawing/2014/main" id="{CED91C23-B9AF-2093-9591-5A11B1EAED31}"/>
-              </a:ext>
-              <a:ext uri="{C183D7F6-B498-43B3-948B-1728B52AA6E4}">
-                <adec:decorative xmlns:adec="http://schemas.microsoft.com/office/drawing/2017/decorative" val="1"/>
-              </a:ext>
-            </a:extLst>
-          </p:cNvPr>
-          <p:cNvSpPr>
-            <a:spLocks noGrp="1" noRot="1" noChangeAspect="1" noMove="1" noResize="1" noEditPoints="1" noAdjustHandles="1" noChangeArrowheads="1" noChangeShapeType="1" noTextEdit="1"/>
-          </p:cNvSpPr>
-          <p:nvPr>
-            <p:extLst>
-              <p:ext uri="{386F3935-93C4-4BCD-93E2-E3B085C9AB24}">
-                <p16:designElem xmlns:p16="http://schemas.microsoft.com/office/powerpoint/2015/main" val="1"/>
-              </p:ext>
-            </p:extLst>
-          </p:nvPr>
-        </p:nvSpPr>
-        <p:spPr>
-          <a:xfrm>
-            <a:off x="0" y="0"/>
-            <a:ext cx="12192000" cy="6858000"/>
-          </a:xfrm>
-          <a:prstGeom prst="rect">
-            <a:avLst/>
-          </a:prstGeom>
-          <a:ln>
-            <a:noFill/>
-          </a:ln>
-        </p:spPr>
-        <p:style>
-          <a:lnRef idx="2">
-            <a:schemeClr val="accent1">
-              <a:shade val="50000"/>
-            </a:schemeClr>
-          </a:lnRef>
-          <a:fillRef idx="1">
-            <a:schemeClr val="accent1"/>
-          </a:fillRef>
-          <a:effectRef idx="0">
-            <a:schemeClr val="accent1"/>
-          </a:effectRef>
-          <a:fontRef idx="minor">
-            <a:schemeClr val="lt1"/>
-          </a:fontRef>
-        </p:style>
-        <p:txBody>
-          <a:bodyPr rtlCol="0" anchor="ctr"/>
-          <a:lstStyle/>
-          <a:p>
-            <a:pPr algn="ctr"/>
-            <a:endParaRPr lang="en-US"/>
-          </a:p>
-        </p:txBody>
-      </p:sp>
-      <p:sp>
-        <p:nvSpPr>
-          <p:cNvPr id="23" name="Freeform: Shape 22">
-            <a:extLst>
-              <a:ext uri="{FF2B5EF4-FFF2-40B4-BE49-F238E27FC236}">
-                <a16:creationId xmlns:a16="http://schemas.microsoft.com/office/drawing/2014/main" id="{65F926E1-0677-55D8-F3F7-EC59ED42D2B6}"/>
-              </a:ext>
-              <a:ext uri="{C183D7F6-B498-43B3-948B-1728B52AA6E4}">
-                <adec:decorative xmlns:adec="http://schemas.microsoft.com/office/drawing/2017/decorative" val="1"/>
-              </a:ext>
-            </a:extLst>
-          </p:cNvPr>
-          <p:cNvSpPr>
-            <a:spLocks noGrp="1" noRot="1" noChangeAspect="1" noMove="1" noResize="1" noEditPoints="1" noAdjustHandles="1" noChangeArrowheads="1" noChangeShapeType="1" noTextEdit="1"/>
-          </p:cNvSpPr>
-          <p:nvPr>
-            <p:extLst>
-              <p:ext uri="{386F3935-93C4-4BCD-93E2-E3B085C9AB24}">
-                <p16:designElem xmlns:p16="http://schemas.microsoft.com/office/powerpoint/2015/main" val="1"/>
-              </p:ext>
-            </p:extLst>
-          </p:nvPr>
-        </p:nvSpPr>
-        <p:spPr>
-          <a:xfrm flipH="1">
-            <a:off x="10208496" y="0"/>
-            <a:ext cx="1983504" cy="6858000"/>
-          </a:xfrm>
-          <a:custGeom>
-            <a:avLst/>
-            <a:gdLst>
-              <a:gd name="connsiteX0" fmla="*/ 0 w 1983504"/>
-              <a:gd name="connsiteY0" fmla="*/ 0 h 6858000"/>
-              <a:gd name="connsiteX1" fmla="*/ 1376658 w 1983504"/>
-              <a:gd name="connsiteY1" fmla="*/ 0 h 6858000"/>
-              <a:gd name="connsiteX2" fmla="*/ 1690650 w 1983504"/>
-              <a:gd name="connsiteY2" fmla="*/ 110269 h 6858000"/>
-              <a:gd name="connsiteX3" fmla="*/ 1645361 w 1983504"/>
-              <a:gd name="connsiteY3" fmla="*/ 135168 h 6858000"/>
-              <a:gd name="connsiteX4" fmla="*/ 1373640 w 1983504"/>
-              <a:gd name="connsiteY4" fmla="*/ 71141 h 6858000"/>
-              <a:gd name="connsiteX5" fmla="*/ 1319295 w 1983504"/>
-              <a:gd name="connsiteY5" fmla="*/ 88927 h 6858000"/>
-              <a:gd name="connsiteX6" fmla="*/ 1346468 w 1983504"/>
-              <a:gd name="connsiteY6" fmla="*/ 163625 h 6858000"/>
-              <a:gd name="connsiteX7" fmla="*/ 1464213 w 1983504"/>
-              <a:gd name="connsiteY7" fmla="*/ 192082 h 6858000"/>
-              <a:gd name="connsiteX8" fmla="*/ 1648381 w 1983504"/>
-              <a:gd name="connsiteY8" fmla="*/ 373491 h 6858000"/>
-              <a:gd name="connsiteX9" fmla="*/ 1370620 w 1983504"/>
-              <a:gd name="connsiteY9" fmla="*/ 352148 h 6858000"/>
-              <a:gd name="connsiteX10" fmla="*/ 1322314 w 1983504"/>
-              <a:gd name="connsiteY10" fmla="*/ 394834 h 6858000"/>
-              <a:gd name="connsiteX11" fmla="*/ 1304199 w 1983504"/>
-              <a:gd name="connsiteY11" fmla="*/ 451747 h 6858000"/>
-              <a:gd name="connsiteX12" fmla="*/ 1222682 w 1983504"/>
-              <a:gd name="connsiteY12" fmla="*/ 359262 h 6858000"/>
-              <a:gd name="connsiteX13" fmla="*/ 1153242 w 1983504"/>
-              <a:gd name="connsiteY13" fmla="*/ 334364 h 6858000"/>
-              <a:gd name="connsiteX14" fmla="*/ 1132108 w 1983504"/>
-              <a:gd name="connsiteY14" fmla="*/ 416176 h 6858000"/>
-              <a:gd name="connsiteX15" fmla="*/ 1195509 w 1983504"/>
-              <a:gd name="connsiteY15" fmla="*/ 505101 h 6858000"/>
-              <a:gd name="connsiteX16" fmla="*/ 1364582 w 1983504"/>
-              <a:gd name="connsiteY16" fmla="*/ 558458 h 6858000"/>
-              <a:gd name="connsiteX17" fmla="*/ 1183434 w 1983504"/>
-              <a:gd name="connsiteY17" fmla="*/ 558458 h 6858000"/>
-              <a:gd name="connsiteX18" fmla="*/ 975114 w 1983504"/>
-              <a:gd name="connsiteY18" fmla="*/ 522887 h 6858000"/>
-              <a:gd name="connsiteX19" fmla="*/ 754716 w 1983504"/>
-              <a:gd name="connsiteY19" fmla="*/ 533558 h 6858000"/>
-              <a:gd name="connsiteX20" fmla="*/ 546395 w 1983504"/>
-              <a:gd name="connsiteY20" fmla="*/ 462417 h 6858000"/>
-              <a:gd name="connsiteX21" fmla="*/ 335056 w 1983504"/>
-              <a:gd name="connsiteY21" fmla="*/ 465975 h 6858000"/>
-              <a:gd name="connsiteX22" fmla="*/ 1270988 w 1983504"/>
-              <a:gd name="connsiteY22" fmla="*/ 910606 h 6858000"/>
-              <a:gd name="connsiteX23" fmla="*/ 1225701 w 1983504"/>
-              <a:gd name="connsiteY23" fmla="*/ 921277 h 6858000"/>
-              <a:gd name="connsiteX24" fmla="*/ 1165318 w 1983504"/>
-              <a:gd name="connsiteY24" fmla="*/ 949734 h 6858000"/>
-              <a:gd name="connsiteX25" fmla="*/ 1210606 w 1983504"/>
-              <a:gd name="connsiteY25" fmla="*/ 1006647 h 6858000"/>
-              <a:gd name="connsiteX26" fmla="*/ 1455156 w 1983504"/>
-              <a:gd name="connsiteY26" fmla="*/ 1113358 h 6858000"/>
-              <a:gd name="connsiteX27" fmla="*/ 1515538 w 1983504"/>
-              <a:gd name="connsiteY27" fmla="*/ 1220069 h 6858000"/>
-              <a:gd name="connsiteX28" fmla="*/ 1440060 w 1983504"/>
-              <a:gd name="connsiteY28" fmla="*/ 1209399 h 6858000"/>
-              <a:gd name="connsiteX29" fmla="*/ 1373640 w 1983504"/>
-              <a:gd name="connsiteY29" fmla="*/ 1230741 h 6858000"/>
-              <a:gd name="connsiteX30" fmla="*/ 1400810 w 1983504"/>
-              <a:gd name="connsiteY30" fmla="*/ 1365909 h 6858000"/>
-              <a:gd name="connsiteX31" fmla="*/ 1748012 w 1983504"/>
-              <a:gd name="connsiteY31" fmla="*/ 1540204 h 6858000"/>
-              <a:gd name="connsiteX32" fmla="*/ 1778203 w 1983504"/>
-              <a:gd name="connsiteY32" fmla="*/ 1597117 h 6858000"/>
-              <a:gd name="connsiteX33" fmla="*/ 1735936 w 1983504"/>
-              <a:gd name="connsiteY33" fmla="*/ 1636245 h 6858000"/>
-              <a:gd name="connsiteX34" fmla="*/ 1624228 w 1983504"/>
-              <a:gd name="connsiteY34" fmla="*/ 1657587 h 6858000"/>
-              <a:gd name="connsiteX35" fmla="*/ 1781223 w 1983504"/>
-              <a:gd name="connsiteY35" fmla="*/ 1849668 h 6858000"/>
-              <a:gd name="connsiteX36" fmla="*/ 1838587 w 1983504"/>
-              <a:gd name="connsiteY36" fmla="*/ 1903025 h 6858000"/>
-              <a:gd name="connsiteX37" fmla="*/ 1938218 w 1983504"/>
-              <a:gd name="connsiteY37" fmla="*/ 1984836 h 6858000"/>
-              <a:gd name="connsiteX38" fmla="*/ 1938218 w 1983504"/>
-              <a:gd name="connsiteY38" fmla="*/ 2013292 h 6858000"/>
-              <a:gd name="connsiteX39" fmla="*/ 1805376 w 1983504"/>
-              <a:gd name="connsiteY39" fmla="*/ 2102219 h 6858000"/>
-              <a:gd name="connsiteX40" fmla="*/ 1563844 w 1983504"/>
-              <a:gd name="connsiteY40" fmla="*/ 2077320 h 6858000"/>
-              <a:gd name="connsiteX41" fmla="*/ 1920104 w 1983504"/>
-              <a:gd name="connsiteY41" fmla="*/ 2208931 h 6858000"/>
-              <a:gd name="connsiteX42" fmla="*/ 766792 w 1983504"/>
-              <a:gd name="connsiteY42" fmla="*/ 1892353 h 6858000"/>
-              <a:gd name="connsiteX43" fmla="*/ 839252 w 1983504"/>
-              <a:gd name="connsiteY43" fmla="*/ 1974165 h 6858000"/>
-              <a:gd name="connsiteX44" fmla="*/ 1243816 w 1983504"/>
-              <a:gd name="connsiteY44" fmla="*/ 2191146 h 6858000"/>
-              <a:gd name="connsiteX45" fmla="*/ 1358543 w 1983504"/>
-              <a:gd name="connsiteY45" fmla="*/ 2326314 h 6858000"/>
-              <a:gd name="connsiteX46" fmla="*/ 1479310 w 1983504"/>
-              <a:gd name="connsiteY46" fmla="*/ 2401012 h 6858000"/>
-              <a:gd name="connsiteX47" fmla="*/ 1648381 w 1983504"/>
-              <a:gd name="connsiteY47" fmla="*/ 2401012 h 6858000"/>
-              <a:gd name="connsiteX48" fmla="*/ 1769146 w 1983504"/>
-              <a:gd name="connsiteY48" fmla="*/ 2518395 h 6858000"/>
-              <a:gd name="connsiteX49" fmla="*/ 1645361 w 1983504"/>
-              <a:gd name="connsiteY49" fmla="*/ 2543294 h 6858000"/>
-              <a:gd name="connsiteX50" fmla="*/ 1500444 w 1983504"/>
-              <a:gd name="connsiteY50" fmla="*/ 2525509 h 6858000"/>
-              <a:gd name="connsiteX51" fmla="*/ 1337410 w 1983504"/>
-              <a:gd name="connsiteY51" fmla="*/ 2564636 h 6858000"/>
-              <a:gd name="connsiteX52" fmla="*/ 1186452 w 1983504"/>
-              <a:gd name="connsiteY52" fmla="*/ 2532623 h 6858000"/>
-              <a:gd name="connsiteX53" fmla="*/ 1005304 w 1983504"/>
-              <a:gd name="connsiteY53" fmla="*/ 2553965 h 6858000"/>
-              <a:gd name="connsiteX54" fmla="*/ 947940 w 1983504"/>
-              <a:gd name="connsiteY54" fmla="*/ 2692689 h 6858000"/>
-              <a:gd name="connsiteX55" fmla="*/ 929826 w 1983504"/>
-              <a:gd name="connsiteY55" fmla="*/ 2703362 h 6858000"/>
-              <a:gd name="connsiteX56" fmla="*/ 594701 w 1983504"/>
-              <a:gd name="connsiteY56" fmla="*/ 2923898 h 6858000"/>
-              <a:gd name="connsiteX57" fmla="*/ 501108 w 1983504"/>
-              <a:gd name="connsiteY57" fmla="*/ 2941684 h 6858000"/>
-              <a:gd name="connsiteX58" fmla="*/ 1053610 w 1983504"/>
-              <a:gd name="connsiteY58" fmla="*/ 3329402 h 6858000"/>
-              <a:gd name="connsiteX59" fmla="*/ 682256 w 1983504"/>
-              <a:gd name="connsiteY59" fmla="*/ 3229805 h 6858000"/>
-              <a:gd name="connsiteX60" fmla="*/ 630932 w 1983504"/>
-              <a:gd name="connsiteY60" fmla="*/ 3393429 h 6858000"/>
-              <a:gd name="connsiteX61" fmla="*/ 806041 w 1983504"/>
-              <a:gd name="connsiteY61" fmla="*/ 3539269 h 6858000"/>
-              <a:gd name="connsiteX62" fmla="*/ 869444 w 1983504"/>
-              <a:gd name="connsiteY62" fmla="*/ 3827390 h 6858000"/>
-              <a:gd name="connsiteX63" fmla="*/ 839252 w 1983504"/>
-              <a:gd name="connsiteY63" fmla="*/ 4090612 h 6858000"/>
-              <a:gd name="connsiteX64" fmla="*/ 763774 w 1983504"/>
-              <a:gd name="connsiteY64" fmla="*/ 4172424 h 6858000"/>
-              <a:gd name="connsiteX65" fmla="*/ 655085 w 1983504"/>
-              <a:gd name="connsiteY65" fmla="*/ 4321821 h 6858000"/>
-              <a:gd name="connsiteX66" fmla="*/ 588662 w 1983504"/>
-              <a:gd name="connsiteY66" fmla="*/ 4414305 h 6858000"/>
-              <a:gd name="connsiteX67" fmla="*/ 356189 w 1983504"/>
-              <a:gd name="connsiteY67" fmla="*/ 4378734 h 6858000"/>
-              <a:gd name="connsiteX68" fmla="*/ 667160 w 1983504"/>
-              <a:gd name="connsiteY68" fmla="*/ 4613499 h 6858000"/>
-              <a:gd name="connsiteX69" fmla="*/ 416573 w 1983504"/>
-              <a:gd name="connsiteY69" fmla="*/ 4585042 h 6858000"/>
-              <a:gd name="connsiteX70" fmla="*/ 335056 w 1983504"/>
-              <a:gd name="connsiteY70" fmla="*/ 4602828 h 6858000"/>
-              <a:gd name="connsiteX71" fmla="*/ 380342 w 1983504"/>
-              <a:gd name="connsiteY71" fmla="*/ 4677526 h 6858000"/>
-              <a:gd name="connsiteX72" fmla="*/ 564510 w 1983504"/>
-              <a:gd name="connsiteY72" fmla="*/ 4805580 h 6858000"/>
-              <a:gd name="connsiteX73" fmla="*/ 944922 w 1983504"/>
-              <a:gd name="connsiteY73" fmla="*/ 5154171 h 6858000"/>
-              <a:gd name="connsiteX74" fmla="*/ 576586 w 1983504"/>
-              <a:gd name="connsiteY74" fmla="*/ 4994104 h 6858000"/>
-              <a:gd name="connsiteX75" fmla="*/ 963036 w 1983504"/>
-              <a:gd name="connsiteY75" fmla="*/ 5353367 h 6858000"/>
-              <a:gd name="connsiteX76" fmla="*/ 1047572 w 1983504"/>
-              <a:gd name="connsiteY76" fmla="*/ 5474306 h 6858000"/>
-              <a:gd name="connsiteX77" fmla="*/ 1222682 w 1983504"/>
-              <a:gd name="connsiteY77" fmla="*/ 5769542 h 6858000"/>
-              <a:gd name="connsiteX78" fmla="*/ 1213626 w 1983504"/>
-              <a:gd name="connsiteY78" fmla="*/ 5801555 h 6858000"/>
-              <a:gd name="connsiteX79" fmla="*/ 1014361 w 1983504"/>
-              <a:gd name="connsiteY79" fmla="*/ 5755314 h 6858000"/>
-              <a:gd name="connsiteX80" fmla="*/ 1274008 w 1983504"/>
-              <a:gd name="connsiteY80" fmla="*/ 6004307 h 6858000"/>
-              <a:gd name="connsiteX81" fmla="*/ 1542711 w 1983504"/>
-              <a:gd name="connsiteY81" fmla="*/ 6196388 h 6858000"/>
-              <a:gd name="connsiteX82" fmla="*/ 1352504 w 1983504"/>
-              <a:gd name="connsiteY82" fmla="*/ 6167932 h 6858000"/>
-              <a:gd name="connsiteX83" fmla="*/ 1089840 w 1983504"/>
-              <a:gd name="connsiteY83" fmla="*/ 6057663 h 6858000"/>
-              <a:gd name="connsiteX84" fmla="*/ 999266 w 1983504"/>
-              <a:gd name="connsiteY84" fmla="*/ 6100347 h 6858000"/>
-              <a:gd name="connsiteX85" fmla="*/ 1246836 w 1983504"/>
-              <a:gd name="connsiteY85" fmla="*/ 6281757 h 6858000"/>
-              <a:gd name="connsiteX86" fmla="*/ 1388735 w 1983504"/>
-              <a:gd name="connsiteY86" fmla="*/ 6367127 h 6858000"/>
-              <a:gd name="connsiteX87" fmla="*/ 1446099 w 1983504"/>
-              <a:gd name="connsiteY87" fmla="*/ 6431153 h 6858000"/>
-              <a:gd name="connsiteX88" fmla="*/ 1609132 w 1983504"/>
-              <a:gd name="connsiteY88" fmla="*/ 6658805 h 6858000"/>
-              <a:gd name="connsiteX89" fmla="*/ 1983504 w 1983504"/>
-              <a:gd name="connsiteY89" fmla="*/ 6858000 h 6858000"/>
-              <a:gd name="connsiteX90" fmla="*/ 0 w 1983504"/>
-              <a:gd name="connsiteY90" fmla="*/ 6858000 h 6858000"/>
-            </a:gdLst>
-            <a:ahLst/>
-            <a:cxnLst>
-              <a:cxn ang="0">
-                <a:pos x="connsiteX0" y="connsiteY0"/>
-              </a:cxn>
-              <a:cxn ang="0">
-                <a:pos x="connsiteX1" y="connsiteY1"/>
-              </a:cxn>
-              <a:cxn ang="0">
-                <a:pos x="connsiteX2" y="connsiteY2"/>
-              </a:cxn>
-              <a:cxn ang="0">
-                <a:pos x="connsiteX3" y="connsiteY3"/>
-              </a:cxn>
-              <a:cxn ang="0">
-                <a:pos x="connsiteX4" y="connsiteY4"/>
-              </a:cxn>
-              <a:cxn ang="0">
-                <a:pos x="connsiteX5" y="connsiteY5"/>
-              </a:cxn>
-              <a:cxn ang="0">
-                <a:pos x="connsiteX6" y="connsiteY6"/>
-              </a:cxn>
-              <a:cxn ang="0">
-                <a:pos x="connsiteX7" y="connsiteY7"/>
-              </a:cxn>
-              <a:cxn ang="0">
-                <a:pos x="connsiteX8" y="connsiteY8"/>
-              </a:cxn>
-              <a:cxn ang="0">
-                <a:pos x="connsiteX9" y="connsiteY9"/>
-              </a:cxn>
-              <a:cxn ang="0">
-                <a:pos x="connsiteX10" y="connsiteY10"/>
-              </a:cxn>
-              <a:cxn ang="0">
-                <a:pos x="connsiteX11" y="connsiteY11"/>
-              </a:cxn>
-              <a:cxn ang="0">
-                <a:pos x="connsiteX12" y="connsiteY12"/>
-              </a:cxn>
-              <a:cxn ang="0">
-                <a:pos x="connsiteX13" y="connsiteY13"/>
-              </a:cxn>
-              <a:cxn ang="0">
-                <a:pos x="connsiteX14" y="connsiteY14"/>
-              </a:cxn>
-              <a:cxn ang="0">
-                <a:pos x="connsiteX15" y="connsiteY15"/>
-              </a:cxn>
-              <a:cxn ang="0">
-                <a:pos x="connsiteX16" y="connsiteY16"/>
-              </a:cxn>
-              <a:cxn ang="0">
-                <a:pos x="connsiteX17" y="connsiteY17"/>
-              </a:cxn>
-              <a:cxn ang="0">
-                <a:pos x="connsiteX18" y="connsiteY18"/>
-              </a:cxn>
-              <a:cxn ang="0">
-                <a:pos x="connsiteX19" y="connsiteY19"/>
-              </a:cxn>
-              <a:cxn ang="0">
-                <a:pos x="connsiteX20" y="connsiteY20"/>
-              </a:cxn>
-              <a:cxn ang="0">
-                <a:pos x="connsiteX21" y="connsiteY21"/>
-              </a:cxn>
-              <a:cxn ang="0">
-                <a:pos x="connsiteX22" y="connsiteY22"/>
-              </a:cxn>
-              <a:cxn ang="0">
-                <a:pos x="connsiteX23" y="connsiteY23"/>
-              </a:cxn>
-              <a:cxn ang="0">
-                <a:pos x="connsiteX24" y="connsiteY24"/>
-              </a:cxn>
-              <a:cxn ang="0">
-                <a:pos x="connsiteX25" y="connsiteY25"/>
-              </a:cxn>
-              <a:cxn ang="0">
-                <a:pos x="connsiteX26" y="connsiteY26"/>
-              </a:cxn>
-              <a:cxn ang="0">
-                <a:pos x="connsiteX27" y="connsiteY27"/>
-              </a:cxn>
-              <a:cxn ang="0">
-                <a:pos x="connsiteX28" y="connsiteY28"/>
-              </a:cxn>
-              <a:cxn ang="0">
-                <a:pos x="connsiteX29" y="connsiteY29"/>
-              </a:cxn>
-              <a:cxn ang="0">
-                <a:pos x="connsiteX30" y="connsiteY30"/>
-              </a:cxn>
-              <a:cxn ang="0">
-                <a:pos x="connsiteX31" y="connsiteY31"/>
-              </a:cxn>
-              <a:cxn ang="0">
-                <a:pos x="connsiteX32" y="connsiteY32"/>
-              </a:cxn>
-              <a:cxn ang="0">
-                <a:pos x="connsiteX33" y="connsiteY33"/>
-              </a:cxn>
-              <a:cxn ang="0">
-                <a:pos x="connsiteX34" y="connsiteY34"/>
-              </a:cxn>
-              <a:cxn ang="0">
-                <a:pos x="connsiteX35" y="connsiteY35"/>
-              </a:cxn>
-              <a:cxn ang="0">
-                <a:pos x="connsiteX36" y="connsiteY36"/>
-              </a:cxn>
-              <a:cxn ang="0">
-                <a:pos x="connsiteX37" y="connsiteY37"/>
-              </a:cxn>
-              <a:cxn ang="0">
-                <a:pos x="connsiteX38" y="connsiteY38"/>
-              </a:cxn>
-              <a:cxn ang="0">
-                <a:pos x="connsiteX39" y="connsiteY39"/>
-              </a:cxn>
-              <a:cxn ang="0">
-                <a:pos x="connsiteX40" y="connsiteY40"/>
-              </a:cxn>
-              <a:cxn ang="0">
-                <a:pos x="connsiteX41" y="connsiteY41"/>
-              </a:cxn>
-              <a:cxn ang="0">
-                <a:pos x="connsiteX42" y="connsiteY42"/>
-              </a:cxn>
-              <a:cxn ang="0">
-                <a:pos x="connsiteX43" y="connsiteY43"/>
-              </a:cxn>
-              <a:cxn ang="0">
-                <a:pos x="connsiteX44" y="connsiteY44"/>
-              </a:cxn>
-              <a:cxn ang="0">
-                <a:pos x="connsiteX45" y="connsiteY45"/>
-              </a:cxn>
-              <a:cxn ang="0">
-                <a:pos x="connsiteX46" y="connsiteY46"/>
-              </a:cxn>
-              <a:cxn ang="0">
-                <a:pos x="connsiteX47" y="connsiteY47"/>
-              </a:cxn>
-              <a:cxn ang="0">
-                <a:pos x="connsiteX48" y="connsiteY48"/>
-              </a:cxn>
-              <a:cxn ang="0">
-                <a:pos x="connsiteX49" y="connsiteY49"/>
-              </a:cxn>
-              <a:cxn ang="0">
-                <a:pos x="connsiteX50" y="connsiteY50"/>
-              </a:cxn>
-              <a:cxn ang="0">
-                <a:pos x="connsiteX51" y="connsiteY51"/>
-              </a:cxn>
-              <a:cxn ang="0">
-                <a:pos x="connsiteX52" y="connsiteY52"/>
-              </a:cxn>
-              <a:cxn ang="0">
-                <a:pos x="connsiteX53" y="connsiteY53"/>
-              </a:cxn>
-              <a:cxn ang="0">
-                <a:pos x="connsiteX54" y="connsiteY54"/>
-              </a:cxn>
-              <a:cxn ang="0">
-                <a:pos x="connsiteX55" y="connsiteY55"/>
-              </a:cxn>
-              <a:cxn ang="0">
-                <a:pos x="connsiteX56" y="connsiteY56"/>
-              </a:cxn>
-              <a:cxn ang="0">
-                <a:pos x="connsiteX57" y="connsiteY57"/>
-              </a:cxn>
-              <a:cxn ang="0">
-                <a:pos x="connsiteX58" y="connsiteY58"/>
-              </a:cxn>
-              <a:cxn ang="0">
-                <a:pos x="connsiteX59" y="connsiteY59"/>
-              </a:cxn>
-              <a:cxn ang="0">
-                <a:pos x="connsiteX60" y="connsiteY60"/>
-              </a:cxn>
-              <a:cxn ang="0">
-                <a:pos x="connsiteX61" y="connsiteY61"/>
-              </a:cxn>
-              <a:cxn ang="0">
-                <a:pos x="connsiteX62" y="connsiteY62"/>
-              </a:cxn>
-              <a:cxn ang="0">
-                <a:pos x="connsiteX63" y="connsiteY63"/>
-              </a:cxn>
-              <a:cxn ang="0">
-                <a:pos x="connsiteX64" y="connsiteY64"/>
-              </a:cxn>
-              <a:cxn ang="0">
-                <a:pos x="connsiteX65" y="connsiteY65"/>
-              </a:cxn>
-              <a:cxn ang="0">
-                <a:pos x="connsiteX66" y="connsiteY66"/>
-              </a:cxn>
-              <a:cxn ang="0">
-                <a:pos x="connsiteX67" y="connsiteY67"/>
-              </a:cxn>
-              <a:cxn ang="0">
-                <a:pos x="connsiteX68" y="connsiteY68"/>
-              </a:cxn>
-              <a:cxn ang="0">
-                <a:pos x="connsiteX69" y="connsiteY69"/>
-              </a:cxn>
-              <a:cxn ang="0">
-                <a:pos x="connsiteX70" y="connsiteY70"/>
-              </a:cxn>
-              <a:cxn ang="0">
-                <a:pos x="connsiteX71" y="connsiteY71"/>
-              </a:cxn>
-              <a:cxn ang="0">
-                <a:pos x="connsiteX72" y="connsiteY72"/>
-              </a:cxn>
-              <a:cxn ang="0">
-                <a:pos x="connsiteX73" y="connsiteY73"/>
-              </a:cxn>
-              <a:cxn ang="0">
-                <a:pos x="connsiteX74" y="connsiteY74"/>
-              </a:cxn>
-              <a:cxn ang="0">
-                <a:pos x="connsiteX75" y="connsiteY75"/>
-              </a:cxn>
-              <a:cxn ang="0">
-                <a:pos x="connsiteX76" y="connsiteY76"/>
-              </a:cxn>
-              <a:cxn ang="0">
-                <a:pos x="connsiteX77" y="connsiteY77"/>
-              </a:cxn>
-              <a:cxn ang="0">
-                <a:pos x="connsiteX78" y="connsiteY78"/>
-              </a:cxn>
-              <a:cxn ang="0">
-                <a:pos x="connsiteX79" y="connsiteY79"/>
-              </a:cxn>
-              <a:cxn ang="0">
-                <a:pos x="connsiteX80" y="connsiteY80"/>
-              </a:cxn>
-              <a:cxn ang="0">
-                <a:pos x="connsiteX81" y="connsiteY81"/>
-              </a:cxn>
-              <a:cxn ang="0">
-                <a:pos x="connsiteX82" y="connsiteY82"/>
-              </a:cxn>
-              <a:cxn ang="0">
-                <a:pos x="connsiteX83" y="connsiteY83"/>
-              </a:cxn>
-              <a:cxn ang="0">
-                <a:pos x="connsiteX84" y="connsiteY84"/>
-              </a:cxn>
-              <a:cxn ang="0">
-                <a:pos x="connsiteX85" y="connsiteY85"/>
-              </a:cxn>
-              <a:cxn ang="0">
-                <a:pos x="connsiteX86" y="connsiteY86"/>
-              </a:cxn>
-              <a:cxn ang="0">
-                <a:pos x="connsiteX87" y="connsiteY87"/>
-              </a:cxn>
-              <a:cxn ang="0">
-                <a:pos x="connsiteX88" y="connsiteY88"/>
-              </a:cxn>
-              <a:cxn ang="0">
-                <a:pos x="connsiteX89" y="connsiteY89"/>
-              </a:cxn>
-              <a:cxn ang="0">
-                <a:pos x="connsiteX90" y="connsiteY90"/>
-              </a:cxn>
-            </a:cxnLst>
-            <a:rect l="l" t="t" r="r" b="b"/>
-            <a:pathLst>
-              <a:path w="1983504" h="6858000">
-                <a:moveTo>
-                  <a:pt x="0" y="0"/>
-                </a:moveTo>
-                <a:lnTo>
-                  <a:pt x="1376658" y="0"/>
-                </a:lnTo>
-                <a:cubicBezTo>
-                  <a:pt x="1482328" y="35571"/>
-                  <a:pt x="1584980" y="78255"/>
-                  <a:pt x="1690650" y="110269"/>
-                </a:cubicBezTo>
-                <a:cubicBezTo>
-                  <a:pt x="1675553" y="145839"/>
-                  <a:pt x="1660458" y="138725"/>
-                  <a:pt x="1645361" y="135168"/>
-                </a:cubicBezTo>
-                <a:cubicBezTo>
-                  <a:pt x="1554788" y="120941"/>
-                  <a:pt x="1461194" y="110269"/>
-                  <a:pt x="1373640" y="71141"/>
-                </a:cubicBezTo>
-                <a:cubicBezTo>
-                  <a:pt x="1352504" y="64027"/>
-                  <a:pt x="1328352" y="64027"/>
-                  <a:pt x="1319295" y="88927"/>
-                </a:cubicBezTo>
-                <a:cubicBezTo>
-                  <a:pt x="1304199" y="124497"/>
-                  <a:pt x="1325332" y="145839"/>
-                  <a:pt x="1346468" y="163625"/>
-                </a:cubicBezTo>
-                <a:cubicBezTo>
-                  <a:pt x="1382696" y="195638"/>
-                  <a:pt x="1424964" y="188525"/>
-                  <a:pt x="1464213" y="192082"/>
-                </a:cubicBezTo>
-                <a:cubicBezTo>
-                  <a:pt x="1572902" y="209867"/>
-                  <a:pt x="1624228" y="259665"/>
-                  <a:pt x="1648381" y="373491"/>
-                </a:cubicBezTo>
-                <a:cubicBezTo>
-                  <a:pt x="1554788" y="327250"/>
-                  <a:pt x="1461194" y="384162"/>
-                  <a:pt x="1370620" y="352148"/>
-                </a:cubicBezTo>
-                <a:cubicBezTo>
-                  <a:pt x="1346468" y="345034"/>
-                  <a:pt x="1310237" y="355706"/>
-                  <a:pt x="1322314" y="394834"/>
-                </a:cubicBezTo>
-                <a:cubicBezTo>
-                  <a:pt x="1334390" y="430405"/>
-                  <a:pt x="1373640" y="458860"/>
-                  <a:pt x="1304199" y="451747"/>
-                </a:cubicBezTo>
-                <a:cubicBezTo>
-                  <a:pt x="1252873" y="448189"/>
-                  <a:pt x="1237778" y="405504"/>
-                  <a:pt x="1222682" y="359262"/>
-                </a:cubicBezTo>
-                <a:cubicBezTo>
-                  <a:pt x="1210606" y="334364"/>
-                  <a:pt x="1177395" y="320135"/>
-                  <a:pt x="1153242" y="334364"/>
-                </a:cubicBezTo>
-                <a:cubicBezTo>
-                  <a:pt x="1123051" y="348592"/>
-                  <a:pt x="1132108" y="387720"/>
-                  <a:pt x="1132108" y="416176"/>
-                </a:cubicBezTo>
-                <a:cubicBezTo>
-                  <a:pt x="1129088" y="469532"/>
-                  <a:pt x="1153242" y="494431"/>
-                  <a:pt x="1195509" y="505101"/>
-                </a:cubicBezTo>
-                <a:cubicBezTo>
-                  <a:pt x="1246836" y="519330"/>
-                  <a:pt x="1298160" y="537116"/>
-                  <a:pt x="1364582" y="558458"/>
-                </a:cubicBezTo>
-                <a:cubicBezTo>
-                  <a:pt x="1292122" y="594028"/>
-                  <a:pt x="1237778" y="586915"/>
-                  <a:pt x="1183434" y="558458"/>
-                </a:cubicBezTo>
-                <a:cubicBezTo>
-                  <a:pt x="1117012" y="526444"/>
-                  <a:pt x="1029458" y="483759"/>
-                  <a:pt x="975114" y="522887"/>
-                </a:cubicBezTo>
-                <a:cubicBezTo>
-                  <a:pt x="893597" y="579800"/>
-                  <a:pt x="827176" y="544229"/>
-                  <a:pt x="754716" y="533558"/>
-                </a:cubicBezTo>
-                <a:cubicBezTo>
-                  <a:pt x="603758" y="512216"/>
-                  <a:pt x="697352" y="480203"/>
-                  <a:pt x="546395" y="462417"/>
-                </a:cubicBezTo>
-                <a:cubicBezTo>
-                  <a:pt x="486012" y="455303"/>
-                  <a:pt x="422610" y="426847"/>
-                  <a:pt x="335056" y="465975"/>
-                </a:cubicBezTo>
-                <a:cubicBezTo>
-                  <a:pt x="730563" y="672284"/>
-                  <a:pt x="917750" y="658055"/>
-                  <a:pt x="1270988" y="910606"/>
-                </a:cubicBezTo>
-                <a:cubicBezTo>
-                  <a:pt x="1255893" y="935506"/>
-                  <a:pt x="1240798" y="924835"/>
-                  <a:pt x="1225701" y="921277"/>
-                </a:cubicBezTo>
-                <a:cubicBezTo>
-                  <a:pt x="1201548" y="917720"/>
-                  <a:pt x="1171356" y="903491"/>
-                  <a:pt x="1165318" y="949734"/>
-                </a:cubicBezTo>
-                <a:cubicBezTo>
-                  <a:pt x="1162298" y="985305"/>
-                  <a:pt x="1180415" y="1003089"/>
-                  <a:pt x="1210606" y="1006647"/>
-                </a:cubicBezTo>
-                <a:cubicBezTo>
-                  <a:pt x="1298160" y="1020875"/>
-                  <a:pt x="1376658" y="1070674"/>
-                  <a:pt x="1455156" y="1113358"/>
-                </a:cubicBezTo>
-                <a:cubicBezTo>
-                  <a:pt x="1491385" y="1131144"/>
-                  <a:pt x="1530634" y="1156043"/>
-                  <a:pt x="1515538" y="1220069"/>
-                </a:cubicBezTo>
-                <a:cubicBezTo>
-                  <a:pt x="1485348" y="1237855"/>
-                  <a:pt x="1464213" y="1212955"/>
-                  <a:pt x="1440060" y="1209399"/>
-                </a:cubicBezTo>
-                <a:cubicBezTo>
-                  <a:pt x="1415907" y="1205842"/>
-                  <a:pt x="1358543" y="1220069"/>
-                  <a:pt x="1373640" y="1230741"/>
-                </a:cubicBezTo>
-                <a:cubicBezTo>
-                  <a:pt x="1443080" y="1269868"/>
-                  <a:pt x="1316276" y="1365909"/>
-                  <a:pt x="1400810" y="1365909"/>
-                </a:cubicBezTo>
-                <a:cubicBezTo>
-                  <a:pt x="1539691" y="1365909"/>
-                  <a:pt x="1615170" y="1536647"/>
-                  <a:pt x="1748012" y="1540204"/>
-                </a:cubicBezTo>
-                <a:cubicBezTo>
-                  <a:pt x="1769146" y="1540204"/>
-                  <a:pt x="1778203" y="1572219"/>
-                  <a:pt x="1778203" y="1597117"/>
-                </a:cubicBezTo>
-                <a:cubicBezTo>
-                  <a:pt x="1778203" y="1629132"/>
-                  <a:pt x="1757070" y="1632688"/>
-                  <a:pt x="1735936" y="1636245"/>
-                </a:cubicBezTo>
-                <a:cubicBezTo>
-                  <a:pt x="1702725" y="1639802"/>
-                  <a:pt x="1666496" y="1597117"/>
-                  <a:pt x="1624228" y="1657587"/>
-                </a:cubicBezTo>
-                <a:cubicBezTo>
-                  <a:pt x="1702725" y="1693158"/>
-                  <a:pt x="1784242" y="1728729"/>
-                  <a:pt x="1781223" y="1849668"/>
-                </a:cubicBezTo>
-                <a:cubicBezTo>
-                  <a:pt x="1781223" y="1881683"/>
-                  <a:pt x="1814434" y="1895910"/>
-                  <a:pt x="1838587" y="1903025"/>
-                </a:cubicBezTo>
-                <a:cubicBezTo>
-                  <a:pt x="1880854" y="1917252"/>
-                  <a:pt x="1914065" y="1938595"/>
-                  <a:pt x="1938218" y="1984836"/>
-                </a:cubicBezTo>
-                <a:cubicBezTo>
-                  <a:pt x="1938218" y="1995507"/>
-                  <a:pt x="1938218" y="2002622"/>
-                  <a:pt x="1938218" y="2013292"/>
-                </a:cubicBezTo>
-                <a:cubicBezTo>
-                  <a:pt x="1932180" y="2123562"/>
-                  <a:pt x="1871798" y="2120004"/>
-                  <a:pt x="1805376" y="2102219"/>
-                </a:cubicBezTo>
-                <a:cubicBezTo>
-                  <a:pt x="1726878" y="2080877"/>
-                  <a:pt x="1648381" y="2038192"/>
-                  <a:pt x="1563844" y="2077320"/>
-                </a:cubicBezTo>
-                <a:cubicBezTo>
-                  <a:pt x="1681592" y="2130676"/>
-                  <a:pt x="1811414" y="2134233"/>
-                  <a:pt x="1920104" y="2208931"/>
-                </a:cubicBezTo>
-                <a:cubicBezTo>
-                  <a:pt x="1515538" y="2223159"/>
-                  <a:pt x="1159280" y="1984836"/>
-                  <a:pt x="766792" y="1892353"/>
-                </a:cubicBezTo>
-                <a:cubicBezTo>
-                  <a:pt x="778869" y="1952823"/>
-                  <a:pt x="812080" y="1967051"/>
-                  <a:pt x="839252" y="1974165"/>
-                </a:cubicBezTo>
-                <a:cubicBezTo>
-                  <a:pt x="984170" y="2020407"/>
-                  <a:pt x="1110974" y="2112891"/>
-                  <a:pt x="1243816" y="2191146"/>
-                </a:cubicBezTo>
-                <a:cubicBezTo>
-                  <a:pt x="1298160" y="2223159"/>
-                  <a:pt x="1337410" y="2258731"/>
-                  <a:pt x="1358543" y="2326314"/>
-                </a:cubicBezTo>
-                <a:cubicBezTo>
-                  <a:pt x="1376658" y="2390340"/>
-                  <a:pt x="1412888" y="2418796"/>
-                  <a:pt x="1479310" y="2401012"/>
-                </a:cubicBezTo>
-                <a:cubicBezTo>
-                  <a:pt x="1533654" y="2386784"/>
-                  <a:pt x="1591018" y="2393898"/>
-                  <a:pt x="1648381" y="2401012"/>
-                </a:cubicBezTo>
-                <a:cubicBezTo>
-                  <a:pt x="1711782" y="2408126"/>
-                  <a:pt x="1784242" y="2479267"/>
-                  <a:pt x="1769146" y="2518395"/>
-                </a:cubicBezTo>
-                <a:cubicBezTo>
-                  <a:pt x="1738956" y="2582422"/>
-                  <a:pt x="1687630" y="2550408"/>
-                  <a:pt x="1645361" y="2543294"/>
-                </a:cubicBezTo>
-                <a:cubicBezTo>
-                  <a:pt x="1594036" y="2536181"/>
-                  <a:pt x="1500444" y="2518395"/>
-                  <a:pt x="1500444" y="2525509"/>
-                </a:cubicBezTo>
-                <a:cubicBezTo>
-                  <a:pt x="1467232" y="2685576"/>
-                  <a:pt x="1391754" y="2564636"/>
-                  <a:pt x="1337410" y="2564636"/>
-                </a:cubicBezTo>
-                <a:cubicBezTo>
-                  <a:pt x="1286084" y="2564636"/>
-                  <a:pt x="1234759" y="2546851"/>
-                  <a:pt x="1186452" y="2532623"/>
-                </a:cubicBezTo>
-                <a:cubicBezTo>
-                  <a:pt x="1123051" y="2514837"/>
-                  <a:pt x="1065688" y="2546851"/>
-                  <a:pt x="1005304" y="2553965"/>
-                </a:cubicBezTo>
-                <a:cubicBezTo>
-                  <a:pt x="950960" y="2561080"/>
-                  <a:pt x="981150" y="2653563"/>
-                  <a:pt x="947940" y="2692689"/>
-                </a:cubicBezTo>
-                <a:cubicBezTo>
-                  <a:pt x="941903" y="2703362"/>
-                  <a:pt x="935864" y="2703362"/>
-                  <a:pt x="929826" y="2703362"/>
-                </a:cubicBezTo>
-                <a:cubicBezTo>
-                  <a:pt x="911711" y="2980812"/>
-                  <a:pt x="594701" y="2913227"/>
-                  <a:pt x="594701" y="2923898"/>
-                </a:cubicBezTo>
-                <a:cubicBezTo>
-                  <a:pt x="567529" y="2941684"/>
-                  <a:pt x="534318" y="2899000"/>
-                  <a:pt x="501108" y="2941684"/>
-                </a:cubicBezTo>
-                <a:cubicBezTo>
-                  <a:pt x="643007" y="3137322"/>
-                  <a:pt x="860386" y="3183563"/>
-                  <a:pt x="1053610" y="3329402"/>
-                </a:cubicBezTo>
-                <a:cubicBezTo>
-                  <a:pt x="893597" y="3379202"/>
-                  <a:pt x="800002" y="3208463"/>
-                  <a:pt x="682256" y="3229805"/>
-                </a:cubicBezTo>
-                <a:cubicBezTo>
-                  <a:pt x="624893" y="3283162"/>
-                  <a:pt x="796984" y="3368530"/>
-                  <a:pt x="630932" y="3393429"/>
-                </a:cubicBezTo>
-                <a:cubicBezTo>
-                  <a:pt x="703390" y="3439672"/>
-                  <a:pt x="754716" y="3485914"/>
-                  <a:pt x="806041" y="3539269"/>
-                </a:cubicBezTo>
-                <a:cubicBezTo>
-                  <a:pt x="893597" y="3635309"/>
-                  <a:pt x="911711" y="3699337"/>
-                  <a:pt x="869444" y="3827390"/>
-                </a:cubicBezTo>
-                <a:cubicBezTo>
-                  <a:pt x="842270" y="3912759"/>
-                  <a:pt x="803022" y="3991015"/>
-                  <a:pt x="839252" y="4090612"/>
-                </a:cubicBezTo>
-                <a:cubicBezTo>
-                  <a:pt x="863405" y="4158196"/>
-                  <a:pt x="854347" y="4204438"/>
-                  <a:pt x="763774" y="4172424"/>
-                </a:cubicBezTo>
-                <a:cubicBezTo>
-                  <a:pt x="667160" y="4140411"/>
-                  <a:pt x="630932" y="4200882"/>
-                  <a:pt x="655085" y="4321821"/>
-                </a:cubicBezTo>
-                <a:cubicBezTo>
-                  <a:pt x="670179" y="4400076"/>
-                  <a:pt x="655085" y="4424975"/>
-                  <a:pt x="588662" y="4414305"/>
-                </a:cubicBezTo>
-                <a:cubicBezTo>
-                  <a:pt x="516204" y="4403633"/>
-                  <a:pt x="446764" y="4353835"/>
-                  <a:pt x="356189" y="4378734"/>
-                </a:cubicBezTo>
-                <a:cubicBezTo>
-                  <a:pt x="428648" y="4521016"/>
-                  <a:pt x="582626" y="4478331"/>
-                  <a:pt x="667160" y="4613499"/>
-                </a:cubicBezTo>
-                <a:cubicBezTo>
-                  <a:pt x="567529" y="4613499"/>
-                  <a:pt x="489031" y="4613499"/>
-                  <a:pt x="416573" y="4585042"/>
-                </a:cubicBezTo>
-                <a:cubicBezTo>
-                  <a:pt x="386381" y="4574373"/>
-                  <a:pt x="353170" y="4560144"/>
-                  <a:pt x="335056" y="4602828"/>
-                </a:cubicBezTo>
-                <a:cubicBezTo>
-                  <a:pt x="313920" y="4652628"/>
-                  <a:pt x="356189" y="4670412"/>
-                  <a:pt x="380342" y="4677526"/>
-                </a:cubicBezTo>
-                <a:cubicBezTo>
-                  <a:pt x="449784" y="4702425"/>
-                  <a:pt x="504126" y="4759339"/>
-                  <a:pt x="564510" y="4805580"/>
-                </a:cubicBezTo>
-                <a:cubicBezTo>
-                  <a:pt x="694332" y="4905177"/>
-                  <a:pt x="836233" y="4990547"/>
-                  <a:pt x="944922" y="5154171"/>
-                </a:cubicBezTo>
-                <a:cubicBezTo>
-                  <a:pt x="809060" y="5111487"/>
-                  <a:pt x="706410" y="5011889"/>
-                  <a:pt x="576586" y="4994104"/>
-                </a:cubicBezTo>
-                <a:cubicBezTo>
-                  <a:pt x="688296" y="5143500"/>
-                  <a:pt x="830194" y="5243097"/>
-                  <a:pt x="963036" y="5353367"/>
-                </a:cubicBezTo>
-                <a:cubicBezTo>
-                  <a:pt x="1002286" y="5385379"/>
-                  <a:pt x="1041534" y="5406721"/>
-                  <a:pt x="1047572" y="5474306"/>
-                </a:cubicBezTo>
-                <a:cubicBezTo>
-                  <a:pt x="1065688" y="5605917"/>
-                  <a:pt x="1113992" y="5712629"/>
-                  <a:pt x="1222682" y="5769542"/>
-                </a:cubicBezTo>
-                <a:cubicBezTo>
-                  <a:pt x="1222682" y="5769542"/>
-                  <a:pt x="1216644" y="5790884"/>
-                  <a:pt x="1213626" y="5801555"/>
-                </a:cubicBezTo>
-                <a:cubicBezTo>
-                  <a:pt x="1147203" y="5805112"/>
-                  <a:pt x="1095878" y="5726858"/>
-                  <a:pt x="1014361" y="5755314"/>
-                </a:cubicBezTo>
-                <a:cubicBezTo>
-                  <a:pt x="1095878" y="5862025"/>
-                  <a:pt x="1162298" y="5954508"/>
-                  <a:pt x="1274008" y="6004307"/>
-                </a:cubicBezTo>
-                <a:cubicBezTo>
-                  <a:pt x="1364582" y="6043434"/>
-                  <a:pt x="1476290" y="6068335"/>
-                  <a:pt x="1542711" y="6196388"/>
-                </a:cubicBezTo>
-                <a:cubicBezTo>
-                  <a:pt x="1467232" y="6221287"/>
-                  <a:pt x="1409868" y="6189274"/>
-                  <a:pt x="1352504" y="6167932"/>
-                </a:cubicBezTo>
-                <a:cubicBezTo>
-                  <a:pt x="1264950" y="6132361"/>
-                  <a:pt x="1177395" y="6093234"/>
-                  <a:pt x="1089840" y="6057663"/>
-                </a:cubicBezTo>
-                <a:cubicBezTo>
-                  <a:pt x="1056628" y="6043434"/>
-                  <a:pt x="1020400" y="6036320"/>
-                  <a:pt x="999266" y="6100347"/>
-                </a:cubicBezTo>
-                <a:cubicBezTo>
-                  <a:pt x="1110974" y="6114575"/>
-                  <a:pt x="1177395" y="6199945"/>
-                  <a:pt x="1246836" y="6281757"/>
-                </a:cubicBezTo>
-                <a:cubicBezTo>
-                  <a:pt x="1286084" y="6327999"/>
-                  <a:pt x="1319295" y="6388469"/>
-                  <a:pt x="1388735" y="6367127"/>
-                </a:cubicBezTo>
-                <a:cubicBezTo>
-                  <a:pt x="1424964" y="6356456"/>
-                  <a:pt x="1449118" y="6388469"/>
-                  <a:pt x="1446099" y="6431153"/>
-                </a:cubicBezTo>
-                <a:cubicBezTo>
-                  <a:pt x="1431002" y="6580550"/>
-                  <a:pt x="1518558" y="6630349"/>
-                  <a:pt x="1609132" y="6658805"/>
-                </a:cubicBezTo>
-                <a:cubicBezTo>
-                  <a:pt x="1741974" y="6701489"/>
-                  <a:pt x="1859720" y="6786859"/>
-                  <a:pt x="1983504" y="6858000"/>
-                </a:cubicBezTo>
-                <a:lnTo>
-                  <a:pt x="0" y="6858000"/>
-                </a:lnTo>
-                <a:close/>
-              </a:path>
-            </a:pathLst>
-          </a:custGeom>
-          <a:solidFill>
-            <a:schemeClr val="bg2">
-              <a:alpha val="50000"/>
-            </a:schemeClr>
-          </a:solidFill>
-          <a:ln w="32707" cap="flat">
-            <a:noFill/>
-            <a:prstDash val="solid"/>
-            <a:miter/>
-          </a:ln>
-        </p:spPr>
-        <p:txBody>
-          <a:bodyPr wrap="square" rtlCol="0" anchor="ctr">
-            <a:noAutofit/>
-          </a:bodyPr>
-          <a:lstStyle/>
-          <a:p>
-            <a:pPr algn="ctr"/>
-            <a:endParaRPr lang="en-US"/>
-          </a:p>
-        </p:txBody>
-      </p:sp>
-      <p:pic>
-        <p:nvPicPr>
-          <p:cNvPr id="18" name="Picture 17">
-            <a:extLst>
-              <a:ext uri="{FF2B5EF4-FFF2-40B4-BE49-F238E27FC236}">
-                <a16:creationId xmlns:a16="http://schemas.microsoft.com/office/drawing/2014/main" id="{EA09F85F-999E-0ED7-7920-2890EADF540B}"/>
-              </a:ext>
-            </a:extLst>
-          </p:cNvPr>
-          <p:cNvPicPr>
-            <a:picLocks noChangeAspect="1"/>
-          </p:cNvPicPr>
-          <p:nvPr/>
-        </p:nvPicPr>
-        <p:blipFill>
-          <a:blip r:embed="rId3"/>
-          <a:stretch>
-            <a:fillRect/>
-          </a:stretch>
-        </p:blipFill>
-        <p:spPr>
-          <a:xfrm>
-            <a:off x="9526752" y="306900"/>
-            <a:ext cx="2413124" cy="673135"/>
-          </a:xfrm>
-          <a:prstGeom prst="rect">
-            <a:avLst/>
-          </a:prstGeom>
-        </p:spPr>
-      </p:pic>
-      <p:sp>
-        <p:nvSpPr>
-          <p:cNvPr id="20" name="TextBox 19">
-            <a:extLst>
-              <a:ext uri="{FF2B5EF4-FFF2-40B4-BE49-F238E27FC236}">
-                <a16:creationId xmlns:a16="http://schemas.microsoft.com/office/drawing/2014/main" id="{AAA8DDD3-BC7A-EE86-8818-2E0C8B4526B7}"/>
-              </a:ext>
-            </a:extLst>
-          </p:cNvPr>
-          <p:cNvSpPr txBox="1"/>
-          <p:nvPr/>
-        </p:nvSpPr>
-        <p:spPr>
-          <a:xfrm>
-            <a:off x="1200568" y="643467"/>
-            <a:ext cx="9532746" cy="2980624"/>
-          </a:xfrm>
-          <a:prstGeom prst="rect">
-            <a:avLst/>
-          </a:prstGeom>
-          <a:noFill/>
-        </p:spPr>
-        <p:txBody>
-          <a:bodyPr wrap="square">
-            <a:spAutoFit/>
-          </a:bodyPr>
-          <a:lstStyle/>
-          <a:p>
-            <a:r>
-              <a:rPr lang="en-US" sz="2800" b="1" dirty="0">
-                <a:latin typeface="Times New Roman" panose="02020603050405020304" pitchFamily="18" charset="0"/>
-                <a:cs typeface="Times New Roman" panose="02020603050405020304" pitchFamily="18" charset="0"/>
-              </a:rPr>
-              <a:t>Table of Contents</a:t>
-            </a:r>
-          </a:p>
-          <a:p>
-            <a:r>
-              <a:rPr lang="en-US" sz="2000" dirty="0">
-                <a:latin typeface="Times New Roman" panose="02020603050405020304" pitchFamily="18" charset="0"/>
-                <a:cs typeface="Times New Roman" panose="02020603050405020304" pitchFamily="18" charset="0"/>
-              </a:rPr>
-              <a:t>________________________________________</a:t>
-            </a:r>
-            <a:endParaRPr lang="en-US" sz="2400" dirty="0">
-              <a:latin typeface="Times New Roman" panose="02020603050405020304" pitchFamily="18" charset="0"/>
-              <a:cs typeface="Times New Roman" panose="02020603050405020304" pitchFamily="18" charset="0"/>
-            </a:endParaRPr>
-          </a:p>
-          <a:p>
-            <a:pPr marL="342900" indent="-342900">
-              <a:lnSpc>
-                <a:spcPct val="150000"/>
-              </a:lnSpc>
-              <a:buFont typeface="Arial" panose="020B0604020202020204" pitchFamily="34" charset="0"/>
-              <a:buChar char="•"/>
-            </a:pPr>
-            <a:r>
-              <a:rPr lang="en-US" sz="2400" dirty="0">
-                <a:latin typeface="Times New Roman" panose="02020603050405020304" pitchFamily="18" charset="0"/>
-                <a:cs typeface="Times New Roman" panose="02020603050405020304" pitchFamily="18" charset="0"/>
-              </a:rPr>
-              <a:t>Part I: Source Data Integration </a:t>
-            </a:r>
-          </a:p>
-          <a:p>
-            <a:pPr marL="342900" indent="-342900">
-              <a:lnSpc>
-                <a:spcPct val="150000"/>
-              </a:lnSpc>
-              <a:buFont typeface="Arial" panose="020B0604020202020204" pitchFamily="34" charset="0"/>
-              <a:buChar char="•"/>
-            </a:pPr>
-            <a:r>
-              <a:rPr lang="en-US" sz="2400" dirty="0">
-                <a:latin typeface="Times New Roman" panose="02020603050405020304" pitchFamily="18" charset="0"/>
-                <a:cs typeface="Times New Roman" panose="02020603050405020304" pitchFamily="18" charset="0"/>
-              </a:rPr>
-              <a:t>Part II: Methodology Development</a:t>
-            </a:r>
-          </a:p>
-          <a:p>
-            <a:pPr marL="342900" indent="-342900">
-              <a:lnSpc>
-                <a:spcPct val="150000"/>
-              </a:lnSpc>
-              <a:buFont typeface="Arial" panose="020B0604020202020204" pitchFamily="34" charset="0"/>
-              <a:buChar char="•"/>
-            </a:pPr>
-            <a:r>
-              <a:rPr lang="en-US" sz="2400" dirty="0">
-                <a:latin typeface="Times New Roman" panose="02020603050405020304" pitchFamily="18" charset="0"/>
-                <a:cs typeface="Times New Roman" panose="02020603050405020304" pitchFamily="18" charset="0"/>
-              </a:rPr>
-              <a:t>Part III: Insights and Recommendations</a:t>
-            </a:r>
-          </a:p>
-          <a:p>
-            <a:pPr marL="342900" indent="-342900">
-              <a:lnSpc>
-                <a:spcPct val="150000"/>
-              </a:lnSpc>
-              <a:buFont typeface="Arial" panose="020B0604020202020204" pitchFamily="34" charset="0"/>
-              <a:buChar char="•"/>
-            </a:pPr>
-            <a:r>
-              <a:rPr lang="en-US" sz="2400" dirty="0">
-                <a:latin typeface="Times New Roman" panose="02020603050405020304" pitchFamily="18" charset="0"/>
-                <a:cs typeface="Times New Roman" panose="02020603050405020304" pitchFamily="18" charset="0"/>
-              </a:rPr>
-              <a:t>Conclusion</a:t>
-            </a:r>
-          </a:p>
-        </p:txBody>
-      </p:sp>
-      <p:sp>
-        <p:nvSpPr>
-          <p:cNvPr id="2" name="Slide Number Placeholder 1">
-            <a:extLst>
-              <a:ext uri="{FF2B5EF4-FFF2-40B4-BE49-F238E27FC236}">
-                <a16:creationId xmlns:a16="http://schemas.microsoft.com/office/drawing/2014/main" id="{19D573E6-2678-3D62-B1CA-66F68E1EC587}"/>
-              </a:ext>
-            </a:extLst>
-          </p:cNvPr>
-          <p:cNvSpPr>
-            <a:spLocks noGrp="1"/>
-          </p:cNvSpPr>
-          <p:nvPr>
-            <p:ph type="sldNum" sz="quarter" idx="12"/>
-          </p:nvPr>
-        </p:nvSpPr>
-        <p:spPr/>
-        <p:txBody>
-          <a:bodyPr/>
-          <a:lstStyle/>
-          <a:p>
-            <a:fld id="{0E09FCB3-37CC-4DC3-9641-7B88AD2FD4DA}" type="slidenum">
-              <a:rPr lang="en-US" smtClean="0"/>
-              <a:t>2</a:t>
-            </a:fld>
-            <a:endParaRPr lang="en-US"/>
-          </a:p>
-        </p:txBody>
-      </p:sp>
-    </p:spTree>
-    <p:extLst>
-      <p:ext uri="{BB962C8B-B14F-4D97-AF65-F5344CB8AC3E}">
-        <p14:creationId xmlns:p14="http://schemas.microsoft.com/office/powerpoint/2010/main" val="2572279493"/>
-      </p:ext>
-    </p:extLst>
-  </p:cSld>
-  <p:clrMapOvr>
-    <a:masterClrMapping/>
-  </p:clrMapOvr>
-</p:sld>
-</file>
-
-<file path=ppt/slides/slide3.xml><?xml version="1.0" encoding="utf-8"?>
 <p:sld xmlns:a="http://schemas.openxmlformats.org/drawingml/2006/main" xmlns:r="http://schemas.openxmlformats.org/officeDocument/2006/relationships" xmlns:p="http://schemas.openxmlformats.org/presentationml/2006/main">
   <p:cSld>
     <p:bg>
@@ -21748,7 +20976,7 @@
           <a:p>
             <a:fld id="{0E09FCB3-37CC-4DC3-9641-7B88AD2FD4DA}" type="slidenum">
               <a:rPr lang="en-US" smtClean="0"/>
-              <a:t>3</a:t>
+              <a:t>2</a:t>
             </a:fld>
             <a:endParaRPr lang="en-US"/>
           </a:p>
@@ -21767,7 +20995,7 @@
 </p:sld>
 </file>
 
-<file path=ppt/slides/slide4.xml><?xml version="1.0" encoding="utf-8"?>
+<file path=ppt/slides/slide3.xml><?xml version="1.0" encoding="utf-8"?>
 <p:sld xmlns:a="http://schemas.openxmlformats.org/drawingml/2006/main" xmlns:r="http://schemas.openxmlformats.org/officeDocument/2006/relationships" xmlns:p="http://schemas.openxmlformats.org/presentationml/2006/main" show="0">
   <p:cSld>
     <p:spTree>
@@ -21813,7 +21041,7 @@
           <a:p>
             <a:fld id="{0E09FCB3-37CC-4DC3-9641-7B88AD2FD4DA}" type="slidenum">
               <a:rPr lang="en-US" smtClean="0"/>
-              <a:t>4</a:t>
+              <a:t>3</a:t>
             </a:fld>
             <a:endParaRPr lang="en-US"/>
           </a:p>
@@ -21862,7 +21090,7 @@
 </p:sld>
 </file>
 
-<file path=ppt/slides/slide5.xml><?xml version="1.0" encoding="utf-8"?>
+<file path=ppt/slides/slide4.xml><?xml version="1.0" encoding="utf-8"?>
 <p:sld xmlns:a="http://schemas.openxmlformats.org/drawingml/2006/main" xmlns:r="http://schemas.openxmlformats.org/officeDocument/2006/relationships" xmlns:p="http://schemas.openxmlformats.org/presentationml/2006/main" show="0">
   <p:cSld>
     <p:spTree>
@@ -21908,7 +21136,7 @@
           <a:p>
             <a:fld id="{0E09FCB3-37CC-4DC3-9641-7B88AD2FD4DA}" type="slidenum">
               <a:rPr lang="en-US" smtClean="0"/>
-              <a:t>5</a:t>
+              <a:t>4</a:t>
             </a:fld>
             <a:endParaRPr lang="en-US"/>
           </a:p>
@@ -21948,6 +21176,778 @@
     <p:extLst>
       <p:ext uri="{BB962C8B-B14F-4D97-AF65-F5344CB8AC3E}">
         <p14:creationId xmlns:p14="http://schemas.microsoft.com/office/powerpoint/2010/main" val="4089501065"/>
+      </p:ext>
+    </p:extLst>
+  </p:cSld>
+  <p:clrMapOvr>
+    <a:masterClrMapping/>
+  </p:clrMapOvr>
+</p:sld>
+</file>
+
+<file path=ppt/slides/slide5.xml><?xml version="1.0" encoding="utf-8"?>
+<p:sld xmlns:a="http://schemas.openxmlformats.org/drawingml/2006/main" xmlns:r="http://schemas.openxmlformats.org/officeDocument/2006/relationships" xmlns:p="http://schemas.openxmlformats.org/presentationml/2006/main">
+  <p:cSld>
+    <p:bg>
+      <p:bgPr>
+        <a:solidFill>
+          <a:schemeClr val="bg1"/>
+        </a:solidFill>
+        <a:effectLst/>
+      </p:bgPr>
+    </p:bg>
+    <p:spTree>
+      <p:nvGrpSpPr>
+        <p:cNvPr id="1" name="">
+          <a:extLst>
+            <a:ext uri="{FF2B5EF4-FFF2-40B4-BE49-F238E27FC236}">
+              <a16:creationId xmlns:a16="http://schemas.microsoft.com/office/drawing/2014/main" id="{242090F7-2343-C572-747F-ADCBD801617B}"/>
+            </a:ext>
+          </a:extLst>
+        </p:cNvPr>
+        <p:cNvGrpSpPr/>
+        <p:nvPr/>
+      </p:nvGrpSpPr>
+      <p:grpSpPr>
+        <a:xfrm>
+          <a:off x="0" y="0"/>
+          <a:ext cx="0" cy="0"/>
+          <a:chOff x="0" y="0"/>
+          <a:chExt cx="0" cy="0"/>
+        </a:xfrm>
+      </p:grpSpPr>
+      <p:sp useBgFill="1">
+        <p:nvSpPr>
+          <p:cNvPr id="14" name="Rectangle 13">
+            <a:extLst>
+              <a:ext uri="{FF2B5EF4-FFF2-40B4-BE49-F238E27FC236}">
+                <a16:creationId xmlns:a16="http://schemas.microsoft.com/office/drawing/2014/main" id="{C9DD09DE-4863-75A3-246B-EE08BB3DC9C9}"/>
+              </a:ext>
+              <a:ext uri="{C183D7F6-B498-43B3-948B-1728B52AA6E4}">
+                <adec:decorative xmlns:adec="http://schemas.microsoft.com/office/drawing/2017/decorative" val="1"/>
+              </a:ext>
+            </a:extLst>
+          </p:cNvPr>
+          <p:cNvSpPr>
+            <a:spLocks noGrp="1" noRot="1" noChangeAspect="1" noMove="1" noResize="1" noEditPoints="1" noAdjustHandles="1" noChangeArrowheads="1" noChangeShapeType="1" noTextEdit="1"/>
+          </p:cNvSpPr>
+          <p:nvPr>
+            <p:extLst>
+              <p:ext uri="{386F3935-93C4-4BCD-93E2-E3B085C9AB24}">
+                <p16:designElem xmlns:p16="http://schemas.microsoft.com/office/powerpoint/2015/main" val="1"/>
+              </p:ext>
+            </p:extLst>
+          </p:nvPr>
+        </p:nvSpPr>
+        <p:spPr>
+          <a:xfrm>
+            <a:off x="0" y="0"/>
+            <a:ext cx="12188952" cy="6858000"/>
+          </a:xfrm>
+          <a:prstGeom prst="rect">
+            <a:avLst/>
+          </a:prstGeom>
+          <a:ln>
+            <a:noFill/>
+          </a:ln>
+        </p:spPr>
+        <p:style>
+          <a:lnRef idx="2">
+            <a:schemeClr val="accent1">
+              <a:shade val="50000"/>
+            </a:schemeClr>
+          </a:lnRef>
+          <a:fillRef idx="1">
+            <a:schemeClr val="accent1"/>
+          </a:fillRef>
+          <a:effectRef idx="0">
+            <a:schemeClr val="accent1"/>
+          </a:effectRef>
+          <a:fontRef idx="minor">
+            <a:schemeClr val="lt1"/>
+          </a:fontRef>
+        </p:style>
+        <p:txBody>
+          <a:bodyPr rtlCol="0" anchor="ctr"/>
+          <a:lstStyle/>
+          <a:p>
+            <a:pPr algn="ctr"/>
+            <a:endParaRPr lang="en-US"/>
+          </a:p>
+        </p:txBody>
+      </p:sp>
+      <p:sp>
+        <p:nvSpPr>
+          <p:cNvPr id="15" name="Freeform: Shape 14">
+            <a:extLst>
+              <a:ext uri="{FF2B5EF4-FFF2-40B4-BE49-F238E27FC236}">
+                <a16:creationId xmlns:a16="http://schemas.microsoft.com/office/drawing/2014/main" id="{8AB973E5-57A6-F247-18AE-A405A48668AB}"/>
+              </a:ext>
+              <a:ext uri="{C183D7F6-B498-43B3-948B-1728B52AA6E4}">
+                <adec:decorative xmlns:adec="http://schemas.microsoft.com/office/drawing/2017/decorative" val="1"/>
+              </a:ext>
+            </a:extLst>
+          </p:cNvPr>
+          <p:cNvSpPr>
+            <a:spLocks noGrp="1" noRot="1" noChangeAspect="1" noMove="1" noResize="1" noEditPoints="1" noAdjustHandles="1" noChangeArrowheads="1" noChangeShapeType="1" noTextEdit="1"/>
+          </p:cNvSpPr>
+          <p:nvPr>
+            <p:extLst>
+              <p:ext uri="{386F3935-93C4-4BCD-93E2-E3B085C9AB24}">
+                <p16:designElem xmlns:p16="http://schemas.microsoft.com/office/powerpoint/2015/main" val="1"/>
+              </p:ext>
+            </p:extLst>
+          </p:nvPr>
+        </p:nvSpPr>
+        <p:spPr>
+          <a:xfrm>
+            <a:off x="0" y="0"/>
+            <a:ext cx="12192000" cy="6858000"/>
+          </a:xfrm>
+          <a:custGeom>
+            <a:avLst/>
+            <a:gdLst>
+              <a:gd name="connsiteX0" fmla="*/ 0 w 12192000"/>
+              <a:gd name="connsiteY0" fmla="*/ 0 h 6858000"/>
+              <a:gd name="connsiteX1" fmla="*/ 3852070 w 12192000"/>
+              <a:gd name="connsiteY1" fmla="*/ 0 h 6858000"/>
+              <a:gd name="connsiteX2" fmla="*/ 3878367 w 12192000"/>
+              <a:gd name="connsiteY2" fmla="*/ 23504 h 6858000"/>
+              <a:gd name="connsiteX3" fmla="*/ 3885324 w 12192000"/>
+              <a:gd name="connsiteY3" fmla="*/ 84795 h 6858000"/>
+              <a:gd name="connsiteX4" fmla="*/ 3820400 w 12192000"/>
+              <a:gd name="connsiteY4" fmla="*/ 131127 h 6858000"/>
+              <a:gd name="connsiteX5" fmla="*/ 3631811 w 12192000"/>
+              <a:gd name="connsiteY5" fmla="*/ 219929 h 6858000"/>
+              <a:gd name="connsiteX6" fmla="*/ 4327428 w 12192000"/>
+              <a:gd name="connsiteY6" fmla="*/ 351201 h 6858000"/>
+              <a:gd name="connsiteX7" fmla="*/ 4080099 w 12192000"/>
+              <a:gd name="connsiteY7" fmla="*/ 432279 h 6858000"/>
+              <a:gd name="connsiteX8" fmla="*/ 3823492 w 12192000"/>
+              <a:gd name="connsiteY8" fmla="*/ 490194 h 6858000"/>
+              <a:gd name="connsiteX9" fmla="*/ 3545246 w 12192000"/>
+              <a:gd name="connsiteY9" fmla="*/ 532664 h 6858000"/>
+              <a:gd name="connsiteX10" fmla="*/ 3291732 w 12192000"/>
+              <a:gd name="connsiteY10" fmla="*/ 617605 h 6858000"/>
+              <a:gd name="connsiteX11" fmla="*/ 3953340 w 12192000"/>
+              <a:gd name="connsiteY11" fmla="*/ 652353 h 6858000"/>
+              <a:gd name="connsiteX12" fmla="*/ 3610170 w 12192000"/>
+              <a:gd name="connsiteY12" fmla="*/ 729572 h 6858000"/>
+              <a:gd name="connsiteX13" fmla="*/ 3328832 w 12192000"/>
+              <a:gd name="connsiteY13" fmla="*/ 829957 h 6858000"/>
+              <a:gd name="connsiteX14" fmla="*/ 3130966 w 12192000"/>
+              <a:gd name="connsiteY14" fmla="*/ 876288 h 6858000"/>
+              <a:gd name="connsiteX15" fmla="*/ 2920736 w 12192000"/>
+              <a:gd name="connsiteY15" fmla="*/ 887872 h 6858000"/>
+              <a:gd name="connsiteX16" fmla="*/ 2871269 w 12192000"/>
+              <a:gd name="connsiteY16" fmla="*/ 961228 h 6858000"/>
+              <a:gd name="connsiteX17" fmla="*/ 2936195 w 12192000"/>
+              <a:gd name="connsiteY17" fmla="*/ 1038448 h 6858000"/>
+              <a:gd name="connsiteX18" fmla="*/ 3035126 w 12192000"/>
+              <a:gd name="connsiteY18" fmla="*/ 1046168 h 6858000"/>
+              <a:gd name="connsiteX19" fmla="*/ 3625627 w 12192000"/>
+              <a:gd name="connsiteY19" fmla="*/ 1065474 h 6858000"/>
+              <a:gd name="connsiteX20" fmla="*/ 1733551 w 12192000"/>
+              <a:gd name="connsiteY20" fmla="*/ 1235355 h 6858000"/>
+              <a:gd name="connsiteX21" fmla="*/ 1990156 w 12192000"/>
+              <a:gd name="connsiteY21" fmla="*/ 1339602 h 6858000"/>
+              <a:gd name="connsiteX22" fmla="*/ 2076722 w 12192000"/>
+              <a:gd name="connsiteY22" fmla="*/ 1625311 h 6858000"/>
+              <a:gd name="connsiteX23" fmla="*/ 2392067 w 12192000"/>
+              <a:gd name="connsiteY23" fmla="*/ 1787470 h 6858000"/>
+              <a:gd name="connsiteX24" fmla="*/ 2596115 w 12192000"/>
+              <a:gd name="connsiteY24" fmla="*/ 1845385 h 6858000"/>
+              <a:gd name="connsiteX25" fmla="*/ 3062950 w 12192000"/>
+              <a:gd name="connsiteY25" fmla="*/ 1930326 h 6858000"/>
+              <a:gd name="connsiteX26" fmla="*/ 3130966 w 12192000"/>
+              <a:gd name="connsiteY26" fmla="*/ 2069319 h 6858000"/>
+              <a:gd name="connsiteX27" fmla="*/ 3189708 w 12192000"/>
+              <a:gd name="connsiteY27" fmla="*/ 2223754 h 6858000"/>
+              <a:gd name="connsiteX28" fmla="*/ 3313373 w 12192000"/>
+              <a:gd name="connsiteY28" fmla="*/ 2324141 h 6858000"/>
+              <a:gd name="connsiteX29" fmla="*/ 2351877 w 12192000"/>
+              <a:gd name="connsiteY29" fmla="*/ 2308697 h 6858000"/>
+              <a:gd name="connsiteX30" fmla="*/ 3437038 w 12192000"/>
+              <a:gd name="connsiteY30" fmla="*/ 2633017 h 6858000"/>
+              <a:gd name="connsiteX31" fmla="*/ 3341198 w 12192000"/>
+              <a:gd name="connsiteY31" fmla="*/ 2760427 h 6858000"/>
+              <a:gd name="connsiteX32" fmla="*/ 3934791 w 12192000"/>
+              <a:gd name="connsiteY32" fmla="*/ 2934169 h 6858000"/>
+              <a:gd name="connsiteX33" fmla="*/ 3616352 w 12192000"/>
+              <a:gd name="connsiteY33" fmla="*/ 2953473 h 6858000"/>
+              <a:gd name="connsiteX34" fmla="*/ 5468240 w 12192000"/>
+              <a:gd name="connsiteY34" fmla="*/ 3679329 h 6858000"/>
+              <a:gd name="connsiteX35" fmla="*/ 8111582 w 12192000"/>
+              <a:gd name="connsiteY35" fmla="*/ 4204418 h 6858000"/>
+              <a:gd name="connsiteX36" fmla="*/ 9144186 w 12192000"/>
+              <a:gd name="connsiteY36" fmla="*/ 4304802 h 6858000"/>
+              <a:gd name="connsiteX37" fmla="*/ 10319004 w 12192000"/>
+              <a:gd name="connsiteY37" fmla="*/ 4273915 h 6858000"/>
+              <a:gd name="connsiteX38" fmla="*/ 12053408 w 12192000"/>
+              <a:gd name="connsiteY38" fmla="*/ 3907125 h 6858000"/>
+              <a:gd name="connsiteX39" fmla="*/ 12192000 w 12192000"/>
+              <a:gd name="connsiteY39" fmla="*/ 3841157 h 6858000"/>
+              <a:gd name="connsiteX40" fmla="*/ 12192000 w 12192000"/>
+              <a:gd name="connsiteY40" fmla="*/ 6858000 h 6858000"/>
+              <a:gd name="connsiteX41" fmla="*/ 0 w 12192000"/>
+              <a:gd name="connsiteY41" fmla="*/ 6858000 h 6858000"/>
+            </a:gdLst>
+            <a:ahLst/>
+            <a:cxnLst>
+              <a:cxn ang="0">
+                <a:pos x="connsiteX0" y="connsiteY0"/>
+              </a:cxn>
+              <a:cxn ang="0">
+                <a:pos x="connsiteX1" y="connsiteY1"/>
+              </a:cxn>
+              <a:cxn ang="0">
+                <a:pos x="connsiteX2" y="connsiteY2"/>
+              </a:cxn>
+              <a:cxn ang="0">
+                <a:pos x="connsiteX3" y="connsiteY3"/>
+              </a:cxn>
+              <a:cxn ang="0">
+                <a:pos x="connsiteX4" y="connsiteY4"/>
+              </a:cxn>
+              <a:cxn ang="0">
+                <a:pos x="connsiteX5" y="connsiteY5"/>
+              </a:cxn>
+              <a:cxn ang="0">
+                <a:pos x="connsiteX6" y="connsiteY6"/>
+              </a:cxn>
+              <a:cxn ang="0">
+                <a:pos x="connsiteX7" y="connsiteY7"/>
+              </a:cxn>
+              <a:cxn ang="0">
+                <a:pos x="connsiteX8" y="connsiteY8"/>
+              </a:cxn>
+              <a:cxn ang="0">
+                <a:pos x="connsiteX9" y="connsiteY9"/>
+              </a:cxn>
+              <a:cxn ang="0">
+                <a:pos x="connsiteX10" y="connsiteY10"/>
+              </a:cxn>
+              <a:cxn ang="0">
+                <a:pos x="connsiteX11" y="connsiteY11"/>
+              </a:cxn>
+              <a:cxn ang="0">
+                <a:pos x="connsiteX12" y="connsiteY12"/>
+              </a:cxn>
+              <a:cxn ang="0">
+                <a:pos x="connsiteX13" y="connsiteY13"/>
+              </a:cxn>
+              <a:cxn ang="0">
+                <a:pos x="connsiteX14" y="connsiteY14"/>
+              </a:cxn>
+              <a:cxn ang="0">
+                <a:pos x="connsiteX15" y="connsiteY15"/>
+              </a:cxn>
+              <a:cxn ang="0">
+                <a:pos x="connsiteX16" y="connsiteY16"/>
+              </a:cxn>
+              <a:cxn ang="0">
+                <a:pos x="connsiteX17" y="connsiteY17"/>
+              </a:cxn>
+              <a:cxn ang="0">
+                <a:pos x="connsiteX18" y="connsiteY18"/>
+              </a:cxn>
+              <a:cxn ang="0">
+                <a:pos x="connsiteX19" y="connsiteY19"/>
+              </a:cxn>
+              <a:cxn ang="0">
+                <a:pos x="connsiteX20" y="connsiteY20"/>
+              </a:cxn>
+              <a:cxn ang="0">
+                <a:pos x="connsiteX21" y="connsiteY21"/>
+              </a:cxn>
+              <a:cxn ang="0">
+                <a:pos x="connsiteX22" y="connsiteY22"/>
+              </a:cxn>
+              <a:cxn ang="0">
+                <a:pos x="connsiteX23" y="connsiteY23"/>
+              </a:cxn>
+              <a:cxn ang="0">
+                <a:pos x="connsiteX24" y="connsiteY24"/>
+              </a:cxn>
+              <a:cxn ang="0">
+                <a:pos x="connsiteX25" y="connsiteY25"/>
+              </a:cxn>
+              <a:cxn ang="0">
+                <a:pos x="connsiteX26" y="connsiteY26"/>
+              </a:cxn>
+              <a:cxn ang="0">
+                <a:pos x="connsiteX27" y="connsiteY27"/>
+              </a:cxn>
+              <a:cxn ang="0">
+                <a:pos x="connsiteX28" y="connsiteY28"/>
+              </a:cxn>
+              <a:cxn ang="0">
+                <a:pos x="connsiteX29" y="connsiteY29"/>
+              </a:cxn>
+              <a:cxn ang="0">
+                <a:pos x="connsiteX30" y="connsiteY30"/>
+              </a:cxn>
+              <a:cxn ang="0">
+                <a:pos x="connsiteX31" y="connsiteY31"/>
+              </a:cxn>
+              <a:cxn ang="0">
+                <a:pos x="connsiteX32" y="connsiteY32"/>
+              </a:cxn>
+              <a:cxn ang="0">
+                <a:pos x="connsiteX33" y="connsiteY33"/>
+              </a:cxn>
+              <a:cxn ang="0">
+                <a:pos x="connsiteX34" y="connsiteY34"/>
+              </a:cxn>
+              <a:cxn ang="0">
+                <a:pos x="connsiteX35" y="connsiteY35"/>
+              </a:cxn>
+              <a:cxn ang="0">
+                <a:pos x="connsiteX36" y="connsiteY36"/>
+              </a:cxn>
+              <a:cxn ang="0">
+                <a:pos x="connsiteX37" y="connsiteY37"/>
+              </a:cxn>
+              <a:cxn ang="0">
+                <a:pos x="connsiteX38" y="connsiteY38"/>
+              </a:cxn>
+              <a:cxn ang="0">
+                <a:pos x="connsiteX39" y="connsiteY39"/>
+              </a:cxn>
+              <a:cxn ang="0">
+                <a:pos x="connsiteX40" y="connsiteY40"/>
+              </a:cxn>
+              <a:cxn ang="0">
+                <a:pos x="connsiteX41" y="connsiteY41"/>
+              </a:cxn>
+            </a:cxnLst>
+            <a:rect l="l" t="t" r="r" b="b"/>
+            <a:pathLst>
+              <a:path w="12192000" h="6858000">
+                <a:moveTo>
+                  <a:pt x="0" y="0"/>
+                </a:moveTo>
+                <a:lnTo>
+                  <a:pt x="3852070" y="0"/>
+                </a:lnTo>
+                <a:lnTo>
+                  <a:pt x="3878367" y="23504"/>
+                </a:lnTo>
+                <a:cubicBezTo>
+                  <a:pt x="3887642" y="39430"/>
+                  <a:pt x="3891507" y="59700"/>
+                  <a:pt x="3885324" y="84795"/>
+                </a:cubicBezTo>
+                <a:cubicBezTo>
+                  <a:pt x="3876049" y="123406"/>
+                  <a:pt x="3845133" y="123406"/>
+                  <a:pt x="3820400" y="131127"/>
+                </a:cubicBezTo>
+                <a:cubicBezTo>
+                  <a:pt x="3764751" y="154292"/>
+                  <a:pt x="3696735" y="138849"/>
+                  <a:pt x="3631811" y="219929"/>
+                </a:cubicBezTo>
+                <a:cubicBezTo>
+                  <a:pt x="3879141" y="262399"/>
+                  <a:pt x="4117198" y="181318"/>
+                  <a:pt x="4327428" y="351201"/>
+                </a:cubicBezTo>
+                <a:cubicBezTo>
+                  <a:pt x="4250138" y="436142"/>
+                  <a:pt x="4163572" y="416836"/>
+                  <a:pt x="4080099" y="432279"/>
+                </a:cubicBezTo>
+                <a:cubicBezTo>
+                  <a:pt x="3993533" y="447725"/>
+                  <a:pt x="3910058" y="474751"/>
+                  <a:pt x="3823492" y="490194"/>
+                </a:cubicBezTo>
+                <a:cubicBezTo>
+                  <a:pt x="3730743" y="509498"/>
+                  <a:pt x="3637993" y="513360"/>
+                  <a:pt x="3545246" y="532664"/>
+                </a:cubicBezTo>
+                <a:cubicBezTo>
+                  <a:pt x="3467954" y="548109"/>
+                  <a:pt x="3384480" y="521081"/>
+                  <a:pt x="3291732" y="617605"/>
+                </a:cubicBezTo>
+                <a:cubicBezTo>
+                  <a:pt x="3520513" y="687103"/>
+                  <a:pt x="3727651" y="582857"/>
+                  <a:pt x="3953340" y="652353"/>
+                </a:cubicBezTo>
+                <a:cubicBezTo>
+                  <a:pt x="3820400" y="714129"/>
+                  <a:pt x="3712194" y="694824"/>
+                  <a:pt x="3610170" y="729572"/>
+                </a:cubicBezTo>
+                <a:cubicBezTo>
+                  <a:pt x="3517420" y="764322"/>
+                  <a:pt x="3406122" y="725712"/>
+                  <a:pt x="3328832" y="829957"/>
+                </a:cubicBezTo>
+                <a:cubicBezTo>
+                  <a:pt x="3270090" y="911035"/>
+                  <a:pt x="3208258" y="922618"/>
+                  <a:pt x="3130966" y="876288"/>
+                </a:cubicBezTo>
+                <a:cubicBezTo>
+                  <a:pt x="3062950" y="833818"/>
+                  <a:pt x="2988752" y="845400"/>
+                  <a:pt x="2920736" y="887872"/>
+                </a:cubicBezTo>
+                <a:cubicBezTo>
+                  <a:pt x="2896004" y="903315"/>
+                  <a:pt x="2871269" y="922618"/>
+                  <a:pt x="2871269" y="961228"/>
+                </a:cubicBezTo>
+                <a:cubicBezTo>
+                  <a:pt x="2871269" y="1015283"/>
+                  <a:pt x="2902186" y="1030726"/>
+                  <a:pt x="2936195" y="1038448"/>
+                </a:cubicBezTo>
+                <a:cubicBezTo>
+                  <a:pt x="2967111" y="1046168"/>
+                  <a:pt x="3004210" y="1053891"/>
+                  <a:pt x="3035126" y="1046168"/>
+                </a:cubicBezTo>
+                <a:cubicBezTo>
+                  <a:pt x="3232990" y="1003700"/>
+                  <a:pt x="3427764" y="1073194"/>
+                  <a:pt x="3625627" y="1065474"/>
+                </a:cubicBezTo>
+                <a:cubicBezTo>
+                  <a:pt x="3004210" y="1231494"/>
+                  <a:pt x="2376610" y="1177441"/>
+                  <a:pt x="1733551" y="1235355"/>
+                </a:cubicBezTo>
+                <a:cubicBezTo>
+                  <a:pt x="1817025" y="1351183"/>
+                  <a:pt x="1925232" y="1254661"/>
+                  <a:pt x="1990156" y="1339602"/>
+                </a:cubicBezTo>
+                <a:cubicBezTo>
+                  <a:pt x="1928323" y="1517205"/>
+                  <a:pt x="1953057" y="1613728"/>
+                  <a:pt x="2076722" y="1625311"/>
+                </a:cubicBezTo>
+                <a:cubicBezTo>
+                  <a:pt x="2197295" y="1636894"/>
+                  <a:pt x="2327143" y="1575118"/>
+                  <a:pt x="2392067" y="1787470"/>
+                </a:cubicBezTo>
+                <a:cubicBezTo>
+                  <a:pt x="2410617" y="1853106"/>
+                  <a:pt x="2525008" y="1833802"/>
+                  <a:pt x="2596115" y="1845385"/>
+                </a:cubicBezTo>
+                <a:cubicBezTo>
+                  <a:pt x="2750696" y="1872411"/>
+                  <a:pt x="2914554" y="1845385"/>
+                  <a:pt x="3062950" y="1930326"/>
+                </a:cubicBezTo>
+                <a:cubicBezTo>
+                  <a:pt x="3121692" y="1961213"/>
+                  <a:pt x="3161883" y="1984378"/>
+                  <a:pt x="3130966" y="2069319"/>
+                </a:cubicBezTo>
+                <a:cubicBezTo>
+                  <a:pt x="3100050" y="2158121"/>
+                  <a:pt x="3140242" y="2189008"/>
+                  <a:pt x="3189708" y="2223754"/>
+                </a:cubicBezTo>
+                <a:cubicBezTo>
+                  <a:pt x="3226808" y="2250784"/>
+                  <a:pt x="3282457" y="2243060"/>
+                  <a:pt x="3313373" y="2324141"/>
+                </a:cubicBezTo>
+                <a:cubicBezTo>
+                  <a:pt x="2988752" y="2312558"/>
+                  <a:pt x="2673405" y="2246923"/>
+                  <a:pt x="2351877" y="2308697"/>
+                </a:cubicBezTo>
+                <a:cubicBezTo>
+                  <a:pt x="2704323" y="2463134"/>
+                  <a:pt x="3090776" y="2455412"/>
+                  <a:pt x="3437038" y="2633017"/>
+                </a:cubicBezTo>
+                <a:cubicBezTo>
+                  <a:pt x="3424671" y="2694791"/>
+                  <a:pt x="3344289" y="2667764"/>
+                  <a:pt x="3341198" y="2760427"/>
+                </a:cubicBezTo>
+                <a:cubicBezTo>
+                  <a:pt x="3523603" y="2856951"/>
+                  <a:pt x="3743110" y="2791314"/>
+                  <a:pt x="3934791" y="2934169"/>
+                </a:cubicBezTo>
+                <a:cubicBezTo>
+                  <a:pt x="3823492" y="2999805"/>
+                  <a:pt x="3721469" y="2891699"/>
+                  <a:pt x="3616352" y="2953473"/>
+                </a:cubicBezTo>
+                <a:cubicBezTo>
+                  <a:pt x="3650361" y="3046136"/>
+                  <a:pt x="5189993" y="3617555"/>
+                  <a:pt x="5468240" y="3679329"/>
+                </a:cubicBezTo>
+                <a:cubicBezTo>
+                  <a:pt x="6034007" y="3806740"/>
+                  <a:pt x="7663296" y="4131059"/>
+                  <a:pt x="8111582" y="4204418"/>
+                </a:cubicBezTo>
+                <a:cubicBezTo>
+                  <a:pt x="8457844" y="4258470"/>
+                  <a:pt x="8801016" y="4300942"/>
+                  <a:pt x="9144186" y="4304802"/>
+                </a:cubicBezTo>
+                <a:cubicBezTo>
+                  <a:pt x="9536822" y="4308663"/>
+                  <a:pt x="9926368" y="4289359"/>
+                  <a:pt x="10319004" y="4273915"/>
+                </a:cubicBezTo>
+                <a:cubicBezTo>
+                  <a:pt x="10906415" y="4250750"/>
+                  <a:pt x="11484549" y="4158087"/>
+                  <a:pt x="12053408" y="3907125"/>
+                </a:cubicBezTo>
+                <a:lnTo>
+                  <a:pt x="12192000" y="3841157"/>
+                </a:lnTo>
+                <a:lnTo>
+                  <a:pt x="12192000" y="6858000"/>
+                </a:lnTo>
+                <a:lnTo>
+                  <a:pt x="0" y="6858000"/>
+                </a:lnTo>
+                <a:close/>
+              </a:path>
+            </a:pathLst>
+          </a:custGeom>
+          <a:solidFill>
+            <a:schemeClr val="bg2">
+              <a:alpha val="50000"/>
+            </a:schemeClr>
+          </a:solidFill>
+          <a:ln w="32707" cap="flat">
+            <a:noFill/>
+            <a:prstDash val="solid"/>
+            <a:miter/>
+          </a:ln>
+        </p:spPr>
+        <p:txBody>
+          <a:bodyPr wrap="square" rtlCol="0" anchor="ctr">
+            <a:noAutofit/>
+          </a:bodyPr>
+          <a:lstStyle/>
+          <a:p>
+            <a:pPr algn="ctr"/>
+            <a:endParaRPr lang="en-US"/>
+          </a:p>
+        </p:txBody>
+      </p:sp>
+      <p:pic>
+        <p:nvPicPr>
+          <p:cNvPr id="4" name="Picture 3">
+            <a:extLst>
+              <a:ext uri="{FF2B5EF4-FFF2-40B4-BE49-F238E27FC236}">
+                <a16:creationId xmlns:a16="http://schemas.microsoft.com/office/drawing/2014/main" id="{D93579AB-59D7-8D0B-04CD-597004DA4CA5}"/>
+              </a:ext>
+            </a:extLst>
+          </p:cNvPr>
+          <p:cNvPicPr>
+            <a:picLocks noChangeAspect="1"/>
+          </p:cNvPicPr>
+          <p:nvPr/>
+        </p:nvPicPr>
+        <p:blipFill>
+          <a:blip r:embed="rId3"/>
+          <a:stretch>
+            <a:fillRect/>
+          </a:stretch>
+        </p:blipFill>
+        <p:spPr>
+          <a:xfrm>
+            <a:off x="9526752" y="306900"/>
+            <a:ext cx="2413124" cy="673135"/>
+          </a:xfrm>
+          <a:prstGeom prst="rect">
+            <a:avLst/>
+          </a:prstGeom>
+        </p:spPr>
+      </p:pic>
+      <p:sp>
+        <p:nvSpPr>
+          <p:cNvPr id="6" name="Title 3">
+            <a:extLst>
+              <a:ext uri="{FF2B5EF4-FFF2-40B4-BE49-F238E27FC236}">
+                <a16:creationId xmlns:a16="http://schemas.microsoft.com/office/drawing/2014/main" id="{A6AFA031-53F6-41B4-77C7-7CEF1FB6F009}"/>
+              </a:ext>
+            </a:extLst>
+          </p:cNvPr>
+          <p:cNvSpPr txBox="1">
+            <a:spLocks/>
+          </p:cNvSpPr>
+          <p:nvPr/>
+        </p:nvSpPr>
+        <p:spPr>
+          <a:xfrm>
+            <a:off x="964643" y="1118541"/>
+            <a:ext cx="10369899" cy="4116662"/>
+          </a:xfrm>
+          <a:prstGeom prst="rect">
+            <a:avLst/>
+          </a:prstGeom>
+        </p:spPr>
+        <p:txBody>
+          <a:bodyPr vert="horz" lIns="91440" tIns="45720" rIns="91440" bIns="45720" rtlCol="0" anchor="ctr">
+            <a:normAutofit fontScale="32500" lnSpcReduction="20000"/>
+          </a:bodyPr>
+          <a:lstStyle>
+            <a:lvl1pPr algn="l" defTabSz="914400" rtl="0" eaLnBrk="1" latinLnBrk="0" hangingPunct="1">
+              <a:lnSpc>
+                <a:spcPct val="90000"/>
+              </a:lnSpc>
+              <a:spcBef>
+                <a:spcPct val="0"/>
+              </a:spcBef>
+              <a:buNone/>
+              <a:defRPr sz="4400" kern="1200">
+                <a:solidFill>
+                  <a:schemeClr val="tx1"/>
+                </a:solidFill>
+                <a:latin typeface="+mj-lt"/>
+                <a:ea typeface="+mj-ea"/>
+                <a:cs typeface="+mj-cs"/>
+              </a:defRPr>
+            </a:lvl1pPr>
+          </a:lstStyle>
+          <a:p>
+            <a:endParaRPr lang="en-US" sz="6000" b="1" dirty="0">
+              <a:latin typeface="Times New Roman" panose="02020603050405020304" pitchFamily="18" charset="0"/>
+              <a:cs typeface="Times New Roman" panose="02020603050405020304" pitchFamily="18" charset="0"/>
+            </a:endParaRPr>
+          </a:p>
+          <a:p>
+            <a:pPr algn="ctr">
+              <a:lnSpc>
+                <a:spcPct val="170000"/>
+              </a:lnSpc>
+            </a:pPr>
+            <a:r>
+              <a:rPr lang="en-US" sz="8700" b="1" dirty="0">
+                <a:latin typeface="Times New Roman" panose="02020603050405020304" pitchFamily="18" charset="0"/>
+                <a:cs typeface="Times New Roman" panose="02020603050405020304" pitchFamily="18" charset="0"/>
+              </a:rPr>
+              <a:t> </a:t>
+            </a:r>
+            <a:r>
+              <a:rPr lang="en-US" sz="9800" b="1" dirty="0">
+                <a:latin typeface="Times New Roman" panose="02020603050405020304" pitchFamily="18" charset="0"/>
+                <a:cs typeface="Times New Roman" panose="02020603050405020304" pitchFamily="18" charset="0"/>
+              </a:rPr>
+              <a:t>Exploring</a:t>
+            </a:r>
+            <a:r>
+              <a:rPr lang="en-US" sz="8600" b="1" dirty="0">
+                <a:latin typeface="Times New Roman" panose="02020603050405020304" pitchFamily="18" charset="0"/>
+                <a:cs typeface="Times New Roman" panose="02020603050405020304" pitchFamily="18" charset="0"/>
+              </a:rPr>
+              <a:t> Canadian Education and </a:t>
+            </a:r>
+            <a:r>
+              <a:rPr lang="en-US" sz="8600" b="1" dirty="0" err="1">
+                <a:latin typeface="Times New Roman" panose="02020603050405020304" pitchFamily="18" charset="0"/>
+                <a:cs typeface="Times New Roman" panose="02020603050405020304" pitchFamily="18" charset="0"/>
+              </a:rPr>
+              <a:t>Labour</a:t>
+            </a:r>
+            <a:r>
+              <a:rPr lang="en-US" sz="8600" b="1" dirty="0">
+                <a:latin typeface="Times New Roman" panose="02020603050405020304" pitchFamily="18" charset="0"/>
+                <a:cs typeface="Times New Roman" panose="02020603050405020304" pitchFamily="18" charset="0"/>
+              </a:rPr>
+              <a:t> Market Data</a:t>
+            </a:r>
+          </a:p>
+          <a:p>
+            <a:endParaRPr lang="en-US" b="1" dirty="0">
+              <a:latin typeface="Times New Roman" panose="02020603050405020304" pitchFamily="18" charset="0"/>
+              <a:cs typeface="Times New Roman" panose="02020603050405020304" pitchFamily="18" charset="0"/>
+            </a:endParaRPr>
+          </a:p>
+          <a:p>
+            <a:endParaRPr lang="en-US" b="1" dirty="0">
+              <a:latin typeface="Times New Roman" panose="02020603050405020304" pitchFamily="18" charset="0"/>
+              <a:cs typeface="Times New Roman" panose="02020603050405020304" pitchFamily="18" charset="0"/>
+            </a:endParaRPr>
+          </a:p>
+          <a:p>
+            <a:endParaRPr lang="en-US" b="1" dirty="0">
+              <a:latin typeface="Times New Roman" panose="02020603050405020304" pitchFamily="18" charset="0"/>
+              <a:cs typeface="Times New Roman" panose="02020603050405020304" pitchFamily="18" charset="0"/>
+            </a:endParaRPr>
+          </a:p>
+          <a:p>
+            <a:pPr algn="ctr"/>
+            <a:endParaRPr lang="en-US" sz="5800" dirty="0">
+              <a:latin typeface="Times New Roman" panose="02020603050405020304" pitchFamily="18" charset="0"/>
+              <a:cs typeface="Times New Roman" panose="02020603050405020304" pitchFamily="18" charset="0"/>
+            </a:endParaRPr>
+          </a:p>
+          <a:p>
+            <a:pPr algn="ctr"/>
+            <a:endParaRPr lang="en-US" sz="7400" dirty="0">
+              <a:latin typeface="Times New Roman" panose="02020603050405020304" pitchFamily="18" charset="0"/>
+              <a:cs typeface="Times New Roman" panose="02020603050405020304" pitchFamily="18" charset="0"/>
+            </a:endParaRPr>
+          </a:p>
+          <a:p>
+            <a:pPr algn="ctr"/>
+            <a:r>
+              <a:rPr lang="en-US" sz="7400" dirty="0">
+                <a:latin typeface="Times New Roman" panose="02020603050405020304" pitchFamily="18" charset="0"/>
+                <a:cs typeface="Times New Roman" panose="02020603050405020304" pitchFamily="18" charset="0"/>
+              </a:rPr>
+              <a:t>Fuxi Ma</a:t>
+            </a:r>
+          </a:p>
+          <a:p>
+            <a:pPr algn="ctr"/>
+            <a:endParaRPr lang="en-US" sz="5800" dirty="0">
+              <a:latin typeface="Times New Roman" panose="02020603050405020304" pitchFamily="18" charset="0"/>
+              <a:cs typeface="Times New Roman" panose="02020603050405020304" pitchFamily="18" charset="0"/>
+            </a:endParaRPr>
+          </a:p>
+          <a:p>
+            <a:pPr algn="ctr"/>
+            <a:endParaRPr lang="en-US" sz="5800" dirty="0">
+              <a:latin typeface="Times New Roman" panose="02020603050405020304" pitchFamily="18" charset="0"/>
+              <a:cs typeface="Times New Roman" panose="02020603050405020304" pitchFamily="18" charset="0"/>
+            </a:endParaRPr>
+          </a:p>
+          <a:p>
+            <a:pPr algn="ctr"/>
+            <a:fld id="{2DDB8B34-DE0F-468F-B477-67C46F3CA98D}" type="datetime3">
+              <a:rPr lang="en-US" sz="5500" smtClean="0">
+                <a:latin typeface="Times New Roman" panose="02020603050405020304" pitchFamily="18" charset="0"/>
+                <a:cs typeface="Times New Roman" panose="02020603050405020304" pitchFamily="18" charset="0"/>
+              </a:rPr>
+              <a:t>27 August 2025</a:t>
+            </a:fld>
+            <a:endParaRPr lang="en-US" sz="6200" b="1" dirty="0">
+              <a:latin typeface="Times New Roman" panose="02020603050405020304" pitchFamily="18" charset="0"/>
+              <a:cs typeface="Times New Roman" panose="02020603050405020304" pitchFamily="18" charset="0"/>
+            </a:endParaRPr>
+          </a:p>
+        </p:txBody>
+      </p:sp>
+    </p:spTree>
+    <p:extLst>
+      <p:ext uri="{BB962C8B-B14F-4D97-AF65-F5344CB8AC3E}">
+        <p14:creationId xmlns:p14="http://schemas.microsoft.com/office/powerpoint/2010/main" val="2520379540"/>
       </p:ext>
     </p:extLst>
   </p:cSld>
